--- a/spring16/slidesS16/confidence-vs-truth.pptx
+++ b/spring16/slidesS16/confidence-vs-truth.pptx
@@ -5,10 +5,10 @@
     <p:sldMasterId id="2147483650" r:id="rId1"/>
   </p:sldMasterIdLst>
   <p:notesMasterIdLst>
-    <p:notesMasterId r:id="rId18"/>
+    <p:notesMasterId r:id="rId19"/>
   </p:notesMasterIdLst>
   <p:handoutMasterIdLst>
-    <p:handoutMasterId r:id="rId19"/>
+    <p:handoutMasterId r:id="rId20"/>
   </p:handoutMasterIdLst>
   <p:sldIdLst>
     <p:sldId id="322" r:id="rId2"/>
@@ -26,12 +26,13 @@
     <p:sldId id="423" r:id="rId14"/>
     <p:sldId id="439" r:id="rId15"/>
     <p:sldId id="424" r:id="rId16"/>
-    <p:sldId id="425" r:id="rId17"/>
+    <p:sldId id="440" r:id="rId17"/>
+    <p:sldId id="425" r:id="rId18"/>
   </p:sldIdLst>
   <p:sldSz cx="9144000" cy="6858000" type="screen4x3"/>
   <p:notesSz cx="9601200" cy="7315200"/>
   <p:custDataLst>
-    <p:tags r:id="rId21"/>
+    <p:tags r:id="rId22"/>
   </p:custDataLst>
   <p:defaultTextStyle>
     <a:defPPr>
@@ -1298,6 +1299,93 @@
                 <a:defRPr/>
               </a:pPr>
               <a:t>16</a:t>
+            </a:fld>
+            <a:endParaRPr lang="en-US"/>
+          </a:p>
+        </p:txBody>
+      </p:sp>
+    </p:spTree>
+  </p:cSld>
+  <p:clrMapOvr>
+    <a:masterClrMapping/>
+  </p:clrMapOvr>
+</p:notes>
+</file>
+
+<file path=ppt/notesSlides/notesSlide14.xml><?xml version="1.0" encoding="utf-8"?>
+<p:notes xmlns:a="http://schemas.openxmlformats.org/drawingml/2006/main" xmlns:r="http://schemas.openxmlformats.org/officeDocument/2006/relationships" xmlns:p="http://schemas.openxmlformats.org/presentationml/2006/main">
+  <p:cSld>
+    <p:spTree>
+      <p:nvGrpSpPr>
+        <p:cNvPr id="1" name=""/>
+        <p:cNvGrpSpPr/>
+        <p:nvPr/>
+      </p:nvGrpSpPr>
+      <p:grpSpPr>
+        <a:xfrm>
+          <a:off x="0" y="0"/>
+          <a:ext cx="0" cy="0"/>
+          <a:chOff x="0" y="0"/>
+          <a:chExt cx="0" cy="0"/>
+        </a:xfrm>
+      </p:grpSpPr>
+      <p:sp>
+        <p:nvSpPr>
+          <p:cNvPr id="2" name="Slide Image Placeholder 1"/>
+          <p:cNvSpPr>
+            <a:spLocks noGrp="1" noRot="1" noChangeAspect="1"/>
+          </p:cNvSpPr>
+          <p:nvPr>
+            <p:ph type="sldImg"/>
+          </p:nvPr>
+        </p:nvSpPr>
+        <p:spPr/>
+      </p:sp>
+      <p:sp>
+        <p:nvSpPr>
+          <p:cNvPr id="3" name="Notes Placeholder 2"/>
+          <p:cNvSpPr>
+            <a:spLocks noGrp="1"/>
+          </p:cNvSpPr>
+          <p:nvPr>
+            <p:ph type="body" idx="1"/>
+          </p:nvPr>
+        </p:nvSpPr>
+        <p:spPr/>
+        <p:txBody>
+          <a:bodyPr>
+            <a:normAutofit/>
+          </a:bodyPr>
+          <a:lstStyle/>
+          <a:p>
+            <a:endParaRPr lang="en-US"/>
+          </a:p>
+        </p:txBody>
+      </p:sp>
+      <p:sp>
+        <p:nvSpPr>
+          <p:cNvPr id="4" name="Slide Number Placeholder 3"/>
+          <p:cNvSpPr>
+            <a:spLocks noGrp="1"/>
+          </p:cNvSpPr>
+          <p:nvPr>
+            <p:ph type="sldNum" sz="quarter" idx="10"/>
+          </p:nvPr>
+        </p:nvSpPr>
+        <p:spPr/>
+        <p:txBody>
+          <a:bodyPr/>
+          <a:lstStyle/>
+          <a:p>
+            <a:pPr>
+              <a:defRPr/>
+            </a:pPr>
+            <a:fld id="{441E3F6F-A8F9-4C39-8C62-F077DEAEAA0F}" type="slidenum">
+              <a:rPr lang="en-US" smtClean="0"/>
+              <a:pPr>
+                <a:defRPr/>
+              </a:pPr>
+              <a:t>17</a:t>
             </a:fld>
             <a:endParaRPr lang="en-US"/>
           </a:p>
@@ -3763,13 +3851,8 @@
             </a:r>
             <a:r>
               <a:rPr lang="en-US" sz="5400" dirty="0" smtClean="0"/>
-              <a:t> a random </a:t>
-            </a:r>
-            <a:r>
-              <a:rPr lang="en-US" sz="5400" dirty="0" smtClean="0"/>
-              <a:t>event!</a:t>
-            </a:r>
-            <a:endParaRPr lang="en-US" sz="5400" dirty="0" smtClean="0"/>
+              <a:t> a random event!</a:t>
+            </a:r>
           </a:p>
         </p:txBody>
       </p:sp>
@@ -4060,13 +4143,7 @@
               <a:rPr lang="en-US" sz="4800" dirty="0" smtClean="0">
                 <a:latin typeface="Comic Sans MS" pitchFamily="66" charset="0"/>
               </a:rPr>
-              <a:t>talk about the probability th</a:t>
-            </a:r>
-            <a:r>
-              <a:rPr lang="en-US" sz="4800" dirty="0" smtClean="0">
-                <a:latin typeface="Comic Sans MS" pitchFamily="66" charset="0"/>
-              </a:rPr>
-              <a:t>e test is correct.   </a:t>
+              <a:t>talk about the probability the test is correct.   </a:t>
             </a:r>
             <a:endParaRPr lang="en-US" sz="4800" dirty="0">
               <a:latin typeface="Comic Sans MS" pitchFamily="66" charset="0"/>
@@ -4317,25 +4394,7 @@
               <a:rPr lang="en-US" sz="4800" dirty="0" smtClean="0">
                 <a:latin typeface="Comic Sans MS" pitchFamily="66" charset="0"/>
               </a:rPr>
-              <a:t>talk about the probability th</a:t>
-            </a:r>
-            <a:r>
-              <a:rPr lang="en-US" sz="4800" dirty="0" smtClean="0">
-                <a:latin typeface="Comic Sans MS" pitchFamily="66" charset="0"/>
-              </a:rPr>
-              <a:t>e test is correct. We can say “A test </a:t>
-            </a:r>
-            <a:r>
-              <a:rPr lang="en-US" sz="4800" dirty="0" smtClean="0">
-                <a:latin typeface="Comic Sans MS" pitchFamily="66" charset="0"/>
-              </a:rPr>
-              <a:t>which is correct 98% of the </a:t>
-            </a:r>
-            <a:r>
-              <a:rPr lang="en-US" sz="4800" dirty="0" smtClean="0">
-                <a:latin typeface="Comic Sans MS" pitchFamily="66" charset="0"/>
-              </a:rPr>
-              <a:t>time shows you have TB.”</a:t>
+              <a:t>talk about the probability the test is correct. We can say “A test which is correct 98% of the time shows you have TB.”</a:t>
             </a:r>
             <a:endParaRPr lang="en-US" sz="4800" dirty="0">
               <a:latin typeface="Comic Sans MS" pitchFamily="66" charset="0"/>
@@ -4433,13 +4492,13 @@
   <p:clrMapOvr>
     <a:masterClrMapping/>
   </p:clrMapOvr>
-  <mc:AlternateContent xmlns:mc="http://schemas.openxmlformats.org/markup-compatibility/2006">
-    <mc:Choice xmlns:p14="http://schemas.microsoft.com/office/powerpoint/2010/main" Requires="p14">
+  <mc:AlternateContent xmlns:mc="http://schemas.openxmlformats.org/markup-compatibility/2006" xmlns:p14="http://schemas.microsoft.com/office/powerpoint/2010/main">
+    <mc:Choice Requires="p14">
       <p:transition spd="med" p14:dur="600" advClick="0">
         <p:fade/>
       </p:transition>
     </mc:Choice>
-    <mc:Fallback>
+    <mc:Fallback xmlns="">
       <p:transition xmlns:p14="http://schemas.microsoft.com/office/powerpoint/2010/main" spd="med" advClick="0">
         <p:fade/>
       </p:transition>
@@ -4710,13 +4769,13 @@
   <p:clrMapOvr>
     <a:masterClrMapping/>
   </p:clrMapOvr>
-  <mc:AlternateContent xmlns:mc="http://schemas.openxmlformats.org/markup-compatibility/2006">
-    <mc:Choice xmlns:p14="http://schemas.microsoft.com/office/powerpoint/2010/main" Requires="p14">
+  <mc:AlternateContent xmlns:mc="http://schemas.openxmlformats.org/markup-compatibility/2006" xmlns:p14="http://schemas.microsoft.com/office/powerpoint/2010/main">
+    <mc:Choice Requires="p14">
       <p:transition spd="slow" p14:dur="900" advClick="0">
         <p:fade/>
       </p:transition>
     </mc:Choice>
-    <mc:Fallback>
+    <mc:Fallback xmlns="">
       <p:transition xmlns:p14="http://schemas.microsoft.com/office/powerpoint/2010/main" spd="slow" advClick="0">
         <p:fade/>
       </p:transition>
@@ -4797,7 +4856,7 @@
         </p:nvSpPr>
         <p:spPr bwMode="auto">
           <a:xfrm>
-            <a:off x="304800" y="1371600"/>
+            <a:off x="152400" y="1371600"/>
             <a:ext cx="8839200" cy="3877984"/>
           </a:xfrm>
           <a:prstGeom prst="rect">
@@ -4829,13 +4888,7 @@
               <a:rPr lang="en-US" sz="6000" dirty="0" smtClean="0">
                 <a:latin typeface="Comic Sans MS" pitchFamily="66" charset="0"/>
               </a:rPr>
-              <a:t>In other </a:t>
-            </a:r>
-            <a:r>
-              <a:rPr lang="en-US" sz="6000" dirty="0" smtClean="0">
-                <a:latin typeface="Comic Sans MS" pitchFamily="66" charset="0"/>
-              </a:rPr>
-              <a:t>words,</a:t>
+              <a:t>In other words,</a:t>
             </a:r>
           </a:p>
           <a:p>
@@ -5159,8 +5212,8 @@
         </p:nvSpPr>
         <p:spPr>
           <a:xfrm>
-            <a:off x="152400" y="1066800"/>
-            <a:ext cx="8686800" cy="4343400"/>
+            <a:off x="228600" y="1143000"/>
+            <a:ext cx="8763000" cy="4572000"/>
           </a:xfrm>
         </p:spPr>
         <p:txBody>
@@ -5173,11 +5226,19 @@
                   <a:srgbClr val="006600"/>
                 </a:solidFill>
               </a:rPr>
-              <a:t>Moral:</a:t>
+              <a:t>But </a:t>
+            </a:r>
+            <a:r>
+              <a:rPr lang="en-US" sz="4800" dirty="0"/>
+              <a:t>remember </a:t>
             </a:r>
             <a:r>
               <a:rPr lang="en-US" sz="4800" dirty="0" smtClean="0"/>
-              <a:t> when you are told that </a:t>
+              <a:t>when told </a:t>
+            </a:r>
+            <a:r>
+              <a:rPr lang="en-US" sz="4800" dirty="0" smtClean="0"/>
+              <a:t>that </a:t>
             </a:r>
           </a:p>
           <a:p>
@@ -5205,30 +5266,42 @@
             </a:r>
             <a:r>
               <a:rPr lang="en-US" sz="4800" dirty="0" smtClean="0"/>
-              <a:t>, remember </a:t>
-            </a:r>
-          </a:p>
-          <a:p>
+              <a:t>, </a:t>
+            </a:r>
             <a:r>
               <a:rPr lang="en-US" sz="4800" dirty="0" smtClean="0"/>
-              <a:t>that a random </a:t>
-            </a:r>
+              <a:t> </a:t>
+            </a:r>
+            <a:endParaRPr lang="en-US" sz="4800" dirty="0" smtClean="0"/>
+          </a:p>
+          <a:p>
             <a:r>
               <a:rPr lang="en-US" sz="4800" dirty="0" smtClean="0"/>
-              <a:t>test</a:t>
+              <a:t>this does </a:t>
+            </a:r>
+            <a:r>
+              <a:rPr lang="en-US" sz="4800" dirty="0" smtClean="0">
+                <a:solidFill>
+                  <a:srgbClr val="FF00FF"/>
+                </a:solidFill>
+              </a:rPr>
+              <a:t>not</a:t>
+            </a:r>
+            <a:r>
+              <a:rPr lang="en-US" sz="4800" dirty="0" smtClean="0"/>
+              <a:t> mean that </a:t>
+            </a:r>
+            <a:r>
+              <a:rPr lang="en-US" sz="4800" dirty="0" smtClean="0"/>
+              <a:t>it is </a:t>
+            </a:r>
+          </a:p>
+          <a:p>
+            <a:r>
+              <a:rPr lang="en-US" sz="4800" dirty="0" smtClean="0"/>
+              <a:t>true or even probable.</a:t>
             </a:r>
             <a:endParaRPr lang="en-US" sz="4800" dirty="0" smtClean="0"/>
-          </a:p>
-          <a:p>
-            <a:r>
-              <a:rPr lang="en-US" sz="4800" dirty="0" smtClean="0"/>
-              <a:t>lies behind this claim. </a:t>
-            </a:r>
-            <a:endParaRPr lang="en-US" sz="4800" dirty="0" smtClean="0">
-              <a:solidFill>
-                <a:srgbClr val="0000CC"/>
-              </a:solidFill>
-            </a:endParaRPr>
           </a:p>
         </p:txBody>
       </p:sp>
@@ -5265,6 +5338,324 @@
                 <a:defRPr/>
               </a:pPr>
               <a:t>15</a:t>
+            </a:fld>
+            <a:endParaRPr lang="en-US" dirty="0"/>
+          </a:p>
+        </p:txBody>
+      </p:sp>
+      <p:sp>
+        <p:nvSpPr>
+          <p:cNvPr id="7" name="Rectangle 3"/>
+          <p:cNvSpPr>
+            <a:spLocks noGrp="1" noChangeArrowheads="1"/>
+          </p:cNvSpPr>
+          <p:nvPr>
+            <p:ph type="title"/>
+          </p:nvPr>
+        </p:nvSpPr>
+        <p:spPr>
+          <a:xfrm>
+            <a:off x="1905000" y="228600"/>
+            <a:ext cx="5334000" cy="990600"/>
+          </a:xfrm>
+          <a:noFill/>
+        </p:spPr>
+        <p:txBody>
+          <a:bodyPr/>
+          <a:lstStyle/>
+          <a:p>
+            <a:pPr eaLnBrk="1" hangingPunct="1"/>
+            <a:r>
+              <a:rPr lang="en-US" sz="4800" dirty="0" smtClean="0">
+                <a:solidFill>
+                  <a:srgbClr val="0006FE"/>
+                </a:solidFill>
+              </a:rPr>
+              <a:t>Confidence</a:t>
+            </a:r>
+          </a:p>
+        </p:txBody>
+      </p:sp>
+    </p:spTree>
+    <p:extLst>
+      <p:ext uri="{BB962C8B-B14F-4D97-AF65-F5344CB8AC3E}">
+        <p14:creationId xmlns:p14="http://schemas.microsoft.com/office/powerpoint/2010/main" val="474281096"/>
+      </p:ext>
+    </p:extLst>
+  </p:cSld>
+  <p:clrMapOvr>
+    <a:masterClrMapping/>
+  </p:clrMapOvr>
+  <p:transition xmlns:p14="http://schemas.microsoft.com/office/powerpoint/2010/main" spd="slow" advClick="0">
+    <p:fade thruBlk="1"/>
+  </p:transition>
+  <p:timing>
+    <p:tnLst>
+      <p:par>
+        <p:cTn xmlns:p14="http://schemas.microsoft.com/office/powerpoint/2010/main" id="1" dur="indefinite" restart="never" nodeType="tmRoot">
+          <p:childTnLst>
+            <p:seq concurrent="1" nextAc="seek">
+              <p:cTn id="2" dur="indefinite" nodeType="mainSeq">
+                <p:childTnLst>
+                  <p:par>
+                    <p:cTn id="3" fill="hold">
+                      <p:stCondLst>
+                        <p:cond delay="indefinite"/>
+                      </p:stCondLst>
+                      <p:childTnLst>
+                        <p:par>
+                          <p:cTn id="4" fill="hold">
+                            <p:stCondLst>
+                              <p:cond delay="0"/>
+                            </p:stCondLst>
+                            <p:childTnLst>
+                              <p:par>
+                                <p:cTn id="5" presetID="10" presetClass="entr" presetSubtype="0" fill="hold" nodeType="clickEffect">
+                                  <p:stCondLst>
+                                    <p:cond delay="0"/>
+                                  </p:stCondLst>
+                                  <p:childTnLst>
+                                    <p:set>
+                                      <p:cBhvr>
+                                        <p:cTn id="6" dur="1" fill="hold">
+                                          <p:stCondLst>
+                                            <p:cond delay="0"/>
+                                          </p:stCondLst>
+                                        </p:cTn>
+                                        <p:tgtEl>
+                                          <p:spTgt spid="3">
+                                            <p:txEl>
+                                              <p:pRg st="3" end="3"/>
+                                            </p:txEl>
+                                          </p:spTgt>
+                                        </p:tgtEl>
+                                        <p:attrNameLst>
+                                          <p:attrName>style.visibility</p:attrName>
+                                        </p:attrNameLst>
+                                      </p:cBhvr>
+                                      <p:to>
+                                        <p:strVal val="visible"/>
+                                      </p:to>
+                                    </p:set>
+                                    <p:animEffect transition="in" filter="fade">
+                                      <p:cBhvr>
+                                        <p:cTn id="7" dur="500"/>
+                                        <p:tgtEl>
+                                          <p:spTgt spid="3">
+                                            <p:txEl>
+                                              <p:pRg st="3" end="3"/>
+                                            </p:txEl>
+                                          </p:spTgt>
+                                        </p:tgtEl>
+                                      </p:cBhvr>
+                                    </p:animEffect>
+                                  </p:childTnLst>
+                                </p:cTn>
+                              </p:par>
+                              <p:par>
+                                <p:cTn id="8" presetID="10" presetClass="entr" presetSubtype="0" fill="hold" nodeType="withEffect">
+                                  <p:stCondLst>
+                                    <p:cond delay="0"/>
+                                  </p:stCondLst>
+                                  <p:childTnLst>
+                                    <p:set>
+                                      <p:cBhvr>
+                                        <p:cTn id="9" dur="1" fill="hold">
+                                          <p:stCondLst>
+                                            <p:cond delay="0"/>
+                                          </p:stCondLst>
+                                        </p:cTn>
+                                        <p:tgtEl>
+                                          <p:spTgt spid="3">
+                                            <p:txEl>
+                                              <p:pRg st="4" end="4"/>
+                                            </p:txEl>
+                                          </p:spTgt>
+                                        </p:tgtEl>
+                                        <p:attrNameLst>
+                                          <p:attrName>style.visibility</p:attrName>
+                                        </p:attrNameLst>
+                                      </p:cBhvr>
+                                      <p:to>
+                                        <p:strVal val="visible"/>
+                                      </p:to>
+                                    </p:set>
+                                    <p:animEffect transition="in" filter="fade">
+                                      <p:cBhvr>
+                                        <p:cTn id="10" dur="500"/>
+                                        <p:tgtEl>
+                                          <p:spTgt spid="3">
+                                            <p:txEl>
+                                              <p:pRg st="4" end="4"/>
+                                            </p:txEl>
+                                          </p:spTgt>
+                                        </p:tgtEl>
+                                      </p:cBhvr>
+                                    </p:animEffect>
+                                  </p:childTnLst>
+                                </p:cTn>
+                              </p:par>
+                            </p:childTnLst>
+                          </p:cTn>
+                        </p:par>
+                      </p:childTnLst>
+                    </p:cTn>
+                  </p:par>
+                </p:childTnLst>
+              </p:cTn>
+              <p:prevCondLst>
+                <p:cond evt="onPrev" delay="0">
+                  <p:tgtEl>
+                    <p:sldTgt/>
+                  </p:tgtEl>
+                </p:cond>
+              </p:prevCondLst>
+              <p:nextCondLst>
+                <p:cond evt="onNext" delay="0">
+                  <p:tgtEl>
+                    <p:sldTgt/>
+                  </p:tgtEl>
+                </p:cond>
+              </p:nextCondLst>
+            </p:seq>
+          </p:childTnLst>
+        </p:cTn>
+      </p:par>
+    </p:tnLst>
+  </p:timing>
+</p:sld>
+</file>
+
+<file path=ppt/slides/slide16.xml><?xml version="1.0" encoding="utf-8"?>
+<p:sld xmlns:a="http://schemas.openxmlformats.org/drawingml/2006/main" xmlns:r="http://schemas.openxmlformats.org/officeDocument/2006/relationships" xmlns:p="http://schemas.openxmlformats.org/presentationml/2006/main" show="0">
+  <p:cSld>
+    <p:spTree>
+      <p:nvGrpSpPr>
+        <p:cNvPr id="1" name=""/>
+        <p:cNvGrpSpPr/>
+        <p:nvPr/>
+      </p:nvGrpSpPr>
+      <p:grpSpPr>
+        <a:xfrm>
+          <a:off x="0" y="0"/>
+          <a:ext cx="0" cy="0"/>
+          <a:chOff x="0" y="0"/>
+          <a:chExt cx="0" cy="0"/>
+        </a:xfrm>
+      </p:grpSpPr>
+      <p:sp>
+        <p:nvSpPr>
+          <p:cNvPr id="3" name="Content Placeholder 2"/>
+          <p:cNvSpPr>
+            <a:spLocks noGrp="1"/>
+          </p:cNvSpPr>
+          <p:nvPr>
+            <p:ph idx="1"/>
+          </p:nvPr>
+        </p:nvSpPr>
+        <p:spPr>
+          <a:xfrm>
+            <a:off x="152400" y="1066800"/>
+            <a:ext cx="8686800" cy="4343400"/>
+          </a:xfrm>
+        </p:spPr>
+        <p:txBody>
+          <a:bodyPr/>
+          <a:lstStyle/>
+          <a:p>
+            <a:r>
+              <a:rPr lang="en-US" sz="4800" dirty="0" smtClean="0">
+                <a:solidFill>
+                  <a:srgbClr val="006600"/>
+                </a:solidFill>
+              </a:rPr>
+              <a:t>Moral:</a:t>
+            </a:r>
+            <a:r>
+              <a:rPr lang="en-US" sz="4800" dirty="0" smtClean="0"/>
+              <a:t> when you are told that </a:t>
+            </a:r>
+          </a:p>
+          <a:p>
+            <a:r>
+              <a:rPr lang="en-US" sz="4800" dirty="0" smtClean="0"/>
+              <a:t>some fact holds at a </a:t>
+            </a:r>
+            <a:r>
+              <a:rPr lang="en-US" sz="4800" dirty="0" smtClean="0">
+                <a:solidFill>
+                  <a:srgbClr val="006600"/>
+                </a:solidFill>
+              </a:rPr>
+              <a:t>high </a:t>
+            </a:r>
+          </a:p>
+          <a:p>
+            <a:r>
+              <a:rPr lang="en-US" sz="4800" dirty="0" smtClean="0">
+                <a:solidFill>
+                  <a:srgbClr val="006600"/>
+                </a:solidFill>
+              </a:rPr>
+              <a:t>confidence level</a:t>
+            </a:r>
+            <a:r>
+              <a:rPr lang="en-US" sz="4800" dirty="0" smtClean="0"/>
+              <a:t>, remember </a:t>
+            </a:r>
+          </a:p>
+          <a:p>
+            <a:r>
+              <a:rPr lang="en-US" sz="4800" dirty="0" smtClean="0"/>
+              <a:t>that a random test</a:t>
+            </a:r>
+          </a:p>
+          <a:p>
+            <a:r>
+              <a:rPr lang="en-US" sz="4800" dirty="0" smtClean="0"/>
+              <a:t>lies behind this claim. </a:t>
+            </a:r>
+            <a:endParaRPr lang="en-US" sz="4800" dirty="0" smtClean="0">
+              <a:solidFill>
+                <a:srgbClr val="0000CC"/>
+              </a:solidFill>
+            </a:endParaRPr>
+          </a:p>
+        </p:txBody>
+      </p:sp>
+      <p:sp>
+        <p:nvSpPr>
+          <p:cNvPr id="4" name="Slide Number Placeholder 3"/>
+          <p:cNvSpPr>
+            <a:spLocks noGrp="1"/>
+          </p:cNvSpPr>
+          <p:nvPr>
+            <p:ph type="sldNum" sz="quarter" idx="4"/>
+          </p:nvPr>
+        </p:nvSpPr>
+        <p:spPr>
+          <a:xfrm>
+            <a:off x="7620000" y="6597650"/>
+            <a:ext cx="1524000" cy="274638"/>
+          </a:xfrm>
+        </p:spPr>
+        <p:txBody>
+          <a:bodyPr/>
+          <a:lstStyle/>
+          <a:p>
+            <a:pPr>
+              <a:defRPr/>
+            </a:pPr>
+            <a:r>
+              <a:rPr lang="en-US" dirty="0" smtClean="0"/>
+              <a:t>truth.</a:t>
+            </a:r>
+            <a:fld id="{E78F4000-603A-43A9-9772-EA15786EFD2C}" type="slidenum">
+              <a:rPr lang="en-US" smtClean="0"/>
+              <a:pPr>
+                <a:defRPr/>
+              </a:pPr>
+              <a:t>16</a:t>
             </a:fld>
             <a:endParaRPr lang="en-US" dirty="0"/>
           </a:p>
@@ -5382,7 +5773,7 @@
     </p:spTree>
     <p:extLst>
       <p:ext uri="{BB962C8B-B14F-4D97-AF65-F5344CB8AC3E}">
-        <p14:creationId xmlns:p14="http://schemas.microsoft.com/office/powerpoint/2010/main" val="474281096"/>
+        <p14:creationId xmlns:p14="http://schemas.microsoft.com/office/powerpoint/2010/main" val="2341161943"/>
       </p:ext>
     </p:extLst>
   </p:cSld>
@@ -5481,8 +5872,8 @@
 </p:sld>
 </file>
 
-<file path=ppt/slides/slide16.xml><?xml version="1.0" encoding="utf-8"?>
-<p:sld xmlns:a="http://schemas.openxmlformats.org/drawingml/2006/main" xmlns:r="http://schemas.openxmlformats.org/officeDocument/2006/relationships" xmlns:p="http://schemas.openxmlformats.org/presentationml/2006/main">
+<file path=ppt/slides/slide17.xml><?xml version="1.0" encoding="utf-8"?>
+<p:sld xmlns:a="http://schemas.openxmlformats.org/drawingml/2006/main" xmlns:r="http://schemas.openxmlformats.org/officeDocument/2006/relationships" xmlns:p="http://schemas.openxmlformats.org/presentationml/2006/main" show="0">
   <p:cSld>
     <p:spTree>
       <p:nvGrpSpPr>
@@ -5629,7 +6020,7 @@
               <a:pPr>
                 <a:defRPr/>
               </a:pPr>
-              <a:t>16</a:t>
+              <a:t>17</a:t>
             </a:fld>
             <a:endParaRPr lang="en-US" dirty="0"/>
           </a:p>
@@ -6567,13 +6958,13 @@
   <p:clrMapOvr>
     <a:masterClrMapping/>
   </p:clrMapOvr>
-  <mc:AlternateContent xmlns:mc="http://schemas.openxmlformats.org/markup-compatibility/2006">
-    <mc:Choice xmlns:p14="http://schemas.microsoft.com/office/powerpoint/2010/main" Requires="p14">
+  <mc:AlternateContent xmlns:mc="http://schemas.openxmlformats.org/markup-compatibility/2006" xmlns:p14="http://schemas.microsoft.com/office/powerpoint/2010/main">
+    <mc:Choice Requires="p14">
       <p:transition spd="slow" p14:dur="1100" advClick="0">
         <p:fade/>
       </p:transition>
     </mc:Choice>
-    <mc:Fallback>
+    <mc:Fallback xmlns="">
       <p:transition xmlns:p14="http://schemas.microsoft.com/office/powerpoint/2010/main" spd="slow" advClick="0">
         <p:fade/>
       </p:transition>
@@ -6885,13 +7276,7 @@
               <a:rPr lang="is-IS" sz="5400" kern="0" dirty="0" smtClean="0">
                 <a:latin typeface="Comic Sans MS" pitchFamily="66" charset="0"/>
               </a:rPr>
-              <a:t>probability </a:t>
-            </a:r>
-            <a:r>
-              <a:rPr lang="is-IS" sz="5400" kern="0" dirty="0" smtClean="0">
-                <a:latin typeface="Comic Sans MS" pitchFamily="66" charset="0"/>
-              </a:rPr>
-              <a:t>someone </a:t>
+              <a:t>probability someone </a:t>
             </a:r>
             <a:r>
               <a:rPr lang="is-IS" sz="5400" kern="0" dirty="0" smtClean="0">
@@ -7005,13 +7390,13 @@
   <p:clrMapOvr>
     <a:masterClrMapping/>
   </p:clrMapOvr>
-  <mc:AlternateContent xmlns:mc="http://schemas.openxmlformats.org/markup-compatibility/2006">
-    <mc:Choice xmlns:p14="http://schemas.microsoft.com/office/powerpoint/2010/main" Requires="p14">
+  <mc:AlternateContent xmlns:mc="http://schemas.openxmlformats.org/markup-compatibility/2006" xmlns:p14="http://schemas.microsoft.com/office/powerpoint/2010/main">
+    <mc:Choice Requires="p14">
       <p:transition spd="slow" p14:dur="900" advClick="0">
         <p:fade/>
       </p:transition>
     </mc:Choice>
-    <mc:Fallback>
+    <mc:Fallback xmlns="">
       <p:transition xmlns:p14="http://schemas.microsoft.com/office/powerpoint/2010/main" spd="slow" advClick="0">
         <p:fade/>
       </p:transition>
@@ -7239,13 +7624,7 @@
               <a:rPr lang="is-IS" sz="5400" kern="0" dirty="0" smtClean="0">
                 <a:latin typeface="Comic Sans MS" pitchFamily="66" charset="0"/>
               </a:rPr>
-              <a:t>probability </a:t>
-            </a:r>
-            <a:r>
-              <a:rPr lang="is-IS" sz="5400" kern="0" dirty="0" smtClean="0">
-                <a:latin typeface="Comic Sans MS" pitchFamily="66" charset="0"/>
-              </a:rPr>
-              <a:t>someone </a:t>
+              <a:t>probability someone </a:t>
             </a:r>
             <a:r>
               <a:rPr lang="is-IS" sz="5400" kern="0" dirty="0" smtClean="0">
@@ -7366,11 +7745,7 @@
           <a:p>
             <a:r>
               <a:rPr lang="en-US" sz="4800" dirty="0" smtClean="0"/>
-              <a:t>A Random </a:t>
-            </a:r>
-            <a:r>
-              <a:rPr lang="en-US" sz="4800" dirty="0" smtClean="0"/>
-              <a:t>Person</a:t>
+              <a:t>A Random Person</a:t>
             </a:r>
             <a:endParaRPr lang="en-US" sz="4800" dirty="0">
               <a:solidFill>
@@ -7619,11 +7994,7 @@
           <a:p>
             <a:r>
               <a:rPr lang="en-US" sz="4800" dirty="0" smtClean="0"/>
-              <a:t>A Random </a:t>
-            </a:r>
-            <a:r>
-              <a:rPr lang="en-US" sz="4800" dirty="0" smtClean="0"/>
-              <a:t>Person</a:t>
+              <a:t>A Random Person</a:t>
             </a:r>
             <a:r>
               <a:rPr lang="en-US" sz="4800" dirty="0">
@@ -7707,7 +8078,6 @@
               <a:rPr lang="en-US" sz="5400" dirty="0" smtClean="0"/>
               <a:t>.</a:t>
             </a:r>
-            <a:endParaRPr lang="en-US" sz="5400" dirty="0" smtClean="0"/>
           </a:p>
         </p:txBody>
       </p:sp>
@@ -7762,13 +8132,13 @@
   <p:clrMapOvr>
     <a:masterClrMapping/>
   </p:clrMapOvr>
-  <mc:AlternateContent xmlns:mc="http://schemas.openxmlformats.org/markup-compatibility/2006">
-    <mc:Choice xmlns:p14="http://schemas.microsoft.com/office/powerpoint/2010/main" Requires="p14">
+  <mc:AlternateContent xmlns:mc="http://schemas.openxmlformats.org/markup-compatibility/2006" xmlns:p14="http://schemas.microsoft.com/office/powerpoint/2010/main">
+    <mc:Choice Requires="p14">
       <p:transition spd="slow" p14:dur="900" advClick="0">
         <p:fade/>
       </p:transition>
     </mc:Choice>
-    <mc:Fallback>
+    <mc:Fallback xmlns="">
       <p:transition xmlns:p14="http://schemas.microsoft.com/office/powerpoint/2010/main" spd="slow" advClick="0">
         <p:fade/>
       </p:transition>
@@ -7950,11 +8320,7 @@
           <a:p>
             <a:r>
               <a:rPr lang="en-US" sz="4800" dirty="0" smtClean="0"/>
-              <a:t>A Random </a:t>
-            </a:r>
-            <a:r>
-              <a:rPr lang="en-US" sz="4800" dirty="0" smtClean="0"/>
-              <a:t>Person</a:t>
+              <a:t>A Random Person</a:t>
             </a:r>
             <a:r>
               <a:rPr lang="en-US" sz="4800" dirty="0">
@@ -8044,7 +8410,6 @@
               <a:rPr lang="en-US" sz="5400" dirty="0" smtClean="0"/>
               <a:t>probabilistic about this.</a:t>
             </a:r>
-            <a:endParaRPr lang="en-US" sz="5400" dirty="0" smtClean="0"/>
           </a:p>
         </p:txBody>
       </p:sp>
@@ -8099,13 +8464,13 @@
   <p:clrMapOvr>
     <a:masterClrMapping/>
   </p:clrMapOvr>
-  <mc:AlternateContent xmlns:mc="http://schemas.openxmlformats.org/markup-compatibility/2006">
-    <mc:Choice xmlns:p14="http://schemas.microsoft.com/office/powerpoint/2010/main" Requires="p14">
+  <mc:AlternateContent xmlns:mc="http://schemas.openxmlformats.org/markup-compatibility/2006" xmlns:p14="http://schemas.microsoft.com/office/powerpoint/2010/main">
+    <mc:Choice Requires="p14">
       <p:transition spd="slow" p14:dur="900" advClick="0">
         <p:fade/>
       </p:transition>
     </mc:Choice>
-    <mc:Fallback>
+    <mc:Fallback xmlns="">
       <p:transition xmlns:p14="http://schemas.microsoft.com/office/powerpoint/2010/main" spd="slow" advClick="0">
         <p:fade/>
       </p:transition>
@@ -8211,23 +8576,8 @@
               <a:rPr lang="en-US" sz="5400" dirty="0" smtClean="0">
                 <a:latin typeface="Comic Sans MS" pitchFamily="66" charset="0"/>
               </a:rPr>
-              <a:t>It is tempting </a:t>
-            </a:r>
-            <a:r>
-              <a:rPr lang="en-US" sz="5400" dirty="0" smtClean="0">
-                <a:latin typeface="Comic Sans MS" pitchFamily="66" charset="0"/>
-              </a:rPr>
-              <a:t>to </a:t>
-            </a:r>
-            <a:r>
-              <a:rPr lang="en-US" sz="5400" dirty="0" smtClean="0">
-                <a:latin typeface="Comic Sans MS" pitchFamily="66" charset="0"/>
-              </a:rPr>
-              <a:t>talk about</a:t>
-            </a:r>
-            <a:endParaRPr lang="en-US" sz="5400" dirty="0" smtClean="0">
-              <a:latin typeface="Comic Sans MS" pitchFamily="66" charset="0"/>
-            </a:endParaRPr>
+              <a:t>It is tempting to talk about</a:t>
+            </a:r>
           </a:p>
           <a:p>
             <a:pPr lvl="1" algn="l"/>
@@ -8491,13 +8841,13 @@
   <p:clrMapOvr>
     <a:masterClrMapping/>
   </p:clrMapOvr>
-  <mc:AlternateContent xmlns:mc="http://schemas.openxmlformats.org/markup-compatibility/2006">
-    <mc:Choice xmlns:p14="http://schemas.microsoft.com/office/powerpoint/2010/main" Requires="p14">
+  <mc:AlternateContent xmlns:mc="http://schemas.openxmlformats.org/markup-compatibility/2006" xmlns:p14="http://schemas.microsoft.com/office/powerpoint/2010/main">
+    <mc:Choice Requires="p14">
       <p:transition spd="slow" p14:dur="900" advClick="0">
         <p:fade/>
       </p:transition>
     </mc:Choice>
-    <mc:Fallback>
+    <mc:Fallback xmlns="">
       <p:transition xmlns:p14="http://schemas.microsoft.com/office/powerpoint/2010/main" spd="slow" advClick="0">
         <p:fade/>
       </p:transition>

--- a/spring16/slidesS16/confidence-vs-truth.pptx
+++ b/spring16/slidesS16/confidence-vs-truth.pptx
@@ -5,10 +5,10 @@
     <p:sldMasterId id="2147483650" r:id="rId1"/>
   </p:sldMasterIdLst>
   <p:notesMasterIdLst>
-    <p:notesMasterId r:id="rId19"/>
+    <p:notesMasterId r:id="rId20"/>
   </p:notesMasterIdLst>
   <p:handoutMasterIdLst>
-    <p:handoutMasterId r:id="rId20"/>
+    <p:handoutMasterId r:id="rId21"/>
   </p:handoutMasterIdLst>
   <p:sldIdLst>
     <p:sldId id="322" r:id="rId2"/>
@@ -19,20 +19,21 @@
     <p:sldId id="432" r:id="rId7"/>
     <p:sldId id="434" r:id="rId8"/>
     <p:sldId id="437" r:id="rId9"/>
-    <p:sldId id="419" r:id="rId10"/>
-    <p:sldId id="420" r:id="rId11"/>
+    <p:sldId id="420" r:id="rId10"/>
+    <p:sldId id="419" r:id="rId11"/>
     <p:sldId id="421" r:id="rId12"/>
     <p:sldId id="438" r:id="rId13"/>
     <p:sldId id="423" r:id="rId14"/>
     <p:sldId id="439" r:id="rId15"/>
-    <p:sldId id="424" r:id="rId16"/>
-    <p:sldId id="440" r:id="rId17"/>
-    <p:sldId id="425" r:id="rId18"/>
+    <p:sldId id="442" r:id="rId16"/>
+    <p:sldId id="441" r:id="rId17"/>
+    <p:sldId id="424" r:id="rId18"/>
+    <p:sldId id="440" r:id="rId19"/>
   </p:sldIdLst>
   <p:sldSz cx="9144000" cy="6858000" type="screen4x3"/>
   <p:notesSz cx="9601200" cy="7315200"/>
   <p:custDataLst>
-    <p:tags r:id="rId22"/>
+    <p:tags r:id="rId23"/>
   </p:custDataLst>
   <p:defaultTextStyle>
     <a:defPPr>
@@ -1157,63 +1158,70 @@
       </p:grpSpPr>
       <p:sp>
         <p:nvSpPr>
-          <p:cNvPr id="2" name="Slide Image Placeholder 1"/>
-          <p:cNvSpPr>
-            <a:spLocks noGrp="1" noRot="1" noChangeAspect="1"/>
-          </p:cNvSpPr>
-          <p:nvPr>
-            <p:ph type="sldImg"/>
-          </p:nvPr>
-        </p:nvSpPr>
-        <p:spPr/>
-      </p:sp>
-      <p:sp>
-        <p:nvSpPr>
-          <p:cNvPr id="3" name="Notes Placeholder 2"/>
-          <p:cNvSpPr>
-            <a:spLocks noGrp="1"/>
-          </p:cNvSpPr>
-          <p:nvPr>
-            <p:ph type="body" idx="1"/>
-          </p:nvPr>
-        </p:nvSpPr>
-        <p:spPr/>
-        <p:txBody>
-          <a:bodyPr>
-            <a:normAutofit/>
-          </a:bodyPr>
-          <a:lstStyle/>
-          <a:p>
-            <a:endParaRPr lang="en-US"/>
-          </a:p>
-        </p:txBody>
-      </p:sp>
-      <p:sp>
-        <p:nvSpPr>
-          <p:cNvPr id="4" name="Slide Number Placeholder 3"/>
-          <p:cNvSpPr>
-            <a:spLocks noGrp="1"/>
-          </p:cNvSpPr>
-          <p:nvPr>
-            <p:ph type="sldNum" sz="quarter" idx="10"/>
-          </p:nvPr>
-        </p:nvSpPr>
-        <p:spPr/>
+          <p:cNvPr id="72706" name="Rectangle 7"/>
+          <p:cNvSpPr>
+            <a:spLocks noGrp="1" noChangeArrowheads="1"/>
+          </p:cNvSpPr>
+          <p:nvPr>
+            <p:ph type="sldNum" sz="quarter" idx="5"/>
+          </p:nvPr>
+        </p:nvSpPr>
+        <p:spPr>
+          <a:noFill/>
+        </p:spPr>
         <p:txBody>
           <a:bodyPr/>
           <a:lstStyle/>
           <a:p>
-            <a:pPr>
-              <a:defRPr/>
-            </a:pPr>
-            <a:fld id="{441E3F6F-A8F9-4C39-8C62-F077DEAEAA0F}" type="slidenum">
-              <a:rPr lang="en-US" smtClean="0"/>
-              <a:pPr>
-                <a:defRPr/>
-              </a:pPr>
+            <a:fld id="{7901F982-AFE8-4DF3-92B6-756DCF784EAE}" type="slidenum">
+              <a:rPr lang="en-US" smtClean="0">
+                <a:latin typeface="Arial" charset="0"/>
+              </a:rPr>
+              <a:pPr/>
               <a:t>15</a:t>
             </a:fld>
-            <a:endParaRPr lang="en-US"/>
+            <a:endParaRPr lang="en-US" smtClean="0">
+              <a:latin typeface="Arial" charset="0"/>
+            </a:endParaRPr>
+          </a:p>
+        </p:txBody>
+      </p:sp>
+      <p:sp>
+        <p:nvSpPr>
+          <p:cNvPr id="72707" name="Rectangle 2"/>
+          <p:cNvSpPr>
+            <a:spLocks noGrp="1" noRot="1" noChangeAspect="1" noChangeArrowheads="1" noTextEdit="1"/>
+          </p:cNvSpPr>
+          <p:nvPr>
+            <p:ph type="sldImg"/>
+          </p:nvPr>
+        </p:nvSpPr>
+        <p:spPr>
+          <a:ln/>
+        </p:spPr>
+      </p:sp>
+      <p:sp>
+        <p:nvSpPr>
+          <p:cNvPr id="72708" name="Rectangle 3"/>
+          <p:cNvSpPr>
+            <a:spLocks noGrp="1" noChangeArrowheads="1"/>
+          </p:cNvSpPr>
+          <p:nvPr>
+            <p:ph type="body" idx="1"/>
+          </p:nvPr>
+        </p:nvSpPr>
+        <p:spPr>
+          <a:noFill/>
+          <a:ln/>
+        </p:spPr>
+        <p:txBody>
+          <a:bodyPr/>
+          <a:lstStyle/>
+          <a:p>
+            <a:pPr eaLnBrk="1" hangingPunct="1"/>
+            <a:endParaRPr lang="en-US" smtClean="0">
+              <a:latin typeface="Arial" charset="0"/>
+            </a:endParaRPr>
           </a:p>
         </p:txBody>
       </p:sp>
@@ -1244,63 +1252,70 @@
       </p:grpSpPr>
       <p:sp>
         <p:nvSpPr>
-          <p:cNvPr id="2" name="Slide Image Placeholder 1"/>
-          <p:cNvSpPr>
-            <a:spLocks noGrp="1" noRot="1" noChangeAspect="1"/>
-          </p:cNvSpPr>
-          <p:nvPr>
-            <p:ph type="sldImg"/>
-          </p:nvPr>
-        </p:nvSpPr>
-        <p:spPr/>
-      </p:sp>
-      <p:sp>
-        <p:nvSpPr>
-          <p:cNvPr id="3" name="Notes Placeholder 2"/>
-          <p:cNvSpPr>
-            <a:spLocks noGrp="1"/>
-          </p:cNvSpPr>
-          <p:nvPr>
-            <p:ph type="body" idx="1"/>
-          </p:nvPr>
-        </p:nvSpPr>
-        <p:spPr/>
-        <p:txBody>
-          <a:bodyPr>
-            <a:normAutofit/>
-          </a:bodyPr>
-          <a:lstStyle/>
-          <a:p>
-            <a:endParaRPr lang="en-US"/>
-          </a:p>
-        </p:txBody>
-      </p:sp>
-      <p:sp>
-        <p:nvSpPr>
-          <p:cNvPr id="4" name="Slide Number Placeholder 3"/>
-          <p:cNvSpPr>
-            <a:spLocks noGrp="1"/>
-          </p:cNvSpPr>
-          <p:nvPr>
-            <p:ph type="sldNum" sz="quarter" idx="10"/>
-          </p:nvPr>
-        </p:nvSpPr>
-        <p:spPr/>
+          <p:cNvPr id="72706" name="Rectangle 7"/>
+          <p:cNvSpPr>
+            <a:spLocks noGrp="1" noChangeArrowheads="1"/>
+          </p:cNvSpPr>
+          <p:nvPr>
+            <p:ph type="sldNum" sz="quarter" idx="5"/>
+          </p:nvPr>
+        </p:nvSpPr>
+        <p:spPr>
+          <a:noFill/>
+        </p:spPr>
         <p:txBody>
           <a:bodyPr/>
           <a:lstStyle/>
           <a:p>
-            <a:pPr>
-              <a:defRPr/>
-            </a:pPr>
-            <a:fld id="{441E3F6F-A8F9-4C39-8C62-F077DEAEAA0F}" type="slidenum">
-              <a:rPr lang="en-US" smtClean="0"/>
-              <a:pPr>
-                <a:defRPr/>
-              </a:pPr>
+            <a:fld id="{7901F982-AFE8-4DF3-92B6-756DCF784EAE}" type="slidenum">
+              <a:rPr lang="en-US" smtClean="0">
+                <a:latin typeface="Arial" charset="0"/>
+              </a:rPr>
+              <a:pPr/>
               <a:t>16</a:t>
             </a:fld>
-            <a:endParaRPr lang="en-US"/>
+            <a:endParaRPr lang="en-US" smtClean="0">
+              <a:latin typeface="Arial" charset="0"/>
+            </a:endParaRPr>
+          </a:p>
+        </p:txBody>
+      </p:sp>
+      <p:sp>
+        <p:nvSpPr>
+          <p:cNvPr id="72707" name="Rectangle 2"/>
+          <p:cNvSpPr>
+            <a:spLocks noGrp="1" noRot="1" noChangeAspect="1" noChangeArrowheads="1" noTextEdit="1"/>
+          </p:cNvSpPr>
+          <p:nvPr>
+            <p:ph type="sldImg"/>
+          </p:nvPr>
+        </p:nvSpPr>
+        <p:spPr>
+          <a:ln/>
+        </p:spPr>
+      </p:sp>
+      <p:sp>
+        <p:nvSpPr>
+          <p:cNvPr id="72708" name="Rectangle 3"/>
+          <p:cNvSpPr>
+            <a:spLocks noGrp="1" noChangeArrowheads="1"/>
+          </p:cNvSpPr>
+          <p:nvPr>
+            <p:ph type="body" idx="1"/>
+          </p:nvPr>
+        </p:nvSpPr>
+        <p:spPr>
+          <a:noFill/>
+          <a:ln/>
+        </p:spPr>
+        <p:txBody>
+          <a:bodyPr/>
+          <a:lstStyle/>
+          <a:p>
+            <a:pPr eaLnBrk="1" hangingPunct="1"/>
+            <a:endParaRPr lang="en-US" smtClean="0">
+              <a:latin typeface="Arial" charset="0"/>
+            </a:endParaRPr>
           </a:p>
         </p:txBody>
       </p:sp>
@@ -1399,6 +1414,93 @@
 </p:notes>
 </file>
 
+<file path=ppt/notesSlides/notesSlide15.xml><?xml version="1.0" encoding="utf-8"?>
+<p:notes xmlns:a="http://schemas.openxmlformats.org/drawingml/2006/main" xmlns:r="http://schemas.openxmlformats.org/officeDocument/2006/relationships" xmlns:p="http://schemas.openxmlformats.org/presentationml/2006/main">
+  <p:cSld>
+    <p:spTree>
+      <p:nvGrpSpPr>
+        <p:cNvPr id="1" name=""/>
+        <p:cNvGrpSpPr/>
+        <p:nvPr/>
+      </p:nvGrpSpPr>
+      <p:grpSpPr>
+        <a:xfrm>
+          <a:off x="0" y="0"/>
+          <a:ext cx="0" cy="0"/>
+          <a:chOff x="0" y="0"/>
+          <a:chExt cx="0" cy="0"/>
+        </a:xfrm>
+      </p:grpSpPr>
+      <p:sp>
+        <p:nvSpPr>
+          <p:cNvPr id="2" name="Slide Image Placeholder 1"/>
+          <p:cNvSpPr>
+            <a:spLocks noGrp="1" noRot="1" noChangeAspect="1"/>
+          </p:cNvSpPr>
+          <p:nvPr>
+            <p:ph type="sldImg"/>
+          </p:nvPr>
+        </p:nvSpPr>
+        <p:spPr/>
+      </p:sp>
+      <p:sp>
+        <p:nvSpPr>
+          <p:cNvPr id="3" name="Notes Placeholder 2"/>
+          <p:cNvSpPr>
+            <a:spLocks noGrp="1"/>
+          </p:cNvSpPr>
+          <p:nvPr>
+            <p:ph type="body" idx="1"/>
+          </p:nvPr>
+        </p:nvSpPr>
+        <p:spPr/>
+        <p:txBody>
+          <a:bodyPr>
+            <a:normAutofit/>
+          </a:bodyPr>
+          <a:lstStyle/>
+          <a:p>
+            <a:endParaRPr lang="en-US"/>
+          </a:p>
+        </p:txBody>
+      </p:sp>
+      <p:sp>
+        <p:nvSpPr>
+          <p:cNvPr id="4" name="Slide Number Placeholder 3"/>
+          <p:cNvSpPr>
+            <a:spLocks noGrp="1"/>
+          </p:cNvSpPr>
+          <p:nvPr>
+            <p:ph type="sldNum" sz="quarter" idx="10"/>
+          </p:nvPr>
+        </p:nvSpPr>
+        <p:spPr/>
+        <p:txBody>
+          <a:bodyPr/>
+          <a:lstStyle/>
+          <a:p>
+            <a:pPr>
+              <a:defRPr/>
+            </a:pPr>
+            <a:fld id="{441E3F6F-A8F9-4C39-8C62-F077DEAEAA0F}" type="slidenum">
+              <a:rPr lang="en-US" smtClean="0"/>
+              <a:pPr>
+                <a:defRPr/>
+              </a:pPr>
+              <a:t>18</a:t>
+            </a:fld>
+            <a:endParaRPr lang="en-US"/>
+          </a:p>
+        </p:txBody>
+      </p:sp>
+    </p:spTree>
+  </p:cSld>
+  <p:clrMapOvr>
+    <a:masterClrMapping/>
+  </p:clrMapOvr>
+</p:notes>
+</file>
+
 <file path=ppt/notesSlides/notesSlide2.xml><?xml version="1.0" encoding="utf-8"?>
 <p:notes xmlns:a="http://schemas.openxmlformats.org/drawingml/2006/main" xmlns:r="http://schemas.openxmlformats.org/officeDocument/2006/relationships" xmlns:p="http://schemas.openxmlformats.org/presentationml/2006/main">
   <p:cSld>
@@ -1770,7 +1872,7 @@
       </p:grpSpPr>
       <p:sp>
         <p:nvSpPr>
-          <p:cNvPr id="69634" name="Rectangle 7"/>
+          <p:cNvPr id="70658" name="Rectangle 7"/>
           <p:cNvSpPr>
             <a:spLocks noGrp="1" noChangeArrowheads="1"/>
           </p:cNvSpPr>
@@ -1785,7 +1887,7 @@
           <a:bodyPr/>
           <a:lstStyle/>
           <a:p>
-            <a:fld id="{B656271B-90D1-4EEB-A9C3-C58AB99790EE}" type="slidenum">
+            <a:fld id="{7CC9EB05-1C43-48AF-B618-537D2B3DD42D}" type="slidenum">
               <a:rPr lang="en-US" smtClean="0">
                 <a:latin typeface="Arial" charset="0"/>
               </a:rPr>
@@ -1800,7 +1902,7 @@
       </p:sp>
       <p:sp>
         <p:nvSpPr>
-          <p:cNvPr id="69635" name="Rectangle 2"/>
+          <p:cNvPr id="70659" name="Rectangle 2"/>
           <p:cNvSpPr>
             <a:spLocks noGrp="1" noRot="1" noChangeAspect="1" noChangeArrowheads="1" noTextEdit="1"/>
           </p:cNvSpPr>
@@ -1814,7 +1916,7 @@
       </p:sp>
       <p:sp>
         <p:nvSpPr>
-          <p:cNvPr id="69636" name="Rectangle 3"/>
+          <p:cNvPr id="70660" name="Rectangle 3"/>
           <p:cNvSpPr>
             <a:spLocks noGrp="1" noChangeArrowheads="1"/>
           </p:cNvSpPr>
@@ -1864,7 +1966,7 @@
       </p:grpSpPr>
       <p:sp>
         <p:nvSpPr>
-          <p:cNvPr id="70658" name="Rectangle 7"/>
+          <p:cNvPr id="69634" name="Rectangle 7"/>
           <p:cNvSpPr>
             <a:spLocks noGrp="1" noChangeArrowheads="1"/>
           </p:cNvSpPr>
@@ -1879,7 +1981,7 @@
           <a:bodyPr/>
           <a:lstStyle/>
           <a:p>
-            <a:fld id="{7CC9EB05-1C43-48AF-B618-537D2B3DD42D}" type="slidenum">
+            <a:fld id="{B656271B-90D1-4EEB-A9C3-C58AB99790EE}" type="slidenum">
               <a:rPr lang="en-US" smtClean="0">
                 <a:latin typeface="Arial" charset="0"/>
               </a:rPr>
@@ -1894,7 +1996,7 @@
       </p:sp>
       <p:sp>
         <p:nvSpPr>
-          <p:cNvPr id="70659" name="Rectangle 2"/>
+          <p:cNvPr id="69635" name="Rectangle 2"/>
           <p:cNvSpPr>
             <a:spLocks noGrp="1" noRot="1" noChangeAspect="1" noChangeArrowheads="1" noTextEdit="1"/>
           </p:cNvSpPr>
@@ -1908,7 +2010,7 @@
       </p:sp>
       <p:sp>
         <p:nvSpPr>
-          <p:cNvPr id="70660" name="Rectangle 3"/>
+          <p:cNvPr id="69636" name="Rectangle 3"/>
           <p:cNvSpPr>
             <a:spLocks noGrp="1" noChangeArrowheads="1"/>
           </p:cNvSpPr>
@@ -3742,7 +3844,7 @@
       </p:grpSpPr>
       <p:sp>
         <p:nvSpPr>
-          <p:cNvPr id="31746" name="Slide Number Placeholder 3"/>
+          <p:cNvPr id="30722" name="Slide Number Placeholder 3"/>
           <p:cNvSpPr>
             <a:spLocks noGrp="1"/>
           </p:cNvSpPr>
@@ -3767,7 +3869,7 @@
               <a:rPr lang="en-US" dirty="0" smtClean="0"/>
               <a:t>truth.</a:t>
             </a:r>
-            <a:fld id="{B6100CB1-975D-41F5-9A6C-8F34E133D00A}" type="slidenum">
+            <a:fld id="{96B5C7C7-3FC0-4B55-9934-A080551106BF}" type="slidenum">
               <a:rPr lang="en-US" smtClean="0"/>
               <a:pPr>
                 <a:defRPr/>
@@ -3780,287 +3882,7 @@
       </p:sp>
       <p:sp>
         <p:nvSpPr>
-          <p:cNvPr id="34819" name="Rectangle 2"/>
-          <p:cNvSpPr>
-            <a:spLocks noGrp="1" noChangeArrowheads="1"/>
-          </p:cNvSpPr>
-          <p:nvPr>
-            <p:ph type="body" idx="1"/>
-          </p:nvPr>
-        </p:nvSpPr>
-        <p:spPr>
-          <a:xfrm>
-            <a:off x="152400" y="1371600"/>
-            <a:ext cx="8686800" cy="4038600"/>
-          </a:xfrm>
-        </p:spPr>
-        <p:txBody>
-          <a:bodyPr/>
-          <a:lstStyle/>
-          <a:p>
-            <a:pPr eaLnBrk="1" hangingPunct="1">
-              <a:spcBef>
-                <a:spcPct val="0"/>
-              </a:spcBef>
-            </a:pPr>
-            <a:r>
-              <a:rPr lang="en-US" sz="5400" dirty="0" smtClean="0"/>
-              <a:t>Whether you personally </a:t>
-            </a:r>
-          </a:p>
-          <a:p>
-            <a:pPr eaLnBrk="1" hangingPunct="1">
-              <a:spcBef>
-                <a:spcPct val="0"/>
-              </a:spcBef>
-            </a:pPr>
-            <a:r>
-              <a:rPr lang="en-US" sz="5400" dirty="0" smtClean="0"/>
-              <a:t>have TB is </a:t>
-            </a:r>
-            <a:r>
-              <a:rPr lang="en-US" sz="5400" dirty="0" smtClean="0">
-                <a:solidFill>
-                  <a:srgbClr val="FF6600"/>
-                </a:solidFill>
-              </a:rPr>
-              <a:t>unknown</a:t>
-            </a:r>
-            <a:r>
-              <a:rPr lang="en-US" sz="5400" dirty="0" smtClean="0"/>
-              <a:t>,</a:t>
-            </a:r>
-          </a:p>
-          <a:p>
-            <a:pPr eaLnBrk="1" hangingPunct="1">
-              <a:spcBef>
-                <a:spcPct val="0"/>
-              </a:spcBef>
-            </a:pPr>
-            <a:r>
-              <a:rPr lang="en-US" sz="5400" dirty="0" smtClean="0"/>
-              <a:t>but </a:t>
-            </a:r>
-            <a:r>
-              <a:rPr lang="en-US" sz="5400" dirty="0" smtClean="0">
-                <a:solidFill>
-                  <a:srgbClr val="FF00FF"/>
-                </a:solidFill>
-              </a:rPr>
-              <a:t>not</a:t>
-            </a:r>
-            <a:r>
-              <a:rPr lang="en-US" sz="5400" dirty="0" smtClean="0"/>
-              <a:t> a random event!</a:t>
-            </a:r>
-          </a:p>
-        </p:txBody>
-      </p:sp>
-      <p:sp>
-        <p:nvSpPr>
-          <p:cNvPr id="7" name="Title 1"/>
-          <p:cNvSpPr>
-            <a:spLocks noGrp="1"/>
-          </p:cNvSpPr>
-          <p:nvPr>
-            <p:ph type="title"/>
-          </p:nvPr>
-        </p:nvSpPr>
-        <p:spPr>
-          <a:xfrm>
-            <a:off x="1752600" y="152400"/>
-            <a:ext cx="6324600" cy="1143000"/>
-          </a:xfrm>
-        </p:spPr>
-        <p:txBody>
-          <a:bodyPr/>
-          <a:lstStyle/>
-          <a:p>
-            <a:r>
-              <a:rPr lang="en-US" sz="4800" dirty="0" smtClean="0"/>
-              <a:t>You are </a:t>
-            </a:r>
-            <a:r>
-              <a:rPr lang="en-US" sz="4800" dirty="0" smtClean="0">
-                <a:solidFill>
-                  <a:srgbClr val="FF00FF"/>
-                </a:solidFill>
-              </a:rPr>
-              <a:t>not</a:t>
-            </a:r>
-            <a:r>
-              <a:rPr lang="en-US" sz="4800" dirty="0" smtClean="0"/>
-              <a:t> Random</a:t>
-            </a:r>
-            <a:endParaRPr lang="en-US" sz="4800" dirty="0"/>
-          </a:p>
-        </p:txBody>
-      </p:sp>
-    </p:spTree>
-    <p:extLst>
-      <p:ext uri="{BB962C8B-B14F-4D97-AF65-F5344CB8AC3E}">
-        <p14:creationId xmlns:p14="http://schemas.microsoft.com/office/powerpoint/2010/main" val="2688605003"/>
-      </p:ext>
-    </p:extLst>
-  </p:cSld>
-  <p:clrMapOvr>
-    <a:masterClrMapping/>
-  </p:clrMapOvr>
-  <p:transition xmlns:p14="http://schemas.microsoft.com/office/powerpoint/2010/main" spd="slow" advClick="0">
-    <p:fade/>
-  </p:transition>
-  <p:timing>
-    <p:tnLst>
-      <p:par>
-        <p:cTn xmlns:p14="http://schemas.microsoft.com/office/powerpoint/2010/main" id="1" dur="indefinite" restart="never" nodeType="tmRoot">
-          <p:childTnLst>
-            <p:seq concurrent="1" nextAc="seek">
-              <p:cTn id="2" dur="indefinite" nodeType="mainSeq">
-                <p:childTnLst>
-                  <p:par>
-                    <p:cTn id="3" fill="hold">
-                      <p:stCondLst>
-                        <p:cond delay="indefinite"/>
-                      </p:stCondLst>
-                      <p:childTnLst>
-                        <p:par>
-                          <p:cTn id="4" fill="hold">
-                            <p:stCondLst>
-                              <p:cond delay="0"/>
-                            </p:stCondLst>
-                            <p:childTnLst>
-                              <p:par>
-                                <p:cTn id="5" presetID="10" presetClass="entr" presetSubtype="0" fill="hold" nodeType="clickEffect">
-                                  <p:stCondLst>
-                                    <p:cond delay="0"/>
-                                  </p:stCondLst>
-                                  <p:childTnLst>
-                                    <p:set>
-                                      <p:cBhvr>
-                                        <p:cTn id="6" dur="1" fill="hold">
-                                          <p:stCondLst>
-                                            <p:cond delay="0"/>
-                                          </p:stCondLst>
-                                        </p:cTn>
-                                        <p:tgtEl>
-                                          <p:spTgt spid="34819">
-                                            <p:txEl>
-                                              <p:pRg st="2" end="2"/>
-                                            </p:txEl>
-                                          </p:spTgt>
-                                        </p:tgtEl>
-                                        <p:attrNameLst>
-                                          <p:attrName>style.visibility</p:attrName>
-                                        </p:attrNameLst>
-                                      </p:cBhvr>
-                                      <p:to>
-                                        <p:strVal val="visible"/>
-                                      </p:to>
-                                    </p:set>
-                                    <p:animEffect transition="in" filter="fade">
-                                      <p:cBhvr>
-                                        <p:cTn id="7" dur="500"/>
-                                        <p:tgtEl>
-                                          <p:spTgt spid="34819">
-                                            <p:txEl>
-                                              <p:pRg st="2" end="2"/>
-                                            </p:txEl>
-                                          </p:spTgt>
-                                        </p:tgtEl>
-                                      </p:cBhvr>
-                                    </p:animEffect>
-                                  </p:childTnLst>
-                                </p:cTn>
-                              </p:par>
-                            </p:childTnLst>
-                          </p:cTn>
-                        </p:par>
-                      </p:childTnLst>
-                    </p:cTn>
-                  </p:par>
-                </p:childTnLst>
-              </p:cTn>
-              <p:prevCondLst>
-                <p:cond evt="onPrev" delay="0">
-                  <p:tgtEl>
-                    <p:sldTgt/>
-                  </p:tgtEl>
-                </p:cond>
-              </p:prevCondLst>
-              <p:nextCondLst>
-                <p:cond evt="onNext" delay="0">
-                  <p:tgtEl>
-                    <p:sldTgt/>
-                  </p:tgtEl>
-                </p:cond>
-              </p:nextCondLst>
-            </p:seq>
-          </p:childTnLst>
-        </p:cTn>
-      </p:par>
-    </p:tnLst>
-  </p:timing>
-</p:sld>
-</file>
-
-<file path=ppt/slides/slide11.xml><?xml version="1.0" encoding="utf-8"?>
-<p:sld xmlns:a="http://schemas.openxmlformats.org/drawingml/2006/main" xmlns:r="http://schemas.openxmlformats.org/officeDocument/2006/relationships" xmlns:p="http://schemas.openxmlformats.org/presentationml/2006/main">
-  <p:cSld>
-    <p:spTree>
-      <p:nvGrpSpPr>
-        <p:cNvPr id="1" name=""/>
-        <p:cNvGrpSpPr/>
-        <p:nvPr/>
-      </p:nvGrpSpPr>
-      <p:grpSpPr>
-        <a:xfrm>
-          <a:off x="0" y="0"/>
-          <a:ext cx="0" cy="0"/>
-          <a:chOff x="0" y="0"/>
-          <a:chExt cx="0" cy="0"/>
-        </a:xfrm>
-      </p:grpSpPr>
-      <p:sp>
-        <p:nvSpPr>
-          <p:cNvPr id="32770" name="Slide Number Placeholder 3"/>
-          <p:cNvSpPr>
-            <a:spLocks noGrp="1"/>
-          </p:cNvSpPr>
-          <p:nvPr>
-            <p:ph type="sldNum" sz="quarter" idx="4"/>
-          </p:nvPr>
-        </p:nvSpPr>
-        <p:spPr>
-          <a:xfrm>
-            <a:off x="7620000" y="6597650"/>
-            <a:ext cx="1524000" cy="274638"/>
-          </a:xfrm>
-        </p:spPr>
-        <p:txBody>
-          <a:bodyPr/>
-          <a:lstStyle/>
-          <a:p>
-            <a:pPr>
-              <a:defRPr/>
-            </a:pPr>
-            <a:r>
-              <a:rPr lang="en-US" dirty="0" smtClean="0"/>
-              <a:t>truth.</a:t>
-            </a:r>
-            <a:fld id="{4A7F8015-3123-4EEE-BF99-E293B8DB1805}" type="slidenum">
-              <a:rPr lang="en-US" smtClean="0"/>
-              <a:pPr>
-                <a:defRPr/>
-              </a:pPr>
-              <a:t>11</a:t>
-            </a:fld>
-            <a:endParaRPr lang="en-US" dirty="0"/>
-          </a:p>
-        </p:txBody>
-      </p:sp>
-      <p:sp>
-        <p:nvSpPr>
-          <p:cNvPr id="36868" name="Text Box 3"/>
+          <p:cNvPr id="205827" name="Text Box 3"/>
           <p:cNvSpPr txBox="1">
             <a:spLocks noChangeArrowheads="1"/>
           </p:cNvSpPr>
@@ -4068,8 +3890,8 @@
         </p:nvSpPr>
         <p:spPr bwMode="auto">
           <a:xfrm>
-            <a:off x="228600" y="1066800"/>
-            <a:ext cx="8610600" cy="3785652"/>
+            <a:off x="76200" y="1447800"/>
+            <a:ext cx="8915400" cy="3596369"/>
           </a:xfrm>
           <a:prstGeom prst="rect">
             <a:avLst/>
@@ -4083,4504 +3905,35 @@
           </a:ln>
         </p:spPr>
         <p:txBody>
-          <a:bodyPr>
-            <a:spAutoFit/>
-          </a:bodyPr>
-          <a:lstStyle/>
-          <a:p>
-            <a:pPr algn="l"/>
-            <a:r>
-              <a:rPr lang="en-US" sz="4800" dirty="0" smtClean="0">
-                <a:latin typeface="Comic Sans MS" pitchFamily="66" charset="0"/>
-              </a:rPr>
-              <a:t>We can model the </a:t>
-            </a:r>
-            <a:r>
-              <a:rPr lang="en-US" sz="4800" dirty="0">
-                <a:solidFill>
-                  <a:schemeClr val="accent1">
-                    <a:lumMod val="50000"/>
-                  </a:schemeClr>
-                </a:solidFill>
-                <a:latin typeface="Comic Sans MS" pitchFamily="66" charset="0"/>
-              </a:rPr>
-              <a:t>outcomes</a:t>
-            </a:r>
-            <a:r>
-              <a:rPr lang="en-US" sz="4800" dirty="0">
-                <a:latin typeface="Comic Sans MS" pitchFamily="66" charset="0"/>
-              </a:rPr>
-              <a:t> of our</a:t>
-            </a:r>
-            <a:r>
-              <a:rPr lang="en-US" sz="4800" i="1" dirty="0">
-                <a:latin typeface="Comic Sans MS" pitchFamily="66" charset="0"/>
-              </a:rPr>
-              <a:t> </a:t>
-            </a:r>
-            <a:r>
-              <a:rPr lang="en-US" sz="4800" dirty="0" smtClean="0">
-                <a:solidFill>
-                  <a:srgbClr val="0000E5"/>
-                </a:solidFill>
-                <a:latin typeface="Comic Sans MS" pitchFamily="66" charset="0"/>
-              </a:rPr>
-              <a:t>TB test</a:t>
-            </a:r>
-            <a:r>
-              <a:rPr lang="en-US" sz="4800" dirty="0" smtClean="0">
-                <a:latin typeface="Comic Sans MS" pitchFamily="66" charset="0"/>
-              </a:rPr>
-              <a:t> as random.  Then we </a:t>
-            </a:r>
-            <a:r>
-              <a:rPr lang="en-US" sz="4800" dirty="0">
-                <a:latin typeface="Comic Sans MS" pitchFamily="66" charset="0"/>
-              </a:rPr>
-              <a:t>can </a:t>
-            </a:r>
-            <a:r>
-              <a:rPr lang="en-US" sz="4800" dirty="0" smtClean="0">
-                <a:latin typeface="Comic Sans MS" pitchFamily="66" charset="0"/>
-              </a:rPr>
-              <a:t>talk about the probability the test is correct.   </a:t>
-            </a:r>
-            <a:endParaRPr lang="en-US" sz="4800" dirty="0">
-              <a:latin typeface="Comic Sans MS" pitchFamily="66" charset="0"/>
-            </a:endParaRPr>
-          </a:p>
-        </p:txBody>
-      </p:sp>
-      <p:pic>
-        <p:nvPicPr>
-          <p:cNvPr id="36869" name="Picture 7" descr="texpointerror"/>
-          <p:cNvPicPr>
-            <a:picLocks noChangeAspect="1" noChangeArrowheads="1"/>
-          </p:cNvPicPr>
-          <p:nvPr>
-            <p:custDataLst>
-              <p:tags r:id="rId1"/>
-            </p:custDataLst>
-          </p:nvPr>
-        </p:nvPicPr>
-        <p:blipFill>
-          <a:blip r:embed="rId4">
-            <a:clrChange>
-              <a:clrFrom>
-                <a:srgbClr val="FFFFFF"/>
-              </a:clrFrom>
-              <a:clrTo>
-                <a:srgbClr val="FFFFFF">
-                  <a:alpha val="0"/>
-                </a:srgbClr>
-              </a:clrTo>
-            </a:clrChange>
-          </a:blip>
-          <a:srcRect/>
-          <a:stretch>
-            <a:fillRect/>
-          </a:stretch>
-        </p:blipFill>
-        <p:spPr bwMode="auto">
-          <a:xfrm>
-            <a:off x="5080000" y="3810000"/>
-            <a:ext cx="1588" cy="1588"/>
-          </a:xfrm>
-          <a:prstGeom prst="rect">
-            <a:avLst/>
-          </a:prstGeom>
-          <a:noFill/>
-          <a:ln w="9525" algn="ctr">
-            <a:noFill/>
-            <a:miter lim="800000"/>
-            <a:headEnd/>
-            <a:tailEnd/>
-          </a:ln>
-        </p:spPr>
-      </p:pic>
-      <p:sp>
-        <p:nvSpPr>
-          <p:cNvPr id="8" name="Rectangle 3"/>
-          <p:cNvSpPr>
-            <a:spLocks noGrp="1" noChangeArrowheads="1"/>
-          </p:cNvSpPr>
-          <p:nvPr>
-            <p:ph type="title"/>
-          </p:nvPr>
-        </p:nvSpPr>
-        <p:spPr>
-          <a:xfrm>
-            <a:off x="1905000" y="228600"/>
-            <a:ext cx="5334000" cy="990600"/>
-          </a:xfrm>
-          <a:noFill/>
-        </p:spPr>
-        <p:txBody>
-          <a:bodyPr/>
-          <a:lstStyle/>
-          <a:p>
-            <a:pPr eaLnBrk="1" hangingPunct="1"/>
-            <a:r>
-              <a:rPr lang="en-US" sz="4800" dirty="0" smtClean="0">
-                <a:solidFill>
-                  <a:srgbClr val="0006FE"/>
-                </a:solidFill>
-              </a:rPr>
-              <a:t>Confidence</a:t>
-            </a:r>
-          </a:p>
-        </p:txBody>
-      </p:sp>
-    </p:spTree>
-    <p:extLst>
-      <p:ext uri="{BB962C8B-B14F-4D97-AF65-F5344CB8AC3E}">
-        <p14:creationId xmlns:p14="http://schemas.microsoft.com/office/powerpoint/2010/main" val="3794338259"/>
-      </p:ext>
-    </p:extLst>
-  </p:cSld>
-  <p:clrMapOvr>
-    <a:masterClrMapping/>
-  </p:clrMapOvr>
-  <p:transition xmlns:p14="http://schemas.microsoft.com/office/powerpoint/2010/main" spd="slow" advClick="0">
-    <p:fade/>
-  </p:transition>
-  <p:timing>
-    <p:tnLst>
-      <p:par>
-        <p:cTn xmlns:p14="http://schemas.microsoft.com/office/powerpoint/2010/main" id="1" dur="indefinite" restart="never" nodeType="tmRoot"/>
-      </p:par>
-    </p:tnLst>
-  </p:timing>
-</p:sld>
-</file>
-
-<file path=ppt/slides/slide12.xml><?xml version="1.0" encoding="utf-8"?>
-<p:sld xmlns:a="http://schemas.openxmlformats.org/drawingml/2006/main" xmlns:r="http://schemas.openxmlformats.org/officeDocument/2006/relationships" xmlns:p="http://schemas.openxmlformats.org/presentationml/2006/main">
-  <p:cSld>
-    <p:spTree>
-      <p:nvGrpSpPr>
-        <p:cNvPr id="1" name=""/>
-        <p:cNvGrpSpPr/>
-        <p:nvPr/>
-      </p:nvGrpSpPr>
-      <p:grpSpPr>
-        <a:xfrm>
-          <a:off x="0" y="0"/>
-          <a:ext cx="0" cy="0"/>
-          <a:chOff x="0" y="0"/>
-          <a:chExt cx="0" cy="0"/>
-        </a:xfrm>
-      </p:grpSpPr>
-      <p:sp>
-        <p:nvSpPr>
-          <p:cNvPr id="32770" name="Slide Number Placeholder 3"/>
-          <p:cNvSpPr>
-            <a:spLocks noGrp="1"/>
-          </p:cNvSpPr>
-          <p:nvPr>
-            <p:ph type="sldNum" sz="quarter" idx="4"/>
-          </p:nvPr>
-        </p:nvSpPr>
-        <p:spPr>
-          <a:xfrm>
-            <a:off x="7620000" y="6597650"/>
-            <a:ext cx="1524000" cy="274638"/>
-          </a:xfrm>
-        </p:spPr>
-        <p:txBody>
-          <a:bodyPr/>
-          <a:lstStyle/>
-          <a:p>
-            <a:pPr>
-              <a:defRPr/>
-            </a:pPr>
-            <a:r>
-              <a:rPr lang="en-US" dirty="0" smtClean="0"/>
-              <a:t>truth.</a:t>
-            </a:r>
-            <a:fld id="{4A7F8015-3123-4EEE-BF99-E293B8DB1805}" type="slidenum">
-              <a:rPr lang="en-US" smtClean="0"/>
-              <a:pPr>
-                <a:defRPr/>
-              </a:pPr>
-              <a:t>12</a:t>
-            </a:fld>
-            <a:endParaRPr lang="en-US" dirty="0"/>
-          </a:p>
-        </p:txBody>
-      </p:sp>
-      <p:sp>
-        <p:nvSpPr>
-          <p:cNvPr id="36868" name="Text Box 3"/>
-          <p:cNvSpPr txBox="1">
-            <a:spLocks noChangeArrowheads="1"/>
-          </p:cNvSpPr>
-          <p:nvPr/>
-        </p:nvSpPr>
-        <p:spPr bwMode="auto">
-          <a:xfrm>
-            <a:off x="228600" y="1066800"/>
-            <a:ext cx="8610600" cy="5410712"/>
-          </a:xfrm>
-          <a:prstGeom prst="rect">
-            <a:avLst/>
-          </a:prstGeom>
-          <a:noFill/>
-          <a:ln w="9525">
-            <a:noFill/>
-            <a:miter lim="800000"/>
-            <a:headEnd/>
-            <a:tailEnd/>
-          </a:ln>
-        </p:spPr>
-        <p:txBody>
-          <a:bodyPr>
-            <a:spAutoFit/>
-          </a:bodyPr>
-          <a:lstStyle/>
-          <a:p>
-            <a:pPr algn="l"/>
-            <a:r>
-              <a:rPr lang="en-US" sz="4800" dirty="0" smtClean="0">
-                <a:latin typeface="Comic Sans MS" pitchFamily="66" charset="0"/>
-              </a:rPr>
-              <a:t>We can model the </a:t>
-            </a:r>
-            <a:r>
-              <a:rPr lang="en-US" sz="4800" dirty="0">
-                <a:solidFill>
-                  <a:schemeClr val="accent1">
-                    <a:lumMod val="50000"/>
-                  </a:schemeClr>
-                </a:solidFill>
-                <a:latin typeface="Comic Sans MS" pitchFamily="66" charset="0"/>
-              </a:rPr>
-              <a:t>outcomes</a:t>
-            </a:r>
-            <a:r>
-              <a:rPr lang="en-US" sz="4800" dirty="0">
-                <a:latin typeface="Comic Sans MS" pitchFamily="66" charset="0"/>
-              </a:rPr>
-              <a:t> of our</a:t>
-            </a:r>
-            <a:r>
-              <a:rPr lang="en-US" sz="4800" i="1" dirty="0">
-                <a:latin typeface="Comic Sans MS" pitchFamily="66" charset="0"/>
-              </a:rPr>
-              <a:t> </a:t>
-            </a:r>
-            <a:r>
-              <a:rPr lang="en-US" sz="4800" dirty="0" smtClean="0">
-                <a:solidFill>
-                  <a:srgbClr val="0000E5"/>
-                </a:solidFill>
-                <a:latin typeface="Comic Sans MS" pitchFamily="66" charset="0"/>
-              </a:rPr>
-              <a:t>TB test</a:t>
-            </a:r>
-            <a:r>
-              <a:rPr lang="en-US" sz="4800" dirty="0" smtClean="0">
-                <a:latin typeface="Comic Sans MS" pitchFamily="66" charset="0"/>
-              </a:rPr>
-              <a:t> as random.  Then we </a:t>
-            </a:r>
-            <a:r>
-              <a:rPr lang="en-US" sz="4800" dirty="0">
-                <a:latin typeface="Comic Sans MS" pitchFamily="66" charset="0"/>
-              </a:rPr>
-              <a:t>can </a:t>
-            </a:r>
-            <a:r>
-              <a:rPr lang="en-US" sz="4800" dirty="0" smtClean="0">
-                <a:latin typeface="Comic Sans MS" pitchFamily="66" charset="0"/>
-              </a:rPr>
-              <a:t>talk about the probability the test is correct. We can say “A test which is correct 98% of the time shows you have TB.”</a:t>
-            </a:r>
-            <a:endParaRPr lang="en-US" sz="4800" dirty="0">
-              <a:latin typeface="Comic Sans MS" pitchFamily="66" charset="0"/>
-            </a:endParaRPr>
-          </a:p>
-        </p:txBody>
-      </p:sp>
-      <p:pic>
-        <p:nvPicPr>
-          <p:cNvPr id="36869" name="Picture 7" descr="texpointerror"/>
-          <p:cNvPicPr>
-            <a:picLocks noChangeAspect="1" noChangeArrowheads="1"/>
-          </p:cNvPicPr>
-          <p:nvPr>
-            <p:custDataLst>
-              <p:tags r:id="rId1"/>
-            </p:custDataLst>
-          </p:nvPr>
-        </p:nvPicPr>
-        <p:blipFill>
-          <a:blip r:embed="rId4">
-            <a:clrChange>
-              <a:clrFrom>
-                <a:srgbClr val="FFFFFF"/>
-              </a:clrFrom>
-              <a:clrTo>
-                <a:srgbClr val="FFFFFF">
-                  <a:alpha val="0"/>
-                </a:srgbClr>
-              </a:clrTo>
-            </a:clrChange>
-          </a:blip>
-          <a:srcRect/>
-          <a:stretch>
-            <a:fillRect/>
-          </a:stretch>
-        </p:blipFill>
-        <p:spPr bwMode="auto">
-          <a:xfrm>
-            <a:off x="5080000" y="3810000"/>
-            <a:ext cx="1588" cy="1588"/>
-          </a:xfrm>
-          <a:prstGeom prst="rect">
-            <a:avLst/>
-          </a:prstGeom>
-          <a:noFill/>
-          <a:ln w="9525" algn="ctr">
-            <a:noFill/>
-            <a:miter lim="800000"/>
-            <a:headEnd/>
-            <a:tailEnd/>
-          </a:ln>
-        </p:spPr>
-      </p:pic>
-      <p:sp>
-        <p:nvSpPr>
-          <p:cNvPr id="8" name="Rectangle 3"/>
-          <p:cNvSpPr>
-            <a:spLocks noGrp="1" noChangeArrowheads="1"/>
-          </p:cNvSpPr>
-          <p:nvPr>
-            <p:ph type="title"/>
-          </p:nvPr>
-        </p:nvSpPr>
-        <p:spPr>
-          <a:xfrm>
-            <a:off x="1905000" y="228600"/>
-            <a:ext cx="5334000" cy="990600"/>
-          </a:xfrm>
-          <a:noFill/>
-        </p:spPr>
-        <p:txBody>
-          <a:bodyPr/>
-          <a:lstStyle/>
-          <a:p>
-            <a:pPr eaLnBrk="1" hangingPunct="1"/>
-            <a:r>
-              <a:rPr lang="en-US" sz="4800" dirty="0" smtClean="0">
-                <a:solidFill>
-                  <a:srgbClr val="0006FE"/>
-                </a:solidFill>
-              </a:rPr>
-              <a:t>Confidence</a:t>
-            </a:r>
-          </a:p>
-        </p:txBody>
-      </p:sp>
-    </p:spTree>
-    <p:extLst>
-      <p:ext uri="{BB962C8B-B14F-4D97-AF65-F5344CB8AC3E}">
-        <p14:creationId xmlns:p14="http://schemas.microsoft.com/office/powerpoint/2010/main" val="2182879744"/>
-      </p:ext>
-    </p:extLst>
-  </p:cSld>
-  <p:clrMapOvr>
-    <a:masterClrMapping/>
-  </p:clrMapOvr>
-  <mc:AlternateContent xmlns:mc="http://schemas.openxmlformats.org/markup-compatibility/2006" xmlns:p14="http://schemas.microsoft.com/office/powerpoint/2010/main">
-    <mc:Choice Requires="p14">
-      <p:transition spd="med" p14:dur="600" advClick="0">
-        <p:fade/>
-      </p:transition>
-    </mc:Choice>
-    <mc:Fallback xmlns="">
-      <p:transition xmlns:p14="http://schemas.microsoft.com/office/powerpoint/2010/main" spd="med" advClick="0">
-        <p:fade/>
-      </p:transition>
-    </mc:Fallback>
-  </mc:AlternateContent>
-  <p:timing>
-    <p:tnLst>
-      <p:par>
-        <p:cTn xmlns:p14="http://schemas.microsoft.com/office/powerpoint/2010/main" id="1" dur="indefinite" restart="never" nodeType="tmRoot"/>
-      </p:par>
-    </p:tnLst>
-  </p:timing>
-</p:sld>
-</file>
-
-<file path=ppt/slides/slide13.xml><?xml version="1.0" encoding="utf-8"?>
-<p:sld xmlns:a="http://schemas.openxmlformats.org/drawingml/2006/main" xmlns:r="http://schemas.openxmlformats.org/officeDocument/2006/relationships" xmlns:p="http://schemas.openxmlformats.org/presentationml/2006/main">
-  <p:cSld>
-    <p:spTree>
-      <p:nvGrpSpPr>
-        <p:cNvPr id="1" name=""/>
-        <p:cNvGrpSpPr/>
-        <p:nvPr/>
-      </p:nvGrpSpPr>
-      <p:grpSpPr>
-        <a:xfrm>
-          <a:off x="0" y="0"/>
-          <a:ext cx="0" cy="0"/>
-          <a:chOff x="0" y="0"/>
-          <a:chExt cx="0" cy="0"/>
-        </a:xfrm>
-      </p:grpSpPr>
-      <p:sp>
-        <p:nvSpPr>
-          <p:cNvPr id="33794" name="Slide Number Placeholder 3"/>
-          <p:cNvSpPr>
-            <a:spLocks noGrp="1"/>
-          </p:cNvSpPr>
-          <p:nvPr>
-            <p:ph type="sldNum" sz="quarter" idx="4"/>
-          </p:nvPr>
-        </p:nvSpPr>
-        <p:spPr>
-          <a:xfrm>
-            <a:off x="7620000" y="6597650"/>
-            <a:ext cx="1524000" cy="274638"/>
-          </a:xfrm>
-        </p:spPr>
-        <p:txBody>
-          <a:bodyPr/>
-          <a:lstStyle/>
-          <a:p>
-            <a:pPr>
-              <a:defRPr/>
-            </a:pPr>
-            <a:r>
-              <a:rPr lang="en-US" dirty="0" smtClean="0"/>
-              <a:t>truth.</a:t>
-            </a:r>
-            <a:fld id="{FE75FCEF-2C00-453D-8F19-57E1BCE16A7F}" type="slidenum">
-              <a:rPr lang="en-US" smtClean="0"/>
-              <a:pPr>
-                <a:defRPr/>
-              </a:pPr>
-              <a:t>13</a:t>
-            </a:fld>
-            <a:endParaRPr lang="en-US" dirty="0"/>
-          </a:p>
-        </p:txBody>
-      </p:sp>
-      <p:sp>
-        <p:nvSpPr>
-          <p:cNvPr id="37891" name="Text Box 3"/>
-          <p:cNvSpPr txBox="1">
-            <a:spLocks noChangeArrowheads="1"/>
-          </p:cNvSpPr>
-          <p:nvPr/>
-        </p:nvSpPr>
-        <p:spPr bwMode="auto">
-          <a:xfrm>
-            <a:off x="304800" y="1371600"/>
-            <a:ext cx="8839200" cy="4078039"/>
-          </a:xfrm>
-          <a:prstGeom prst="rect">
-            <a:avLst/>
-          </a:prstGeom>
-          <a:noFill/>
-          <a:ln w="9525">
-            <a:noFill/>
-            <a:miter lim="800000"/>
-            <a:headEnd/>
-            <a:tailEnd/>
-          </a:ln>
-        </p:spPr>
-        <p:txBody>
           <a:bodyPr wrap="square">
             <a:spAutoFit/>
           </a:bodyPr>
           <a:lstStyle/>
           <a:p>
-            <a:pPr algn="l"/>
+            <a:pPr lvl="1" algn="l">
+              <a:lnSpc>
+                <a:spcPct val="90000"/>
+              </a:lnSpc>
+            </a:pPr>
             <a:r>
               <a:rPr lang="en-US" sz="5400" dirty="0" smtClean="0">
                 <a:latin typeface="Comic Sans MS" pitchFamily="66" charset="0"/>
               </a:rPr>
-              <a:t>For </a:t>
-            </a:r>
-            <a:r>
-              <a:rPr lang="en-US" sz="5400" dirty="0">
-                <a:latin typeface="Comic Sans MS" pitchFamily="66" charset="0"/>
-              </a:rPr>
-              <a:t>simplicity we say </a:t>
+              <a:t>Talking </a:t>
             </a:r>
             <a:r>
               <a:rPr lang="en-US" sz="5400" dirty="0" smtClean="0">
                 <a:latin typeface="Comic Sans MS" pitchFamily="66" charset="0"/>
               </a:rPr>
-              <a:t>that</a:t>
-            </a:r>
-          </a:p>
-          <a:p>
-            <a:pPr algn="l">
-              <a:spcBef>
-                <a:spcPts val="3000"/>
-              </a:spcBef>
+              <a:t>about</a:t>
+            </a:r>
+          </a:p>
+          <a:p>
+            <a:pPr lvl="1" algn="l">
+              <a:lnSpc>
+                <a:spcPct val="90000"/>
+              </a:lnSpc>
             </a:pPr>
-            <a:r>
-              <a:rPr lang="en-US" sz="6000" dirty="0" smtClean="0">
-                <a:solidFill>
-                  <a:srgbClr val="A92082"/>
-                </a:solidFill>
-                <a:latin typeface="Comic Sans MS" pitchFamily="66" charset="0"/>
-              </a:rPr>
-              <a:t>The hypothesis that you have TB holds at the</a:t>
-            </a:r>
-            <a:r>
-              <a:rPr lang="en-US" sz="6000" dirty="0" smtClean="0">
-                <a:solidFill>
-                  <a:srgbClr val="FF33CC"/>
-                </a:solidFill>
-                <a:latin typeface="Comic Sans MS" pitchFamily="66" charset="0"/>
-              </a:rPr>
-              <a:t> </a:t>
-            </a:r>
-            <a:r>
-              <a:rPr lang="en-US" sz="6000" dirty="0" smtClean="0">
-                <a:solidFill>
-                  <a:srgbClr val="0000E5"/>
-                </a:solidFill>
-                <a:latin typeface="Comic Sans MS" pitchFamily="66" charset="0"/>
-              </a:rPr>
-              <a:t>98% </a:t>
-            </a:r>
-            <a:r>
-              <a:rPr lang="en-US" sz="6000" dirty="0">
-                <a:solidFill>
-                  <a:srgbClr val="0000E5"/>
-                </a:solidFill>
-                <a:latin typeface="Comic Sans MS" pitchFamily="66" charset="0"/>
-              </a:rPr>
-              <a:t>confidence </a:t>
-            </a:r>
-            <a:r>
-              <a:rPr lang="en-US" sz="6000" dirty="0" smtClean="0">
-                <a:solidFill>
-                  <a:srgbClr val="0000E5"/>
-                </a:solidFill>
-                <a:latin typeface="Comic Sans MS" pitchFamily="66" charset="0"/>
-              </a:rPr>
-              <a:t>level.</a:t>
-            </a:r>
-            <a:endParaRPr lang="en-US" sz="6000" dirty="0">
-              <a:solidFill>
-                <a:srgbClr val="0000E5"/>
-              </a:solidFill>
-              <a:latin typeface="Comic Sans MS" pitchFamily="66" charset="0"/>
-            </a:endParaRPr>
-          </a:p>
-        </p:txBody>
-      </p:sp>
-      <p:pic>
-        <p:nvPicPr>
-          <p:cNvPr id="37892" name="Picture 4" descr="texpointerror"/>
-          <p:cNvPicPr>
-            <a:picLocks noChangeAspect="1" noChangeArrowheads="1"/>
-          </p:cNvPicPr>
-          <p:nvPr>
-            <p:custDataLst>
-              <p:tags r:id="rId1"/>
-            </p:custDataLst>
-          </p:nvPr>
-        </p:nvPicPr>
-        <p:blipFill>
-          <a:blip r:embed="rId4">
-            <a:clrChange>
-              <a:clrFrom>
-                <a:srgbClr val="FFFFFF"/>
-              </a:clrFrom>
-              <a:clrTo>
-                <a:srgbClr val="FFFFFF">
-                  <a:alpha val="0"/>
-                </a:srgbClr>
-              </a:clrTo>
-            </a:clrChange>
-          </a:blip>
-          <a:srcRect/>
-          <a:stretch>
-            <a:fillRect/>
-          </a:stretch>
-        </p:blipFill>
-        <p:spPr bwMode="auto">
-          <a:xfrm>
-            <a:off x="5080000" y="3810000"/>
-            <a:ext cx="1588" cy="1588"/>
-          </a:xfrm>
-          <a:prstGeom prst="rect">
-            <a:avLst/>
-          </a:prstGeom>
-          <a:noFill/>
-          <a:ln w="9525" algn="ctr">
-            <a:noFill/>
-            <a:miter lim="800000"/>
-            <a:headEnd/>
-            <a:tailEnd/>
-          </a:ln>
-        </p:spPr>
-      </p:pic>
-      <p:sp>
-        <p:nvSpPr>
-          <p:cNvPr id="9" name="Rectangle 3"/>
-          <p:cNvSpPr>
-            <a:spLocks noGrp="1" noChangeArrowheads="1"/>
-          </p:cNvSpPr>
-          <p:nvPr>
-            <p:ph type="title"/>
-          </p:nvPr>
-        </p:nvSpPr>
-        <p:spPr>
-          <a:xfrm>
-            <a:off x="1905000" y="228600"/>
-            <a:ext cx="5334000" cy="990600"/>
-          </a:xfrm>
-          <a:noFill/>
-        </p:spPr>
-        <p:txBody>
-          <a:bodyPr/>
-          <a:lstStyle/>
-          <a:p>
-            <a:pPr eaLnBrk="1" hangingPunct="1"/>
-            <a:r>
-              <a:rPr lang="en-US" sz="4800" dirty="0" smtClean="0">
-                <a:solidFill>
-                  <a:srgbClr val="0006FE"/>
-                </a:solidFill>
-              </a:rPr>
-              <a:t>Confidence</a:t>
-            </a:r>
-          </a:p>
-        </p:txBody>
-      </p:sp>
-    </p:spTree>
-    <p:extLst>
-      <p:ext uri="{BB962C8B-B14F-4D97-AF65-F5344CB8AC3E}">
-        <p14:creationId xmlns:p14="http://schemas.microsoft.com/office/powerpoint/2010/main" val="3811715689"/>
-      </p:ext>
-    </p:extLst>
-  </p:cSld>
-  <p:clrMapOvr>
-    <a:masterClrMapping/>
-  </p:clrMapOvr>
-  <mc:AlternateContent xmlns:mc="http://schemas.openxmlformats.org/markup-compatibility/2006" xmlns:p14="http://schemas.microsoft.com/office/powerpoint/2010/main">
-    <mc:Choice Requires="p14">
-      <p:transition spd="slow" p14:dur="900" advClick="0">
-        <p:fade/>
-      </p:transition>
-    </mc:Choice>
-    <mc:Fallback xmlns="">
-      <p:transition xmlns:p14="http://schemas.microsoft.com/office/powerpoint/2010/main" spd="slow" advClick="0">
-        <p:fade/>
-      </p:transition>
-    </mc:Fallback>
-  </mc:AlternateContent>
-  <p:timing>
-    <p:tnLst>
-      <p:par>
-        <p:cTn xmlns:p14="http://schemas.microsoft.com/office/powerpoint/2010/main" id="1" dur="indefinite" restart="never" nodeType="tmRoot"/>
-      </p:par>
-    </p:tnLst>
-  </p:timing>
-</p:sld>
-</file>
-
-<file path=ppt/slides/slide14.xml><?xml version="1.0" encoding="utf-8"?>
-<p:sld xmlns:a="http://schemas.openxmlformats.org/drawingml/2006/main" xmlns:r="http://schemas.openxmlformats.org/officeDocument/2006/relationships" xmlns:p="http://schemas.openxmlformats.org/presentationml/2006/main">
-  <p:cSld>
-    <p:spTree>
-      <p:nvGrpSpPr>
-        <p:cNvPr id="1" name=""/>
-        <p:cNvGrpSpPr/>
-        <p:nvPr/>
-      </p:nvGrpSpPr>
-      <p:grpSpPr>
-        <a:xfrm>
-          <a:off x="0" y="0"/>
-          <a:ext cx="0" cy="0"/>
-          <a:chOff x="0" y="0"/>
-          <a:chExt cx="0" cy="0"/>
-        </a:xfrm>
-      </p:grpSpPr>
-      <p:sp>
-        <p:nvSpPr>
-          <p:cNvPr id="33794" name="Slide Number Placeholder 3"/>
-          <p:cNvSpPr>
-            <a:spLocks noGrp="1"/>
-          </p:cNvSpPr>
-          <p:nvPr>
-            <p:ph type="sldNum" sz="quarter" idx="4"/>
-          </p:nvPr>
-        </p:nvSpPr>
-        <p:spPr>
-          <a:xfrm>
-            <a:off x="7620000" y="6597650"/>
-            <a:ext cx="1524000" cy="274638"/>
-          </a:xfrm>
-        </p:spPr>
-        <p:txBody>
-          <a:bodyPr/>
-          <a:lstStyle/>
-          <a:p>
-            <a:pPr>
-              <a:defRPr/>
-            </a:pPr>
-            <a:r>
-              <a:rPr lang="en-US" dirty="0" smtClean="0"/>
-              <a:t>truth.</a:t>
-            </a:r>
-            <a:fld id="{FE75FCEF-2C00-453D-8F19-57E1BCE16A7F}" type="slidenum">
-              <a:rPr lang="en-US" smtClean="0"/>
-              <a:pPr>
-                <a:defRPr/>
-              </a:pPr>
-              <a:t>14</a:t>
-            </a:fld>
-            <a:endParaRPr lang="en-US" dirty="0"/>
-          </a:p>
-        </p:txBody>
-      </p:sp>
-      <p:sp>
-        <p:nvSpPr>
-          <p:cNvPr id="37891" name="Text Box 3"/>
-          <p:cNvSpPr txBox="1">
-            <a:spLocks noChangeArrowheads="1"/>
-          </p:cNvSpPr>
-          <p:nvPr/>
-        </p:nvSpPr>
-        <p:spPr bwMode="auto">
-          <a:xfrm>
-            <a:off x="152400" y="1371600"/>
-            <a:ext cx="8839200" cy="3877984"/>
-          </a:xfrm>
-          <a:prstGeom prst="rect">
-            <a:avLst/>
-          </a:prstGeom>
-          <a:noFill/>
-          <a:ln w="9525">
-            <a:noFill/>
-            <a:miter lim="800000"/>
-            <a:headEnd/>
-            <a:tailEnd/>
-          </a:ln>
-        </p:spPr>
-        <p:txBody>
-          <a:bodyPr wrap="square">
-            <a:spAutoFit/>
-          </a:bodyPr>
-          <a:lstStyle/>
-          <a:p>
-            <a:pPr algn="l">
-              <a:lnSpc>
-                <a:spcPct val="70000"/>
-              </a:lnSpc>
-              <a:spcBef>
-                <a:spcPts val="3000"/>
-              </a:spcBef>
-            </a:pPr>
-            <a:r>
-              <a:rPr lang="en-US" sz="6000" dirty="0" smtClean="0">
-                <a:latin typeface="Comic Sans MS" pitchFamily="66" charset="0"/>
-              </a:rPr>
-              <a:t>In other words,</a:t>
-            </a:r>
-          </a:p>
-          <a:p>
-            <a:pPr algn="l">
-              <a:lnSpc>
-                <a:spcPct val="70000"/>
-              </a:lnSpc>
-              <a:spcBef>
-                <a:spcPts val="3000"/>
-              </a:spcBef>
-            </a:pPr>
-            <a:r>
-              <a:rPr lang="en-US" sz="6000" dirty="0" smtClean="0">
-                <a:latin typeface="Comic Sans MS" pitchFamily="66" charset="0"/>
-              </a:rPr>
-              <a:t>either you have TB or</a:t>
-            </a:r>
-          </a:p>
-          <a:p>
-            <a:pPr algn="l">
-              <a:lnSpc>
-                <a:spcPct val="70000"/>
-              </a:lnSpc>
-              <a:spcBef>
-                <a:spcPts val="3000"/>
-              </a:spcBef>
-            </a:pPr>
-            <a:r>
-              <a:rPr lang="en-US" sz="6000" dirty="0" smtClean="0">
-                <a:latin typeface="Comic Sans MS" pitchFamily="66" charset="0"/>
-              </a:rPr>
-              <a:t>something unlikely (2%)</a:t>
-            </a:r>
-          </a:p>
-          <a:p>
-            <a:pPr algn="l">
-              <a:lnSpc>
-                <a:spcPct val="70000"/>
-              </a:lnSpc>
-              <a:spcBef>
-                <a:spcPts val="3000"/>
-              </a:spcBef>
-            </a:pPr>
-            <a:r>
-              <a:rPr lang="en-US" sz="6000" dirty="0" smtClean="0">
-                <a:latin typeface="Comic Sans MS" pitchFamily="66" charset="0"/>
-              </a:rPr>
-              <a:t>happened.</a:t>
-            </a:r>
-            <a:endParaRPr lang="en-US" sz="6000" dirty="0">
-              <a:latin typeface="Comic Sans MS" pitchFamily="66" charset="0"/>
-            </a:endParaRPr>
-          </a:p>
-        </p:txBody>
-      </p:sp>
-      <p:pic>
-        <p:nvPicPr>
-          <p:cNvPr id="37892" name="Picture 4" descr="texpointerror"/>
-          <p:cNvPicPr>
-            <a:picLocks noChangeAspect="1" noChangeArrowheads="1"/>
-          </p:cNvPicPr>
-          <p:nvPr>
-            <p:custDataLst>
-              <p:tags r:id="rId1"/>
-            </p:custDataLst>
-          </p:nvPr>
-        </p:nvPicPr>
-        <p:blipFill>
-          <a:blip r:embed="rId4">
-            <a:clrChange>
-              <a:clrFrom>
-                <a:srgbClr val="FFFFFF"/>
-              </a:clrFrom>
-              <a:clrTo>
-                <a:srgbClr val="FFFFFF">
-                  <a:alpha val="0"/>
-                </a:srgbClr>
-              </a:clrTo>
-            </a:clrChange>
-          </a:blip>
-          <a:srcRect/>
-          <a:stretch>
-            <a:fillRect/>
-          </a:stretch>
-        </p:blipFill>
-        <p:spPr bwMode="auto">
-          <a:xfrm>
-            <a:off x="5080000" y="3810000"/>
-            <a:ext cx="1588" cy="1588"/>
-          </a:xfrm>
-          <a:prstGeom prst="rect">
-            <a:avLst/>
-          </a:prstGeom>
-          <a:noFill/>
-          <a:ln w="9525" algn="ctr">
-            <a:noFill/>
-            <a:miter lim="800000"/>
-            <a:headEnd/>
-            <a:tailEnd/>
-          </a:ln>
-        </p:spPr>
-      </p:pic>
-      <p:sp>
-        <p:nvSpPr>
-          <p:cNvPr id="9" name="Rectangle 3"/>
-          <p:cNvSpPr>
-            <a:spLocks noGrp="1" noChangeArrowheads="1"/>
-          </p:cNvSpPr>
-          <p:nvPr>
-            <p:ph type="title"/>
-          </p:nvPr>
-        </p:nvSpPr>
-        <p:spPr>
-          <a:xfrm>
-            <a:off x="1905000" y="228600"/>
-            <a:ext cx="5334000" cy="990600"/>
-          </a:xfrm>
-          <a:noFill/>
-        </p:spPr>
-        <p:txBody>
-          <a:bodyPr/>
-          <a:lstStyle/>
-          <a:p>
-            <a:pPr eaLnBrk="1" hangingPunct="1"/>
-            <a:r>
-              <a:rPr lang="en-US" sz="4800" dirty="0" smtClean="0">
-                <a:solidFill>
-                  <a:srgbClr val="0006FE"/>
-                </a:solidFill>
-              </a:rPr>
-              <a:t>Confidence</a:t>
-            </a:r>
-          </a:p>
-        </p:txBody>
-      </p:sp>
-    </p:spTree>
-    <p:extLst>
-      <p:ext uri="{BB962C8B-B14F-4D97-AF65-F5344CB8AC3E}">
-        <p14:creationId xmlns:p14="http://schemas.microsoft.com/office/powerpoint/2010/main" val="4180086115"/>
-      </p:ext>
-    </p:extLst>
-  </p:cSld>
-  <p:clrMapOvr>
-    <a:masterClrMapping/>
-  </p:clrMapOvr>
-  <mc:AlternateContent xmlns:mc="http://schemas.openxmlformats.org/markup-compatibility/2006" xmlns:p14="http://schemas.microsoft.com/office/powerpoint/2010/main">
-    <mc:Choice Requires="p14">
-      <p:transition spd="med" p14:dur="700" advClick="0">
-        <p:fade/>
-      </p:transition>
-    </mc:Choice>
-    <mc:Fallback xmlns="">
-      <p:transition xmlns:p14="http://schemas.microsoft.com/office/powerpoint/2010/main" spd="med" advClick="0">
-        <p:fade/>
-      </p:transition>
-    </mc:Fallback>
-  </mc:AlternateContent>
-  <p:timing>
-    <p:tnLst>
-      <p:par>
-        <p:cTn xmlns:p14="http://schemas.microsoft.com/office/powerpoint/2010/main" id="1" dur="indefinite" restart="never" nodeType="tmRoot">
-          <p:childTnLst>
-            <p:seq concurrent="1" nextAc="seek">
-              <p:cTn id="2" dur="indefinite" nodeType="mainSeq">
-                <p:childTnLst>
-                  <p:par>
-                    <p:cTn id="3" fill="hold">
-                      <p:stCondLst>
-                        <p:cond delay="indefinite"/>
-                      </p:stCondLst>
-                      <p:childTnLst>
-                        <p:par>
-                          <p:cTn id="4" fill="hold">
-                            <p:stCondLst>
-                              <p:cond delay="0"/>
-                            </p:stCondLst>
-                            <p:childTnLst>
-                              <p:par>
-                                <p:cTn id="5" presetID="10" presetClass="entr" presetSubtype="0" fill="hold" nodeType="clickEffect">
-                                  <p:stCondLst>
-                                    <p:cond delay="0"/>
-                                  </p:stCondLst>
-                                  <p:childTnLst>
-                                    <p:set>
-                                      <p:cBhvr>
-                                        <p:cTn id="6" dur="1" fill="hold">
-                                          <p:stCondLst>
-                                            <p:cond delay="0"/>
-                                          </p:stCondLst>
-                                        </p:cTn>
-                                        <p:tgtEl>
-                                          <p:spTgt spid="37891">
-                                            <p:txEl>
-                                              <p:pRg st="2" end="2"/>
-                                            </p:txEl>
-                                          </p:spTgt>
-                                        </p:tgtEl>
-                                        <p:attrNameLst>
-                                          <p:attrName>style.visibility</p:attrName>
-                                        </p:attrNameLst>
-                                      </p:cBhvr>
-                                      <p:to>
-                                        <p:strVal val="visible"/>
-                                      </p:to>
-                                    </p:set>
-                                    <p:animEffect transition="in" filter="fade">
-                                      <p:cBhvr>
-                                        <p:cTn id="7" dur="500"/>
-                                        <p:tgtEl>
-                                          <p:spTgt spid="37891">
-                                            <p:txEl>
-                                              <p:pRg st="2" end="2"/>
-                                            </p:txEl>
-                                          </p:spTgt>
-                                        </p:tgtEl>
-                                      </p:cBhvr>
-                                    </p:animEffect>
-                                  </p:childTnLst>
-                                </p:cTn>
-                              </p:par>
-                              <p:par>
-                                <p:cTn id="8" presetID="10" presetClass="entr" presetSubtype="0" fill="hold" nodeType="withEffect">
-                                  <p:stCondLst>
-                                    <p:cond delay="0"/>
-                                  </p:stCondLst>
-                                  <p:childTnLst>
-                                    <p:set>
-                                      <p:cBhvr>
-                                        <p:cTn id="9" dur="1" fill="hold">
-                                          <p:stCondLst>
-                                            <p:cond delay="0"/>
-                                          </p:stCondLst>
-                                        </p:cTn>
-                                        <p:tgtEl>
-                                          <p:spTgt spid="37891">
-                                            <p:txEl>
-                                              <p:pRg st="3" end="3"/>
-                                            </p:txEl>
-                                          </p:spTgt>
-                                        </p:tgtEl>
-                                        <p:attrNameLst>
-                                          <p:attrName>style.visibility</p:attrName>
-                                        </p:attrNameLst>
-                                      </p:cBhvr>
-                                      <p:to>
-                                        <p:strVal val="visible"/>
-                                      </p:to>
-                                    </p:set>
-                                    <p:animEffect transition="in" filter="fade">
-                                      <p:cBhvr>
-                                        <p:cTn id="10" dur="500"/>
-                                        <p:tgtEl>
-                                          <p:spTgt spid="37891">
-                                            <p:txEl>
-                                              <p:pRg st="3" end="3"/>
-                                            </p:txEl>
-                                          </p:spTgt>
-                                        </p:tgtEl>
-                                      </p:cBhvr>
-                                    </p:animEffect>
-                                  </p:childTnLst>
-                                </p:cTn>
-                              </p:par>
-                            </p:childTnLst>
-                          </p:cTn>
-                        </p:par>
-                      </p:childTnLst>
-                    </p:cTn>
-                  </p:par>
-                </p:childTnLst>
-              </p:cTn>
-              <p:prevCondLst>
-                <p:cond evt="onPrev" delay="0">
-                  <p:tgtEl>
-                    <p:sldTgt/>
-                  </p:tgtEl>
-                </p:cond>
-              </p:prevCondLst>
-              <p:nextCondLst>
-                <p:cond evt="onNext" delay="0">
-                  <p:tgtEl>
-                    <p:sldTgt/>
-                  </p:tgtEl>
-                </p:cond>
-              </p:nextCondLst>
-            </p:seq>
-          </p:childTnLst>
-        </p:cTn>
-      </p:par>
-    </p:tnLst>
-  </p:timing>
-</p:sld>
-</file>
-
-<file path=ppt/slides/slide15.xml><?xml version="1.0" encoding="utf-8"?>
-<p:sld xmlns:a="http://schemas.openxmlformats.org/drawingml/2006/main" xmlns:r="http://schemas.openxmlformats.org/officeDocument/2006/relationships" xmlns:p="http://schemas.openxmlformats.org/presentationml/2006/main">
-  <p:cSld>
-    <p:spTree>
-      <p:nvGrpSpPr>
-        <p:cNvPr id="1" name=""/>
-        <p:cNvGrpSpPr/>
-        <p:nvPr/>
-      </p:nvGrpSpPr>
-      <p:grpSpPr>
-        <a:xfrm>
-          <a:off x="0" y="0"/>
-          <a:ext cx="0" cy="0"/>
-          <a:chOff x="0" y="0"/>
-          <a:chExt cx="0" cy="0"/>
-        </a:xfrm>
-      </p:grpSpPr>
-      <p:sp>
-        <p:nvSpPr>
-          <p:cNvPr id="3" name="Content Placeholder 2"/>
-          <p:cNvSpPr>
-            <a:spLocks noGrp="1"/>
-          </p:cNvSpPr>
-          <p:nvPr>
-            <p:ph idx="1"/>
-          </p:nvPr>
-        </p:nvSpPr>
-        <p:spPr>
-          <a:xfrm>
-            <a:off x="228600" y="1143000"/>
-            <a:ext cx="8763000" cy="4572000"/>
-          </a:xfrm>
-        </p:spPr>
-        <p:txBody>
-          <a:bodyPr/>
-          <a:lstStyle/>
-          <a:p>
-            <a:r>
-              <a:rPr lang="en-US" sz="4800" dirty="0" smtClean="0">
-                <a:solidFill>
-                  <a:srgbClr val="006600"/>
-                </a:solidFill>
-              </a:rPr>
-              <a:t>But </a:t>
-            </a:r>
-            <a:r>
-              <a:rPr lang="en-US" sz="4800" dirty="0"/>
-              <a:t>remember </a:t>
-            </a:r>
-            <a:r>
-              <a:rPr lang="en-US" sz="4800" dirty="0" smtClean="0"/>
-              <a:t>when told </a:t>
-            </a:r>
-            <a:r>
-              <a:rPr lang="en-US" sz="4800" dirty="0" smtClean="0"/>
-              <a:t>that </a:t>
-            </a:r>
-          </a:p>
-          <a:p>
-            <a:r>
-              <a:rPr lang="en-US" sz="4800" dirty="0" smtClean="0"/>
-              <a:t>some fact holds at a </a:t>
-            </a:r>
-            <a:r>
-              <a:rPr lang="en-US" sz="4800" dirty="0" smtClean="0">
-                <a:solidFill>
-                  <a:srgbClr val="006600"/>
-                </a:solidFill>
-              </a:rPr>
-              <a:t>high </a:t>
-            </a:r>
-          </a:p>
-          <a:p>
-            <a:r>
-              <a:rPr lang="en-US" sz="4800" dirty="0" smtClean="0">
-                <a:solidFill>
-                  <a:srgbClr val="006600"/>
-                </a:solidFill>
-              </a:rPr>
-              <a:t>confidence level</a:t>
-            </a:r>
-            <a:r>
-              <a:rPr lang="en-US" sz="4800" dirty="0" smtClean="0"/>
-              <a:t>, </a:t>
-            </a:r>
-            <a:r>
-              <a:rPr lang="en-US" sz="4800" dirty="0" smtClean="0"/>
-              <a:t> </a:t>
-            </a:r>
-            <a:endParaRPr lang="en-US" sz="4800" dirty="0" smtClean="0"/>
-          </a:p>
-          <a:p>
-            <a:r>
-              <a:rPr lang="en-US" sz="4800" dirty="0" smtClean="0"/>
-              <a:t>this does </a:t>
-            </a:r>
-            <a:r>
-              <a:rPr lang="en-US" sz="4800" dirty="0" smtClean="0">
-                <a:solidFill>
-                  <a:srgbClr val="FF00FF"/>
-                </a:solidFill>
-              </a:rPr>
-              <a:t>not</a:t>
-            </a:r>
-            <a:r>
-              <a:rPr lang="en-US" sz="4800" dirty="0" smtClean="0"/>
-              <a:t> mean that </a:t>
-            </a:r>
-            <a:r>
-              <a:rPr lang="en-US" sz="4800" dirty="0" smtClean="0"/>
-              <a:t>it is </a:t>
-            </a:r>
-          </a:p>
-          <a:p>
-            <a:r>
-              <a:rPr lang="en-US" sz="4800" dirty="0" smtClean="0"/>
-              <a:t>true or even probable.</a:t>
-            </a:r>
-            <a:endParaRPr lang="en-US" sz="4800" dirty="0" smtClean="0"/>
-          </a:p>
-        </p:txBody>
-      </p:sp>
-      <p:sp>
-        <p:nvSpPr>
-          <p:cNvPr id="4" name="Slide Number Placeholder 3"/>
-          <p:cNvSpPr>
-            <a:spLocks noGrp="1"/>
-          </p:cNvSpPr>
-          <p:nvPr>
-            <p:ph type="sldNum" sz="quarter" idx="4"/>
-          </p:nvPr>
-        </p:nvSpPr>
-        <p:spPr>
-          <a:xfrm>
-            <a:off x="7620000" y="6597650"/>
-            <a:ext cx="1524000" cy="274638"/>
-          </a:xfrm>
-        </p:spPr>
-        <p:txBody>
-          <a:bodyPr/>
-          <a:lstStyle/>
-          <a:p>
-            <a:pPr>
-              <a:defRPr/>
-            </a:pPr>
-            <a:r>
-              <a:rPr lang="en-US" dirty="0" smtClean="0"/>
-              <a:t>truth.</a:t>
-            </a:r>
-            <a:fld id="{E78F4000-603A-43A9-9772-EA15786EFD2C}" type="slidenum">
-              <a:rPr lang="en-US" smtClean="0"/>
-              <a:pPr>
-                <a:defRPr/>
-              </a:pPr>
-              <a:t>15</a:t>
-            </a:fld>
-            <a:endParaRPr lang="en-US" dirty="0"/>
-          </a:p>
-        </p:txBody>
-      </p:sp>
-      <p:sp>
-        <p:nvSpPr>
-          <p:cNvPr id="7" name="Rectangle 3"/>
-          <p:cNvSpPr>
-            <a:spLocks noGrp="1" noChangeArrowheads="1"/>
-          </p:cNvSpPr>
-          <p:nvPr>
-            <p:ph type="title"/>
-          </p:nvPr>
-        </p:nvSpPr>
-        <p:spPr>
-          <a:xfrm>
-            <a:off x="1905000" y="228600"/>
-            <a:ext cx="5334000" cy="990600"/>
-          </a:xfrm>
-          <a:noFill/>
-        </p:spPr>
-        <p:txBody>
-          <a:bodyPr/>
-          <a:lstStyle/>
-          <a:p>
-            <a:pPr eaLnBrk="1" hangingPunct="1"/>
-            <a:r>
-              <a:rPr lang="en-US" sz="4800" dirty="0" smtClean="0">
-                <a:solidFill>
-                  <a:srgbClr val="0006FE"/>
-                </a:solidFill>
-              </a:rPr>
-              <a:t>Confidence</a:t>
-            </a:r>
-          </a:p>
-        </p:txBody>
-      </p:sp>
-    </p:spTree>
-    <p:extLst>
-      <p:ext uri="{BB962C8B-B14F-4D97-AF65-F5344CB8AC3E}">
-        <p14:creationId xmlns:p14="http://schemas.microsoft.com/office/powerpoint/2010/main" val="474281096"/>
-      </p:ext>
-    </p:extLst>
-  </p:cSld>
-  <p:clrMapOvr>
-    <a:masterClrMapping/>
-  </p:clrMapOvr>
-  <p:transition xmlns:p14="http://schemas.microsoft.com/office/powerpoint/2010/main" spd="slow" advClick="0">
-    <p:fade thruBlk="1"/>
-  </p:transition>
-  <p:timing>
-    <p:tnLst>
-      <p:par>
-        <p:cTn xmlns:p14="http://schemas.microsoft.com/office/powerpoint/2010/main" id="1" dur="indefinite" restart="never" nodeType="tmRoot">
-          <p:childTnLst>
-            <p:seq concurrent="1" nextAc="seek">
-              <p:cTn id="2" dur="indefinite" nodeType="mainSeq">
-                <p:childTnLst>
-                  <p:par>
-                    <p:cTn id="3" fill="hold">
-                      <p:stCondLst>
-                        <p:cond delay="indefinite"/>
-                      </p:stCondLst>
-                      <p:childTnLst>
-                        <p:par>
-                          <p:cTn id="4" fill="hold">
-                            <p:stCondLst>
-                              <p:cond delay="0"/>
-                            </p:stCondLst>
-                            <p:childTnLst>
-                              <p:par>
-                                <p:cTn id="5" presetID="10" presetClass="entr" presetSubtype="0" fill="hold" nodeType="clickEffect">
-                                  <p:stCondLst>
-                                    <p:cond delay="0"/>
-                                  </p:stCondLst>
-                                  <p:childTnLst>
-                                    <p:set>
-                                      <p:cBhvr>
-                                        <p:cTn id="6" dur="1" fill="hold">
-                                          <p:stCondLst>
-                                            <p:cond delay="0"/>
-                                          </p:stCondLst>
-                                        </p:cTn>
-                                        <p:tgtEl>
-                                          <p:spTgt spid="3">
-                                            <p:txEl>
-                                              <p:pRg st="3" end="3"/>
-                                            </p:txEl>
-                                          </p:spTgt>
-                                        </p:tgtEl>
-                                        <p:attrNameLst>
-                                          <p:attrName>style.visibility</p:attrName>
-                                        </p:attrNameLst>
-                                      </p:cBhvr>
-                                      <p:to>
-                                        <p:strVal val="visible"/>
-                                      </p:to>
-                                    </p:set>
-                                    <p:animEffect transition="in" filter="fade">
-                                      <p:cBhvr>
-                                        <p:cTn id="7" dur="500"/>
-                                        <p:tgtEl>
-                                          <p:spTgt spid="3">
-                                            <p:txEl>
-                                              <p:pRg st="3" end="3"/>
-                                            </p:txEl>
-                                          </p:spTgt>
-                                        </p:tgtEl>
-                                      </p:cBhvr>
-                                    </p:animEffect>
-                                  </p:childTnLst>
-                                </p:cTn>
-                              </p:par>
-                              <p:par>
-                                <p:cTn id="8" presetID="10" presetClass="entr" presetSubtype="0" fill="hold" nodeType="withEffect">
-                                  <p:stCondLst>
-                                    <p:cond delay="0"/>
-                                  </p:stCondLst>
-                                  <p:childTnLst>
-                                    <p:set>
-                                      <p:cBhvr>
-                                        <p:cTn id="9" dur="1" fill="hold">
-                                          <p:stCondLst>
-                                            <p:cond delay="0"/>
-                                          </p:stCondLst>
-                                        </p:cTn>
-                                        <p:tgtEl>
-                                          <p:spTgt spid="3">
-                                            <p:txEl>
-                                              <p:pRg st="4" end="4"/>
-                                            </p:txEl>
-                                          </p:spTgt>
-                                        </p:tgtEl>
-                                        <p:attrNameLst>
-                                          <p:attrName>style.visibility</p:attrName>
-                                        </p:attrNameLst>
-                                      </p:cBhvr>
-                                      <p:to>
-                                        <p:strVal val="visible"/>
-                                      </p:to>
-                                    </p:set>
-                                    <p:animEffect transition="in" filter="fade">
-                                      <p:cBhvr>
-                                        <p:cTn id="10" dur="500"/>
-                                        <p:tgtEl>
-                                          <p:spTgt spid="3">
-                                            <p:txEl>
-                                              <p:pRg st="4" end="4"/>
-                                            </p:txEl>
-                                          </p:spTgt>
-                                        </p:tgtEl>
-                                      </p:cBhvr>
-                                    </p:animEffect>
-                                  </p:childTnLst>
-                                </p:cTn>
-                              </p:par>
-                            </p:childTnLst>
-                          </p:cTn>
-                        </p:par>
-                      </p:childTnLst>
-                    </p:cTn>
-                  </p:par>
-                </p:childTnLst>
-              </p:cTn>
-              <p:prevCondLst>
-                <p:cond evt="onPrev" delay="0">
-                  <p:tgtEl>
-                    <p:sldTgt/>
-                  </p:tgtEl>
-                </p:cond>
-              </p:prevCondLst>
-              <p:nextCondLst>
-                <p:cond evt="onNext" delay="0">
-                  <p:tgtEl>
-                    <p:sldTgt/>
-                  </p:tgtEl>
-                </p:cond>
-              </p:nextCondLst>
-            </p:seq>
-          </p:childTnLst>
-        </p:cTn>
-      </p:par>
-    </p:tnLst>
-  </p:timing>
-</p:sld>
-</file>
-
-<file path=ppt/slides/slide16.xml><?xml version="1.0" encoding="utf-8"?>
-<p:sld xmlns:a="http://schemas.openxmlformats.org/drawingml/2006/main" xmlns:r="http://schemas.openxmlformats.org/officeDocument/2006/relationships" xmlns:p="http://schemas.openxmlformats.org/presentationml/2006/main" show="0">
-  <p:cSld>
-    <p:spTree>
-      <p:nvGrpSpPr>
-        <p:cNvPr id="1" name=""/>
-        <p:cNvGrpSpPr/>
-        <p:nvPr/>
-      </p:nvGrpSpPr>
-      <p:grpSpPr>
-        <a:xfrm>
-          <a:off x="0" y="0"/>
-          <a:ext cx="0" cy="0"/>
-          <a:chOff x="0" y="0"/>
-          <a:chExt cx="0" cy="0"/>
-        </a:xfrm>
-      </p:grpSpPr>
-      <p:sp>
-        <p:nvSpPr>
-          <p:cNvPr id="3" name="Content Placeholder 2"/>
-          <p:cNvSpPr>
-            <a:spLocks noGrp="1"/>
-          </p:cNvSpPr>
-          <p:nvPr>
-            <p:ph idx="1"/>
-          </p:nvPr>
-        </p:nvSpPr>
-        <p:spPr>
-          <a:xfrm>
-            <a:off x="152400" y="1066800"/>
-            <a:ext cx="8686800" cy="4343400"/>
-          </a:xfrm>
-        </p:spPr>
-        <p:txBody>
-          <a:bodyPr/>
-          <a:lstStyle/>
-          <a:p>
-            <a:r>
-              <a:rPr lang="en-US" sz="4800" dirty="0" smtClean="0">
-                <a:solidFill>
-                  <a:srgbClr val="006600"/>
-                </a:solidFill>
-              </a:rPr>
-              <a:t>Moral:</a:t>
-            </a:r>
-            <a:r>
-              <a:rPr lang="en-US" sz="4800" dirty="0" smtClean="0"/>
-              <a:t> when you are told that </a:t>
-            </a:r>
-          </a:p>
-          <a:p>
-            <a:r>
-              <a:rPr lang="en-US" sz="4800" dirty="0" smtClean="0"/>
-              <a:t>some fact holds at a </a:t>
-            </a:r>
-            <a:r>
-              <a:rPr lang="en-US" sz="4800" dirty="0" smtClean="0">
-                <a:solidFill>
-                  <a:srgbClr val="006600"/>
-                </a:solidFill>
-              </a:rPr>
-              <a:t>high </a:t>
-            </a:r>
-          </a:p>
-          <a:p>
-            <a:r>
-              <a:rPr lang="en-US" sz="4800" dirty="0" smtClean="0">
-                <a:solidFill>
-                  <a:srgbClr val="006600"/>
-                </a:solidFill>
-              </a:rPr>
-              <a:t>confidence level</a:t>
-            </a:r>
-            <a:r>
-              <a:rPr lang="en-US" sz="4800" dirty="0" smtClean="0"/>
-              <a:t>, remember </a:t>
-            </a:r>
-          </a:p>
-          <a:p>
-            <a:r>
-              <a:rPr lang="en-US" sz="4800" dirty="0" smtClean="0"/>
-              <a:t>that a random test</a:t>
-            </a:r>
-          </a:p>
-          <a:p>
-            <a:r>
-              <a:rPr lang="en-US" sz="4800" dirty="0" smtClean="0"/>
-              <a:t>lies behind this claim. </a:t>
-            </a:r>
-            <a:endParaRPr lang="en-US" sz="4800" dirty="0" smtClean="0">
-              <a:solidFill>
-                <a:srgbClr val="0000CC"/>
-              </a:solidFill>
-            </a:endParaRPr>
-          </a:p>
-        </p:txBody>
-      </p:sp>
-      <p:sp>
-        <p:nvSpPr>
-          <p:cNvPr id="4" name="Slide Number Placeholder 3"/>
-          <p:cNvSpPr>
-            <a:spLocks noGrp="1"/>
-          </p:cNvSpPr>
-          <p:nvPr>
-            <p:ph type="sldNum" sz="quarter" idx="4"/>
-          </p:nvPr>
-        </p:nvSpPr>
-        <p:spPr>
-          <a:xfrm>
-            <a:off x="7620000" y="6597650"/>
-            <a:ext cx="1524000" cy="274638"/>
-          </a:xfrm>
-        </p:spPr>
-        <p:txBody>
-          <a:bodyPr/>
-          <a:lstStyle/>
-          <a:p>
-            <a:pPr>
-              <a:defRPr/>
-            </a:pPr>
-            <a:r>
-              <a:rPr lang="en-US" dirty="0" smtClean="0"/>
-              <a:t>truth.</a:t>
-            </a:r>
-            <a:fld id="{E78F4000-603A-43A9-9772-EA15786EFD2C}" type="slidenum">
-              <a:rPr lang="en-US" smtClean="0"/>
-              <a:pPr>
-                <a:defRPr/>
-              </a:pPr>
-              <a:t>16</a:t>
-            </a:fld>
-            <a:endParaRPr lang="en-US" dirty="0"/>
-          </a:p>
-        </p:txBody>
-      </p:sp>
-      <p:sp>
-        <p:nvSpPr>
-          <p:cNvPr id="6" name="TextBox 5"/>
-          <p:cNvSpPr txBox="1"/>
-          <p:nvPr/>
-        </p:nvSpPr>
-        <p:spPr>
-          <a:xfrm>
-            <a:off x="226574" y="4604230"/>
-            <a:ext cx="8384026" cy="1877437"/>
-          </a:xfrm>
-          <a:prstGeom prst="rect">
-            <a:avLst/>
-          </a:prstGeom>
-          <a:noFill/>
-        </p:spPr>
-        <p:txBody>
-          <a:bodyPr wrap="none" rtlCol="0">
-            <a:spAutoFit/>
-          </a:bodyPr>
-          <a:lstStyle/>
-          <a:p>
-            <a:pPr marL="342900" lvl="0" indent="-342900" algn="l" eaLnBrk="0" hangingPunct="0">
-              <a:spcBef>
-                <a:spcPct val="20000"/>
-              </a:spcBef>
-            </a:pPr>
-            <a:r>
-              <a:rPr lang="en-US" sz="4400" kern="0" dirty="0" smtClean="0">
-                <a:solidFill>
-                  <a:srgbClr val="000000"/>
-                </a:solidFill>
-                <a:latin typeface="Comic Sans MS"/>
-              </a:rPr>
-              <a:t>                                       </a:t>
-            </a:r>
-            <a:r>
-              <a:rPr lang="en-US" sz="4800" kern="0" dirty="0" smtClean="0">
-                <a:solidFill>
-                  <a:srgbClr val="000000"/>
-                </a:solidFill>
-                <a:latin typeface="Comic Sans MS"/>
-              </a:rPr>
-              <a:t>Ask</a:t>
-            </a:r>
-          </a:p>
-          <a:p>
-            <a:pPr marL="342900" lvl="0" indent="-342900" algn="l" eaLnBrk="0" hangingPunct="0">
-              <a:spcBef>
-                <a:spcPts val="0"/>
-              </a:spcBef>
-            </a:pPr>
-            <a:r>
-              <a:rPr lang="en-US" sz="4800" kern="0" dirty="0" smtClean="0">
-                <a:solidFill>
-                  <a:srgbClr val="000000"/>
-                </a:solidFill>
-                <a:latin typeface="Comic Sans MS"/>
-              </a:rPr>
-              <a:t>yourself </a:t>
-            </a:r>
-            <a:r>
-              <a:rPr lang="en-US" sz="4800" kern="0" dirty="0" smtClean="0">
-                <a:solidFill>
-                  <a:srgbClr val="0000CC"/>
-                </a:solidFill>
-                <a:latin typeface="Comic Sans MS"/>
-              </a:rPr>
-              <a:t>“what experiment?”</a:t>
-            </a:r>
-          </a:p>
-          <a:p>
-            <a:endParaRPr lang="en-US" sz="2000" dirty="0"/>
-          </a:p>
-        </p:txBody>
-      </p:sp>
-      <p:sp>
-        <p:nvSpPr>
-          <p:cNvPr id="7" name="Rectangle 3"/>
-          <p:cNvSpPr>
-            <a:spLocks noGrp="1" noChangeArrowheads="1"/>
-          </p:cNvSpPr>
-          <p:nvPr>
-            <p:ph type="title"/>
-          </p:nvPr>
-        </p:nvSpPr>
-        <p:spPr>
-          <a:xfrm>
-            <a:off x="1905000" y="228600"/>
-            <a:ext cx="5334000" cy="990600"/>
-          </a:xfrm>
-          <a:noFill/>
-        </p:spPr>
-        <p:txBody>
-          <a:bodyPr/>
-          <a:lstStyle/>
-          <a:p>
-            <a:pPr eaLnBrk="1" hangingPunct="1"/>
-            <a:r>
-              <a:rPr lang="en-US" sz="4800" dirty="0" smtClean="0">
-                <a:solidFill>
-                  <a:srgbClr val="0006FE"/>
-                </a:solidFill>
-              </a:rPr>
-              <a:t>Confidence</a:t>
-            </a:r>
-          </a:p>
-        </p:txBody>
-      </p:sp>
-    </p:spTree>
-    <p:extLst>
-      <p:ext uri="{BB962C8B-B14F-4D97-AF65-F5344CB8AC3E}">
-        <p14:creationId xmlns:p14="http://schemas.microsoft.com/office/powerpoint/2010/main" val="2341161943"/>
-      </p:ext>
-    </p:extLst>
-  </p:cSld>
-  <p:clrMapOvr>
-    <a:masterClrMapping/>
-  </p:clrMapOvr>
-  <p:transition xmlns:p14="http://schemas.microsoft.com/office/powerpoint/2010/main" spd="slow" advClick="0">
-    <p:fade thruBlk="1"/>
-  </p:transition>
-  <p:timing>
-    <p:tnLst>
-      <p:par>
-        <p:cTn xmlns:p14="http://schemas.microsoft.com/office/powerpoint/2010/main" id="1" dur="indefinite" restart="never" nodeType="tmRoot">
-          <p:childTnLst>
-            <p:seq concurrent="1" nextAc="seek">
-              <p:cTn id="2" dur="indefinite" nodeType="mainSeq">
-                <p:childTnLst>
-                  <p:par>
-                    <p:cTn id="3" fill="hold">
-                      <p:stCondLst>
-                        <p:cond delay="indefinite"/>
-                      </p:stCondLst>
-                      <p:childTnLst>
-                        <p:par>
-                          <p:cTn id="4" fill="hold">
-                            <p:stCondLst>
-                              <p:cond delay="0"/>
-                            </p:stCondLst>
-                            <p:childTnLst>
-                              <p:par>
-                                <p:cTn id="5" presetID="9" presetClass="entr" presetSubtype="0" fill="hold" grpId="0" nodeType="clickEffect">
-                                  <p:stCondLst>
-                                    <p:cond delay="0"/>
-                                  </p:stCondLst>
-                                  <p:childTnLst>
-                                    <p:set>
-                                      <p:cBhvr>
-                                        <p:cTn id="6" dur="1" fill="hold">
-                                          <p:stCondLst>
-                                            <p:cond delay="0"/>
-                                          </p:stCondLst>
-                                        </p:cTn>
-                                        <p:tgtEl>
-                                          <p:spTgt spid="6"/>
-                                        </p:tgtEl>
-                                        <p:attrNameLst>
-                                          <p:attrName>style.visibility</p:attrName>
-                                        </p:attrNameLst>
-                                      </p:cBhvr>
-                                      <p:to>
-                                        <p:strVal val="visible"/>
-                                      </p:to>
-                                    </p:set>
-                                    <p:animEffect transition="in" filter="dissolve">
-                                      <p:cBhvr>
-                                        <p:cTn id="7" dur="500"/>
-                                        <p:tgtEl>
-                                          <p:spTgt spid="6"/>
-                                        </p:tgtEl>
-                                      </p:cBhvr>
-                                    </p:animEffect>
-                                  </p:childTnLst>
-                                </p:cTn>
-                              </p:par>
-                            </p:childTnLst>
-                          </p:cTn>
-                        </p:par>
-                      </p:childTnLst>
-                    </p:cTn>
-                  </p:par>
-                </p:childTnLst>
-              </p:cTn>
-              <p:prevCondLst>
-                <p:cond evt="onPrev" delay="0">
-                  <p:tgtEl>
-                    <p:sldTgt/>
-                  </p:tgtEl>
-                </p:cond>
-              </p:prevCondLst>
-              <p:nextCondLst>
-                <p:cond evt="onNext" delay="0">
-                  <p:tgtEl>
-                    <p:sldTgt/>
-                  </p:tgtEl>
-                </p:cond>
-              </p:nextCondLst>
-            </p:seq>
-          </p:childTnLst>
-        </p:cTn>
-      </p:par>
-    </p:tnLst>
-    <p:bldLst>
-      <p:bldP spid="6" grpId="0"/>
-    </p:bldLst>
-  </p:timing>
-</p:sld>
-</file>
-
-<file path=ppt/slides/slide17.xml><?xml version="1.0" encoding="utf-8"?>
-<p:sld xmlns:a="http://schemas.openxmlformats.org/drawingml/2006/main" xmlns:r="http://schemas.openxmlformats.org/officeDocument/2006/relationships" xmlns:p="http://schemas.openxmlformats.org/presentationml/2006/main" show="0">
-  <p:cSld>
-    <p:spTree>
-      <p:nvGrpSpPr>
-        <p:cNvPr id="1" name=""/>
-        <p:cNvGrpSpPr/>
-        <p:nvPr/>
-      </p:nvGrpSpPr>
-      <p:grpSpPr>
-        <a:xfrm>
-          <a:off x="0" y="0"/>
-          <a:ext cx="0" cy="0"/>
-          <a:chOff x="0" y="0"/>
-          <a:chExt cx="0" cy="0"/>
-        </a:xfrm>
-      </p:grpSpPr>
-      <p:sp>
-        <p:nvSpPr>
-          <p:cNvPr id="3" name="Content Placeholder 2"/>
-          <p:cNvSpPr>
-            <a:spLocks noGrp="1"/>
-          </p:cNvSpPr>
-          <p:nvPr>
-            <p:ph idx="1"/>
-          </p:nvPr>
-        </p:nvSpPr>
-        <p:spPr>
-          <a:xfrm>
-            <a:off x="152400" y="1066800"/>
-            <a:ext cx="8839200" cy="5334000"/>
-          </a:xfrm>
-        </p:spPr>
-        <p:txBody>
-          <a:bodyPr/>
-          <a:lstStyle/>
-          <a:p>
-            <a:r>
-              <a:rPr lang="en-US" sz="4800" dirty="0" smtClean="0">
-                <a:solidFill>
-                  <a:srgbClr val="006600"/>
-                </a:solidFill>
-              </a:rPr>
-              <a:t>Moral:</a:t>
-            </a:r>
-            <a:r>
-              <a:rPr lang="en-US" sz="4800" dirty="0" smtClean="0"/>
-              <a:t> </a:t>
-            </a:r>
-            <a:r>
-              <a:rPr lang="en-US" sz="4800" dirty="0"/>
-              <a:t>Also ask “Why am I</a:t>
-            </a:r>
-          </a:p>
-          <a:p>
-            <a:r>
-              <a:rPr lang="en-US" sz="4800" dirty="0"/>
-              <a:t>hearing about this particular </a:t>
-            </a:r>
-          </a:p>
-          <a:p>
-            <a:r>
-              <a:rPr lang="en-US" sz="4800" dirty="0" smtClean="0"/>
-              <a:t>outcome?  </a:t>
-            </a:r>
-            <a:r>
-              <a:rPr lang="en-US" sz="4800" dirty="0"/>
-              <a:t>How many </a:t>
-            </a:r>
-          </a:p>
-          <a:p>
-            <a:r>
-              <a:rPr lang="en-US" sz="4800" dirty="0"/>
-              <a:t>others were tried and not</a:t>
-            </a:r>
-          </a:p>
-          <a:p>
-            <a:r>
-              <a:rPr lang="en-US" sz="4800" dirty="0"/>
-              <a:t>reported?” </a:t>
-            </a:r>
-            <a:endParaRPr lang="en-US" sz="4800" dirty="0" smtClean="0"/>
-          </a:p>
-          <a:p>
-            <a:pPr algn="ctr"/>
-            <a:r>
-              <a:rPr lang="en-US" sz="4800" dirty="0"/>
-              <a:t>See </a:t>
-            </a:r>
-            <a:r>
-              <a:rPr lang="en-US" sz="4800" dirty="0">
-                <a:solidFill>
-                  <a:srgbClr val="660066"/>
-                </a:solidFill>
-              </a:rPr>
-              <a:t>http://</a:t>
-            </a:r>
-            <a:r>
-              <a:rPr lang="en-US" sz="4800" dirty="0" err="1">
-                <a:solidFill>
-                  <a:srgbClr val="660066"/>
-                </a:solidFill>
-              </a:rPr>
-              <a:t>xkcd.com</a:t>
-            </a:r>
-            <a:r>
-              <a:rPr lang="en-US" sz="4800" dirty="0">
-                <a:solidFill>
-                  <a:srgbClr val="660066"/>
-                </a:solidFill>
-              </a:rPr>
-              <a:t>/882/</a:t>
-            </a:r>
-          </a:p>
-        </p:txBody>
-      </p:sp>
-      <p:sp>
-        <p:nvSpPr>
-          <p:cNvPr id="4" name="Slide Number Placeholder 3"/>
-          <p:cNvSpPr>
-            <a:spLocks noGrp="1"/>
-          </p:cNvSpPr>
-          <p:nvPr>
-            <p:ph type="sldNum" sz="quarter" idx="4"/>
-          </p:nvPr>
-        </p:nvSpPr>
-        <p:spPr>
-          <a:xfrm>
-            <a:off x="7620000" y="6597650"/>
-            <a:ext cx="1524000" cy="274638"/>
-          </a:xfrm>
-        </p:spPr>
-        <p:txBody>
-          <a:bodyPr/>
-          <a:lstStyle/>
-          <a:p>
-            <a:pPr>
-              <a:defRPr/>
-            </a:pPr>
-            <a:r>
-              <a:rPr lang="en-US" dirty="0" smtClean="0"/>
-              <a:t>truth.</a:t>
-            </a:r>
-            <a:fld id="{E78F4000-603A-43A9-9772-EA15786EFD2C}" type="slidenum">
-              <a:rPr lang="en-US" smtClean="0"/>
-              <a:pPr>
-                <a:defRPr/>
-              </a:pPr>
-              <a:t>17</a:t>
-            </a:fld>
-            <a:endParaRPr lang="en-US" dirty="0"/>
-          </a:p>
-        </p:txBody>
-      </p:sp>
-      <p:sp>
-        <p:nvSpPr>
-          <p:cNvPr id="7" name="Rectangle 3"/>
-          <p:cNvSpPr>
-            <a:spLocks noGrp="1" noChangeArrowheads="1"/>
-          </p:cNvSpPr>
-          <p:nvPr>
-            <p:ph type="title"/>
-          </p:nvPr>
-        </p:nvSpPr>
-        <p:spPr>
-          <a:xfrm>
-            <a:off x="1905000" y="228600"/>
-            <a:ext cx="5334000" cy="990600"/>
-          </a:xfrm>
-          <a:noFill/>
-        </p:spPr>
-        <p:txBody>
-          <a:bodyPr/>
-          <a:lstStyle/>
-          <a:p>
-            <a:pPr eaLnBrk="1" hangingPunct="1"/>
-            <a:r>
-              <a:rPr lang="en-US" sz="4800" dirty="0" smtClean="0">
-                <a:solidFill>
-                  <a:srgbClr val="0006FE"/>
-                </a:solidFill>
-              </a:rPr>
-              <a:t>Confidence</a:t>
-            </a:r>
-          </a:p>
-        </p:txBody>
-      </p:sp>
-    </p:spTree>
-    <p:extLst>
-      <p:ext uri="{BB962C8B-B14F-4D97-AF65-F5344CB8AC3E}">
-        <p14:creationId xmlns:p14="http://schemas.microsoft.com/office/powerpoint/2010/main" val="1527608813"/>
-      </p:ext>
-    </p:extLst>
-  </p:cSld>
-  <p:clrMapOvr>
-    <a:masterClrMapping/>
-  </p:clrMapOvr>
-  <p:transition xmlns:p14="http://schemas.microsoft.com/office/powerpoint/2010/main">
-    <p:fade/>
-  </p:transition>
-  <p:timing>
-    <p:tnLst>
-      <p:par>
-        <p:cTn xmlns:p14="http://schemas.microsoft.com/office/powerpoint/2010/main" id="1" dur="indefinite" restart="never" nodeType="tmRoot">
-          <p:childTnLst>
-            <p:seq concurrent="1" nextAc="seek">
-              <p:cTn id="2" dur="indefinite" nodeType="mainSeq">
-                <p:childTnLst>
-                  <p:par>
-                    <p:cTn id="3" fill="hold">
-                      <p:stCondLst>
-                        <p:cond delay="indefinite"/>
-                      </p:stCondLst>
-                      <p:childTnLst>
-                        <p:par>
-                          <p:cTn id="4" fill="hold">
-                            <p:stCondLst>
-                              <p:cond delay="0"/>
-                            </p:stCondLst>
-                            <p:childTnLst>
-                              <p:par>
-                                <p:cTn id="5" presetID="10" presetClass="entr" presetSubtype="0" fill="hold" nodeType="clickEffect">
-                                  <p:stCondLst>
-                                    <p:cond delay="0"/>
-                                  </p:stCondLst>
-                                  <p:childTnLst>
-                                    <p:set>
-                                      <p:cBhvr>
-                                        <p:cTn id="6" dur="1" fill="hold">
-                                          <p:stCondLst>
-                                            <p:cond delay="0"/>
-                                          </p:stCondLst>
-                                        </p:cTn>
-                                        <p:tgtEl>
-                                          <p:spTgt spid="3">
-                                            <p:txEl>
-                                              <p:pRg st="5" end="5"/>
-                                            </p:txEl>
-                                          </p:spTgt>
-                                        </p:tgtEl>
-                                        <p:attrNameLst>
-                                          <p:attrName>style.visibility</p:attrName>
-                                        </p:attrNameLst>
-                                      </p:cBhvr>
-                                      <p:to>
-                                        <p:strVal val="visible"/>
-                                      </p:to>
-                                    </p:set>
-                                    <p:animEffect transition="in" filter="fade">
-                                      <p:cBhvr>
-                                        <p:cTn id="7" dur="500"/>
-                                        <p:tgtEl>
-                                          <p:spTgt spid="3">
-                                            <p:txEl>
-                                              <p:pRg st="5" end="5"/>
-                                            </p:txEl>
-                                          </p:spTgt>
-                                        </p:tgtEl>
-                                      </p:cBhvr>
-                                    </p:animEffect>
-                                  </p:childTnLst>
-                                </p:cTn>
-                              </p:par>
-                            </p:childTnLst>
-                          </p:cTn>
-                        </p:par>
-                      </p:childTnLst>
-                    </p:cTn>
-                  </p:par>
-                </p:childTnLst>
-              </p:cTn>
-              <p:prevCondLst>
-                <p:cond evt="onPrev" delay="0">
-                  <p:tgtEl>
-                    <p:sldTgt/>
-                  </p:tgtEl>
-                </p:cond>
-              </p:prevCondLst>
-              <p:nextCondLst>
-                <p:cond evt="onNext" delay="0">
-                  <p:tgtEl>
-                    <p:sldTgt/>
-                  </p:tgtEl>
-                </p:cond>
-              </p:nextCondLst>
-            </p:seq>
-          </p:childTnLst>
-        </p:cTn>
-      </p:par>
-    </p:tnLst>
-  </p:timing>
-</p:sld>
-</file>
-
-<file path=ppt/slides/slide2.xml><?xml version="1.0" encoding="utf-8"?>
-<p:sld xmlns:a="http://schemas.openxmlformats.org/drawingml/2006/main" xmlns:r="http://schemas.openxmlformats.org/officeDocument/2006/relationships" xmlns:p="http://schemas.openxmlformats.org/presentationml/2006/main">
-  <p:cSld>
-    <p:spTree>
-      <p:nvGrpSpPr>
-        <p:cNvPr id="1" name=""/>
-        <p:cNvGrpSpPr/>
-        <p:nvPr/>
-      </p:nvGrpSpPr>
-      <p:grpSpPr>
-        <a:xfrm>
-          <a:off x="0" y="0"/>
-          <a:ext cx="0" cy="0"/>
-          <a:chOff x="0" y="0"/>
-          <a:chExt cx="0" cy="0"/>
-        </a:xfrm>
-      </p:grpSpPr>
-      <p:cxnSp>
-        <p:nvCxnSpPr>
-          <p:cNvPr id="30727" name="AutoShape 21"/>
-          <p:cNvCxnSpPr>
-            <a:cxnSpLocks noChangeShapeType="1"/>
-          </p:cNvCxnSpPr>
-          <p:nvPr/>
-        </p:nvCxnSpPr>
-        <p:spPr bwMode="auto">
-          <a:xfrm>
-            <a:off x="1219200" y="3543300"/>
-            <a:ext cx="0" cy="0"/>
-          </a:xfrm>
-          <a:prstGeom prst="straightConnector1">
-            <a:avLst/>
-          </a:prstGeom>
-          <a:noFill/>
-          <a:ln w="9525">
-            <a:solidFill>
-              <a:schemeClr val="tx1"/>
-            </a:solidFill>
-            <a:round/>
-            <a:headEnd/>
-            <a:tailEnd/>
-          </a:ln>
-        </p:spPr>
-      </p:cxnSp>
-      <p:sp>
-        <p:nvSpPr>
-          <p:cNvPr id="39" name="Rectangle 4"/>
-          <p:cNvSpPr txBox="1">
-            <a:spLocks noChangeArrowheads="1"/>
-          </p:cNvSpPr>
-          <p:nvPr/>
-        </p:nvSpPr>
-        <p:spPr bwMode="auto">
-          <a:xfrm>
-            <a:off x="7696200" y="6629400"/>
-            <a:ext cx="1447800" cy="228600"/>
-          </a:xfrm>
-          <a:prstGeom prst="rect">
-            <a:avLst/>
-          </a:prstGeom>
-          <a:noFill/>
-          <a:ln w="9525">
-            <a:noFill/>
-            <a:miter lim="800000"/>
-            <a:headEnd/>
-            <a:tailEnd/>
-          </a:ln>
-          <a:effectLst/>
-        </p:spPr>
-        <p:txBody>
-          <a:bodyPr vert="horz" wrap="square" lIns="91440" tIns="45720" rIns="91440" bIns="45720" numCol="1" anchor="t" anchorCtr="0" compatLnSpc="1">
-            <a:prstTxWarp prst="textNoShape">
-              <a:avLst/>
-            </a:prstTxWarp>
-          </a:bodyPr>
-          <a:lstStyle>
-            <a:lvl1pPr algn="r">
-              <a:defRPr sz="1200" dirty="0" err="1" smtClean="0">
-                <a:latin typeface="+mn-lt"/>
-              </a:defRPr>
-            </a:lvl1pPr>
-          </a:lstStyle>
-          <a:p>
-            <a:pPr marL="0" marR="0" lvl="0" indent="0" algn="r" defTabSz="914400" rtl="0" eaLnBrk="1" fontAlgn="base" latinLnBrk="0" hangingPunct="1">
-              <a:lnSpc>
-                <a:spcPct val="100000"/>
-              </a:lnSpc>
-              <a:spcBef>
-                <a:spcPct val="0"/>
-              </a:spcBef>
-              <a:spcAft>
-                <a:spcPct val="0"/>
-              </a:spcAft>
-              <a:buClrTx/>
-              <a:buSzTx/>
-              <a:buFontTx/>
-              <a:buNone/>
-              <a:tabLst/>
-              <a:defRPr/>
-            </a:pPr>
-            <a:r>
-              <a:rPr kumimoji="0" lang="en-US" sz="1200" b="0" i="0" u="none" strike="noStrike" kern="1200" cap="none" spc="0" normalizeH="0" baseline="0" noProof="0" dirty="0" smtClean="0">
-                <a:ln>
-                  <a:noFill/>
-                </a:ln>
-                <a:solidFill>
-                  <a:schemeClr val="tx1"/>
-                </a:solidFill>
-                <a:effectLst/>
-                <a:uLnTx/>
-                <a:uFillTx/>
-                <a:latin typeface="+mn-lt"/>
-                <a:ea typeface="+mn-ea"/>
-                <a:cs typeface="+mn-cs"/>
-              </a:rPr>
-              <a:t>testing.</a:t>
-            </a:r>
-            <a:fld id="{B9A0B45D-6AFD-413C-B761-B121FB8BE940}" type="slidenum">
-              <a:rPr kumimoji="0" lang="en-US" sz="1200" b="0" i="0" u="none" strike="noStrike" kern="1200" cap="none" spc="0" normalizeH="0" baseline="0" noProof="0" smtClean="0">
-                <a:ln>
-                  <a:noFill/>
-                </a:ln>
-                <a:solidFill>
-                  <a:schemeClr val="tx1"/>
-                </a:solidFill>
-                <a:effectLst/>
-                <a:uLnTx/>
-                <a:uFillTx/>
-                <a:latin typeface="+mn-lt"/>
-                <a:ea typeface="+mn-ea"/>
-                <a:cs typeface="+mn-cs"/>
-              </a:rPr>
-              <a:pPr marL="0" marR="0" lvl="0" indent="0" algn="r" defTabSz="914400" rtl="0" eaLnBrk="1" fontAlgn="base" latinLnBrk="0" hangingPunct="1">
-                <a:lnSpc>
-                  <a:spcPct val="100000"/>
-                </a:lnSpc>
-                <a:spcBef>
-                  <a:spcPct val="0"/>
-                </a:spcBef>
-                <a:spcAft>
-                  <a:spcPct val="0"/>
-                </a:spcAft>
-                <a:buClrTx/>
-                <a:buSzTx/>
-                <a:buFontTx/>
-                <a:buNone/>
-                <a:tabLst/>
-                <a:defRPr/>
-              </a:pPr>
-              <a:t>2</a:t>
-            </a:fld>
-            <a:endParaRPr kumimoji="0" lang="en-US" sz="1200" b="0" i="0" u="none" strike="noStrike" kern="1200" cap="none" spc="0" normalizeH="0" baseline="0" noProof="0" dirty="0">
-              <a:ln>
-                <a:noFill/>
-              </a:ln>
-              <a:solidFill>
-                <a:schemeClr val="tx1"/>
-              </a:solidFill>
-              <a:effectLst/>
-              <a:uLnTx/>
-              <a:uFillTx/>
-              <a:latin typeface="+mn-lt"/>
-              <a:ea typeface="+mn-ea"/>
-              <a:cs typeface="+mn-cs"/>
-            </a:endParaRPr>
-          </a:p>
-        </p:txBody>
-      </p:sp>
-      <p:sp>
-        <p:nvSpPr>
-          <p:cNvPr id="2" name="TextBox 1"/>
-          <p:cNvSpPr txBox="1"/>
-          <p:nvPr/>
-        </p:nvSpPr>
-        <p:spPr>
-          <a:xfrm>
-            <a:off x="199038" y="1061467"/>
-            <a:ext cx="8944962" cy="4321183"/>
-          </a:xfrm>
-          <a:prstGeom prst="rect">
-            <a:avLst/>
-          </a:prstGeom>
-          <a:noFill/>
-        </p:spPr>
-        <p:txBody>
-          <a:bodyPr wrap="square" rtlCol="0">
-            <a:spAutoFit/>
-          </a:bodyPr>
-          <a:lstStyle/>
-          <a:p>
-            <a:r>
-              <a:rPr lang="en-US" sz="5400" dirty="0">
-                <a:latin typeface="Comic Sans MS"/>
-                <a:cs typeface="Comic Sans MS"/>
-              </a:rPr>
-              <a:t>Your doctor </a:t>
-            </a:r>
-            <a:r>
-              <a:rPr lang="en-US" sz="5400" dirty="0" smtClean="0">
-                <a:latin typeface="Comic Sans MS"/>
-                <a:cs typeface="Comic Sans MS"/>
-              </a:rPr>
-              <a:t>tests you, and </a:t>
-            </a:r>
-            <a:r>
-              <a:rPr lang="en-US" sz="5400" dirty="0">
-                <a:solidFill>
-                  <a:srgbClr val="EE040A"/>
-                </a:solidFill>
-                <a:latin typeface="Comic Sans MS"/>
-                <a:cs typeface="Comic Sans MS"/>
-              </a:rPr>
-              <a:t>it </a:t>
-            </a:r>
-            <a:r>
-              <a:rPr lang="en-US" sz="5400" dirty="0" smtClean="0">
-                <a:solidFill>
-                  <a:srgbClr val="EE040A"/>
-                </a:solidFill>
-                <a:latin typeface="Comic Sans MS"/>
-                <a:cs typeface="Comic Sans MS"/>
-              </a:rPr>
-              <a:t>says </a:t>
-            </a:r>
-            <a:r>
-              <a:rPr lang="en-US" sz="5400" dirty="0">
-                <a:solidFill>
-                  <a:srgbClr val="EE040A"/>
-                </a:solidFill>
-                <a:latin typeface="Comic Sans MS"/>
-                <a:cs typeface="Comic Sans MS"/>
-              </a:rPr>
-              <a:t>TB</a:t>
-            </a:r>
-            <a:r>
-              <a:rPr lang="en-US" sz="5400" dirty="0" smtClean="0">
-                <a:solidFill>
-                  <a:srgbClr val="EE040A"/>
-                </a:solidFill>
-                <a:latin typeface="Comic Sans MS"/>
-                <a:cs typeface="Comic Sans MS"/>
-              </a:rPr>
-              <a:t>!  </a:t>
-            </a:r>
-            <a:r>
-              <a:rPr lang="en-US" sz="5400" dirty="0" smtClean="0">
-                <a:latin typeface="Comic Sans MS"/>
-                <a:cs typeface="Comic Sans MS"/>
-              </a:rPr>
-              <a:t>He says</a:t>
-            </a:r>
-            <a:endParaRPr lang="en-US" sz="5400" dirty="0">
-              <a:latin typeface="Comic Sans MS"/>
-              <a:cs typeface="Comic Sans MS"/>
-            </a:endParaRPr>
-          </a:p>
-          <a:p>
-            <a:r>
-              <a:rPr lang="en-US" sz="5400" dirty="0" smtClean="0">
-                <a:latin typeface="Comic Sans MS"/>
-                <a:cs typeface="Comic Sans MS"/>
-              </a:rPr>
-              <a:t>“The </a:t>
-            </a:r>
-            <a:r>
-              <a:rPr lang="en-US" sz="5400" dirty="0">
-                <a:latin typeface="Comic Sans MS"/>
-                <a:cs typeface="Comic Sans MS"/>
-              </a:rPr>
-              <a:t>hypothesis that you have </a:t>
-            </a:r>
-            <a:r>
-              <a:rPr lang="en-US" sz="5400" dirty="0" smtClean="0">
-                <a:latin typeface="Comic Sans MS"/>
-                <a:cs typeface="Comic Sans MS"/>
-              </a:rPr>
-              <a:t>TB holds </a:t>
-            </a:r>
-            <a:r>
-              <a:rPr lang="en-US" sz="5400" dirty="0">
-                <a:latin typeface="Comic Sans MS"/>
-                <a:cs typeface="Comic Sans MS"/>
-              </a:rPr>
-              <a:t>at the </a:t>
-            </a:r>
-            <a:r>
-              <a:rPr lang="en-US" sz="4800" kern="0" dirty="0" smtClean="0">
-                <a:solidFill>
-                  <a:srgbClr val="0000FF"/>
-                </a:solidFill>
-                <a:latin typeface="Comic Sans MS" pitchFamily="66" charset="0"/>
-              </a:rPr>
-              <a:t>98% </a:t>
-            </a:r>
-            <a:r>
-              <a:rPr lang="en-US" sz="4800" kern="0" dirty="0">
-                <a:solidFill>
-                  <a:srgbClr val="0000FF"/>
-                </a:solidFill>
-                <a:latin typeface="Comic Sans MS" pitchFamily="66" charset="0"/>
-              </a:rPr>
-              <a:t>confidence level</a:t>
-            </a:r>
-            <a:r>
-              <a:rPr lang="en-US" sz="4800" kern="0" dirty="0" smtClean="0">
-                <a:solidFill>
-                  <a:srgbClr val="000000"/>
-                </a:solidFill>
-                <a:latin typeface="Comic Sans MS" pitchFamily="66" charset="0"/>
-              </a:rPr>
-              <a:t>.”</a:t>
-            </a:r>
-            <a:endParaRPr lang="en-US" sz="4800" kern="0" dirty="0">
-              <a:solidFill>
-                <a:srgbClr val="000000"/>
-              </a:solidFill>
-              <a:latin typeface="Comic Sans MS" pitchFamily="66" charset="0"/>
-            </a:endParaRPr>
-          </a:p>
-        </p:txBody>
-      </p:sp>
-      <p:sp>
-        <p:nvSpPr>
-          <p:cNvPr id="8" name="Rectangle 4"/>
-          <p:cNvSpPr>
-            <a:spLocks noGrp="1" noChangeArrowheads="1"/>
-          </p:cNvSpPr>
-          <p:nvPr>
-            <p:ph type="title"/>
-          </p:nvPr>
-        </p:nvSpPr>
-        <p:spPr>
-          <a:xfrm>
-            <a:off x="1295400" y="228600"/>
-            <a:ext cx="6553200" cy="838200"/>
-          </a:xfrm>
-          <a:noFill/>
-        </p:spPr>
-        <p:txBody>
-          <a:bodyPr/>
-          <a:lstStyle/>
-          <a:p>
-            <a:pPr eaLnBrk="1" hangingPunct="1"/>
-            <a:r>
-              <a:rPr lang="en-US" sz="4000" dirty="0" smtClean="0">
-                <a:solidFill>
-                  <a:schemeClr val="tx1"/>
-                </a:solidFill>
-              </a:rPr>
-              <a:t>98% accurate TB testing</a:t>
-            </a:r>
-          </a:p>
-        </p:txBody>
-      </p:sp>
-    </p:spTree>
-    <p:extLst>
-      <p:ext uri="{BB962C8B-B14F-4D97-AF65-F5344CB8AC3E}">
-        <p14:creationId xmlns:p14="http://schemas.microsoft.com/office/powerpoint/2010/main" val="2387721784"/>
-      </p:ext>
-    </p:extLst>
-  </p:cSld>
-  <p:clrMapOvr>
-    <a:masterClrMapping/>
-  </p:clrMapOvr>
-  <p:transition xmlns:p14="http://schemas.microsoft.com/office/powerpoint/2010/main" spd="slow" advClick="0">
-    <p:fade thruBlk="1"/>
-  </p:transition>
-  <p:timing>
-    <p:tnLst>
-      <p:par>
-        <p:cTn xmlns:p14="http://schemas.microsoft.com/office/powerpoint/2010/main" id="1" dur="indefinite" restart="never" nodeType="tmRoot">
-          <p:childTnLst>
-            <p:seq concurrent="1" nextAc="seek">
-              <p:cTn id="2" dur="indefinite" nodeType="mainSeq">
-                <p:childTnLst>
-                  <p:par>
-                    <p:cTn id="3" fill="hold">
-                      <p:stCondLst>
-                        <p:cond delay="indefinite"/>
-                      </p:stCondLst>
-                      <p:childTnLst>
-                        <p:par>
-                          <p:cTn id="4" fill="hold">
-                            <p:stCondLst>
-                              <p:cond delay="0"/>
-                            </p:stCondLst>
-                            <p:childTnLst>
-                              <p:par>
-                                <p:cTn id="5" presetID="10" presetClass="entr" presetSubtype="0" fill="hold" nodeType="clickEffect">
-                                  <p:stCondLst>
-                                    <p:cond delay="0"/>
-                                  </p:stCondLst>
-                                  <p:childTnLst>
-                                    <p:set>
-                                      <p:cBhvr>
-                                        <p:cTn id="6" dur="1" fill="hold">
-                                          <p:stCondLst>
-                                            <p:cond delay="0"/>
-                                          </p:stCondLst>
-                                        </p:cTn>
-                                        <p:tgtEl>
-                                          <p:spTgt spid="2">
-                                            <p:txEl>
-                                              <p:pRg st="1" end="1"/>
-                                            </p:txEl>
-                                          </p:spTgt>
-                                        </p:tgtEl>
-                                        <p:attrNameLst>
-                                          <p:attrName>style.visibility</p:attrName>
-                                        </p:attrNameLst>
-                                      </p:cBhvr>
-                                      <p:to>
-                                        <p:strVal val="visible"/>
-                                      </p:to>
-                                    </p:set>
-                                    <p:animEffect transition="in" filter="fade">
-                                      <p:cBhvr>
-                                        <p:cTn id="7" dur="500"/>
-                                        <p:tgtEl>
-                                          <p:spTgt spid="2">
-                                            <p:txEl>
-                                              <p:pRg st="1" end="1"/>
-                                            </p:txEl>
-                                          </p:spTgt>
-                                        </p:tgtEl>
-                                      </p:cBhvr>
-                                    </p:animEffect>
-                                  </p:childTnLst>
-                                </p:cTn>
-                              </p:par>
-                            </p:childTnLst>
-                          </p:cTn>
-                        </p:par>
-                      </p:childTnLst>
-                    </p:cTn>
-                  </p:par>
-                </p:childTnLst>
-              </p:cTn>
-              <p:prevCondLst>
-                <p:cond evt="onPrev" delay="0">
-                  <p:tgtEl>
-                    <p:sldTgt/>
-                  </p:tgtEl>
-                </p:cond>
-              </p:prevCondLst>
-              <p:nextCondLst>
-                <p:cond evt="onNext" delay="0">
-                  <p:tgtEl>
-                    <p:sldTgt/>
-                  </p:tgtEl>
-                </p:cond>
-              </p:nextCondLst>
-            </p:seq>
-          </p:childTnLst>
-        </p:cTn>
-      </p:par>
-    </p:tnLst>
-  </p:timing>
-</p:sld>
-</file>
-
-<file path=ppt/slides/slide3.xml><?xml version="1.0" encoding="utf-8"?>
-<p:sld xmlns:a="http://schemas.openxmlformats.org/drawingml/2006/main" xmlns:r="http://schemas.openxmlformats.org/officeDocument/2006/relationships" xmlns:p="http://schemas.openxmlformats.org/presentationml/2006/main">
-  <p:cSld>
-    <p:spTree>
-      <p:nvGrpSpPr>
-        <p:cNvPr id="1" name=""/>
-        <p:cNvGrpSpPr/>
-        <p:nvPr/>
-      </p:nvGrpSpPr>
-      <p:grpSpPr>
-        <a:xfrm>
-          <a:off x="0" y="0"/>
-          <a:ext cx="0" cy="0"/>
-          <a:chOff x="0" y="0"/>
-          <a:chExt cx="0" cy="0"/>
-        </a:xfrm>
-      </p:grpSpPr>
-      <p:cxnSp>
-        <p:nvCxnSpPr>
-          <p:cNvPr id="30727" name="AutoShape 21"/>
-          <p:cNvCxnSpPr>
-            <a:cxnSpLocks noChangeShapeType="1"/>
-          </p:cNvCxnSpPr>
-          <p:nvPr/>
-        </p:nvCxnSpPr>
-        <p:spPr bwMode="auto">
-          <a:xfrm>
-            <a:off x="1219200" y="3543300"/>
-            <a:ext cx="0" cy="0"/>
-          </a:xfrm>
-          <a:prstGeom prst="straightConnector1">
-            <a:avLst/>
-          </a:prstGeom>
-          <a:noFill/>
-          <a:ln w="9525">
-            <a:solidFill>
-              <a:schemeClr val="tx1"/>
-            </a:solidFill>
-            <a:round/>
-            <a:headEnd/>
-            <a:tailEnd/>
-          </a:ln>
-        </p:spPr>
-      </p:cxnSp>
-      <p:sp>
-        <p:nvSpPr>
-          <p:cNvPr id="39" name="Rectangle 4"/>
-          <p:cNvSpPr txBox="1">
-            <a:spLocks noChangeArrowheads="1"/>
-          </p:cNvSpPr>
-          <p:nvPr/>
-        </p:nvSpPr>
-        <p:spPr bwMode="auto">
-          <a:xfrm>
-            <a:off x="7696200" y="6629400"/>
-            <a:ext cx="1447800" cy="228600"/>
-          </a:xfrm>
-          <a:prstGeom prst="rect">
-            <a:avLst/>
-          </a:prstGeom>
-          <a:noFill/>
-          <a:ln w="9525">
-            <a:noFill/>
-            <a:miter lim="800000"/>
-            <a:headEnd/>
-            <a:tailEnd/>
-          </a:ln>
-          <a:effectLst/>
-        </p:spPr>
-        <p:txBody>
-          <a:bodyPr vert="horz" wrap="square" lIns="91440" tIns="45720" rIns="91440" bIns="45720" numCol="1" anchor="t" anchorCtr="0" compatLnSpc="1">
-            <a:prstTxWarp prst="textNoShape">
-              <a:avLst/>
-            </a:prstTxWarp>
-          </a:bodyPr>
-          <a:lstStyle>
-            <a:lvl1pPr algn="r">
-              <a:defRPr sz="1200" dirty="0" err="1" smtClean="0">
-                <a:latin typeface="+mn-lt"/>
-              </a:defRPr>
-            </a:lvl1pPr>
-          </a:lstStyle>
-          <a:p>
-            <a:pPr marL="0" marR="0" lvl="0" indent="0" algn="r" defTabSz="914400" rtl="0" eaLnBrk="1" fontAlgn="base" latinLnBrk="0" hangingPunct="1">
-              <a:lnSpc>
-                <a:spcPct val="100000"/>
-              </a:lnSpc>
-              <a:spcBef>
-                <a:spcPct val="0"/>
-              </a:spcBef>
-              <a:spcAft>
-                <a:spcPct val="0"/>
-              </a:spcAft>
-              <a:buClrTx/>
-              <a:buSzTx/>
-              <a:buFontTx/>
-              <a:buNone/>
-              <a:tabLst/>
-              <a:defRPr/>
-            </a:pPr>
-            <a:r>
-              <a:rPr kumimoji="0" lang="en-US" sz="1200" b="0" i="0" u="none" strike="noStrike" kern="1200" cap="none" spc="0" normalizeH="0" baseline="0" noProof="0" dirty="0" smtClean="0">
-                <a:ln>
-                  <a:noFill/>
-                </a:ln>
-                <a:solidFill>
-                  <a:schemeClr val="tx1"/>
-                </a:solidFill>
-                <a:effectLst/>
-                <a:uLnTx/>
-                <a:uFillTx/>
-                <a:latin typeface="+mn-lt"/>
-                <a:ea typeface="+mn-ea"/>
-                <a:cs typeface="+mn-cs"/>
-              </a:rPr>
-              <a:t>testing.</a:t>
-            </a:r>
-            <a:fld id="{B9A0B45D-6AFD-413C-B761-B121FB8BE940}" type="slidenum">
-              <a:rPr kumimoji="0" lang="en-US" sz="1200" b="0" i="0" u="none" strike="noStrike" kern="1200" cap="none" spc="0" normalizeH="0" baseline="0" noProof="0" smtClean="0">
-                <a:ln>
-                  <a:noFill/>
-                </a:ln>
-                <a:solidFill>
-                  <a:schemeClr val="tx1"/>
-                </a:solidFill>
-                <a:effectLst/>
-                <a:uLnTx/>
-                <a:uFillTx/>
-                <a:latin typeface="+mn-lt"/>
-                <a:ea typeface="+mn-ea"/>
-                <a:cs typeface="+mn-cs"/>
-              </a:rPr>
-              <a:pPr marL="0" marR="0" lvl="0" indent="0" algn="r" defTabSz="914400" rtl="0" eaLnBrk="1" fontAlgn="base" latinLnBrk="0" hangingPunct="1">
-                <a:lnSpc>
-                  <a:spcPct val="100000"/>
-                </a:lnSpc>
-                <a:spcBef>
-                  <a:spcPct val="0"/>
-                </a:spcBef>
-                <a:spcAft>
-                  <a:spcPct val="0"/>
-                </a:spcAft>
-                <a:buClrTx/>
-                <a:buSzTx/>
-                <a:buFontTx/>
-                <a:buNone/>
-                <a:tabLst/>
-                <a:defRPr/>
-              </a:pPr>
-              <a:t>3</a:t>
-            </a:fld>
-            <a:endParaRPr kumimoji="0" lang="en-US" sz="1200" b="0" i="0" u="none" strike="noStrike" kern="1200" cap="none" spc="0" normalizeH="0" baseline="0" noProof="0" dirty="0">
-              <a:ln>
-                <a:noFill/>
-              </a:ln>
-              <a:solidFill>
-                <a:schemeClr val="tx1"/>
-              </a:solidFill>
-              <a:effectLst/>
-              <a:uLnTx/>
-              <a:uFillTx/>
-              <a:latin typeface="+mn-lt"/>
-              <a:ea typeface="+mn-ea"/>
-              <a:cs typeface="+mn-cs"/>
-            </a:endParaRPr>
-          </a:p>
-        </p:txBody>
-      </p:sp>
-      <p:sp>
-        <p:nvSpPr>
-          <p:cNvPr id="2" name="TextBox 1"/>
-          <p:cNvSpPr txBox="1"/>
-          <p:nvPr/>
-        </p:nvSpPr>
-        <p:spPr>
-          <a:xfrm>
-            <a:off x="199038" y="1061467"/>
-            <a:ext cx="8944962" cy="4579715"/>
-          </a:xfrm>
-          <a:prstGeom prst="rect">
-            <a:avLst/>
-          </a:prstGeom>
-          <a:noFill/>
-        </p:spPr>
-        <p:txBody>
-          <a:bodyPr wrap="square" rtlCol="0">
-            <a:spAutoFit/>
-          </a:bodyPr>
-          <a:lstStyle/>
-          <a:p>
-            <a:r>
-              <a:rPr lang="en-US" sz="5400" dirty="0" smtClean="0">
-                <a:latin typeface="Comic Sans MS"/>
-                <a:cs typeface="Comic Sans MS"/>
-              </a:rPr>
-              <a:t>Actually, it’s a rare doctor</a:t>
-            </a:r>
-          </a:p>
-          <a:p>
-            <a:r>
-              <a:rPr lang="en-US" sz="5400" dirty="0" smtClean="0">
-                <a:latin typeface="Comic Sans MS"/>
-                <a:cs typeface="Comic Sans MS"/>
-              </a:rPr>
-              <a:t>who would say this.  Most likely they would say</a:t>
-            </a:r>
-            <a:endParaRPr lang="en-US" sz="5400" dirty="0">
-              <a:latin typeface="Comic Sans MS"/>
-              <a:cs typeface="Comic Sans MS"/>
-            </a:endParaRPr>
-          </a:p>
-          <a:p>
-            <a:r>
-              <a:rPr lang="en-US" sz="5400" dirty="0" smtClean="0">
-                <a:solidFill>
-                  <a:srgbClr val="0000FF"/>
-                </a:solidFill>
-                <a:latin typeface="Comic Sans MS"/>
-                <a:cs typeface="Comic Sans MS"/>
-              </a:rPr>
-              <a:t>“The </a:t>
-            </a:r>
-            <a:r>
-              <a:rPr lang="en-US" sz="5400" kern="0" dirty="0" smtClean="0">
-                <a:solidFill>
-                  <a:srgbClr val="0000FF"/>
-                </a:solidFill>
-                <a:latin typeface="Comic Sans MS" pitchFamily="66" charset="0"/>
-              </a:rPr>
-              <a:t>probability </a:t>
-            </a:r>
-            <a:r>
-              <a:rPr lang="en-US" sz="5400" dirty="0" smtClean="0">
-                <a:solidFill>
-                  <a:srgbClr val="0000FF"/>
-                </a:solidFill>
-                <a:latin typeface="Comic Sans MS"/>
-                <a:cs typeface="Comic Sans MS"/>
-              </a:rPr>
-              <a:t>you </a:t>
-            </a:r>
-            <a:r>
-              <a:rPr lang="en-US" sz="5400" dirty="0">
-                <a:solidFill>
-                  <a:srgbClr val="0000FF"/>
-                </a:solidFill>
-                <a:latin typeface="Comic Sans MS"/>
-                <a:cs typeface="Comic Sans MS"/>
-              </a:rPr>
-              <a:t>have </a:t>
-            </a:r>
-            <a:r>
-              <a:rPr lang="en-US" sz="5400" dirty="0" smtClean="0">
-                <a:solidFill>
-                  <a:srgbClr val="0000FF"/>
-                </a:solidFill>
-                <a:latin typeface="Comic Sans MS"/>
-                <a:cs typeface="Comic Sans MS"/>
-              </a:rPr>
-              <a:t>TB is </a:t>
-            </a:r>
-            <a:r>
-              <a:rPr lang="en-US" sz="4800" kern="0" dirty="0">
-                <a:solidFill>
-                  <a:srgbClr val="0000FF"/>
-                </a:solidFill>
-                <a:latin typeface="Comic Sans MS" pitchFamily="66" charset="0"/>
-              </a:rPr>
-              <a:t>98</a:t>
-            </a:r>
-            <a:r>
-              <a:rPr lang="en-US" sz="4800" kern="0" dirty="0" smtClean="0">
-                <a:solidFill>
-                  <a:srgbClr val="0000FF"/>
-                </a:solidFill>
-                <a:latin typeface="Comic Sans MS" pitchFamily="66" charset="0"/>
-              </a:rPr>
-              <a:t>%.”</a:t>
-            </a:r>
-            <a:endParaRPr lang="en-US" sz="4800" kern="0" dirty="0">
-              <a:solidFill>
-                <a:srgbClr val="0000FF"/>
-              </a:solidFill>
-              <a:latin typeface="Comic Sans MS" pitchFamily="66" charset="0"/>
-            </a:endParaRPr>
-          </a:p>
-        </p:txBody>
-      </p:sp>
-      <p:sp>
-        <p:nvSpPr>
-          <p:cNvPr id="8" name="Rectangle 4"/>
-          <p:cNvSpPr>
-            <a:spLocks noGrp="1" noChangeArrowheads="1"/>
-          </p:cNvSpPr>
-          <p:nvPr>
-            <p:ph type="title"/>
-          </p:nvPr>
-        </p:nvSpPr>
-        <p:spPr>
-          <a:xfrm>
-            <a:off x="1295400" y="228600"/>
-            <a:ext cx="6553200" cy="838200"/>
-          </a:xfrm>
-          <a:noFill/>
-        </p:spPr>
-        <p:txBody>
-          <a:bodyPr/>
-          <a:lstStyle/>
-          <a:p>
-            <a:pPr eaLnBrk="1" hangingPunct="1"/>
-            <a:r>
-              <a:rPr lang="en-US" sz="4000" dirty="0" smtClean="0">
-                <a:solidFill>
-                  <a:schemeClr val="tx1"/>
-                </a:solidFill>
-              </a:rPr>
-              <a:t>98% accurate TB testing</a:t>
-            </a:r>
-          </a:p>
-        </p:txBody>
-      </p:sp>
-    </p:spTree>
-    <p:extLst>
-      <p:ext uri="{BB962C8B-B14F-4D97-AF65-F5344CB8AC3E}">
-        <p14:creationId xmlns:p14="http://schemas.microsoft.com/office/powerpoint/2010/main" val="2248394115"/>
-      </p:ext>
-    </p:extLst>
-  </p:cSld>
-  <p:clrMapOvr>
-    <a:masterClrMapping/>
-  </p:clrMapOvr>
-  <mc:AlternateContent xmlns:mc="http://schemas.openxmlformats.org/markup-compatibility/2006" xmlns:p14="http://schemas.microsoft.com/office/powerpoint/2010/main">
-    <mc:Choice Requires="p14">
-      <p:transition spd="slow" p14:dur="1100" advClick="0">
-        <p:fade/>
-      </p:transition>
-    </mc:Choice>
-    <mc:Fallback xmlns="">
-      <p:transition xmlns:p14="http://schemas.microsoft.com/office/powerpoint/2010/main" spd="slow" advClick="0">
-        <p:fade/>
-      </p:transition>
-    </mc:Fallback>
-  </mc:AlternateContent>
-  <p:timing>
-    <p:tnLst>
-      <p:par>
-        <p:cTn xmlns:p14="http://schemas.microsoft.com/office/powerpoint/2010/main" id="1" dur="indefinite" restart="never" nodeType="tmRoot">
-          <p:childTnLst>
-            <p:seq concurrent="1" nextAc="seek">
-              <p:cTn id="2" dur="indefinite" nodeType="mainSeq">
-                <p:childTnLst>
-                  <p:par>
-                    <p:cTn id="3" fill="hold">
-                      <p:stCondLst>
-                        <p:cond delay="indefinite"/>
-                      </p:stCondLst>
-                      <p:childTnLst>
-                        <p:par>
-                          <p:cTn id="4" fill="hold">
-                            <p:stCondLst>
-                              <p:cond delay="0"/>
-                            </p:stCondLst>
-                            <p:childTnLst>
-                              <p:par>
-                                <p:cTn id="5" presetID="10" presetClass="entr" presetSubtype="0" fill="hold" nodeType="clickEffect">
-                                  <p:stCondLst>
-                                    <p:cond delay="0"/>
-                                  </p:stCondLst>
-                                  <p:childTnLst>
-                                    <p:set>
-                                      <p:cBhvr>
-                                        <p:cTn id="6" dur="1" fill="hold">
-                                          <p:stCondLst>
-                                            <p:cond delay="0"/>
-                                          </p:stCondLst>
-                                        </p:cTn>
-                                        <p:tgtEl>
-                                          <p:spTgt spid="2">
-                                            <p:txEl>
-                                              <p:pRg st="2" end="2"/>
-                                            </p:txEl>
-                                          </p:spTgt>
-                                        </p:tgtEl>
-                                        <p:attrNameLst>
-                                          <p:attrName>style.visibility</p:attrName>
-                                        </p:attrNameLst>
-                                      </p:cBhvr>
-                                      <p:to>
-                                        <p:strVal val="visible"/>
-                                      </p:to>
-                                    </p:set>
-                                    <p:animEffect transition="in" filter="fade">
-                                      <p:cBhvr>
-                                        <p:cTn id="7" dur="500"/>
-                                        <p:tgtEl>
-                                          <p:spTgt spid="2">
-                                            <p:txEl>
-                                              <p:pRg st="2" end="2"/>
-                                            </p:txEl>
-                                          </p:spTgt>
-                                        </p:tgtEl>
-                                      </p:cBhvr>
-                                    </p:animEffect>
-                                  </p:childTnLst>
-                                </p:cTn>
-                              </p:par>
-                            </p:childTnLst>
-                          </p:cTn>
-                        </p:par>
-                      </p:childTnLst>
-                    </p:cTn>
-                  </p:par>
-                </p:childTnLst>
-              </p:cTn>
-              <p:prevCondLst>
-                <p:cond evt="onPrev" delay="0">
-                  <p:tgtEl>
-                    <p:sldTgt/>
-                  </p:tgtEl>
-                </p:cond>
-              </p:prevCondLst>
-              <p:nextCondLst>
-                <p:cond evt="onNext" delay="0">
-                  <p:tgtEl>
-                    <p:sldTgt/>
-                  </p:tgtEl>
-                </p:cond>
-              </p:nextCondLst>
-            </p:seq>
-          </p:childTnLst>
-        </p:cTn>
-      </p:par>
-    </p:tnLst>
-  </p:timing>
-</p:sld>
-</file>
-
-<file path=ppt/slides/slide4.xml><?xml version="1.0" encoding="utf-8"?>
-<p:sld xmlns:a="http://schemas.openxmlformats.org/drawingml/2006/main" xmlns:r="http://schemas.openxmlformats.org/officeDocument/2006/relationships" xmlns:p="http://schemas.openxmlformats.org/presentationml/2006/main">
-  <p:cSld>
-    <p:spTree>
-      <p:nvGrpSpPr>
-        <p:cNvPr id="1" name=""/>
-        <p:cNvGrpSpPr/>
-        <p:nvPr/>
-      </p:nvGrpSpPr>
-      <p:grpSpPr>
-        <a:xfrm>
-          <a:off x="0" y="0"/>
-          <a:ext cx="0" cy="0"/>
-          <a:chOff x="0" y="0"/>
-          <a:chExt cx="0" cy="0"/>
-        </a:xfrm>
-      </p:grpSpPr>
-      <p:cxnSp>
-        <p:nvCxnSpPr>
-          <p:cNvPr id="30727" name="AutoShape 21"/>
-          <p:cNvCxnSpPr>
-            <a:cxnSpLocks noChangeShapeType="1"/>
-          </p:cNvCxnSpPr>
-          <p:nvPr/>
-        </p:nvCxnSpPr>
-        <p:spPr bwMode="auto">
-          <a:xfrm>
-            <a:off x="1219200" y="3543300"/>
-            <a:ext cx="0" cy="0"/>
-          </a:xfrm>
-          <a:prstGeom prst="straightConnector1">
-            <a:avLst/>
-          </a:prstGeom>
-          <a:noFill/>
-          <a:ln w="9525">
-            <a:solidFill>
-              <a:schemeClr val="tx1"/>
-            </a:solidFill>
-            <a:round/>
-            <a:headEnd/>
-            <a:tailEnd/>
-          </a:ln>
-        </p:spPr>
-      </p:cxnSp>
-      <p:sp>
-        <p:nvSpPr>
-          <p:cNvPr id="39" name="Rectangle 4"/>
-          <p:cNvSpPr txBox="1">
-            <a:spLocks noChangeArrowheads="1"/>
-          </p:cNvSpPr>
-          <p:nvPr/>
-        </p:nvSpPr>
-        <p:spPr bwMode="auto">
-          <a:xfrm>
-            <a:off x="7696200" y="6629400"/>
-            <a:ext cx="1447800" cy="228600"/>
-          </a:xfrm>
-          <a:prstGeom prst="rect">
-            <a:avLst/>
-          </a:prstGeom>
-          <a:noFill/>
-          <a:ln w="9525">
-            <a:noFill/>
-            <a:miter lim="800000"/>
-            <a:headEnd/>
-            <a:tailEnd/>
-          </a:ln>
-          <a:effectLst/>
-        </p:spPr>
-        <p:txBody>
-          <a:bodyPr vert="horz" wrap="square" lIns="91440" tIns="45720" rIns="91440" bIns="45720" numCol="1" anchor="t" anchorCtr="0" compatLnSpc="1">
-            <a:prstTxWarp prst="textNoShape">
-              <a:avLst/>
-            </a:prstTxWarp>
-          </a:bodyPr>
-          <a:lstStyle>
-            <a:lvl1pPr algn="r">
-              <a:defRPr sz="1200" dirty="0" err="1" smtClean="0">
-                <a:latin typeface="+mn-lt"/>
-              </a:defRPr>
-            </a:lvl1pPr>
-          </a:lstStyle>
-          <a:p>
-            <a:pPr marL="0" marR="0" lvl="0" indent="0" algn="r" defTabSz="914400" rtl="0" eaLnBrk="1" fontAlgn="base" latinLnBrk="0" hangingPunct="1">
-              <a:lnSpc>
-                <a:spcPct val="100000"/>
-              </a:lnSpc>
-              <a:spcBef>
-                <a:spcPct val="0"/>
-              </a:spcBef>
-              <a:spcAft>
-                <a:spcPct val="0"/>
-              </a:spcAft>
-              <a:buClrTx/>
-              <a:buSzTx/>
-              <a:buFontTx/>
-              <a:buNone/>
-              <a:tabLst/>
-              <a:defRPr/>
-            </a:pPr>
-            <a:r>
-              <a:rPr kumimoji="0" lang="en-US" sz="1200" b="0" i="0" u="none" strike="noStrike" kern="1200" cap="none" spc="0" normalizeH="0" baseline="0" noProof="0" dirty="0" smtClean="0">
-                <a:ln>
-                  <a:noFill/>
-                </a:ln>
-                <a:solidFill>
-                  <a:schemeClr val="tx1"/>
-                </a:solidFill>
-                <a:effectLst/>
-                <a:uLnTx/>
-                <a:uFillTx/>
-                <a:latin typeface="+mn-lt"/>
-                <a:ea typeface="+mn-ea"/>
-                <a:cs typeface="+mn-cs"/>
-              </a:rPr>
-              <a:t>testing.</a:t>
-            </a:r>
-            <a:fld id="{B9A0B45D-6AFD-413C-B761-B121FB8BE940}" type="slidenum">
-              <a:rPr kumimoji="0" lang="en-US" sz="1200" b="0" i="0" u="none" strike="noStrike" kern="1200" cap="none" spc="0" normalizeH="0" baseline="0" noProof="0" smtClean="0">
-                <a:ln>
-                  <a:noFill/>
-                </a:ln>
-                <a:solidFill>
-                  <a:schemeClr val="tx1"/>
-                </a:solidFill>
-                <a:effectLst/>
-                <a:uLnTx/>
-                <a:uFillTx/>
-                <a:latin typeface="+mn-lt"/>
-                <a:ea typeface="+mn-ea"/>
-                <a:cs typeface="+mn-cs"/>
-              </a:rPr>
-              <a:pPr marL="0" marR="0" lvl="0" indent="0" algn="r" defTabSz="914400" rtl="0" eaLnBrk="1" fontAlgn="base" latinLnBrk="0" hangingPunct="1">
-                <a:lnSpc>
-                  <a:spcPct val="100000"/>
-                </a:lnSpc>
-                <a:spcBef>
-                  <a:spcPct val="0"/>
-                </a:spcBef>
-                <a:spcAft>
-                  <a:spcPct val="0"/>
-                </a:spcAft>
-                <a:buClrTx/>
-                <a:buSzTx/>
-                <a:buFontTx/>
-                <a:buNone/>
-                <a:tabLst/>
-                <a:defRPr/>
-              </a:pPr>
-              <a:t>4</a:t>
-            </a:fld>
-            <a:endParaRPr kumimoji="0" lang="en-US" sz="1200" b="0" i="0" u="none" strike="noStrike" kern="1200" cap="none" spc="0" normalizeH="0" baseline="0" noProof="0" dirty="0">
-              <a:ln>
-                <a:noFill/>
-              </a:ln>
-              <a:solidFill>
-                <a:schemeClr val="tx1"/>
-              </a:solidFill>
-              <a:effectLst/>
-              <a:uLnTx/>
-              <a:uFillTx/>
-              <a:latin typeface="+mn-lt"/>
-              <a:ea typeface="+mn-ea"/>
-              <a:cs typeface="+mn-cs"/>
-            </a:endParaRPr>
-          </a:p>
-        </p:txBody>
-      </p:sp>
-      <p:sp>
-        <p:nvSpPr>
-          <p:cNvPr id="2" name="TextBox 1"/>
-          <p:cNvSpPr txBox="1"/>
-          <p:nvPr/>
-        </p:nvSpPr>
-        <p:spPr>
-          <a:xfrm>
-            <a:off x="76200" y="1315283"/>
-            <a:ext cx="8944962" cy="2585323"/>
-          </a:xfrm>
-          <a:prstGeom prst="rect">
-            <a:avLst/>
-          </a:prstGeom>
-          <a:noFill/>
-        </p:spPr>
-        <p:txBody>
-          <a:bodyPr wrap="square" rtlCol="0">
-            <a:spAutoFit/>
-          </a:bodyPr>
-          <a:lstStyle/>
-          <a:p>
-            <a:r>
-              <a:rPr lang="en-US" sz="5400" kern="0" dirty="0" smtClean="0">
-                <a:solidFill>
-                  <a:srgbClr val="000000"/>
-                </a:solidFill>
-                <a:latin typeface="Comic Sans MS" pitchFamily="66" charset="0"/>
-              </a:rPr>
-              <a:t>But we know</a:t>
-            </a:r>
-            <a:r>
-              <a:rPr lang="is-IS" sz="5400" kern="0" dirty="0" smtClean="0">
-                <a:solidFill>
-                  <a:srgbClr val="000000"/>
-                </a:solidFill>
-                <a:latin typeface="Comic Sans MS" pitchFamily="66" charset="0"/>
-              </a:rPr>
-              <a:t> </a:t>
-            </a:r>
-            <a:r>
-              <a:rPr lang="is-IS" sz="5400" kern="0" dirty="0" smtClean="0">
-                <a:latin typeface="Comic Sans MS" pitchFamily="66" charset="0"/>
-              </a:rPr>
-              <a:t>probability someone </a:t>
-            </a:r>
-            <a:r>
-              <a:rPr lang="is-IS" sz="5400" kern="0" dirty="0" smtClean="0">
-                <a:solidFill>
-                  <a:srgbClr val="000000"/>
-                </a:solidFill>
-                <a:latin typeface="Comic Sans MS" pitchFamily="66" charset="0"/>
-              </a:rPr>
-              <a:t>has</a:t>
-            </a:r>
-            <a:r>
-              <a:rPr lang="is-IS" sz="5400" kern="0" dirty="0" smtClean="0">
-                <a:solidFill>
-                  <a:schemeClr val="accent1">
-                    <a:lumMod val="50000"/>
-                  </a:schemeClr>
-                </a:solidFill>
-                <a:latin typeface="Comic Sans MS" pitchFamily="66" charset="0"/>
-              </a:rPr>
-              <a:t> TB,</a:t>
-            </a:r>
-            <a:r>
-              <a:rPr lang="is-IS" sz="5400" kern="0" dirty="0" smtClean="0">
-                <a:solidFill>
-                  <a:srgbClr val="000000"/>
-                </a:solidFill>
-                <a:latin typeface="Comic Sans MS" pitchFamily="66" charset="0"/>
-              </a:rPr>
-              <a:t> </a:t>
-            </a:r>
-            <a:r>
-              <a:rPr lang="is-IS" sz="5400" kern="0" dirty="0" smtClean="0">
-                <a:solidFill>
-                  <a:schemeClr val="accent1">
-                    <a:lumMod val="50000"/>
-                  </a:schemeClr>
-                </a:solidFill>
-                <a:latin typeface="Comic Sans MS" pitchFamily="66" charset="0"/>
-              </a:rPr>
-              <a:t>given </a:t>
-            </a:r>
-            <a:r>
-              <a:rPr lang="is-IS" sz="5400" kern="0" dirty="0" smtClean="0">
-                <a:solidFill>
-                  <a:srgbClr val="000000"/>
-                </a:solidFill>
-                <a:latin typeface="Comic Sans MS" pitchFamily="66" charset="0"/>
-              </a:rPr>
-              <a:t>they</a:t>
-            </a:r>
-            <a:r>
-              <a:rPr lang="is-IS" sz="5400" kern="0" dirty="0" smtClean="0">
-                <a:solidFill>
-                  <a:schemeClr val="accent1">
-                    <a:lumMod val="50000"/>
-                  </a:schemeClr>
-                </a:solidFill>
-                <a:latin typeface="Comic Sans MS" pitchFamily="66" charset="0"/>
-              </a:rPr>
-              <a:t> test positive</a:t>
-            </a:r>
-            <a:endParaRPr lang="en-US" sz="5400" dirty="0">
-              <a:solidFill>
-                <a:srgbClr val="000000"/>
-              </a:solidFill>
-              <a:latin typeface="Comic Sans MS"/>
-              <a:cs typeface="Comic Sans MS"/>
-            </a:endParaRPr>
-          </a:p>
-        </p:txBody>
-      </p:sp>
-      <p:sp>
-        <p:nvSpPr>
-          <p:cNvPr id="8" name="Title 1"/>
-          <p:cNvSpPr>
-            <a:spLocks noGrp="1"/>
-          </p:cNvSpPr>
-          <p:nvPr>
-            <p:ph type="title"/>
-          </p:nvPr>
-        </p:nvSpPr>
-        <p:spPr>
-          <a:xfrm>
-            <a:off x="1752600" y="152400"/>
-            <a:ext cx="6324600" cy="1143000"/>
-          </a:xfrm>
-        </p:spPr>
-        <p:txBody>
-          <a:bodyPr/>
-          <a:lstStyle/>
-          <a:p>
-            <a:r>
-              <a:rPr lang="en-US" sz="4800" dirty="0" smtClean="0"/>
-              <a:t>Probability of TB?</a:t>
-            </a:r>
-            <a:endParaRPr lang="en-US" sz="4800" dirty="0">
-              <a:solidFill>
-                <a:srgbClr val="FF00FF"/>
-              </a:solidFill>
-            </a:endParaRPr>
-          </a:p>
-        </p:txBody>
-      </p:sp>
-    </p:spTree>
-    <p:extLst>
-      <p:ext uri="{BB962C8B-B14F-4D97-AF65-F5344CB8AC3E}">
-        <p14:creationId xmlns:p14="http://schemas.microsoft.com/office/powerpoint/2010/main" val="4112729268"/>
-      </p:ext>
-    </p:extLst>
-  </p:cSld>
-  <p:clrMapOvr>
-    <a:masterClrMapping/>
-  </p:clrMapOvr>
-  <mc:AlternateContent xmlns:mc="http://schemas.openxmlformats.org/markup-compatibility/2006" xmlns:p14="http://schemas.microsoft.com/office/powerpoint/2010/main">
-    <mc:Choice Requires="p14">
-      <p:transition spd="slow" p14:dur="900" advClick="0">
-        <p:fade/>
-      </p:transition>
-    </mc:Choice>
-    <mc:Fallback xmlns="">
-      <p:transition xmlns:p14="http://schemas.microsoft.com/office/powerpoint/2010/main" spd="slow" advClick="0">
-        <p:fade/>
-      </p:transition>
-    </mc:Fallback>
-  </mc:AlternateContent>
-  <p:timing>
-    <p:tnLst>
-      <p:par>
-        <p:cTn xmlns:p14="http://schemas.microsoft.com/office/powerpoint/2010/main" id="1" dur="indefinite" restart="never" nodeType="tmRoot"/>
-      </p:par>
-    </p:tnLst>
-  </p:timing>
-</p:sld>
-</file>
-
-<file path=ppt/slides/slide5.xml><?xml version="1.0" encoding="utf-8"?>
-<p:sld xmlns:a="http://schemas.openxmlformats.org/drawingml/2006/main" xmlns:r="http://schemas.openxmlformats.org/officeDocument/2006/relationships" xmlns:p="http://schemas.openxmlformats.org/presentationml/2006/main">
-  <p:cSld>
-    <p:spTree>
-      <p:nvGrpSpPr>
-        <p:cNvPr id="1" name=""/>
-        <p:cNvGrpSpPr/>
-        <p:nvPr/>
-      </p:nvGrpSpPr>
-      <p:grpSpPr>
-        <a:xfrm>
-          <a:off x="0" y="0"/>
-          <a:ext cx="0" cy="0"/>
-          <a:chOff x="0" y="0"/>
-          <a:chExt cx="0" cy="0"/>
-        </a:xfrm>
-      </p:grpSpPr>
-      <p:cxnSp>
-        <p:nvCxnSpPr>
-          <p:cNvPr id="30727" name="AutoShape 21"/>
-          <p:cNvCxnSpPr>
-            <a:cxnSpLocks noChangeShapeType="1"/>
-          </p:cNvCxnSpPr>
-          <p:nvPr/>
-        </p:nvCxnSpPr>
-        <p:spPr bwMode="auto">
-          <a:xfrm>
-            <a:off x="1219200" y="3543300"/>
-            <a:ext cx="0" cy="0"/>
-          </a:xfrm>
-          <a:prstGeom prst="straightConnector1">
-            <a:avLst/>
-          </a:prstGeom>
-          <a:noFill/>
-          <a:ln w="9525">
-            <a:solidFill>
-              <a:schemeClr val="tx1"/>
-            </a:solidFill>
-            <a:round/>
-            <a:headEnd/>
-            <a:tailEnd/>
-          </a:ln>
-        </p:spPr>
-      </p:cxnSp>
-      <p:sp>
-        <p:nvSpPr>
-          <p:cNvPr id="39" name="Rectangle 4"/>
-          <p:cNvSpPr txBox="1">
-            <a:spLocks noChangeArrowheads="1"/>
-          </p:cNvSpPr>
-          <p:nvPr/>
-        </p:nvSpPr>
-        <p:spPr bwMode="auto">
-          <a:xfrm>
-            <a:off x="7696200" y="6629400"/>
-            <a:ext cx="1447800" cy="228600"/>
-          </a:xfrm>
-          <a:prstGeom prst="rect">
-            <a:avLst/>
-          </a:prstGeom>
-          <a:noFill/>
-          <a:ln w="9525">
-            <a:noFill/>
-            <a:miter lim="800000"/>
-            <a:headEnd/>
-            <a:tailEnd/>
-          </a:ln>
-          <a:effectLst/>
-        </p:spPr>
-        <p:txBody>
-          <a:bodyPr vert="horz" wrap="square" lIns="91440" tIns="45720" rIns="91440" bIns="45720" numCol="1" anchor="t" anchorCtr="0" compatLnSpc="1">
-            <a:prstTxWarp prst="textNoShape">
-              <a:avLst/>
-            </a:prstTxWarp>
-          </a:bodyPr>
-          <a:lstStyle>
-            <a:lvl1pPr algn="r">
-              <a:defRPr sz="1200" dirty="0" err="1" smtClean="0">
-                <a:latin typeface="+mn-lt"/>
-              </a:defRPr>
-            </a:lvl1pPr>
-          </a:lstStyle>
-          <a:p>
-            <a:pPr marL="0" marR="0" lvl="0" indent="0" algn="r" defTabSz="914400" rtl="0" eaLnBrk="1" fontAlgn="base" latinLnBrk="0" hangingPunct="1">
-              <a:lnSpc>
-                <a:spcPct val="100000"/>
-              </a:lnSpc>
-              <a:spcBef>
-                <a:spcPct val="0"/>
-              </a:spcBef>
-              <a:spcAft>
-                <a:spcPct val="0"/>
-              </a:spcAft>
-              <a:buClrTx/>
-              <a:buSzTx/>
-              <a:buFontTx/>
-              <a:buNone/>
-              <a:tabLst/>
-              <a:defRPr/>
-            </a:pPr>
-            <a:r>
-              <a:rPr kumimoji="0" lang="en-US" sz="1200" b="0" i="0" u="none" strike="noStrike" kern="1200" cap="none" spc="0" normalizeH="0" baseline="0" noProof="0" dirty="0" smtClean="0">
-                <a:ln>
-                  <a:noFill/>
-                </a:ln>
-                <a:solidFill>
-                  <a:schemeClr val="tx1"/>
-                </a:solidFill>
-                <a:effectLst/>
-                <a:uLnTx/>
-                <a:uFillTx/>
-                <a:latin typeface="+mn-lt"/>
-                <a:ea typeface="+mn-ea"/>
-                <a:cs typeface="+mn-cs"/>
-              </a:rPr>
-              <a:t>testing.</a:t>
-            </a:r>
-            <a:fld id="{B9A0B45D-6AFD-413C-B761-B121FB8BE940}" type="slidenum">
-              <a:rPr kumimoji="0" lang="en-US" sz="1200" b="0" i="0" u="none" strike="noStrike" kern="1200" cap="none" spc="0" normalizeH="0" baseline="0" noProof="0" smtClean="0">
-                <a:ln>
-                  <a:noFill/>
-                </a:ln>
-                <a:solidFill>
-                  <a:schemeClr val="tx1"/>
-                </a:solidFill>
-                <a:effectLst/>
-                <a:uLnTx/>
-                <a:uFillTx/>
-                <a:latin typeface="+mn-lt"/>
-                <a:ea typeface="+mn-ea"/>
-                <a:cs typeface="+mn-cs"/>
-              </a:rPr>
-              <a:pPr marL="0" marR="0" lvl="0" indent="0" algn="r" defTabSz="914400" rtl="0" eaLnBrk="1" fontAlgn="base" latinLnBrk="0" hangingPunct="1">
-                <a:lnSpc>
-                  <a:spcPct val="100000"/>
-                </a:lnSpc>
-                <a:spcBef>
-                  <a:spcPct val="0"/>
-                </a:spcBef>
-                <a:spcAft>
-                  <a:spcPct val="0"/>
-                </a:spcAft>
-                <a:buClrTx/>
-                <a:buSzTx/>
-                <a:buFontTx/>
-                <a:buNone/>
-                <a:tabLst/>
-                <a:defRPr/>
-              </a:pPr>
-              <a:t>5</a:t>
-            </a:fld>
-            <a:endParaRPr kumimoji="0" lang="en-US" sz="1200" b="0" i="0" u="none" strike="noStrike" kern="1200" cap="none" spc="0" normalizeH="0" baseline="0" noProof="0" dirty="0">
-              <a:ln>
-                <a:noFill/>
-              </a:ln>
-              <a:solidFill>
-                <a:schemeClr val="tx1"/>
-              </a:solidFill>
-              <a:effectLst/>
-              <a:uLnTx/>
-              <a:uFillTx/>
-              <a:latin typeface="+mn-lt"/>
-              <a:ea typeface="+mn-ea"/>
-              <a:cs typeface="+mn-cs"/>
-            </a:endParaRPr>
-          </a:p>
-        </p:txBody>
-      </p:sp>
-      <p:sp>
-        <p:nvSpPr>
-          <p:cNvPr id="2" name="TextBox 1"/>
-          <p:cNvSpPr txBox="1"/>
-          <p:nvPr/>
-        </p:nvSpPr>
-        <p:spPr>
-          <a:xfrm>
-            <a:off x="76200" y="1315283"/>
-            <a:ext cx="8944962" cy="4247317"/>
-          </a:xfrm>
-          <a:prstGeom prst="rect">
-            <a:avLst/>
-          </a:prstGeom>
-          <a:noFill/>
-        </p:spPr>
-        <p:txBody>
-          <a:bodyPr wrap="square" rtlCol="0">
-            <a:spAutoFit/>
-          </a:bodyPr>
-          <a:lstStyle/>
-          <a:p>
-            <a:r>
-              <a:rPr lang="en-US" sz="5400" kern="0" dirty="0" smtClean="0">
-                <a:solidFill>
-                  <a:srgbClr val="000000"/>
-                </a:solidFill>
-                <a:latin typeface="Comic Sans MS" pitchFamily="66" charset="0"/>
-              </a:rPr>
-              <a:t>But we know</a:t>
-            </a:r>
-            <a:r>
-              <a:rPr lang="is-IS" sz="5400" kern="0" dirty="0" smtClean="0">
-                <a:solidFill>
-                  <a:srgbClr val="000000"/>
-                </a:solidFill>
-                <a:latin typeface="Comic Sans MS" pitchFamily="66" charset="0"/>
-              </a:rPr>
-              <a:t> </a:t>
-            </a:r>
-            <a:r>
-              <a:rPr lang="is-IS" sz="5400" kern="0" dirty="0" smtClean="0">
-                <a:latin typeface="Comic Sans MS" pitchFamily="66" charset="0"/>
-              </a:rPr>
-              <a:t>probability someone </a:t>
-            </a:r>
-            <a:r>
-              <a:rPr lang="is-IS" sz="5400" kern="0" dirty="0" smtClean="0">
-                <a:solidFill>
-                  <a:srgbClr val="000000"/>
-                </a:solidFill>
-                <a:latin typeface="Comic Sans MS" pitchFamily="66" charset="0"/>
-              </a:rPr>
-              <a:t>has</a:t>
-            </a:r>
-            <a:r>
-              <a:rPr lang="is-IS" sz="5400" kern="0" dirty="0" smtClean="0">
-                <a:solidFill>
-                  <a:schemeClr val="accent1">
-                    <a:lumMod val="50000"/>
-                  </a:schemeClr>
-                </a:solidFill>
-                <a:latin typeface="Comic Sans MS" pitchFamily="66" charset="0"/>
-              </a:rPr>
-              <a:t> TB,</a:t>
-            </a:r>
-            <a:r>
-              <a:rPr lang="is-IS" sz="5400" kern="0" dirty="0" smtClean="0">
-                <a:solidFill>
-                  <a:srgbClr val="000000"/>
-                </a:solidFill>
-                <a:latin typeface="Comic Sans MS" pitchFamily="66" charset="0"/>
-              </a:rPr>
-              <a:t> </a:t>
-            </a:r>
-            <a:r>
-              <a:rPr lang="is-IS" sz="5400" kern="0" dirty="0" smtClean="0">
-                <a:solidFill>
-                  <a:schemeClr val="accent1">
-                    <a:lumMod val="50000"/>
-                  </a:schemeClr>
-                </a:solidFill>
-                <a:latin typeface="Comic Sans MS" pitchFamily="66" charset="0"/>
-              </a:rPr>
-              <a:t>given </a:t>
-            </a:r>
-            <a:r>
-              <a:rPr lang="is-IS" sz="5400" kern="0" dirty="0" smtClean="0">
-                <a:solidFill>
-                  <a:srgbClr val="000000"/>
-                </a:solidFill>
-                <a:latin typeface="Comic Sans MS" pitchFamily="66" charset="0"/>
-              </a:rPr>
-              <a:t>they</a:t>
-            </a:r>
-            <a:r>
-              <a:rPr lang="is-IS" sz="5400" kern="0" dirty="0" smtClean="0">
-                <a:solidFill>
-                  <a:schemeClr val="accent1">
-                    <a:lumMod val="50000"/>
-                  </a:schemeClr>
-                </a:solidFill>
-                <a:latin typeface="Comic Sans MS" pitchFamily="66" charset="0"/>
-              </a:rPr>
-              <a:t> test positive </a:t>
-            </a:r>
-            <a:r>
-              <a:rPr lang="is-IS" sz="5400" kern="0" dirty="0" smtClean="0">
-                <a:solidFill>
-                  <a:srgbClr val="000000"/>
-                </a:solidFill>
-                <a:latin typeface="Comic Sans MS" pitchFamily="66" charset="0"/>
-              </a:rPr>
-              <a:t>depends on the probability a </a:t>
-            </a:r>
-            <a:r>
-              <a:rPr lang="is-IS" sz="5400" kern="0" dirty="0" smtClean="0">
-                <a:solidFill>
-                  <a:srgbClr val="0000FF"/>
-                </a:solidFill>
-                <a:latin typeface="Comic Sans MS" pitchFamily="66" charset="0"/>
-              </a:rPr>
-              <a:t>random person has TB</a:t>
-            </a:r>
-            <a:r>
-              <a:rPr lang="is-IS" sz="5400" kern="0" dirty="0" smtClean="0">
-                <a:solidFill>
-                  <a:srgbClr val="000000"/>
-                </a:solidFill>
-                <a:latin typeface="Comic Sans MS" pitchFamily="66" charset="0"/>
-              </a:rPr>
-              <a:t>.</a:t>
-            </a:r>
-            <a:endParaRPr lang="en-US" sz="5400" dirty="0">
-              <a:solidFill>
-                <a:srgbClr val="000000"/>
-              </a:solidFill>
-              <a:latin typeface="Comic Sans MS"/>
-              <a:cs typeface="Comic Sans MS"/>
-            </a:endParaRPr>
-          </a:p>
-        </p:txBody>
-      </p:sp>
-      <p:sp>
-        <p:nvSpPr>
-          <p:cNvPr id="8" name="Title 1"/>
-          <p:cNvSpPr>
-            <a:spLocks noGrp="1"/>
-          </p:cNvSpPr>
-          <p:nvPr>
-            <p:ph type="title"/>
-          </p:nvPr>
-        </p:nvSpPr>
-        <p:spPr>
-          <a:xfrm>
-            <a:off x="1752600" y="152400"/>
-            <a:ext cx="6324600" cy="1143000"/>
-          </a:xfrm>
-        </p:spPr>
-        <p:txBody>
-          <a:bodyPr/>
-          <a:lstStyle/>
-          <a:p>
-            <a:r>
-              <a:rPr lang="en-US" sz="4800" dirty="0" smtClean="0"/>
-              <a:t>A Random Person</a:t>
-            </a:r>
-            <a:endParaRPr lang="en-US" sz="4800" dirty="0">
-              <a:solidFill>
-                <a:srgbClr val="FF00FF"/>
-              </a:solidFill>
-            </a:endParaRPr>
-          </a:p>
-        </p:txBody>
-      </p:sp>
-    </p:spTree>
-    <p:extLst>
-      <p:ext uri="{BB962C8B-B14F-4D97-AF65-F5344CB8AC3E}">
-        <p14:creationId xmlns:p14="http://schemas.microsoft.com/office/powerpoint/2010/main" val="1961159939"/>
-      </p:ext>
-    </p:extLst>
-  </p:cSld>
-  <p:clrMapOvr>
-    <a:masterClrMapping/>
-  </p:clrMapOvr>
-  <p:transition xmlns:p14="http://schemas.microsoft.com/office/powerpoint/2010/main" spd="slow" advClick="0">
-    <p:fade/>
-  </p:transition>
-  <p:timing>
-    <p:tnLst>
-      <p:par>
-        <p:cTn xmlns:p14="http://schemas.microsoft.com/office/powerpoint/2010/main" id="1" dur="indefinite" restart="never" nodeType="tmRoot"/>
-      </p:par>
-    </p:tnLst>
-  </p:timing>
-</p:sld>
-</file>
-
-<file path=ppt/slides/slide6.xml><?xml version="1.0" encoding="utf-8"?>
-<p:sld xmlns:a="http://schemas.openxmlformats.org/drawingml/2006/main" xmlns:r="http://schemas.openxmlformats.org/officeDocument/2006/relationships" xmlns:p="http://schemas.openxmlformats.org/presentationml/2006/main" show="0">
-  <p:cSld>
-    <p:spTree>
-      <p:nvGrpSpPr>
-        <p:cNvPr id="1" name=""/>
-        <p:cNvGrpSpPr/>
-        <p:nvPr/>
-      </p:nvGrpSpPr>
-      <p:grpSpPr>
-        <a:xfrm>
-          <a:off x="0" y="0"/>
-          <a:ext cx="0" cy="0"/>
-          <a:chOff x="0" y="0"/>
-          <a:chExt cx="0" cy="0"/>
-        </a:xfrm>
-      </p:grpSpPr>
-      <p:sp>
-        <p:nvSpPr>
-          <p:cNvPr id="2" name="Title 1"/>
-          <p:cNvSpPr>
-            <a:spLocks noGrp="1"/>
-          </p:cNvSpPr>
-          <p:nvPr>
-            <p:ph type="title"/>
-          </p:nvPr>
-        </p:nvSpPr>
-        <p:spPr>
-          <a:xfrm>
-            <a:off x="1752600" y="152400"/>
-            <a:ext cx="6324600" cy="1143000"/>
-          </a:xfrm>
-        </p:spPr>
-        <p:txBody>
-          <a:bodyPr/>
-          <a:lstStyle/>
-          <a:p>
-            <a:r>
-              <a:rPr lang="en-US" sz="4800" dirty="0" smtClean="0"/>
-              <a:t>A Random </a:t>
-            </a:r>
-            <a:r>
-              <a:rPr lang="en-US" sz="4800" dirty="0"/>
-              <a:t>P</a:t>
-            </a:r>
-            <a:r>
-              <a:rPr lang="en-US" sz="4800" dirty="0" smtClean="0"/>
-              <a:t>erson</a:t>
-            </a:r>
-            <a:endParaRPr lang="en-US" sz="4800" dirty="0"/>
-          </a:p>
-        </p:txBody>
-      </p:sp>
-      <p:sp>
-        <p:nvSpPr>
-          <p:cNvPr id="3" name="Content Placeholder 2"/>
-          <p:cNvSpPr>
-            <a:spLocks noGrp="1"/>
-          </p:cNvSpPr>
-          <p:nvPr>
-            <p:ph idx="1"/>
-          </p:nvPr>
-        </p:nvSpPr>
-        <p:spPr>
-          <a:xfrm>
-            <a:off x="228600" y="1447800"/>
-            <a:ext cx="8610600" cy="4495799"/>
-          </a:xfrm>
-        </p:spPr>
-        <p:txBody>
-          <a:bodyPr/>
-          <a:lstStyle/>
-          <a:p>
-            <a:r>
-              <a:rPr lang="en-US" sz="5400" dirty="0" smtClean="0"/>
-              <a:t>We don’t really mean the “probability” that you </a:t>
-            </a:r>
-            <a:r>
-              <a:rPr lang="en-US" sz="5400" dirty="0" smtClean="0">
-                <a:solidFill>
-                  <a:srgbClr val="A92082"/>
-                </a:solidFill>
-              </a:rPr>
-              <a:t>personally</a:t>
-            </a:r>
-            <a:r>
-              <a:rPr lang="en-US" sz="5400" dirty="0" smtClean="0"/>
-              <a:t> have TB.  We’re just thinking of you as a </a:t>
-            </a:r>
-            <a:r>
-              <a:rPr lang="en-US" sz="5400" dirty="0" smtClean="0">
-                <a:solidFill>
-                  <a:srgbClr val="008000"/>
-                </a:solidFill>
-              </a:rPr>
-              <a:t>random person</a:t>
-            </a:r>
-            <a:r>
-              <a:rPr lang="en-US" sz="5400" dirty="0" smtClean="0"/>
-              <a:t>.</a:t>
-            </a:r>
-          </a:p>
-        </p:txBody>
-      </p:sp>
-      <p:sp>
-        <p:nvSpPr>
-          <p:cNvPr id="4" name="Slide Number Placeholder 3"/>
-          <p:cNvSpPr>
-            <a:spLocks noGrp="1"/>
-          </p:cNvSpPr>
-          <p:nvPr>
-            <p:ph type="sldNum" sz="quarter" idx="4294967295"/>
-          </p:nvPr>
-        </p:nvSpPr>
-        <p:spPr>
-          <a:xfrm>
-            <a:off x="7620000" y="6597650"/>
-            <a:ext cx="1524000" cy="274638"/>
-          </a:xfrm>
-          <a:prstGeom prst="rect">
-            <a:avLst/>
-          </a:prstGeom>
-        </p:spPr>
-        <p:txBody>
-          <a:bodyPr/>
-          <a:lstStyle/>
-          <a:p>
-            <a:pPr>
-              <a:defRPr/>
-            </a:pPr>
-            <a:r>
-              <a:rPr lang="en-US" smtClean="0"/>
-              <a:t>testing.</a:t>
-            </a:r>
-            <a:fld id="{9C0B6E0F-EDA7-4496-A72F-8E0EBD3F01E4}" type="slidenum">
-              <a:rPr lang="en-US" smtClean="0"/>
-              <a:pPr>
-                <a:defRPr/>
-              </a:pPr>
-              <a:t>6</a:t>
-            </a:fld>
-            <a:endParaRPr lang="en-US" dirty="0"/>
-          </a:p>
-        </p:txBody>
-      </p:sp>
-    </p:spTree>
-    <p:extLst>
-      <p:ext uri="{BB962C8B-B14F-4D97-AF65-F5344CB8AC3E}">
-        <p14:creationId xmlns:p14="http://schemas.microsoft.com/office/powerpoint/2010/main" val="385488026"/>
-      </p:ext>
-    </p:extLst>
-  </p:cSld>
-  <p:clrMapOvr>
-    <a:masterClrMapping/>
-  </p:clrMapOvr>
-  <mc:AlternateContent xmlns:mc="http://schemas.openxmlformats.org/markup-compatibility/2006">
-    <mc:Choice xmlns:p14="http://schemas.microsoft.com/office/powerpoint/2010/main" Requires="p14">
-      <p:transition spd="slow" p14:dur="1100" advClick="0">
-        <p:fade thruBlk="1"/>
-      </p:transition>
-    </mc:Choice>
-    <mc:Fallback>
-      <p:transition xmlns:p14="http://schemas.microsoft.com/office/powerpoint/2010/main" spd="slow" advClick="0">
-        <p:fade thruBlk="1"/>
-      </p:transition>
-    </mc:Fallback>
-  </mc:AlternateContent>
-  <p:timing>
-    <p:tnLst>
-      <p:par>
-        <p:cTn xmlns:p14="http://schemas.microsoft.com/office/powerpoint/2010/main" id="1" dur="indefinite" restart="never" nodeType="tmRoot"/>
-      </p:par>
-    </p:tnLst>
-  </p:timing>
-</p:sld>
-</file>
-
-<file path=ppt/slides/slide7.xml><?xml version="1.0" encoding="utf-8"?>
-<p:sld xmlns:a="http://schemas.openxmlformats.org/drawingml/2006/main" xmlns:r="http://schemas.openxmlformats.org/officeDocument/2006/relationships" xmlns:p="http://schemas.openxmlformats.org/presentationml/2006/main">
-  <p:cSld>
-    <p:spTree>
-      <p:nvGrpSpPr>
-        <p:cNvPr id="1" name=""/>
-        <p:cNvGrpSpPr/>
-        <p:nvPr/>
-      </p:nvGrpSpPr>
-      <p:grpSpPr>
-        <a:xfrm>
-          <a:off x="0" y="0"/>
-          <a:ext cx="0" cy="0"/>
-          <a:chOff x="0" y="0"/>
-          <a:chExt cx="0" cy="0"/>
-        </a:xfrm>
-      </p:grpSpPr>
-      <p:sp>
-        <p:nvSpPr>
-          <p:cNvPr id="2" name="Title 1"/>
-          <p:cNvSpPr>
-            <a:spLocks noGrp="1"/>
-          </p:cNvSpPr>
-          <p:nvPr>
-            <p:ph type="title"/>
-          </p:nvPr>
-        </p:nvSpPr>
-        <p:spPr>
-          <a:xfrm>
-            <a:off x="1752600" y="152400"/>
-            <a:ext cx="6324600" cy="1143000"/>
-          </a:xfrm>
-        </p:spPr>
-        <p:txBody>
-          <a:bodyPr/>
-          <a:lstStyle/>
-          <a:p>
-            <a:r>
-              <a:rPr lang="en-US" sz="4800" dirty="0" smtClean="0"/>
-              <a:t>A Random Person</a:t>
-            </a:r>
-            <a:r>
-              <a:rPr lang="en-US" sz="4800" dirty="0">
-                <a:solidFill>
-                  <a:srgbClr val="FF00FF"/>
-                </a:solidFill>
-              </a:rPr>
-              <a:t>?</a:t>
-            </a:r>
-            <a:endParaRPr lang="en-US" sz="4800" dirty="0"/>
-          </a:p>
-        </p:txBody>
-      </p:sp>
-      <p:sp>
-        <p:nvSpPr>
-          <p:cNvPr id="3" name="Content Placeholder 2"/>
-          <p:cNvSpPr>
-            <a:spLocks noGrp="1"/>
-          </p:cNvSpPr>
-          <p:nvPr>
-            <p:ph idx="1"/>
-          </p:nvPr>
-        </p:nvSpPr>
-        <p:spPr>
-          <a:xfrm>
-            <a:off x="228600" y="1295400"/>
-            <a:ext cx="8610600" cy="4953000"/>
-          </a:xfrm>
-        </p:spPr>
-        <p:txBody>
-          <a:bodyPr/>
-          <a:lstStyle/>
-          <a:p>
-            <a:r>
-              <a:rPr lang="en-US" sz="5400" dirty="0" smtClean="0"/>
-              <a:t>But you personally are</a:t>
-            </a:r>
-          </a:p>
-          <a:p>
-            <a:r>
-              <a:rPr lang="en-US" sz="5400" dirty="0" smtClean="0">
-                <a:solidFill>
-                  <a:srgbClr val="FF00FF"/>
-                </a:solidFill>
-              </a:rPr>
-              <a:t>not</a:t>
-            </a:r>
-            <a:r>
-              <a:rPr lang="en-US" sz="5400" dirty="0" smtClean="0"/>
-              <a:t> a random person.</a:t>
-            </a:r>
-          </a:p>
-          <a:p>
-            <a:r>
-              <a:rPr lang="en-US" sz="5400" dirty="0" smtClean="0"/>
-              <a:t>Either </a:t>
-            </a:r>
-            <a:r>
-              <a:rPr lang="en-US" sz="5400" dirty="0" smtClean="0">
-                <a:solidFill>
-                  <a:srgbClr val="FF0000"/>
-                </a:solidFill>
-              </a:rPr>
-              <a:t>you have</a:t>
-            </a:r>
-            <a:r>
-              <a:rPr lang="en-US" sz="5400" dirty="0" smtClean="0"/>
-              <a:t> TB, or </a:t>
-            </a:r>
-          </a:p>
-          <a:p>
-            <a:r>
-              <a:rPr lang="en-US" sz="5400" dirty="0" smtClean="0">
-                <a:solidFill>
-                  <a:srgbClr val="008000"/>
-                </a:solidFill>
-              </a:rPr>
-              <a:t>you don’t</a:t>
-            </a:r>
-            <a:r>
-              <a:rPr lang="en-US" sz="5400" dirty="0" smtClean="0"/>
-              <a:t>.</a:t>
-            </a:r>
-          </a:p>
-        </p:txBody>
-      </p:sp>
-      <p:sp>
-        <p:nvSpPr>
-          <p:cNvPr id="4" name="Slide Number Placeholder 3"/>
-          <p:cNvSpPr>
-            <a:spLocks noGrp="1"/>
-          </p:cNvSpPr>
-          <p:nvPr>
-            <p:ph type="sldNum" sz="quarter" idx="4294967295"/>
-          </p:nvPr>
-        </p:nvSpPr>
-        <p:spPr>
-          <a:xfrm>
-            <a:off x="7620000" y="6597650"/>
-            <a:ext cx="1524000" cy="274638"/>
-          </a:xfrm>
-          <a:prstGeom prst="rect">
-            <a:avLst/>
-          </a:prstGeom>
-        </p:spPr>
-        <p:txBody>
-          <a:bodyPr/>
-          <a:lstStyle/>
-          <a:p>
-            <a:pPr>
-              <a:defRPr/>
-            </a:pPr>
-            <a:r>
-              <a:rPr lang="en-US" smtClean="0"/>
-              <a:t>testing.</a:t>
-            </a:r>
-            <a:fld id="{9C0B6E0F-EDA7-4496-A72F-8E0EBD3F01E4}" type="slidenum">
-              <a:rPr lang="en-US" smtClean="0"/>
-              <a:pPr>
-                <a:defRPr/>
-              </a:pPr>
-              <a:t>7</a:t>
-            </a:fld>
-            <a:endParaRPr lang="en-US" dirty="0"/>
-          </a:p>
-        </p:txBody>
-      </p:sp>
-    </p:spTree>
-    <p:extLst>
-      <p:ext uri="{BB962C8B-B14F-4D97-AF65-F5344CB8AC3E}">
-        <p14:creationId xmlns:p14="http://schemas.microsoft.com/office/powerpoint/2010/main" val="1399394040"/>
-      </p:ext>
-    </p:extLst>
-  </p:cSld>
-  <p:clrMapOvr>
-    <a:masterClrMapping/>
-  </p:clrMapOvr>
-  <mc:AlternateContent xmlns:mc="http://schemas.openxmlformats.org/markup-compatibility/2006" xmlns:p14="http://schemas.microsoft.com/office/powerpoint/2010/main">
-    <mc:Choice Requires="p14">
-      <p:transition spd="slow" p14:dur="900" advClick="0">
-        <p:fade/>
-      </p:transition>
-    </mc:Choice>
-    <mc:Fallback xmlns="">
-      <p:transition xmlns:p14="http://schemas.microsoft.com/office/powerpoint/2010/main" spd="slow" advClick="0">
-        <p:fade/>
-      </p:transition>
-    </mc:Fallback>
-  </mc:AlternateContent>
-  <p:timing>
-    <p:tnLst>
-      <p:par>
-        <p:cTn xmlns:p14="http://schemas.microsoft.com/office/powerpoint/2010/main" id="1" dur="indefinite" restart="never" nodeType="tmRoot">
-          <p:childTnLst>
-            <p:seq concurrent="1" nextAc="seek">
-              <p:cTn id="2" dur="indefinite" nodeType="mainSeq">
-                <p:childTnLst>
-                  <p:par>
-                    <p:cTn id="3" fill="hold">
-                      <p:stCondLst>
-                        <p:cond delay="indefinite"/>
-                      </p:stCondLst>
-                      <p:childTnLst>
-                        <p:par>
-                          <p:cTn id="4" fill="hold">
-                            <p:stCondLst>
-                              <p:cond delay="0"/>
-                            </p:stCondLst>
-                            <p:childTnLst>
-                              <p:par>
-                                <p:cTn id="5" presetID="10" presetClass="entr" presetSubtype="0" fill="hold" nodeType="clickEffect">
-                                  <p:stCondLst>
-                                    <p:cond delay="0"/>
-                                  </p:stCondLst>
-                                  <p:childTnLst>
-                                    <p:set>
-                                      <p:cBhvr>
-                                        <p:cTn id="6" dur="1" fill="hold">
-                                          <p:stCondLst>
-                                            <p:cond delay="0"/>
-                                          </p:stCondLst>
-                                        </p:cTn>
-                                        <p:tgtEl>
-                                          <p:spTgt spid="3">
-                                            <p:txEl>
-                                              <p:pRg st="2" end="2"/>
-                                            </p:txEl>
-                                          </p:spTgt>
-                                        </p:tgtEl>
-                                        <p:attrNameLst>
-                                          <p:attrName>style.visibility</p:attrName>
-                                        </p:attrNameLst>
-                                      </p:cBhvr>
-                                      <p:to>
-                                        <p:strVal val="visible"/>
-                                      </p:to>
-                                    </p:set>
-                                    <p:animEffect transition="in" filter="fade">
-                                      <p:cBhvr>
-                                        <p:cTn id="7" dur="500"/>
-                                        <p:tgtEl>
-                                          <p:spTgt spid="3">
-                                            <p:txEl>
-                                              <p:pRg st="2" end="2"/>
-                                            </p:txEl>
-                                          </p:spTgt>
-                                        </p:tgtEl>
-                                      </p:cBhvr>
-                                    </p:animEffect>
-                                  </p:childTnLst>
-                                </p:cTn>
-                              </p:par>
-                              <p:par>
-                                <p:cTn id="8" presetID="10" presetClass="entr" presetSubtype="0" fill="hold" nodeType="withEffect">
-                                  <p:stCondLst>
-                                    <p:cond delay="0"/>
-                                  </p:stCondLst>
-                                  <p:childTnLst>
-                                    <p:set>
-                                      <p:cBhvr>
-                                        <p:cTn id="9" dur="1" fill="hold">
-                                          <p:stCondLst>
-                                            <p:cond delay="0"/>
-                                          </p:stCondLst>
-                                        </p:cTn>
-                                        <p:tgtEl>
-                                          <p:spTgt spid="3">
-                                            <p:txEl>
-                                              <p:pRg st="3" end="3"/>
-                                            </p:txEl>
-                                          </p:spTgt>
-                                        </p:tgtEl>
-                                        <p:attrNameLst>
-                                          <p:attrName>style.visibility</p:attrName>
-                                        </p:attrNameLst>
-                                      </p:cBhvr>
-                                      <p:to>
-                                        <p:strVal val="visible"/>
-                                      </p:to>
-                                    </p:set>
-                                    <p:animEffect transition="in" filter="fade">
-                                      <p:cBhvr>
-                                        <p:cTn id="10" dur="500"/>
-                                        <p:tgtEl>
-                                          <p:spTgt spid="3">
-                                            <p:txEl>
-                                              <p:pRg st="3" end="3"/>
-                                            </p:txEl>
-                                          </p:spTgt>
-                                        </p:tgtEl>
-                                      </p:cBhvr>
-                                    </p:animEffect>
-                                  </p:childTnLst>
-                                </p:cTn>
-                              </p:par>
-                            </p:childTnLst>
-                          </p:cTn>
-                        </p:par>
-                      </p:childTnLst>
-                    </p:cTn>
-                  </p:par>
-                </p:childTnLst>
-              </p:cTn>
-              <p:prevCondLst>
-                <p:cond evt="onPrev" delay="0">
-                  <p:tgtEl>
-                    <p:sldTgt/>
-                  </p:tgtEl>
-                </p:cond>
-              </p:prevCondLst>
-              <p:nextCondLst>
-                <p:cond evt="onNext" delay="0">
-                  <p:tgtEl>
-                    <p:sldTgt/>
-                  </p:tgtEl>
-                </p:cond>
-              </p:nextCondLst>
-            </p:seq>
-          </p:childTnLst>
-        </p:cTn>
-      </p:par>
-    </p:tnLst>
-  </p:timing>
-</p:sld>
-</file>
-
-<file path=ppt/slides/slide8.xml><?xml version="1.0" encoding="utf-8"?>
-<p:sld xmlns:a="http://schemas.openxmlformats.org/drawingml/2006/main" xmlns:r="http://schemas.openxmlformats.org/officeDocument/2006/relationships" xmlns:p="http://schemas.openxmlformats.org/presentationml/2006/main">
-  <p:cSld>
-    <p:spTree>
-      <p:nvGrpSpPr>
-        <p:cNvPr id="1" name=""/>
-        <p:cNvGrpSpPr/>
-        <p:nvPr/>
-      </p:nvGrpSpPr>
-      <p:grpSpPr>
-        <a:xfrm>
-          <a:off x="0" y="0"/>
-          <a:ext cx="0" cy="0"/>
-          <a:chOff x="0" y="0"/>
-          <a:chExt cx="0" cy="0"/>
-        </a:xfrm>
-      </p:grpSpPr>
-      <p:sp>
-        <p:nvSpPr>
-          <p:cNvPr id="2" name="Title 1"/>
-          <p:cNvSpPr>
-            <a:spLocks noGrp="1"/>
-          </p:cNvSpPr>
-          <p:nvPr>
-            <p:ph type="title"/>
-          </p:nvPr>
-        </p:nvSpPr>
-        <p:spPr>
-          <a:xfrm>
-            <a:off x="1752600" y="152400"/>
-            <a:ext cx="6324600" cy="1143000"/>
-          </a:xfrm>
-        </p:spPr>
-        <p:txBody>
-          <a:bodyPr/>
-          <a:lstStyle/>
-          <a:p>
-            <a:r>
-              <a:rPr lang="en-US" sz="4800" dirty="0" smtClean="0"/>
-              <a:t>A Random Person</a:t>
-            </a:r>
-            <a:r>
-              <a:rPr lang="en-US" sz="4800" dirty="0">
-                <a:solidFill>
-                  <a:srgbClr val="FF00FF"/>
-                </a:solidFill>
-              </a:rPr>
-              <a:t>?</a:t>
-            </a:r>
-            <a:endParaRPr lang="en-US" sz="4800" dirty="0"/>
-          </a:p>
-        </p:txBody>
-      </p:sp>
-      <p:sp>
-        <p:nvSpPr>
-          <p:cNvPr id="3" name="Content Placeholder 2"/>
-          <p:cNvSpPr>
-            <a:spLocks noGrp="1"/>
-          </p:cNvSpPr>
-          <p:nvPr>
-            <p:ph idx="1"/>
-          </p:nvPr>
-        </p:nvSpPr>
-        <p:spPr>
-          <a:xfrm>
-            <a:off x="228600" y="1295400"/>
-            <a:ext cx="8610600" cy="4953000"/>
-          </a:xfrm>
-        </p:spPr>
-        <p:txBody>
-          <a:bodyPr/>
-          <a:lstStyle/>
-          <a:p>
-            <a:r>
-              <a:rPr lang="en-US" sz="5400" dirty="0" smtClean="0"/>
-              <a:t>But you personally are</a:t>
-            </a:r>
-          </a:p>
-          <a:p>
-            <a:r>
-              <a:rPr lang="en-US" sz="5400" dirty="0" smtClean="0">
-                <a:solidFill>
-                  <a:srgbClr val="FF00FF"/>
-                </a:solidFill>
-              </a:rPr>
-              <a:t>not</a:t>
-            </a:r>
-            <a:r>
-              <a:rPr lang="en-US" sz="5400" dirty="0" smtClean="0"/>
-              <a:t> a random person.</a:t>
-            </a:r>
-          </a:p>
-          <a:p>
-            <a:r>
-              <a:rPr lang="en-US" sz="5400" dirty="0" smtClean="0"/>
-              <a:t>Either </a:t>
-            </a:r>
-            <a:r>
-              <a:rPr lang="en-US" sz="5400" dirty="0" smtClean="0">
-                <a:solidFill>
-                  <a:srgbClr val="FF0000"/>
-                </a:solidFill>
-              </a:rPr>
-              <a:t>you have</a:t>
-            </a:r>
-            <a:r>
-              <a:rPr lang="en-US" sz="5400" dirty="0" smtClean="0"/>
-              <a:t> TB, or </a:t>
-            </a:r>
-          </a:p>
-          <a:p>
-            <a:r>
-              <a:rPr lang="en-US" sz="5400" dirty="0" smtClean="0">
-                <a:solidFill>
-                  <a:srgbClr val="008000"/>
-                </a:solidFill>
-              </a:rPr>
-              <a:t>you don’t</a:t>
-            </a:r>
-            <a:r>
-              <a:rPr lang="en-US" sz="5400" dirty="0" smtClean="0"/>
-              <a:t>.  Nothing </a:t>
-            </a:r>
-          </a:p>
-          <a:p>
-            <a:r>
-              <a:rPr lang="en-US" sz="5400" dirty="0" smtClean="0"/>
-              <a:t>probabilistic about this.</a:t>
-            </a:r>
-          </a:p>
-        </p:txBody>
-      </p:sp>
-      <p:sp>
-        <p:nvSpPr>
-          <p:cNvPr id="4" name="Slide Number Placeholder 3"/>
-          <p:cNvSpPr>
-            <a:spLocks noGrp="1"/>
-          </p:cNvSpPr>
-          <p:nvPr>
-            <p:ph type="sldNum" sz="quarter" idx="4294967295"/>
-          </p:nvPr>
-        </p:nvSpPr>
-        <p:spPr>
-          <a:xfrm>
-            <a:off x="7620000" y="6597650"/>
-            <a:ext cx="1524000" cy="274638"/>
-          </a:xfrm>
-          <a:prstGeom prst="rect">
-            <a:avLst/>
-          </a:prstGeom>
-        </p:spPr>
-        <p:txBody>
-          <a:bodyPr/>
-          <a:lstStyle/>
-          <a:p>
-            <a:pPr>
-              <a:defRPr/>
-            </a:pPr>
-            <a:r>
-              <a:rPr lang="en-US" smtClean="0"/>
-              <a:t>testing.</a:t>
-            </a:r>
-            <a:fld id="{9C0B6E0F-EDA7-4496-A72F-8E0EBD3F01E4}" type="slidenum">
-              <a:rPr lang="en-US" smtClean="0"/>
-              <a:pPr>
-                <a:defRPr/>
-              </a:pPr>
-              <a:t>8</a:t>
-            </a:fld>
-            <a:endParaRPr lang="en-US" dirty="0"/>
-          </a:p>
-        </p:txBody>
-      </p:sp>
-    </p:spTree>
-    <p:extLst>
-      <p:ext uri="{BB962C8B-B14F-4D97-AF65-F5344CB8AC3E}">
-        <p14:creationId xmlns:p14="http://schemas.microsoft.com/office/powerpoint/2010/main" val="3874130490"/>
-      </p:ext>
-    </p:extLst>
-  </p:cSld>
-  <p:clrMapOvr>
-    <a:masterClrMapping/>
-  </p:clrMapOvr>
-  <mc:AlternateContent xmlns:mc="http://schemas.openxmlformats.org/markup-compatibility/2006" xmlns:p14="http://schemas.microsoft.com/office/powerpoint/2010/main">
-    <mc:Choice Requires="p14">
-      <p:transition spd="slow" p14:dur="900" advClick="0">
-        <p:fade/>
-      </p:transition>
-    </mc:Choice>
-    <mc:Fallback xmlns="">
-      <p:transition xmlns:p14="http://schemas.microsoft.com/office/powerpoint/2010/main" spd="slow" advClick="0">
-        <p:fade/>
-      </p:transition>
-    </mc:Fallback>
-  </mc:AlternateContent>
-  <p:timing>
-    <p:tnLst>
-      <p:par>
-        <p:cTn xmlns:p14="http://schemas.microsoft.com/office/powerpoint/2010/main" id="1" dur="indefinite" restart="never" nodeType="tmRoot"/>
-      </p:par>
-    </p:tnLst>
-  </p:timing>
-</p:sld>
-</file>
-
-<file path=ppt/slides/slide9.xml><?xml version="1.0" encoding="utf-8"?>
-<p:sld xmlns:a="http://schemas.openxmlformats.org/drawingml/2006/main" xmlns:r="http://schemas.openxmlformats.org/officeDocument/2006/relationships" xmlns:p="http://schemas.openxmlformats.org/presentationml/2006/main">
-  <p:cSld>
-    <p:spTree>
-      <p:nvGrpSpPr>
-        <p:cNvPr id="1" name=""/>
-        <p:cNvGrpSpPr/>
-        <p:nvPr/>
-      </p:nvGrpSpPr>
-      <p:grpSpPr>
-        <a:xfrm>
-          <a:off x="0" y="0"/>
-          <a:ext cx="0" cy="0"/>
-          <a:chOff x="0" y="0"/>
-          <a:chExt cx="0" cy="0"/>
-        </a:xfrm>
-      </p:grpSpPr>
-      <p:sp>
-        <p:nvSpPr>
-          <p:cNvPr id="30722" name="Slide Number Placeholder 3"/>
-          <p:cNvSpPr>
-            <a:spLocks noGrp="1"/>
-          </p:cNvSpPr>
-          <p:nvPr>
-            <p:ph type="sldNum" sz="quarter" idx="4"/>
-          </p:nvPr>
-        </p:nvSpPr>
-        <p:spPr>
-          <a:xfrm>
-            <a:off x="7620000" y="6597650"/>
-            <a:ext cx="1524000" cy="274638"/>
-          </a:xfrm>
-        </p:spPr>
-        <p:txBody>
-          <a:bodyPr/>
-          <a:lstStyle/>
-          <a:p>
-            <a:pPr>
-              <a:defRPr/>
-            </a:pPr>
-            <a:r>
-              <a:rPr lang="en-US" dirty="0" smtClean="0"/>
-              <a:t>truth.</a:t>
-            </a:r>
-            <a:fld id="{96B5C7C7-3FC0-4B55-9934-A080551106BF}" type="slidenum">
-              <a:rPr lang="en-US" smtClean="0"/>
-              <a:pPr>
-                <a:defRPr/>
-              </a:pPr>
-              <a:t>9</a:t>
-            </a:fld>
-            <a:endParaRPr lang="en-US" dirty="0"/>
-          </a:p>
-        </p:txBody>
-      </p:sp>
-      <p:sp>
-        <p:nvSpPr>
-          <p:cNvPr id="205827" name="Text Box 3"/>
-          <p:cNvSpPr txBox="1">
-            <a:spLocks noChangeArrowheads="1"/>
-          </p:cNvSpPr>
-          <p:nvPr/>
-        </p:nvSpPr>
-        <p:spPr bwMode="auto">
-          <a:xfrm>
-            <a:off x="76200" y="1447800"/>
-            <a:ext cx="8915400" cy="4745915"/>
-          </a:xfrm>
-          <a:prstGeom prst="rect">
-            <a:avLst/>
-          </a:prstGeom>
-          <a:noFill/>
-          <a:ln w="9525">
-            <a:noFill/>
-            <a:miter lim="800000"/>
-            <a:headEnd/>
-            <a:tailEnd/>
-          </a:ln>
-        </p:spPr>
-        <p:txBody>
-          <a:bodyPr wrap="square">
-            <a:spAutoFit/>
-          </a:bodyPr>
-          <a:lstStyle/>
-          <a:p>
-            <a:pPr lvl="1" algn="l"/>
-            <a:r>
-              <a:rPr lang="en-US" sz="5400" dirty="0" smtClean="0">
-                <a:latin typeface="Comic Sans MS" pitchFamily="66" charset="0"/>
-              </a:rPr>
-              <a:t>It is tempting to talk about</a:t>
-            </a:r>
-          </a:p>
-          <a:p>
-            <a:pPr lvl="1" algn="l"/>
             <a:r>
               <a:rPr lang="en-US" sz="5400" dirty="0" smtClean="0">
                 <a:latin typeface="Comic Sans MS" pitchFamily="66" charset="0"/>
@@ -8624,14 +3977,55 @@
               <a:rPr lang="en-US" sz="5400" dirty="0" smtClean="0">
                 <a:latin typeface="Comic Sans MS" pitchFamily="66" charset="0"/>
               </a:rPr>
-              <a:t>you personally have TB”</a:t>
+              <a:t>you </a:t>
+            </a:r>
+            <a:r>
+              <a:rPr lang="en-US" sz="5400" dirty="0" smtClean="0">
+                <a:latin typeface="Comic Sans MS" pitchFamily="66" charset="0"/>
+              </a:rPr>
+              <a:t>  </a:t>
+            </a:r>
+          </a:p>
+          <a:p>
+            <a:pPr lvl="1" algn="l">
+              <a:lnSpc>
+                <a:spcPct val="90000"/>
+              </a:lnSpc>
+            </a:pPr>
+            <a:r>
+              <a:rPr lang="en-US" sz="5400" dirty="0">
+                <a:latin typeface="Comic Sans MS" pitchFamily="66" charset="0"/>
+              </a:rPr>
+              <a:t> </a:t>
+            </a:r>
+            <a:r>
+              <a:rPr lang="en-US" sz="5400" dirty="0" smtClean="0">
+                <a:latin typeface="Comic Sans MS" pitchFamily="66" charset="0"/>
+              </a:rPr>
+              <a:t> </a:t>
+            </a:r>
+            <a:r>
+              <a:rPr lang="en-US" sz="5400" dirty="0" smtClean="0">
+                <a:latin typeface="Comic Sans MS" pitchFamily="66" charset="0"/>
+              </a:rPr>
+              <a:t>personally </a:t>
+            </a:r>
+            <a:r>
+              <a:rPr lang="en-US" sz="5400" dirty="0" smtClean="0">
+                <a:latin typeface="Comic Sans MS" pitchFamily="66" charset="0"/>
+              </a:rPr>
+              <a:t>have TB”</a:t>
             </a:r>
             <a:endParaRPr lang="en-US" sz="5400" dirty="0">
               <a:latin typeface="Comic Sans MS" pitchFamily="66" charset="0"/>
             </a:endParaRPr>
           </a:p>
           <a:p>
-            <a:pPr algn="l"/>
+            <a:pPr algn="l">
+              <a:lnSpc>
+                <a:spcPct val="90000"/>
+              </a:lnSpc>
+            </a:pPr>
             <a:r>
               <a:rPr lang="en-US" sz="5400" dirty="0" smtClean="0">
                 <a:solidFill>
@@ -8648,8 +4042,23 @@
                 </a:solidFill>
                 <a:latin typeface="Comic Sans MS" pitchFamily="66" charset="0"/>
               </a:rPr>
-              <a:t>-technically wrong!</a:t>
-            </a:r>
+              <a:t>-technically </a:t>
+            </a:r>
+            <a:r>
+              <a:rPr lang="en-US" sz="5400" dirty="0" smtClean="0">
+                <a:solidFill>
+                  <a:srgbClr val="CC0000"/>
+                </a:solidFill>
+                <a:latin typeface="Comic Sans MS" pitchFamily="66" charset="0"/>
+              </a:rPr>
+              <a:t>meaningless</a:t>
+            </a:r>
+            <a:endParaRPr lang="en-US" sz="5400" dirty="0">
+              <a:solidFill>
+                <a:srgbClr val="CC0000"/>
+              </a:solidFill>
+              <a:latin typeface="Comic Sans MS" pitchFamily="66" charset="0"/>
+            </a:endParaRPr>
           </a:p>
         </p:txBody>
       </p:sp>
@@ -8663,7 +4072,7 @@
         </p:nvGrpSpPr>
         <p:grpSpPr bwMode="auto">
           <a:xfrm>
-            <a:off x="1371600" y="3276600"/>
+            <a:off x="1447800" y="2362200"/>
             <a:ext cx="5791200" cy="1752600"/>
             <a:chOff x="528" y="2304"/>
             <a:chExt cx="4656" cy="384"/>
@@ -9017,7 +4426,7 @@
                                         <p:tgtEl>
                                           <p:spTgt spid="205827">
                                             <p:txEl>
-                                              <p:pRg st="2" end="2"/>
+                                              <p:pRg st="3" end="3"/>
                                             </p:txEl>
                                           </p:spTgt>
                                         </p:tgtEl>
@@ -9034,6 +4443,4537 @@
                                         <p:cTn id="14" dur="500"/>
                                         <p:tgtEl>
                                           <p:spTgt spid="205827">
+                                            <p:txEl>
+                                              <p:pRg st="3" end="3"/>
+                                            </p:txEl>
+                                          </p:spTgt>
+                                        </p:tgtEl>
+                                      </p:cBhvr>
+                                    </p:animEffect>
+                                  </p:childTnLst>
+                                </p:cTn>
+                              </p:par>
+                            </p:childTnLst>
+                          </p:cTn>
+                        </p:par>
+                      </p:childTnLst>
+                    </p:cTn>
+                  </p:par>
+                </p:childTnLst>
+              </p:cTn>
+              <p:prevCondLst>
+                <p:cond evt="onPrev" delay="0">
+                  <p:tgtEl>
+                    <p:sldTgt/>
+                  </p:tgtEl>
+                </p:cond>
+              </p:prevCondLst>
+              <p:nextCondLst>
+                <p:cond evt="onNext" delay="0">
+                  <p:tgtEl>
+                    <p:sldTgt/>
+                  </p:tgtEl>
+                </p:cond>
+              </p:nextCondLst>
+            </p:seq>
+          </p:childTnLst>
+        </p:cTn>
+      </p:par>
+    </p:tnLst>
+  </p:timing>
+</p:sld>
+</file>
+
+<file path=ppt/slides/slide11.xml><?xml version="1.0" encoding="utf-8"?>
+<p:sld xmlns:a="http://schemas.openxmlformats.org/drawingml/2006/main" xmlns:r="http://schemas.openxmlformats.org/officeDocument/2006/relationships" xmlns:p="http://schemas.openxmlformats.org/presentationml/2006/main">
+  <p:cSld>
+    <p:spTree>
+      <p:nvGrpSpPr>
+        <p:cNvPr id="1" name=""/>
+        <p:cNvGrpSpPr/>
+        <p:nvPr/>
+      </p:nvGrpSpPr>
+      <p:grpSpPr>
+        <a:xfrm>
+          <a:off x="0" y="0"/>
+          <a:ext cx="0" cy="0"/>
+          <a:chOff x="0" y="0"/>
+          <a:chExt cx="0" cy="0"/>
+        </a:xfrm>
+      </p:grpSpPr>
+      <p:sp>
+        <p:nvSpPr>
+          <p:cNvPr id="32770" name="Slide Number Placeholder 3"/>
+          <p:cNvSpPr>
+            <a:spLocks noGrp="1"/>
+          </p:cNvSpPr>
+          <p:nvPr>
+            <p:ph type="sldNum" sz="quarter" idx="4"/>
+          </p:nvPr>
+        </p:nvSpPr>
+        <p:spPr>
+          <a:xfrm>
+            <a:off x="7620000" y="6597650"/>
+            <a:ext cx="1524000" cy="274638"/>
+          </a:xfrm>
+        </p:spPr>
+        <p:txBody>
+          <a:bodyPr/>
+          <a:lstStyle/>
+          <a:p>
+            <a:pPr>
+              <a:defRPr/>
+            </a:pPr>
+            <a:r>
+              <a:rPr lang="en-US" dirty="0" smtClean="0"/>
+              <a:t>truth.</a:t>
+            </a:r>
+            <a:fld id="{4A7F8015-3123-4EEE-BF99-E293B8DB1805}" type="slidenum">
+              <a:rPr lang="en-US" smtClean="0"/>
+              <a:pPr>
+                <a:defRPr/>
+              </a:pPr>
+              <a:t>11</a:t>
+            </a:fld>
+            <a:endParaRPr lang="en-US" dirty="0"/>
+          </a:p>
+        </p:txBody>
+      </p:sp>
+      <p:sp>
+        <p:nvSpPr>
+          <p:cNvPr id="36868" name="Text Box 3"/>
+          <p:cNvSpPr txBox="1">
+            <a:spLocks noChangeArrowheads="1"/>
+          </p:cNvSpPr>
+          <p:nvPr/>
+        </p:nvSpPr>
+        <p:spPr bwMode="auto">
+          <a:xfrm>
+            <a:off x="228600" y="1066800"/>
+            <a:ext cx="8610600" cy="3785652"/>
+          </a:xfrm>
+          <a:prstGeom prst="rect">
+            <a:avLst/>
+          </a:prstGeom>
+          <a:noFill/>
+          <a:ln w="9525">
+            <a:noFill/>
+            <a:miter lim="800000"/>
+            <a:headEnd/>
+            <a:tailEnd/>
+          </a:ln>
+        </p:spPr>
+        <p:txBody>
+          <a:bodyPr>
+            <a:spAutoFit/>
+          </a:bodyPr>
+          <a:lstStyle/>
+          <a:p>
+            <a:pPr algn="l"/>
+            <a:r>
+              <a:rPr lang="en-US" sz="4800" dirty="0" smtClean="0">
+                <a:latin typeface="Comic Sans MS" pitchFamily="66" charset="0"/>
+              </a:rPr>
+              <a:t>We can model the </a:t>
+            </a:r>
+            <a:r>
+              <a:rPr lang="en-US" sz="4800" dirty="0">
+                <a:solidFill>
+                  <a:schemeClr val="accent1">
+                    <a:lumMod val="50000"/>
+                  </a:schemeClr>
+                </a:solidFill>
+                <a:latin typeface="Comic Sans MS" pitchFamily="66" charset="0"/>
+              </a:rPr>
+              <a:t>outcomes</a:t>
+            </a:r>
+            <a:r>
+              <a:rPr lang="en-US" sz="4800" dirty="0">
+                <a:latin typeface="Comic Sans MS" pitchFamily="66" charset="0"/>
+              </a:rPr>
+              <a:t> of our</a:t>
+            </a:r>
+            <a:r>
+              <a:rPr lang="en-US" sz="4800" i="1" dirty="0">
+                <a:latin typeface="Comic Sans MS" pitchFamily="66" charset="0"/>
+              </a:rPr>
+              <a:t> </a:t>
+            </a:r>
+            <a:r>
+              <a:rPr lang="en-US" sz="4800" dirty="0" smtClean="0">
+                <a:solidFill>
+                  <a:srgbClr val="0000E5"/>
+                </a:solidFill>
+                <a:latin typeface="Comic Sans MS" pitchFamily="66" charset="0"/>
+              </a:rPr>
+              <a:t>TB test</a:t>
+            </a:r>
+            <a:r>
+              <a:rPr lang="en-US" sz="4800" dirty="0" smtClean="0">
+                <a:latin typeface="Comic Sans MS" pitchFamily="66" charset="0"/>
+              </a:rPr>
+              <a:t> as random.  Then we </a:t>
+            </a:r>
+            <a:r>
+              <a:rPr lang="en-US" sz="4800" dirty="0">
+                <a:latin typeface="Comic Sans MS" pitchFamily="66" charset="0"/>
+              </a:rPr>
+              <a:t>can </a:t>
+            </a:r>
+            <a:r>
+              <a:rPr lang="en-US" sz="4800" dirty="0" smtClean="0">
+                <a:latin typeface="Comic Sans MS" pitchFamily="66" charset="0"/>
+              </a:rPr>
+              <a:t>talk about the probability the test is correct.   </a:t>
+            </a:r>
+            <a:endParaRPr lang="en-US" sz="4800" dirty="0">
+              <a:latin typeface="Comic Sans MS" pitchFamily="66" charset="0"/>
+            </a:endParaRPr>
+          </a:p>
+        </p:txBody>
+      </p:sp>
+      <p:pic>
+        <p:nvPicPr>
+          <p:cNvPr id="36869" name="Picture 7" descr="texpointerror"/>
+          <p:cNvPicPr>
+            <a:picLocks noChangeAspect="1" noChangeArrowheads="1"/>
+          </p:cNvPicPr>
+          <p:nvPr>
+            <p:custDataLst>
+              <p:tags r:id="rId1"/>
+            </p:custDataLst>
+          </p:nvPr>
+        </p:nvPicPr>
+        <p:blipFill>
+          <a:blip r:embed="rId4">
+            <a:clrChange>
+              <a:clrFrom>
+                <a:srgbClr val="FFFFFF"/>
+              </a:clrFrom>
+              <a:clrTo>
+                <a:srgbClr val="FFFFFF">
+                  <a:alpha val="0"/>
+                </a:srgbClr>
+              </a:clrTo>
+            </a:clrChange>
+          </a:blip>
+          <a:srcRect/>
+          <a:stretch>
+            <a:fillRect/>
+          </a:stretch>
+        </p:blipFill>
+        <p:spPr bwMode="auto">
+          <a:xfrm>
+            <a:off x="5080000" y="3810000"/>
+            <a:ext cx="1588" cy="1588"/>
+          </a:xfrm>
+          <a:prstGeom prst="rect">
+            <a:avLst/>
+          </a:prstGeom>
+          <a:noFill/>
+          <a:ln w="9525" algn="ctr">
+            <a:noFill/>
+            <a:miter lim="800000"/>
+            <a:headEnd/>
+            <a:tailEnd/>
+          </a:ln>
+        </p:spPr>
+      </p:pic>
+      <p:sp>
+        <p:nvSpPr>
+          <p:cNvPr id="8" name="Rectangle 3"/>
+          <p:cNvSpPr>
+            <a:spLocks noGrp="1" noChangeArrowheads="1"/>
+          </p:cNvSpPr>
+          <p:nvPr>
+            <p:ph type="title"/>
+          </p:nvPr>
+        </p:nvSpPr>
+        <p:spPr>
+          <a:xfrm>
+            <a:off x="2362200" y="228600"/>
+            <a:ext cx="5334000" cy="990600"/>
+          </a:xfrm>
+          <a:noFill/>
+        </p:spPr>
+        <p:txBody>
+          <a:bodyPr/>
+          <a:lstStyle/>
+          <a:p>
+            <a:pPr eaLnBrk="1" hangingPunct="1"/>
+            <a:r>
+              <a:rPr lang="en-US" sz="4800" dirty="0" smtClean="0">
+                <a:solidFill>
+                  <a:srgbClr val="0006FE"/>
+                </a:solidFill>
+              </a:rPr>
+              <a:t>Confidence</a:t>
+            </a:r>
+          </a:p>
+        </p:txBody>
+      </p:sp>
+    </p:spTree>
+    <p:extLst>
+      <p:ext uri="{BB962C8B-B14F-4D97-AF65-F5344CB8AC3E}">
+        <p14:creationId xmlns:p14="http://schemas.microsoft.com/office/powerpoint/2010/main" val="3794338259"/>
+      </p:ext>
+    </p:extLst>
+  </p:cSld>
+  <p:clrMapOvr>
+    <a:masterClrMapping/>
+  </p:clrMapOvr>
+  <p:transition xmlns:p14="http://schemas.microsoft.com/office/powerpoint/2010/main" spd="slow" advClick="0">
+    <p:fade/>
+  </p:transition>
+  <p:timing>
+    <p:tnLst>
+      <p:par>
+        <p:cTn xmlns:p14="http://schemas.microsoft.com/office/powerpoint/2010/main" id="1" dur="indefinite" restart="never" nodeType="tmRoot"/>
+      </p:par>
+    </p:tnLst>
+  </p:timing>
+</p:sld>
+</file>
+
+<file path=ppt/slides/slide12.xml><?xml version="1.0" encoding="utf-8"?>
+<p:sld xmlns:a="http://schemas.openxmlformats.org/drawingml/2006/main" xmlns:r="http://schemas.openxmlformats.org/officeDocument/2006/relationships" xmlns:p="http://schemas.openxmlformats.org/presentationml/2006/main">
+  <p:cSld>
+    <p:spTree>
+      <p:nvGrpSpPr>
+        <p:cNvPr id="1" name=""/>
+        <p:cNvGrpSpPr/>
+        <p:nvPr/>
+      </p:nvGrpSpPr>
+      <p:grpSpPr>
+        <a:xfrm>
+          <a:off x="0" y="0"/>
+          <a:ext cx="0" cy="0"/>
+          <a:chOff x="0" y="0"/>
+          <a:chExt cx="0" cy="0"/>
+        </a:xfrm>
+      </p:grpSpPr>
+      <p:sp>
+        <p:nvSpPr>
+          <p:cNvPr id="32770" name="Slide Number Placeholder 3"/>
+          <p:cNvSpPr>
+            <a:spLocks noGrp="1"/>
+          </p:cNvSpPr>
+          <p:nvPr>
+            <p:ph type="sldNum" sz="quarter" idx="4"/>
+          </p:nvPr>
+        </p:nvSpPr>
+        <p:spPr>
+          <a:xfrm>
+            <a:off x="7620000" y="6597650"/>
+            <a:ext cx="1524000" cy="274638"/>
+          </a:xfrm>
+        </p:spPr>
+        <p:txBody>
+          <a:bodyPr/>
+          <a:lstStyle/>
+          <a:p>
+            <a:pPr>
+              <a:defRPr/>
+            </a:pPr>
+            <a:r>
+              <a:rPr lang="en-US" dirty="0" smtClean="0"/>
+              <a:t>truth.</a:t>
+            </a:r>
+            <a:fld id="{4A7F8015-3123-4EEE-BF99-E293B8DB1805}" type="slidenum">
+              <a:rPr lang="en-US" smtClean="0"/>
+              <a:pPr>
+                <a:defRPr/>
+              </a:pPr>
+              <a:t>12</a:t>
+            </a:fld>
+            <a:endParaRPr lang="en-US" dirty="0"/>
+          </a:p>
+        </p:txBody>
+      </p:sp>
+      <p:sp>
+        <p:nvSpPr>
+          <p:cNvPr id="36868" name="Text Box 3"/>
+          <p:cNvSpPr txBox="1">
+            <a:spLocks noChangeArrowheads="1"/>
+          </p:cNvSpPr>
+          <p:nvPr/>
+        </p:nvSpPr>
+        <p:spPr bwMode="auto">
+          <a:xfrm>
+            <a:off x="228600" y="1066800"/>
+            <a:ext cx="8610600" cy="5410712"/>
+          </a:xfrm>
+          <a:prstGeom prst="rect">
+            <a:avLst/>
+          </a:prstGeom>
+          <a:noFill/>
+          <a:ln w="9525">
+            <a:noFill/>
+            <a:miter lim="800000"/>
+            <a:headEnd/>
+            <a:tailEnd/>
+          </a:ln>
+        </p:spPr>
+        <p:txBody>
+          <a:bodyPr>
+            <a:spAutoFit/>
+          </a:bodyPr>
+          <a:lstStyle/>
+          <a:p>
+            <a:pPr algn="l"/>
+            <a:r>
+              <a:rPr lang="en-US" sz="4800" dirty="0" smtClean="0">
+                <a:latin typeface="Comic Sans MS" pitchFamily="66" charset="0"/>
+              </a:rPr>
+              <a:t>We can model the </a:t>
+            </a:r>
+            <a:r>
+              <a:rPr lang="en-US" sz="4800" dirty="0">
+                <a:solidFill>
+                  <a:schemeClr val="accent1">
+                    <a:lumMod val="50000"/>
+                  </a:schemeClr>
+                </a:solidFill>
+                <a:latin typeface="Comic Sans MS" pitchFamily="66" charset="0"/>
+              </a:rPr>
+              <a:t>outcomes</a:t>
+            </a:r>
+            <a:r>
+              <a:rPr lang="en-US" sz="4800" dirty="0">
+                <a:latin typeface="Comic Sans MS" pitchFamily="66" charset="0"/>
+              </a:rPr>
+              <a:t> of our</a:t>
+            </a:r>
+            <a:r>
+              <a:rPr lang="en-US" sz="4800" i="1" dirty="0">
+                <a:latin typeface="Comic Sans MS" pitchFamily="66" charset="0"/>
+              </a:rPr>
+              <a:t> </a:t>
+            </a:r>
+            <a:r>
+              <a:rPr lang="en-US" sz="4800" dirty="0" smtClean="0">
+                <a:solidFill>
+                  <a:srgbClr val="0000E5"/>
+                </a:solidFill>
+                <a:latin typeface="Comic Sans MS" pitchFamily="66" charset="0"/>
+              </a:rPr>
+              <a:t>TB test</a:t>
+            </a:r>
+            <a:r>
+              <a:rPr lang="en-US" sz="4800" dirty="0" smtClean="0">
+                <a:latin typeface="Comic Sans MS" pitchFamily="66" charset="0"/>
+              </a:rPr>
+              <a:t> as random.  Then we </a:t>
+            </a:r>
+            <a:r>
+              <a:rPr lang="en-US" sz="4800" dirty="0">
+                <a:latin typeface="Comic Sans MS" pitchFamily="66" charset="0"/>
+              </a:rPr>
+              <a:t>can </a:t>
+            </a:r>
+            <a:r>
+              <a:rPr lang="en-US" sz="4800" dirty="0" smtClean="0">
+                <a:latin typeface="Comic Sans MS" pitchFamily="66" charset="0"/>
+              </a:rPr>
+              <a:t>talk about the probability the test is correct. We can say “A test which is correct 98% of the time shows you have TB.”</a:t>
+            </a:r>
+            <a:endParaRPr lang="en-US" sz="4800" dirty="0">
+              <a:latin typeface="Comic Sans MS" pitchFamily="66" charset="0"/>
+            </a:endParaRPr>
+          </a:p>
+        </p:txBody>
+      </p:sp>
+      <p:pic>
+        <p:nvPicPr>
+          <p:cNvPr id="36869" name="Picture 7" descr="texpointerror"/>
+          <p:cNvPicPr>
+            <a:picLocks noChangeAspect="1" noChangeArrowheads="1"/>
+          </p:cNvPicPr>
+          <p:nvPr>
+            <p:custDataLst>
+              <p:tags r:id="rId1"/>
+            </p:custDataLst>
+          </p:nvPr>
+        </p:nvPicPr>
+        <p:blipFill>
+          <a:blip r:embed="rId4">
+            <a:clrChange>
+              <a:clrFrom>
+                <a:srgbClr val="FFFFFF"/>
+              </a:clrFrom>
+              <a:clrTo>
+                <a:srgbClr val="FFFFFF">
+                  <a:alpha val="0"/>
+                </a:srgbClr>
+              </a:clrTo>
+            </a:clrChange>
+          </a:blip>
+          <a:srcRect/>
+          <a:stretch>
+            <a:fillRect/>
+          </a:stretch>
+        </p:blipFill>
+        <p:spPr bwMode="auto">
+          <a:xfrm>
+            <a:off x="5080000" y="3810000"/>
+            <a:ext cx="1588" cy="1588"/>
+          </a:xfrm>
+          <a:prstGeom prst="rect">
+            <a:avLst/>
+          </a:prstGeom>
+          <a:noFill/>
+          <a:ln w="9525" algn="ctr">
+            <a:noFill/>
+            <a:miter lim="800000"/>
+            <a:headEnd/>
+            <a:tailEnd/>
+          </a:ln>
+        </p:spPr>
+      </p:pic>
+      <p:sp>
+        <p:nvSpPr>
+          <p:cNvPr id="7" name="Rectangle 3"/>
+          <p:cNvSpPr>
+            <a:spLocks noGrp="1" noChangeArrowheads="1"/>
+          </p:cNvSpPr>
+          <p:nvPr>
+            <p:ph type="title"/>
+          </p:nvPr>
+        </p:nvSpPr>
+        <p:spPr>
+          <a:xfrm>
+            <a:off x="2362200" y="228600"/>
+            <a:ext cx="5334000" cy="990600"/>
+          </a:xfrm>
+          <a:noFill/>
+        </p:spPr>
+        <p:txBody>
+          <a:bodyPr/>
+          <a:lstStyle/>
+          <a:p>
+            <a:pPr eaLnBrk="1" hangingPunct="1"/>
+            <a:r>
+              <a:rPr lang="en-US" sz="4800" dirty="0" smtClean="0">
+                <a:solidFill>
+                  <a:srgbClr val="0006FE"/>
+                </a:solidFill>
+              </a:rPr>
+              <a:t>Confidence</a:t>
+            </a:r>
+          </a:p>
+        </p:txBody>
+      </p:sp>
+    </p:spTree>
+    <p:extLst>
+      <p:ext uri="{BB962C8B-B14F-4D97-AF65-F5344CB8AC3E}">
+        <p14:creationId xmlns:p14="http://schemas.microsoft.com/office/powerpoint/2010/main" val="2182879744"/>
+      </p:ext>
+    </p:extLst>
+  </p:cSld>
+  <p:clrMapOvr>
+    <a:masterClrMapping/>
+  </p:clrMapOvr>
+  <mc:AlternateContent xmlns:mc="http://schemas.openxmlformats.org/markup-compatibility/2006" xmlns:p14="http://schemas.microsoft.com/office/powerpoint/2010/main">
+    <mc:Choice Requires="p14">
+      <p:transition spd="med" p14:dur="600" advClick="0">
+        <p:fade/>
+      </p:transition>
+    </mc:Choice>
+    <mc:Fallback xmlns="">
+      <p:transition xmlns:p14="http://schemas.microsoft.com/office/powerpoint/2010/main" spd="med" advClick="0">
+        <p:fade/>
+      </p:transition>
+    </mc:Fallback>
+  </mc:AlternateContent>
+  <p:timing>
+    <p:tnLst>
+      <p:par>
+        <p:cTn xmlns:p14="http://schemas.microsoft.com/office/powerpoint/2010/main" id="1" dur="indefinite" restart="never" nodeType="tmRoot"/>
+      </p:par>
+    </p:tnLst>
+  </p:timing>
+</p:sld>
+</file>
+
+<file path=ppt/slides/slide13.xml><?xml version="1.0" encoding="utf-8"?>
+<p:sld xmlns:a="http://schemas.openxmlformats.org/drawingml/2006/main" xmlns:r="http://schemas.openxmlformats.org/officeDocument/2006/relationships" xmlns:p="http://schemas.openxmlformats.org/presentationml/2006/main">
+  <p:cSld>
+    <p:spTree>
+      <p:nvGrpSpPr>
+        <p:cNvPr id="1" name=""/>
+        <p:cNvGrpSpPr/>
+        <p:nvPr/>
+      </p:nvGrpSpPr>
+      <p:grpSpPr>
+        <a:xfrm>
+          <a:off x="0" y="0"/>
+          <a:ext cx="0" cy="0"/>
+          <a:chOff x="0" y="0"/>
+          <a:chExt cx="0" cy="0"/>
+        </a:xfrm>
+      </p:grpSpPr>
+      <p:sp>
+        <p:nvSpPr>
+          <p:cNvPr id="33794" name="Slide Number Placeholder 3"/>
+          <p:cNvSpPr>
+            <a:spLocks noGrp="1"/>
+          </p:cNvSpPr>
+          <p:nvPr>
+            <p:ph type="sldNum" sz="quarter" idx="4"/>
+          </p:nvPr>
+        </p:nvSpPr>
+        <p:spPr>
+          <a:xfrm>
+            <a:off x="7620000" y="6597650"/>
+            <a:ext cx="1524000" cy="274638"/>
+          </a:xfrm>
+        </p:spPr>
+        <p:txBody>
+          <a:bodyPr/>
+          <a:lstStyle/>
+          <a:p>
+            <a:pPr>
+              <a:defRPr/>
+            </a:pPr>
+            <a:r>
+              <a:rPr lang="en-US" dirty="0" smtClean="0"/>
+              <a:t>truth.</a:t>
+            </a:r>
+            <a:fld id="{FE75FCEF-2C00-453D-8F19-57E1BCE16A7F}" type="slidenum">
+              <a:rPr lang="en-US" smtClean="0"/>
+              <a:pPr>
+                <a:defRPr/>
+              </a:pPr>
+              <a:t>13</a:t>
+            </a:fld>
+            <a:endParaRPr lang="en-US" dirty="0"/>
+          </a:p>
+        </p:txBody>
+      </p:sp>
+      <p:sp>
+        <p:nvSpPr>
+          <p:cNvPr id="37891" name="Text Box 3"/>
+          <p:cNvSpPr txBox="1">
+            <a:spLocks noChangeArrowheads="1"/>
+          </p:cNvSpPr>
+          <p:nvPr/>
+        </p:nvSpPr>
+        <p:spPr bwMode="auto">
+          <a:xfrm>
+            <a:off x="152400" y="1371600"/>
+            <a:ext cx="8839200" cy="4078039"/>
+          </a:xfrm>
+          <a:prstGeom prst="rect">
+            <a:avLst/>
+          </a:prstGeom>
+          <a:noFill/>
+          <a:ln w="9525">
+            <a:noFill/>
+            <a:miter lim="800000"/>
+            <a:headEnd/>
+            <a:tailEnd/>
+          </a:ln>
+        </p:spPr>
+        <p:txBody>
+          <a:bodyPr wrap="square">
+            <a:spAutoFit/>
+          </a:bodyPr>
+          <a:lstStyle/>
+          <a:p>
+            <a:pPr algn="l"/>
+            <a:r>
+              <a:rPr lang="en-US" sz="5400" dirty="0" smtClean="0">
+                <a:latin typeface="Comic Sans MS" pitchFamily="66" charset="0"/>
+              </a:rPr>
+              <a:t>For </a:t>
+            </a:r>
+            <a:r>
+              <a:rPr lang="en-US" sz="5400" dirty="0">
+                <a:latin typeface="Comic Sans MS" pitchFamily="66" charset="0"/>
+              </a:rPr>
+              <a:t>simplicity </a:t>
+            </a:r>
+            <a:r>
+              <a:rPr lang="en-US" sz="5400" dirty="0" smtClean="0">
+                <a:latin typeface="Comic Sans MS" pitchFamily="66" charset="0"/>
+              </a:rPr>
+              <a:t>say</a:t>
+            </a:r>
+            <a:endParaRPr lang="en-US" sz="5400" dirty="0" smtClean="0">
+              <a:latin typeface="Comic Sans MS" pitchFamily="66" charset="0"/>
+            </a:endParaRPr>
+          </a:p>
+          <a:p>
+            <a:pPr algn="l">
+              <a:spcBef>
+                <a:spcPts val="3000"/>
+              </a:spcBef>
+            </a:pPr>
+            <a:r>
+              <a:rPr lang="en-US" sz="6000" dirty="0" smtClean="0">
+                <a:solidFill>
+                  <a:srgbClr val="A92082"/>
+                </a:solidFill>
+                <a:latin typeface="Comic Sans MS" pitchFamily="66" charset="0"/>
+              </a:rPr>
+              <a:t>The hypothesis that you have TB holds at the</a:t>
+            </a:r>
+            <a:r>
+              <a:rPr lang="en-US" sz="6000" dirty="0" smtClean="0">
+                <a:solidFill>
+                  <a:srgbClr val="FF33CC"/>
+                </a:solidFill>
+                <a:latin typeface="Comic Sans MS" pitchFamily="66" charset="0"/>
+              </a:rPr>
+              <a:t> </a:t>
+            </a:r>
+            <a:r>
+              <a:rPr lang="en-US" sz="6000" dirty="0" smtClean="0">
+                <a:solidFill>
+                  <a:srgbClr val="0000E5"/>
+                </a:solidFill>
+                <a:latin typeface="Comic Sans MS" pitchFamily="66" charset="0"/>
+              </a:rPr>
+              <a:t>98% </a:t>
+            </a:r>
+            <a:r>
+              <a:rPr lang="en-US" sz="6000" dirty="0">
+                <a:solidFill>
+                  <a:srgbClr val="0000E5"/>
+                </a:solidFill>
+                <a:latin typeface="Comic Sans MS" pitchFamily="66" charset="0"/>
+              </a:rPr>
+              <a:t>confidence </a:t>
+            </a:r>
+            <a:r>
+              <a:rPr lang="en-US" sz="6000" dirty="0" smtClean="0">
+                <a:solidFill>
+                  <a:srgbClr val="0000E5"/>
+                </a:solidFill>
+                <a:latin typeface="Comic Sans MS" pitchFamily="66" charset="0"/>
+              </a:rPr>
+              <a:t>level.</a:t>
+            </a:r>
+            <a:endParaRPr lang="en-US" sz="6000" dirty="0">
+              <a:solidFill>
+                <a:srgbClr val="0000E5"/>
+              </a:solidFill>
+              <a:latin typeface="Comic Sans MS" pitchFamily="66" charset="0"/>
+            </a:endParaRPr>
+          </a:p>
+        </p:txBody>
+      </p:sp>
+      <p:pic>
+        <p:nvPicPr>
+          <p:cNvPr id="37892" name="Picture 4" descr="texpointerror"/>
+          <p:cNvPicPr>
+            <a:picLocks noChangeAspect="1" noChangeArrowheads="1"/>
+          </p:cNvPicPr>
+          <p:nvPr>
+            <p:custDataLst>
+              <p:tags r:id="rId1"/>
+            </p:custDataLst>
+          </p:nvPr>
+        </p:nvPicPr>
+        <p:blipFill>
+          <a:blip r:embed="rId4">
+            <a:clrChange>
+              <a:clrFrom>
+                <a:srgbClr val="FFFFFF"/>
+              </a:clrFrom>
+              <a:clrTo>
+                <a:srgbClr val="FFFFFF">
+                  <a:alpha val="0"/>
+                </a:srgbClr>
+              </a:clrTo>
+            </a:clrChange>
+          </a:blip>
+          <a:srcRect/>
+          <a:stretch>
+            <a:fillRect/>
+          </a:stretch>
+        </p:blipFill>
+        <p:spPr bwMode="auto">
+          <a:xfrm>
+            <a:off x="5080000" y="3810000"/>
+            <a:ext cx="1588" cy="1588"/>
+          </a:xfrm>
+          <a:prstGeom prst="rect">
+            <a:avLst/>
+          </a:prstGeom>
+          <a:noFill/>
+          <a:ln w="9525" algn="ctr">
+            <a:noFill/>
+            <a:miter lim="800000"/>
+            <a:headEnd/>
+            <a:tailEnd/>
+          </a:ln>
+        </p:spPr>
+      </p:pic>
+      <p:sp>
+        <p:nvSpPr>
+          <p:cNvPr id="7" name="Rectangle 3"/>
+          <p:cNvSpPr>
+            <a:spLocks noGrp="1" noChangeArrowheads="1"/>
+          </p:cNvSpPr>
+          <p:nvPr>
+            <p:ph type="title"/>
+          </p:nvPr>
+        </p:nvSpPr>
+        <p:spPr>
+          <a:xfrm>
+            <a:off x="2362200" y="228600"/>
+            <a:ext cx="5334000" cy="990600"/>
+          </a:xfrm>
+          <a:noFill/>
+        </p:spPr>
+        <p:txBody>
+          <a:bodyPr/>
+          <a:lstStyle/>
+          <a:p>
+            <a:pPr eaLnBrk="1" hangingPunct="1"/>
+            <a:r>
+              <a:rPr lang="en-US" sz="4800" dirty="0" smtClean="0">
+                <a:solidFill>
+                  <a:srgbClr val="0006FE"/>
+                </a:solidFill>
+              </a:rPr>
+              <a:t>Confidence</a:t>
+            </a:r>
+          </a:p>
+        </p:txBody>
+      </p:sp>
+    </p:spTree>
+    <p:extLst>
+      <p:ext uri="{BB962C8B-B14F-4D97-AF65-F5344CB8AC3E}">
+        <p14:creationId xmlns:p14="http://schemas.microsoft.com/office/powerpoint/2010/main" val="3811715689"/>
+      </p:ext>
+    </p:extLst>
+  </p:cSld>
+  <p:clrMapOvr>
+    <a:masterClrMapping/>
+  </p:clrMapOvr>
+  <mc:AlternateContent xmlns:mc="http://schemas.openxmlformats.org/markup-compatibility/2006" xmlns:p14="http://schemas.microsoft.com/office/powerpoint/2010/main">
+    <mc:Choice Requires="p14">
+      <p:transition spd="slow" p14:dur="900" advClick="0">
+        <p:fade/>
+      </p:transition>
+    </mc:Choice>
+    <mc:Fallback xmlns="">
+      <p:transition xmlns:p14="http://schemas.microsoft.com/office/powerpoint/2010/main" spd="slow" advClick="0">
+        <p:fade/>
+      </p:transition>
+    </mc:Fallback>
+  </mc:AlternateContent>
+  <p:timing>
+    <p:tnLst>
+      <p:par>
+        <p:cTn xmlns:p14="http://schemas.microsoft.com/office/powerpoint/2010/main" id="1" dur="indefinite" restart="never" nodeType="tmRoot"/>
+      </p:par>
+    </p:tnLst>
+  </p:timing>
+</p:sld>
+</file>
+
+<file path=ppt/slides/slide14.xml><?xml version="1.0" encoding="utf-8"?>
+<p:sld xmlns:a="http://schemas.openxmlformats.org/drawingml/2006/main" xmlns:r="http://schemas.openxmlformats.org/officeDocument/2006/relationships" xmlns:p="http://schemas.openxmlformats.org/presentationml/2006/main">
+  <p:cSld>
+    <p:spTree>
+      <p:nvGrpSpPr>
+        <p:cNvPr id="1" name=""/>
+        <p:cNvGrpSpPr/>
+        <p:nvPr/>
+      </p:nvGrpSpPr>
+      <p:grpSpPr>
+        <a:xfrm>
+          <a:off x="0" y="0"/>
+          <a:ext cx="0" cy="0"/>
+          <a:chOff x="0" y="0"/>
+          <a:chExt cx="0" cy="0"/>
+        </a:xfrm>
+      </p:grpSpPr>
+      <p:sp>
+        <p:nvSpPr>
+          <p:cNvPr id="33794" name="Slide Number Placeholder 3"/>
+          <p:cNvSpPr>
+            <a:spLocks noGrp="1"/>
+          </p:cNvSpPr>
+          <p:nvPr>
+            <p:ph type="sldNum" sz="quarter" idx="4"/>
+          </p:nvPr>
+        </p:nvSpPr>
+        <p:spPr>
+          <a:xfrm>
+            <a:off x="7620000" y="6597650"/>
+            <a:ext cx="1524000" cy="274638"/>
+          </a:xfrm>
+        </p:spPr>
+        <p:txBody>
+          <a:bodyPr/>
+          <a:lstStyle/>
+          <a:p>
+            <a:pPr>
+              <a:defRPr/>
+            </a:pPr>
+            <a:r>
+              <a:rPr lang="en-US" dirty="0" smtClean="0"/>
+              <a:t>truth.</a:t>
+            </a:r>
+            <a:fld id="{FE75FCEF-2C00-453D-8F19-57E1BCE16A7F}" type="slidenum">
+              <a:rPr lang="en-US" smtClean="0"/>
+              <a:pPr>
+                <a:defRPr/>
+              </a:pPr>
+              <a:t>14</a:t>
+            </a:fld>
+            <a:endParaRPr lang="en-US" dirty="0"/>
+          </a:p>
+        </p:txBody>
+      </p:sp>
+      <p:sp>
+        <p:nvSpPr>
+          <p:cNvPr id="37891" name="Text Box 3"/>
+          <p:cNvSpPr txBox="1">
+            <a:spLocks noChangeArrowheads="1"/>
+          </p:cNvSpPr>
+          <p:nvPr/>
+        </p:nvSpPr>
+        <p:spPr bwMode="auto">
+          <a:xfrm>
+            <a:off x="152400" y="1371600"/>
+            <a:ext cx="8839200" cy="3877984"/>
+          </a:xfrm>
+          <a:prstGeom prst="rect">
+            <a:avLst/>
+          </a:prstGeom>
+          <a:noFill/>
+          <a:ln w="9525">
+            <a:noFill/>
+            <a:miter lim="800000"/>
+            <a:headEnd/>
+            <a:tailEnd/>
+          </a:ln>
+        </p:spPr>
+        <p:txBody>
+          <a:bodyPr wrap="square">
+            <a:spAutoFit/>
+          </a:bodyPr>
+          <a:lstStyle/>
+          <a:p>
+            <a:pPr algn="l">
+              <a:lnSpc>
+                <a:spcPct val="70000"/>
+              </a:lnSpc>
+              <a:spcBef>
+                <a:spcPts val="3000"/>
+              </a:spcBef>
+            </a:pPr>
+            <a:r>
+              <a:rPr lang="en-US" sz="6000" dirty="0" smtClean="0">
+                <a:latin typeface="Comic Sans MS" pitchFamily="66" charset="0"/>
+              </a:rPr>
+              <a:t>In other words,</a:t>
+            </a:r>
+          </a:p>
+          <a:p>
+            <a:pPr algn="l">
+              <a:lnSpc>
+                <a:spcPct val="70000"/>
+              </a:lnSpc>
+              <a:spcBef>
+                <a:spcPts val="3000"/>
+              </a:spcBef>
+            </a:pPr>
+            <a:r>
+              <a:rPr lang="en-US" sz="6000" dirty="0" smtClean="0">
+                <a:latin typeface="Comic Sans MS" pitchFamily="66" charset="0"/>
+              </a:rPr>
+              <a:t>either you have TB or</a:t>
+            </a:r>
+          </a:p>
+          <a:p>
+            <a:pPr algn="l">
+              <a:lnSpc>
+                <a:spcPct val="70000"/>
+              </a:lnSpc>
+              <a:spcBef>
+                <a:spcPts val="3000"/>
+              </a:spcBef>
+            </a:pPr>
+            <a:r>
+              <a:rPr lang="en-US" sz="6000" dirty="0" smtClean="0">
+                <a:latin typeface="Comic Sans MS" pitchFamily="66" charset="0"/>
+              </a:rPr>
+              <a:t>something unlikely (2%)</a:t>
+            </a:r>
+          </a:p>
+          <a:p>
+            <a:pPr algn="l">
+              <a:lnSpc>
+                <a:spcPct val="70000"/>
+              </a:lnSpc>
+              <a:spcBef>
+                <a:spcPts val="3000"/>
+              </a:spcBef>
+            </a:pPr>
+            <a:r>
+              <a:rPr lang="en-US" sz="6000" dirty="0" smtClean="0">
+                <a:latin typeface="Comic Sans MS" pitchFamily="66" charset="0"/>
+              </a:rPr>
+              <a:t>happened.</a:t>
+            </a:r>
+            <a:endParaRPr lang="en-US" sz="6000" dirty="0">
+              <a:latin typeface="Comic Sans MS" pitchFamily="66" charset="0"/>
+            </a:endParaRPr>
+          </a:p>
+        </p:txBody>
+      </p:sp>
+      <p:pic>
+        <p:nvPicPr>
+          <p:cNvPr id="37892" name="Picture 4" descr="texpointerror"/>
+          <p:cNvPicPr>
+            <a:picLocks noChangeAspect="1" noChangeArrowheads="1"/>
+          </p:cNvPicPr>
+          <p:nvPr>
+            <p:custDataLst>
+              <p:tags r:id="rId1"/>
+            </p:custDataLst>
+          </p:nvPr>
+        </p:nvPicPr>
+        <p:blipFill>
+          <a:blip r:embed="rId4">
+            <a:clrChange>
+              <a:clrFrom>
+                <a:srgbClr val="FFFFFF"/>
+              </a:clrFrom>
+              <a:clrTo>
+                <a:srgbClr val="FFFFFF">
+                  <a:alpha val="0"/>
+                </a:srgbClr>
+              </a:clrTo>
+            </a:clrChange>
+          </a:blip>
+          <a:srcRect/>
+          <a:stretch>
+            <a:fillRect/>
+          </a:stretch>
+        </p:blipFill>
+        <p:spPr bwMode="auto">
+          <a:xfrm>
+            <a:off x="5080000" y="3810000"/>
+            <a:ext cx="1588" cy="1588"/>
+          </a:xfrm>
+          <a:prstGeom prst="rect">
+            <a:avLst/>
+          </a:prstGeom>
+          <a:noFill/>
+          <a:ln w="9525" algn="ctr">
+            <a:noFill/>
+            <a:miter lim="800000"/>
+            <a:headEnd/>
+            <a:tailEnd/>
+          </a:ln>
+        </p:spPr>
+      </p:pic>
+      <p:sp>
+        <p:nvSpPr>
+          <p:cNvPr id="7" name="Rectangle 3"/>
+          <p:cNvSpPr>
+            <a:spLocks noGrp="1" noChangeArrowheads="1"/>
+          </p:cNvSpPr>
+          <p:nvPr>
+            <p:ph type="title"/>
+          </p:nvPr>
+        </p:nvSpPr>
+        <p:spPr>
+          <a:xfrm>
+            <a:off x="2362200" y="228600"/>
+            <a:ext cx="5334000" cy="990600"/>
+          </a:xfrm>
+          <a:noFill/>
+        </p:spPr>
+        <p:txBody>
+          <a:bodyPr/>
+          <a:lstStyle/>
+          <a:p>
+            <a:pPr eaLnBrk="1" hangingPunct="1"/>
+            <a:r>
+              <a:rPr lang="en-US" sz="4800" dirty="0" smtClean="0">
+                <a:solidFill>
+                  <a:srgbClr val="0006FE"/>
+                </a:solidFill>
+              </a:rPr>
+              <a:t>Confidence</a:t>
+            </a:r>
+          </a:p>
+        </p:txBody>
+      </p:sp>
+    </p:spTree>
+    <p:extLst>
+      <p:ext uri="{BB962C8B-B14F-4D97-AF65-F5344CB8AC3E}">
+        <p14:creationId xmlns:p14="http://schemas.microsoft.com/office/powerpoint/2010/main" val="4180086115"/>
+      </p:ext>
+    </p:extLst>
+  </p:cSld>
+  <p:clrMapOvr>
+    <a:masterClrMapping/>
+  </p:clrMapOvr>
+  <mc:AlternateContent xmlns:mc="http://schemas.openxmlformats.org/markup-compatibility/2006" xmlns:p14="http://schemas.microsoft.com/office/powerpoint/2010/main">
+    <mc:Choice Requires="p14">
+      <p:transition spd="med" p14:dur="700" advClick="0">
+        <p:fade/>
+      </p:transition>
+    </mc:Choice>
+    <mc:Fallback xmlns="">
+      <p:transition xmlns:p14="http://schemas.microsoft.com/office/powerpoint/2010/main" spd="med" advClick="0">
+        <p:fade/>
+      </p:transition>
+    </mc:Fallback>
+  </mc:AlternateContent>
+  <p:timing>
+    <p:tnLst>
+      <p:par>
+        <p:cTn xmlns:p14="http://schemas.microsoft.com/office/powerpoint/2010/main" id="1" dur="indefinite" restart="never" nodeType="tmRoot">
+          <p:childTnLst>
+            <p:seq concurrent="1" nextAc="seek">
+              <p:cTn id="2" dur="indefinite" nodeType="mainSeq">
+                <p:childTnLst>
+                  <p:par>
+                    <p:cTn id="3" fill="hold">
+                      <p:stCondLst>
+                        <p:cond delay="indefinite"/>
+                      </p:stCondLst>
+                      <p:childTnLst>
+                        <p:par>
+                          <p:cTn id="4" fill="hold">
+                            <p:stCondLst>
+                              <p:cond delay="0"/>
+                            </p:stCondLst>
+                            <p:childTnLst>
+                              <p:par>
+                                <p:cTn id="5" presetID="10" presetClass="entr" presetSubtype="0" fill="hold" nodeType="clickEffect">
+                                  <p:stCondLst>
+                                    <p:cond delay="0"/>
+                                  </p:stCondLst>
+                                  <p:childTnLst>
+                                    <p:set>
+                                      <p:cBhvr>
+                                        <p:cTn id="6" dur="1" fill="hold">
+                                          <p:stCondLst>
+                                            <p:cond delay="0"/>
+                                          </p:stCondLst>
+                                        </p:cTn>
+                                        <p:tgtEl>
+                                          <p:spTgt spid="37891">
+                                            <p:txEl>
+                                              <p:pRg st="2" end="2"/>
+                                            </p:txEl>
+                                          </p:spTgt>
+                                        </p:tgtEl>
+                                        <p:attrNameLst>
+                                          <p:attrName>style.visibility</p:attrName>
+                                        </p:attrNameLst>
+                                      </p:cBhvr>
+                                      <p:to>
+                                        <p:strVal val="visible"/>
+                                      </p:to>
+                                    </p:set>
+                                    <p:animEffect transition="in" filter="fade">
+                                      <p:cBhvr>
+                                        <p:cTn id="7" dur="500"/>
+                                        <p:tgtEl>
+                                          <p:spTgt spid="37891">
+                                            <p:txEl>
+                                              <p:pRg st="2" end="2"/>
+                                            </p:txEl>
+                                          </p:spTgt>
+                                        </p:tgtEl>
+                                      </p:cBhvr>
+                                    </p:animEffect>
+                                  </p:childTnLst>
+                                </p:cTn>
+                              </p:par>
+                              <p:par>
+                                <p:cTn id="8" presetID="10" presetClass="entr" presetSubtype="0" fill="hold" nodeType="withEffect">
+                                  <p:stCondLst>
+                                    <p:cond delay="0"/>
+                                  </p:stCondLst>
+                                  <p:childTnLst>
+                                    <p:set>
+                                      <p:cBhvr>
+                                        <p:cTn id="9" dur="1" fill="hold">
+                                          <p:stCondLst>
+                                            <p:cond delay="0"/>
+                                          </p:stCondLst>
+                                        </p:cTn>
+                                        <p:tgtEl>
+                                          <p:spTgt spid="37891">
+                                            <p:txEl>
+                                              <p:pRg st="3" end="3"/>
+                                            </p:txEl>
+                                          </p:spTgt>
+                                        </p:tgtEl>
+                                        <p:attrNameLst>
+                                          <p:attrName>style.visibility</p:attrName>
+                                        </p:attrNameLst>
+                                      </p:cBhvr>
+                                      <p:to>
+                                        <p:strVal val="visible"/>
+                                      </p:to>
+                                    </p:set>
+                                    <p:animEffect transition="in" filter="fade">
+                                      <p:cBhvr>
+                                        <p:cTn id="10" dur="500"/>
+                                        <p:tgtEl>
+                                          <p:spTgt spid="37891">
+                                            <p:txEl>
+                                              <p:pRg st="3" end="3"/>
+                                            </p:txEl>
+                                          </p:spTgt>
+                                        </p:tgtEl>
+                                      </p:cBhvr>
+                                    </p:animEffect>
+                                  </p:childTnLst>
+                                </p:cTn>
+                              </p:par>
+                            </p:childTnLst>
+                          </p:cTn>
+                        </p:par>
+                      </p:childTnLst>
+                    </p:cTn>
+                  </p:par>
+                </p:childTnLst>
+              </p:cTn>
+              <p:prevCondLst>
+                <p:cond evt="onPrev" delay="0">
+                  <p:tgtEl>
+                    <p:sldTgt/>
+                  </p:tgtEl>
+                </p:cond>
+              </p:prevCondLst>
+              <p:nextCondLst>
+                <p:cond evt="onNext" delay="0">
+                  <p:tgtEl>
+                    <p:sldTgt/>
+                  </p:tgtEl>
+                </p:cond>
+              </p:nextCondLst>
+            </p:seq>
+          </p:childTnLst>
+        </p:cTn>
+      </p:par>
+    </p:tnLst>
+  </p:timing>
+</p:sld>
+</file>
+
+<file path=ppt/slides/slide15.xml><?xml version="1.0" encoding="utf-8"?>
+<p:sld xmlns:a="http://schemas.openxmlformats.org/drawingml/2006/main" xmlns:r="http://schemas.openxmlformats.org/officeDocument/2006/relationships" xmlns:p="http://schemas.openxmlformats.org/presentationml/2006/main">
+  <p:cSld>
+    <p:spTree>
+      <p:nvGrpSpPr>
+        <p:cNvPr id="1" name=""/>
+        <p:cNvGrpSpPr/>
+        <p:nvPr/>
+      </p:nvGrpSpPr>
+      <p:grpSpPr>
+        <a:xfrm>
+          <a:off x="0" y="0"/>
+          <a:ext cx="0" cy="0"/>
+          <a:chOff x="0" y="0"/>
+          <a:chExt cx="0" cy="0"/>
+        </a:xfrm>
+      </p:grpSpPr>
+      <p:sp>
+        <p:nvSpPr>
+          <p:cNvPr id="33794" name="Slide Number Placeholder 3"/>
+          <p:cNvSpPr>
+            <a:spLocks noGrp="1"/>
+          </p:cNvSpPr>
+          <p:nvPr>
+            <p:ph type="sldNum" sz="quarter" idx="4"/>
+          </p:nvPr>
+        </p:nvSpPr>
+        <p:spPr>
+          <a:xfrm>
+            <a:off x="7620000" y="6597650"/>
+            <a:ext cx="1524000" cy="274638"/>
+          </a:xfrm>
+        </p:spPr>
+        <p:txBody>
+          <a:bodyPr/>
+          <a:lstStyle/>
+          <a:p>
+            <a:pPr>
+              <a:defRPr/>
+            </a:pPr>
+            <a:r>
+              <a:rPr lang="en-US" dirty="0" smtClean="0"/>
+              <a:t>truth.</a:t>
+            </a:r>
+            <a:fld id="{FE75FCEF-2C00-453D-8F19-57E1BCE16A7F}" type="slidenum">
+              <a:rPr lang="en-US" smtClean="0"/>
+              <a:pPr>
+                <a:defRPr/>
+              </a:pPr>
+              <a:t>15</a:t>
+            </a:fld>
+            <a:endParaRPr lang="en-US" dirty="0"/>
+          </a:p>
+        </p:txBody>
+      </p:sp>
+      <p:sp>
+        <p:nvSpPr>
+          <p:cNvPr id="37891" name="Text Box 3"/>
+          <p:cNvSpPr txBox="1">
+            <a:spLocks noChangeArrowheads="1"/>
+          </p:cNvSpPr>
+          <p:nvPr/>
+        </p:nvSpPr>
+        <p:spPr bwMode="auto">
+          <a:xfrm>
+            <a:off x="0" y="1371600"/>
+            <a:ext cx="9144000" cy="2862322"/>
+          </a:xfrm>
+          <a:prstGeom prst="rect">
+            <a:avLst/>
+          </a:prstGeom>
+          <a:noFill/>
+          <a:ln w="9525">
+            <a:noFill/>
+            <a:miter lim="800000"/>
+            <a:headEnd/>
+            <a:tailEnd/>
+          </a:ln>
+        </p:spPr>
+        <p:txBody>
+          <a:bodyPr wrap="square">
+            <a:spAutoFit/>
+          </a:bodyPr>
+          <a:lstStyle/>
+          <a:p>
+            <a:pPr>
+              <a:spcBef>
+                <a:spcPts val="3000"/>
+              </a:spcBef>
+            </a:pPr>
+            <a:r>
+              <a:rPr lang="en-US" sz="6000" dirty="0" smtClean="0">
+                <a:latin typeface="Comic Sans MS" pitchFamily="66" charset="0"/>
+              </a:rPr>
+              <a:t>But lots of things happen all </a:t>
+            </a:r>
+            <a:r>
+              <a:rPr lang="en-US" sz="6000" dirty="0">
+                <a:latin typeface="Comic Sans MS" pitchFamily="66" charset="0"/>
+              </a:rPr>
+              <a:t>the time</a:t>
+            </a:r>
+            <a:r>
+              <a:rPr lang="en-US" sz="6000" dirty="0" smtClean="0">
+                <a:latin typeface="Comic Sans MS" pitchFamily="66" charset="0"/>
+              </a:rPr>
+              <a:t>, and many are unlikely.</a:t>
+            </a:r>
+            <a:endParaRPr lang="en-US" sz="6000" dirty="0">
+              <a:latin typeface="Comic Sans MS" pitchFamily="66" charset="0"/>
+            </a:endParaRPr>
+          </a:p>
+        </p:txBody>
+      </p:sp>
+      <p:pic>
+        <p:nvPicPr>
+          <p:cNvPr id="37892" name="Picture 4" descr="texpointerror"/>
+          <p:cNvPicPr>
+            <a:picLocks noChangeAspect="1" noChangeArrowheads="1"/>
+          </p:cNvPicPr>
+          <p:nvPr>
+            <p:custDataLst>
+              <p:tags r:id="rId1"/>
+            </p:custDataLst>
+          </p:nvPr>
+        </p:nvPicPr>
+        <p:blipFill>
+          <a:blip r:embed="rId4">
+            <a:clrChange>
+              <a:clrFrom>
+                <a:srgbClr val="FFFFFF"/>
+              </a:clrFrom>
+              <a:clrTo>
+                <a:srgbClr val="FFFFFF">
+                  <a:alpha val="0"/>
+                </a:srgbClr>
+              </a:clrTo>
+            </a:clrChange>
+          </a:blip>
+          <a:srcRect/>
+          <a:stretch>
+            <a:fillRect/>
+          </a:stretch>
+        </p:blipFill>
+        <p:spPr bwMode="auto">
+          <a:xfrm>
+            <a:off x="5080000" y="3810000"/>
+            <a:ext cx="1588" cy="1588"/>
+          </a:xfrm>
+          <a:prstGeom prst="rect">
+            <a:avLst/>
+          </a:prstGeom>
+          <a:noFill/>
+          <a:ln w="9525" algn="ctr">
+            <a:noFill/>
+            <a:miter lim="800000"/>
+            <a:headEnd/>
+            <a:tailEnd/>
+          </a:ln>
+        </p:spPr>
+      </p:pic>
+      <p:sp>
+        <p:nvSpPr>
+          <p:cNvPr id="7" name="Rectangle 3"/>
+          <p:cNvSpPr>
+            <a:spLocks noGrp="1" noChangeArrowheads="1"/>
+          </p:cNvSpPr>
+          <p:nvPr>
+            <p:ph type="title"/>
+          </p:nvPr>
+        </p:nvSpPr>
+        <p:spPr>
+          <a:xfrm>
+            <a:off x="2362200" y="228600"/>
+            <a:ext cx="5334000" cy="990600"/>
+          </a:xfrm>
+          <a:noFill/>
+        </p:spPr>
+        <p:txBody>
+          <a:bodyPr/>
+          <a:lstStyle/>
+          <a:p>
+            <a:pPr eaLnBrk="1" hangingPunct="1"/>
+            <a:r>
+              <a:rPr lang="en-US" sz="4800" dirty="0" smtClean="0">
+                <a:solidFill>
+                  <a:srgbClr val="0006FE"/>
+                </a:solidFill>
+              </a:rPr>
+              <a:t>Confidence</a:t>
+            </a:r>
+          </a:p>
+        </p:txBody>
+      </p:sp>
+    </p:spTree>
+    <p:extLst>
+      <p:ext uri="{BB962C8B-B14F-4D97-AF65-F5344CB8AC3E}">
+        <p14:creationId xmlns:p14="http://schemas.microsoft.com/office/powerpoint/2010/main" val="1839519768"/>
+      </p:ext>
+    </p:extLst>
+  </p:cSld>
+  <p:clrMapOvr>
+    <a:masterClrMapping/>
+  </p:clrMapOvr>
+  <mc:AlternateContent xmlns:mc="http://schemas.openxmlformats.org/markup-compatibility/2006" xmlns:p14="http://schemas.microsoft.com/office/powerpoint/2010/main">
+    <mc:Choice Requires="p14">
+      <p:transition spd="med" p14:dur="700" advClick="0">
+        <p:fade/>
+      </p:transition>
+    </mc:Choice>
+    <mc:Fallback xmlns="">
+      <p:transition xmlns:p14="http://schemas.microsoft.com/office/powerpoint/2010/main" spd="med" advClick="0">
+        <p:fade/>
+      </p:transition>
+    </mc:Fallback>
+  </mc:AlternateContent>
+  <p:timing>
+    <p:tnLst>
+      <p:par>
+        <p:cTn xmlns:p14="http://schemas.microsoft.com/office/powerpoint/2010/main" id="1" dur="indefinite" restart="never" nodeType="tmRoot"/>
+      </p:par>
+    </p:tnLst>
+  </p:timing>
+</p:sld>
+</file>
+
+<file path=ppt/slides/slide16.xml><?xml version="1.0" encoding="utf-8"?>
+<p:sld xmlns:a="http://schemas.openxmlformats.org/drawingml/2006/main" xmlns:r="http://schemas.openxmlformats.org/officeDocument/2006/relationships" xmlns:p="http://schemas.openxmlformats.org/presentationml/2006/main">
+  <p:cSld>
+    <p:spTree>
+      <p:nvGrpSpPr>
+        <p:cNvPr id="1" name=""/>
+        <p:cNvGrpSpPr/>
+        <p:nvPr/>
+      </p:nvGrpSpPr>
+      <p:grpSpPr>
+        <a:xfrm>
+          <a:off x="0" y="0"/>
+          <a:ext cx="0" cy="0"/>
+          <a:chOff x="0" y="0"/>
+          <a:chExt cx="0" cy="0"/>
+        </a:xfrm>
+      </p:grpSpPr>
+      <p:sp>
+        <p:nvSpPr>
+          <p:cNvPr id="33794" name="Slide Number Placeholder 3"/>
+          <p:cNvSpPr>
+            <a:spLocks noGrp="1"/>
+          </p:cNvSpPr>
+          <p:nvPr>
+            <p:ph type="sldNum" sz="quarter" idx="4"/>
+          </p:nvPr>
+        </p:nvSpPr>
+        <p:spPr>
+          <a:xfrm>
+            <a:off x="7620000" y="6597650"/>
+            <a:ext cx="1524000" cy="274638"/>
+          </a:xfrm>
+        </p:spPr>
+        <p:txBody>
+          <a:bodyPr/>
+          <a:lstStyle/>
+          <a:p>
+            <a:pPr>
+              <a:defRPr/>
+            </a:pPr>
+            <a:r>
+              <a:rPr lang="en-US" dirty="0" smtClean="0"/>
+              <a:t>truth.</a:t>
+            </a:r>
+            <a:fld id="{FE75FCEF-2C00-453D-8F19-57E1BCE16A7F}" type="slidenum">
+              <a:rPr lang="en-US" smtClean="0"/>
+              <a:pPr>
+                <a:defRPr/>
+              </a:pPr>
+              <a:t>16</a:t>
+            </a:fld>
+            <a:endParaRPr lang="en-US" dirty="0"/>
+          </a:p>
+        </p:txBody>
+      </p:sp>
+      <p:sp>
+        <p:nvSpPr>
+          <p:cNvPr id="37891" name="Text Box 3"/>
+          <p:cNvSpPr txBox="1">
+            <a:spLocks noChangeArrowheads="1"/>
+          </p:cNvSpPr>
+          <p:nvPr/>
+        </p:nvSpPr>
+        <p:spPr bwMode="auto">
+          <a:xfrm>
+            <a:off x="0" y="1371600"/>
+            <a:ext cx="9144000" cy="4708981"/>
+          </a:xfrm>
+          <a:prstGeom prst="rect">
+            <a:avLst/>
+          </a:prstGeom>
+          <a:noFill/>
+          <a:ln w="9525">
+            <a:noFill/>
+            <a:miter lim="800000"/>
+            <a:headEnd/>
+            <a:tailEnd/>
+          </a:ln>
+        </p:spPr>
+        <p:txBody>
+          <a:bodyPr wrap="square">
+            <a:spAutoFit/>
+          </a:bodyPr>
+          <a:lstStyle/>
+          <a:p>
+            <a:pPr>
+              <a:spcBef>
+                <a:spcPts val="3000"/>
+              </a:spcBef>
+            </a:pPr>
+            <a:r>
+              <a:rPr lang="en-US" sz="6000" dirty="0" smtClean="0">
+                <a:latin typeface="Comic Sans MS" pitchFamily="66" charset="0"/>
+              </a:rPr>
+              <a:t>But lots of things happen all </a:t>
+            </a:r>
+            <a:r>
+              <a:rPr lang="en-US" sz="6000" dirty="0">
+                <a:latin typeface="Comic Sans MS" pitchFamily="66" charset="0"/>
+              </a:rPr>
+              <a:t>the time</a:t>
+            </a:r>
+            <a:r>
+              <a:rPr lang="en-US" sz="6000" dirty="0" smtClean="0">
+                <a:latin typeface="Comic Sans MS" pitchFamily="66" charset="0"/>
+              </a:rPr>
+              <a:t>, and many are unlikely.  The unlikely event may offer little </a:t>
+            </a:r>
+            <a:r>
+              <a:rPr lang="en-US" sz="6000" dirty="0" smtClean="0">
+                <a:latin typeface="Comic Sans MS" pitchFamily="66" charset="0"/>
+              </a:rPr>
+              <a:t>information about TB.</a:t>
+            </a:r>
+            <a:endParaRPr lang="en-US" sz="6000" dirty="0">
+              <a:latin typeface="Comic Sans MS" pitchFamily="66" charset="0"/>
+            </a:endParaRPr>
+          </a:p>
+        </p:txBody>
+      </p:sp>
+      <p:pic>
+        <p:nvPicPr>
+          <p:cNvPr id="37892" name="Picture 4" descr="texpointerror"/>
+          <p:cNvPicPr>
+            <a:picLocks noChangeAspect="1" noChangeArrowheads="1"/>
+          </p:cNvPicPr>
+          <p:nvPr>
+            <p:custDataLst>
+              <p:tags r:id="rId1"/>
+            </p:custDataLst>
+          </p:nvPr>
+        </p:nvPicPr>
+        <p:blipFill>
+          <a:blip r:embed="rId4">
+            <a:clrChange>
+              <a:clrFrom>
+                <a:srgbClr val="FFFFFF"/>
+              </a:clrFrom>
+              <a:clrTo>
+                <a:srgbClr val="FFFFFF">
+                  <a:alpha val="0"/>
+                </a:srgbClr>
+              </a:clrTo>
+            </a:clrChange>
+          </a:blip>
+          <a:srcRect/>
+          <a:stretch>
+            <a:fillRect/>
+          </a:stretch>
+        </p:blipFill>
+        <p:spPr bwMode="auto">
+          <a:xfrm>
+            <a:off x="5080000" y="3810000"/>
+            <a:ext cx="1588" cy="1588"/>
+          </a:xfrm>
+          <a:prstGeom prst="rect">
+            <a:avLst/>
+          </a:prstGeom>
+          <a:noFill/>
+          <a:ln w="9525" algn="ctr">
+            <a:noFill/>
+            <a:miter lim="800000"/>
+            <a:headEnd/>
+            <a:tailEnd/>
+          </a:ln>
+        </p:spPr>
+      </p:pic>
+      <p:sp>
+        <p:nvSpPr>
+          <p:cNvPr id="7" name="Rectangle 3"/>
+          <p:cNvSpPr>
+            <a:spLocks noGrp="1" noChangeArrowheads="1"/>
+          </p:cNvSpPr>
+          <p:nvPr>
+            <p:ph type="title"/>
+          </p:nvPr>
+        </p:nvSpPr>
+        <p:spPr>
+          <a:xfrm>
+            <a:off x="2362200" y="228600"/>
+            <a:ext cx="5334000" cy="990600"/>
+          </a:xfrm>
+          <a:noFill/>
+        </p:spPr>
+        <p:txBody>
+          <a:bodyPr/>
+          <a:lstStyle/>
+          <a:p>
+            <a:pPr eaLnBrk="1" hangingPunct="1"/>
+            <a:r>
+              <a:rPr lang="en-US" sz="4800" dirty="0" smtClean="0">
+                <a:solidFill>
+                  <a:srgbClr val="0006FE"/>
+                </a:solidFill>
+              </a:rPr>
+              <a:t>Confidence</a:t>
+            </a:r>
+          </a:p>
+        </p:txBody>
+      </p:sp>
+    </p:spTree>
+    <p:extLst>
+      <p:ext uri="{BB962C8B-B14F-4D97-AF65-F5344CB8AC3E}">
+        <p14:creationId xmlns:p14="http://schemas.microsoft.com/office/powerpoint/2010/main" val="2129869238"/>
+      </p:ext>
+    </p:extLst>
+  </p:cSld>
+  <p:clrMapOvr>
+    <a:masterClrMapping/>
+  </p:clrMapOvr>
+  <mc:AlternateContent xmlns:mc="http://schemas.openxmlformats.org/markup-compatibility/2006" xmlns:p14="http://schemas.microsoft.com/office/powerpoint/2010/main">
+    <mc:Choice Requires="p14">
+      <p:transition spd="med" p14:dur="700" advClick="0">
+        <p:fade/>
+      </p:transition>
+    </mc:Choice>
+    <mc:Fallback xmlns="">
+      <p:transition xmlns:p14="http://schemas.microsoft.com/office/powerpoint/2010/main" spd="med" advClick="0">
+        <p:fade/>
+      </p:transition>
+    </mc:Fallback>
+  </mc:AlternateContent>
+  <p:timing>
+    <p:tnLst>
+      <p:par>
+        <p:cTn xmlns:p14="http://schemas.microsoft.com/office/powerpoint/2010/main" id="1" dur="indefinite" restart="never" nodeType="tmRoot"/>
+      </p:par>
+    </p:tnLst>
+  </p:timing>
+</p:sld>
+</file>
+
+<file path=ppt/slides/slide17.xml><?xml version="1.0" encoding="utf-8"?>
+<p:sld xmlns:a="http://schemas.openxmlformats.org/drawingml/2006/main" xmlns:r="http://schemas.openxmlformats.org/officeDocument/2006/relationships" xmlns:p="http://schemas.openxmlformats.org/presentationml/2006/main">
+  <p:cSld>
+    <p:spTree>
+      <p:nvGrpSpPr>
+        <p:cNvPr id="1" name=""/>
+        <p:cNvGrpSpPr/>
+        <p:nvPr/>
+      </p:nvGrpSpPr>
+      <p:grpSpPr>
+        <a:xfrm>
+          <a:off x="0" y="0"/>
+          <a:ext cx="0" cy="0"/>
+          <a:chOff x="0" y="0"/>
+          <a:chExt cx="0" cy="0"/>
+        </a:xfrm>
+      </p:grpSpPr>
+      <p:sp>
+        <p:nvSpPr>
+          <p:cNvPr id="3" name="Content Placeholder 2"/>
+          <p:cNvSpPr>
+            <a:spLocks noGrp="1"/>
+          </p:cNvSpPr>
+          <p:nvPr>
+            <p:ph idx="1"/>
+          </p:nvPr>
+        </p:nvSpPr>
+        <p:spPr>
+          <a:xfrm>
+            <a:off x="152400" y="1524000"/>
+            <a:ext cx="8915400" cy="3886200"/>
+          </a:xfrm>
+        </p:spPr>
+        <p:txBody>
+          <a:bodyPr/>
+          <a:lstStyle/>
+          <a:p>
+            <a:r>
+              <a:rPr lang="en-US" sz="5400" dirty="0" smtClean="0"/>
+              <a:t>Claiming a fact holds </a:t>
+            </a:r>
+            <a:r>
+              <a:rPr lang="en-US" sz="5400" dirty="0" smtClean="0"/>
+              <a:t>at a </a:t>
+            </a:r>
+            <a:endParaRPr lang="en-US" sz="5400" dirty="0" smtClean="0"/>
+          </a:p>
+          <a:p>
+            <a:r>
+              <a:rPr lang="en-US" sz="5400" smtClean="0">
+                <a:solidFill>
+                  <a:srgbClr val="006600"/>
+                </a:solidFill>
+              </a:rPr>
+              <a:t>high confidence </a:t>
+            </a:r>
+            <a:r>
+              <a:rPr lang="en-US" sz="5400" dirty="0" smtClean="0">
+                <a:solidFill>
+                  <a:srgbClr val="006600"/>
+                </a:solidFill>
+              </a:rPr>
+              <a:t>level</a:t>
+            </a:r>
+            <a:r>
+              <a:rPr lang="en-US" sz="5400" dirty="0" smtClean="0"/>
+              <a:t>,  </a:t>
+            </a:r>
+          </a:p>
+          <a:p>
+            <a:r>
+              <a:rPr lang="en-US" sz="5400" dirty="0" smtClean="0"/>
+              <a:t>does </a:t>
+            </a:r>
+            <a:r>
+              <a:rPr lang="en-US" sz="5400" dirty="0" smtClean="0">
+                <a:solidFill>
+                  <a:srgbClr val="FF00FF"/>
+                </a:solidFill>
+              </a:rPr>
+              <a:t>not</a:t>
+            </a:r>
+            <a:r>
+              <a:rPr lang="en-US" sz="5400" dirty="0" smtClean="0"/>
+              <a:t> mean that it is </a:t>
+            </a:r>
+          </a:p>
+          <a:p>
+            <a:r>
+              <a:rPr lang="en-US" sz="5400" dirty="0" smtClean="0"/>
+              <a:t>true or even probable.</a:t>
+            </a:r>
+          </a:p>
+        </p:txBody>
+      </p:sp>
+      <p:sp>
+        <p:nvSpPr>
+          <p:cNvPr id="4" name="Slide Number Placeholder 3"/>
+          <p:cNvSpPr>
+            <a:spLocks noGrp="1"/>
+          </p:cNvSpPr>
+          <p:nvPr>
+            <p:ph type="sldNum" sz="quarter" idx="4"/>
+          </p:nvPr>
+        </p:nvSpPr>
+        <p:spPr>
+          <a:xfrm>
+            <a:off x="7620000" y="6597650"/>
+            <a:ext cx="1524000" cy="274638"/>
+          </a:xfrm>
+        </p:spPr>
+        <p:txBody>
+          <a:bodyPr/>
+          <a:lstStyle/>
+          <a:p>
+            <a:pPr>
+              <a:defRPr/>
+            </a:pPr>
+            <a:r>
+              <a:rPr lang="en-US" dirty="0" smtClean="0"/>
+              <a:t>truth.</a:t>
+            </a:r>
+            <a:fld id="{E78F4000-603A-43A9-9772-EA15786EFD2C}" type="slidenum">
+              <a:rPr lang="en-US" smtClean="0"/>
+              <a:pPr>
+                <a:defRPr/>
+              </a:pPr>
+              <a:t>17</a:t>
+            </a:fld>
+            <a:endParaRPr lang="en-US" dirty="0"/>
+          </a:p>
+        </p:txBody>
+      </p:sp>
+      <p:sp>
+        <p:nvSpPr>
+          <p:cNvPr id="7" name="Rectangle 3"/>
+          <p:cNvSpPr>
+            <a:spLocks noGrp="1" noChangeArrowheads="1"/>
+          </p:cNvSpPr>
+          <p:nvPr>
+            <p:ph type="title"/>
+          </p:nvPr>
+        </p:nvSpPr>
+        <p:spPr>
+          <a:xfrm>
+            <a:off x="1905000" y="228600"/>
+            <a:ext cx="5334000" cy="990600"/>
+          </a:xfrm>
+          <a:noFill/>
+        </p:spPr>
+        <p:txBody>
+          <a:bodyPr/>
+          <a:lstStyle/>
+          <a:p>
+            <a:pPr eaLnBrk="1" hangingPunct="1"/>
+            <a:r>
+              <a:rPr lang="en-US" sz="4800" dirty="0" smtClean="0">
+                <a:solidFill>
+                  <a:srgbClr val="0006FE"/>
+                </a:solidFill>
+              </a:rPr>
+              <a:t>Confidence</a:t>
+            </a:r>
+          </a:p>
+        </p:txBody>
+      </p:sp>
+    </p:spTree>
+    <p:extLst>
+      <p:ext uri="{BB962C8B-B14F-4D97-AF65-F5344CB8AC3E}">
+        <p14:creationId xmlns:p14="http://schemas.microsoft.com/office/powerpoint/2010/main" val="474281096"/>
+      </p:ext>
+    </p:extLst>
+  </p:cSld>
+  <p:clrMapOvr>
+    <a:masterClrMapping/>
+  </p:clrMapOvr>
+  <p:transition xmlns:p14="http://schemas.microsoft.com/office/powerpoint/2010/main" spd="slow" advClick="0">
+    <p:fade thruBlk="1"/>
+  </p:transition>
+  <p:timing>
+    <p:tnLst>
+      <p:par>
+        <p:cTn xmlns:p14="http://schemas.microsoft.com/office/powerpoint/2010/main" id="1" dur="indefinite" restart="never" nodeType="tmRoot">
+          <p:childTnLst>
+            <p:seq concurrent="1" nextAc="seek">
+              <p:cTn id="2" dur="indefinite" nodeType="mainSeq">
+                <p:childTnLst>
+                  <p:par>
+                    <p:cTn id="3" fill="hold">
+                      <p:stCondLst>
+                        <p:cond delay="indefinite"/>
+                      </p:stCondLst>
+                      <p:childTnLst>
+                        <p:par>
+                          <p:cTn id="4" fill="hold">
+                            <p:stCondLst>
+                              <p:cond delay="0"/>
+                            </p:stCondLst>
+                            <p:childTnLst>
+                              <p:par>
+                                <p:cTn id="5" presetID="10" presetClass="entr" presetSubtype="0" fill="hold" nodeType="clickEffect">
+                                  <p:stCondLst>
+                                    <p:cond delay="0"/>
+                                  </p:stCondLst>
+                                  <p:childTnLst>
+                                    <p:set>
+                                      <p:cBhvr>
+                                        <p:cTn id="6" dur="1" fill="hold">
+                                          <p:stCondLst>
+                                            <p:cond delay="0"/>
+                                          </p:stCondLst>
+                                        </p:cTn>
+                                        <p:tgtEl>
+                                          <p:spTgt spid="3">
+                                            <p:txEl>
+                                              <p:pRg st="2" end="2"/>
+                                            </p:txEl>
+                                          </p:spTgt>
+                                        </p:tgtEl>
+                                        <p:attrNameLst>
+                                          <p:attrName>style.visibility</p:attrName>
+                                        </p:attrNameLst>
+                                      </p:cBhvr>
+                                      <p:to>
+                                        <p:strVal val="visible"/>
+                                      </p:to>
+                                    </p:set>
+                                    <p:animEffect transition="in" filter="fade">
+                                      <p:cBhvr>
+                                        <p:cTn id="7" dur="500"/>
+                                        <p:tgtEl>
+                                          <p:spTgt spid="3">
+                                            <p:txEl>
+                                              <p:pRg st="2" end="2"/>
+                                            </p:txEl>
+                                          </p:spTgt>
+                                        </p:tgtEl>
+                                      </p:cBhvr>
+                                    </p:animEffect>
+                                  </p:childTnLst>
+                                </p:cTn>
+                              </p:par>
+                              <p:par>
+                                <p:cTn id="8" presetID="10" presetClass="entr" presetSubtype="0" fill="hold" nodeType="withEffect">
+                                  <p:stCondLst>
+                                    <p:cond delay="0"/>
+                                  </p:stCondLst>
+                                  <p:childTnLst>
+                                    <p:set>
+                                      <p:cBhvr>
+                                        <p:cTn id="9" dur="1" fill="hold">
+                                          <p:stCondLst>
+                                            <p:cond delay="0"/>
+                                          </p:stCondLst>
+                                        </p:cTn>
+                                        <p:tgtEl>
+                                          <p:spTgt spid="3">
+                                            <p:txEl>
+                                              <p:pRg st="3" end="3"/>
+                                            </p:txEl>
+                                          </p:spTgt>
+                                        </p:tgtEl>
+                                        <p:attrNameLst>
+                                          <p:attrName>style.visibility</p:attrName>
+                                        </p:attrNameLst>
+                                      </p:cBhvr>
+                                      <p:to>
+                                        <p:strVal val="visible"/>
+                                      </p:to>
+                                    </p:set>
+                                    <p:animEffect transition="in" filter="fade">
+                                      <p:cBhvr>
+                                        <p:cTn id="10" dur="500"/>
+                                        <p:tgtEl>
+                                          <p:spTgt spid="3">
+                                            <p:txEl>
+                                              <p:pRg st="3" end="3"/>
+                                            </p:txEl>
+                                          </p:spTgt>
+                                        </p:tgtEl>
+                                      </p:cBhvr>
+                                    </p:animEffect>
+                                  </p:childTnLst>
+                                </p:cTn>
+                              </p:par>
+                            </p:childTnLst>
+                          </p:cTn>
+                        </p:par>
+                      </p:childTnLst>
+                    </p:cTn>
+                  </p:par>
+                </p:childTnLst>
+              </p:cTn>
+              <p:prevCondLst>
+                <p:cond evt="onPrev" delay="0">
+                  <p:tgtEl>
+                    <p:sldTgt/>
+                  </p:tgtEl>
+                </p:cond>
+              </p:prevCondLst>
+              <p:nextCondLst>
+                <p:cond evt="onNext" delay="0">
+                  <p:tgtEl>
+                    <p:sldTgt/>
+                  </p:tgtEl>
+                </p:cond>
+              </p:nextCondLst>
+            </p:seq>
+          </p:childTnLst>
+        </p:cTn>
+      </p:par>
+    </p:tnLst>
+  </p:timing>
+</p:sld>
+</file>
+
+<file path=ppt/slides/slide18.xml><?xml version="1.0" encoding="utf-8"?>
+<p:sld xmlns:a="http://schemas.openxmlformats.org/drawingml/2006/main" xmlns:r="http://schemas.openxmlformats.org/officeDocument/2006/relationships" xmlns:p="http://schemas.openxmlformats.org/presentationml/2006/main" show="0">
+  <p:cSld>
+    <p:spTree>
+      <p:nvGrpSpPr>
+        <p:cNvPr id="1" name=""/>
+        <p:cNvGrpSpPr/>
+        <p:nvPr/>
+      </p:nvGrpSpPr>
+      <p:grpSpPr>
+        <a:xfrm>
+          <a:off x="0" y="0"/>
+          <a:ext cx="0" cy="0"/>
+          <a:chOff x="0" y="0"/>
+          <a:chExt cx="0" cy="0"/>
+        </a:xfrm>
+      </p:grpSpPr>
+      <p:sp>
+        <p:nvSpPr>
+          <p:cNvPr id="3" name="Content Placeholder 2"/>
+          <p:cNvSpPr>
+            <a:spLocks noGrp="1"/>
+          </p:cNvSpPr>
+          <p:nvPr>
+            <p:ph idx="1"/>
+          </p:nvPr>
+        </p:nvSpPr>
+        <p:spPr>
+          <a:xfrm>
+            <a:off x="152400" y="1066800"/>
+            <a:ext cx="8686800" cy="4343400"/>
+          </a:xfrm>
+        </p:spPr>
+        <p:txBody>
+          <a:bodyPr/>
+          <a:lstStyle/>
+          <a:p>
+            <a:r>
+              <a:rPr lang="en-US" sz="4800" dirty="0" smtClean="0">
+                <a:solidFill>
+                  <a:srgbClr val="006600"/>
+                </a:solidFill>
+              </a:rPr>
+              <a:t>Moral:</a:t>
+            </a:r>
+            <a:r>
+              <a:rPr lang="en-US" sz="4800" dirty="0" smtClean="0"/>
+              <a:t> when you are told that </a:t>
+            </a:r>
+          </a:p>
+          <a:p>
+            <a:r>
+              <a:rPr lang="en-US" sz="4800" dirty="0" smtClean="0"/>
+              <a:t>some fact holds at a </a:t>
+            </a:r>
+            <a:r>
+              <a:rPr lang="en-US" sz="4800" dirty="0" smtClean="0">
+                <a:solidFill>
+                  <a:srgbClr val="006600"/>
+                </a:solidFill>
+              </a:rPr>
+              <a:t>high </a:t>
+            </a:r>
+          </a:p>
+          <a:p>
+            <a:r>
+              <a:rPr lang="en-US" sz="4800" dirty="0" smtClean="0">
+                <a:solidFill>
+                  <a:srgbClr val="006600"/>
+                </a:solidFill>
+              </a:rPr>
+              <a:t>confidence level</a:t>
+            </a:r>
+            <a:r>
+              <a:rPr lang="en-US" sz="4800" dirty="0" smtClean="0"/>
+              <a:t>, remember </a:t>
+            </a:r>
+          </a:p>
+          <a:p>
+            <a:r>
+              <a:rPr lang="en-US" sz="4800" dirty="0" smtClean="0"/>
+              <a:t>that a random test</a:t>
+            </a:r>
+          </a:p>
+          <a:p>
+            <a:r>
+              <a:rPr lang="en-US" sz="4800" dirty="0" smtClean="0"/>
+              <a:t>lies behind this claim. </a:t>
+            </a:r>
+            <a:endParaRPr lang="en-US" sz="4800" dirty="0" smtClean="0">
+              <a:solidFill>
+                <a:srgbClr val="0000CC"/>
+              </a:solidFill>
+            </a:endParaRPr>
+          </a:p>
+        </p:txBody>
+      </p:sp>
+      <p:sp>
+        <p:nvSpPr>
+          <p:cNvPr id="4" name="Slide Number Placeholder 3"/>
+          <p:cNvSpPr>
+            <a:spLocks noGrp="1"/>
+          </p:cNvSpPr>
+          <p:nvPr>
+            <p:ph type="sldNum" sz="quarter" idx="4"/>
+          </p:nvPr>
+        </p:nvSpPr>
+        <p:spPr>
+          <a:xfrm>
+            <a:off x="7620000" y="6597650"/>
+            <a:ext cx="1524000" cy="274638"/>
+          </a:xfrm>
+        </p:spPr>
+        <p:txBody>
+          <a:bodyPr/>
+          <a:lstStyle/>
+          <a:p>
+            <a:pPr>
+              <a:defRPr/>
+            </a:pPr>
+            <a:r>
+              <a:rPr lang="en-US" dirty="0" smtClean="0"/>
+              <a:t>truth.</a:t>
+            </a:r>
+            <a:fld id="{E78F4000-603A-43A9-9772-EA15786EFD2C}" type="slidenum">
+              <a:rPr lang="en-US" smtClean="0"/>
+              <a:pPr>
+                <a:defRPr/>
+              </a:pPr>
+              <a:t>18</a:t>
+            </a:fld>
+            <a:endParaRPr lang="en-US" dirty="0"/>
+          </a:p>
+        </p:txBody>
+      </p:sp>
+      <p:sp>
+        <p:nvSpPr>
+          <p:cNvPr id="6" name="TextBox 5"/>
+          <p:cNvSpPr txBox="1"/>
+          <p:nvPr/>
+        </p:nvSpPr>
+        <p:spPr>
+          <a:xfrm>
+            <a:off x="226574" y="4604230"/>
+            <a:ext cx="8384026" cy="1877437"/>
+          </a:xfrm>
+          <a:prstGeom prst="rect">
+            <a:avLst/>
+          </a:prstGeom>
+          <a:noFill/>
+        </p:spPr>
+        <p:txBody>
+          <a:bodyPr wrap="none" rtlCol="0">
+            <a:spAutoFit/>
+          </a:bodyPr>
+          <a:lstStyle/>
+          <a:p>
+            <a:pPr marL="342900" lvl="0" indent="-342900" algn="l" eaLnBrk="0" hangingPunct="0">
+              <a:spcBef>
+                <a:spcPct val="20000"/>
+              </a:spcBef>
+            </a:pPr>
+            <a:r>
+              <a:rPr lang="en-US" sz="4400" kern="0" dirty="0" smtClean="0">
+                <a:solidFill>
+                  <a:srgbClr val="000000"/>
+                </a:solidFill>
+                <a:latin typeface="Comic Sans MS"/>
+              </a:rPr>
+              <a:t>                                       </a:t>
+            </a:r>
+            <a:r>
+              <a:rPr lang="en-US" sz="4800" kern="0" dirty="0" smtClean="0">
+                <a:solidFill>
+                  <a:srgbClr val="000000"/>
+                </a:solidFill>
+                <a:latin typeface="Comic Sans MS"/>
+              </a:rPr>
+              <a:t>Ask</a:t>
+            </a:r>
+          </a:p>
+          <a:p>
+            <a:pPr marL="342900" lvl="0" indent="-342900" algn="l" eaLnBrk="0" hangingPunct="0">
+              <a:spcBef>
+                <a:spcPts val="0"/>
+              </a:spcBef>
+            </a:pPr>
+            <a:r>
+              <a:rPr lang="en-US" sz="4800" kern="0" dirty="0" smtClean="0">
+                <a:solidFill>
+                  <a:srgbClr val="000000"/>
+                </a:solidFill>
+                <a:latin typeface="Comic Sans MS"/>
+              </a:rPr>
+              <a:t>yourself </a:t>
+            </a:r>
+            <a:r>
+              <a:rPr lang="en-US" sz="4800" kern="0" dirty="0" smtClean="0">
+                <a:solidFill>
+                  <a:srgbClr val="0000CC"/>
+                </a:solidFill>
+                <a:latin typeface="Comic Sans MS"/>
+              </a:rPr>
+              <a:t>“what experiment?”</a:t>
+            </a:r>
+          </a:p>
+          <a:p>
+            <a:endParaRPr lang="en-US" sz="2000" dirty="0"/>
+          </a:p>
+        </p:txBody>
+      </p:sp>
+      <p:sp>
+        <p:nvSpPr>
+          <p:cNvPr id="7" name="Rectangle 3"/>
+          <p:cNvSpPr>
+            <a:spLocks noGrp="1" noChangeArrowheads="1"/>
+          </p:cNvSpPr>
+          <p:nvPr>
+            <p:ph type="title"/>
+          </p:nvPr>
+        </p:nvSpPr>
+        <p:spPr>
+          <a:xfrm>
+            <a:off x="1905000" y="228600"/>
+            <a:ext cx="5334000" cy="990600"/>
+          </a:xfrm>
+          <a:noFill/>
+        </p:spPr>
+        <p:txBody>
+          <a:bodyPr/>
+          <a:lstStyle/>
+          <a:p>
+            <a:pPr eaLnBrk="1" hangingPunct="1"/>
+            <a:r>
+              <a:rPr lang="en-US" sz="4800" dirty="0" smtClean="0">
+                <a:solidFill>
+                  <a:srgbClr val="0006FE"/>
+                </a:solidFill>
+              </a:rPr>
+              <a:t>Confidence</a:t>
+            </a:r>
+          </a:p>
+        </p:txBody>
+      </p:sp>
+    </p:spTree>
+    <p:extLst>
+      <p:ext uri="{BB962C8B-B14F-4D97-AF65-F5344CB8AC3E}">
+        <p14:creationId xmlns:p14="http://schemas.microsoft.com/office/powerpoint/2010/main" val="2341161943"/>
+      </p:ext>
+    </p:extLst>
+  </p:cSld>
+  <p:clrMapOvr>
+    <a:masterClrMapping/>
+  </p:clrMapOvr>
+  <p:transition xmlns:p14="http://schemas.microsoft.com/office/powerpoint/2010/main" spd="slow" advClick="0">
+    <p:fade thruBlk="1"/>
+  </p:transition>
+  <p:timing>
+    <p:tnLst>
+      <p:par>
+        <p:cTn xmlns:p14="http://schemas.microsoft.com/office/powerpoint/2010/main" id="1" dur="indefinite" restart="never" nodeType="tmRoot">
+          <p:childTnLst>
+            <p:seq concurrent="1" nextAc="seek">
+              <p:cTn id="2" dur="indefinite" nodeType="mainSeq">
+                <p:childTnLst>
+                  <p:par>
+                    <p:cTn id="3" fill="hold">
+                      <p:stCondLst>
+                        <p:cond delay="indefinite"/>
+                      </p:stCondLst>
+                      <p:childTnLst>
+                        <p:par>
+                          <p:cTn id="4" fill="hold">
+                            <p:stCondLst>
+                              <p:cond delay="0"/>
+                            </p:stCondLst>
+                            <p:childTnLst>
+                              <p:par>
+                                <p:cTn id="5" presetID="9" presetClass="entr" presetSubtype="0" fill="hold" grpId="0" nodeType="clickEffect">
+                                  <p:stCondLst>
+                                    <p:cond delay="0"/>
+                                  </p:stCondLst>
+                                  <p:childTnLst>
+                                    <p:set>
+                                      <p:cBhvr>
+                                        <p:cTn id="6" dur="1" fill="hold">
+                                          <p:stCondLst>
+                                            <p:cond delay="0"/>
+                                          </p:stCondLst>
+                                        </p:cTn>
+                                        <p:tgtEl>
+                                          <p:spTgt spid="6"/>
+                                        </p:tgtEl>
+                                        <p:attrNameLst>
+                                          <p:attrName>style.visibility</p:attrName>
+                                        </p:attrNameLst>
+                                      </p:cBhvr>
+                                      <p:to>
+                                        <p:strVal val="visible"/>
+                                      </p:to>
+                                    </p:set>
+                                    <p:animEffect transition="in" filter="dissolve">
+                                      <p:cBhvr>
+                                        <p:cTn id="7" dur="500"/>
+                                        <p:tgtEl>
+                                          <p:spTgt spid="6"/>
+                                        </p:tgtEl>
+                                      </p:cBhvr>
+                                    </p:animEffect>
+                                  </p:childTnLst>
+                                </p:cTn>
+                              </p:par>
+                            </p:childTnLst>
+                          </p:cTn>
+                        </p:par>
+                      </p:childTnLst>
+                    </p:cTn>
+                  </p:par>
+                </p:childTnLst>
+              </p:cTn>
+              <p:prevCondLst>
+                <p:cond evt="onPrev" delay="0">
+                  <p:tgtEl>
+                    <p:sldTgt/>
+                  </p:tgtEl>
+                </p:cond>
+              </p:prevCondLst>
+              <p:nextCondLst>
+                <p:cond evt="onNext" delay="0">
+                  <p:tgtEl>
+                    <p:sldTgt/>
+                  </p:tgtEl>
+                </p:cond>
+              </p:nextCondLst>
+            </p:seq>
+          </p:childTnLst>
+        </p:cTn>
+      </p:par>
+    </p:tnLst>
+    <p:bldLst>
+      <p:bldP spid="6" grpId="0"/>
+    </p:bldLst>
+  </p:timing>
+</p:sld>
+</file>
+
+<file path=ppt/slides/slide2.xml><?xml version="1.0" encoding="utf-8"?>
+<p:sld xmlns:a="http://schemas.openxmlformats.org/drawingml/2006/main" xmlns:r="http://schemas.openxmlformats.org/officeDocument/2006/relationships" xmlns:p="http://schemas.openxmlformats.org/presentationml/2006/main">
+  <p:cSld>
+    <p:spTree>
+      <p:nvGrpSpPr>
+        <p:cNvPr id="1" name=""/>
+        <p:cNvGrpSpPr/>
+        <p:nvPr/>
+      </p:nvGrpSpPr>
+      <p:grpSpPr>
+        <a:xfrm>
+          <a:off x="0" y="0"/>
+          <a:ext cx="0" cy="0"/>
+          <a:chOff x="0" y="0"/>
+          <a:chExt cx="0" cy="0"/>
+        </a:xfrm>
+      </p:grpSpPr>
+      <p:cxnSp>
+        <p:nvCxnSpPr>
+          <p:cNvPr id="30727" name="AutoShape 21"/>
+          <p:cNvCxnSpPr>
+            <a:cxnSpLocks noChangeShapeType="1"/>
+          </p:cNvCxnSpPr>
+          <p:nvPr/>
+        </p:nvCxnSpPr>
+        <p:spPr bwMode="auto">
+          <a:xfrm>
+            <a:off x="1219200" y="3543300"/>
+            <a:ext cx="0" cy="0"/>
+          </a:xfrm>
+          <a:prstGeom prst="straightConnector1">
+            <a:avLst/>
+          </a:prstGeom>
+          <a:noFill/>
+          <a:ln w="9525">
+            <a:solidFill>
+              <a:schemeClr val="tx1"/>
+            </a:solidFill>
+            <a:round/>
+            <a:headEnd/>
+            <a:tailEnd/>
+          </a:ln>
+        </p:spPr>
+      </p:cxnSp>
+      <p:sp>
+        <p:nvSpPr>
+          <p:cNvPr id="2" name="TextBox 1"/>
+          <p:cNvSpPr txBox="1"/>
+          <p:nvPr/>
+        </p:nvSpPr>
+        <p:spPr>
+          <a:xfrm>
+            <a:off x="199038" y="1061467"/>
+            <a:ext cx="8944962" cy="4321183"/>
+          </a:xfrm>
+          <a:prstGeom prst="rect">
+            <a:avLst/>
+          </a:prstGeom>
+          <a:noFill/>
+        </p:spPr>
+        <p:txBody>
+          <a:bodyPr wrap="square" rtlCol="0">
+            <a:spAutoFit/>
+          </a:bodyPr>
+          <a:lstStyle/>
+          <a:p>
+            <a:r>
+              <a:rPr lang="en-US" sz="5400" dirty="0">
+                <a:latin typeface="Comic Sans MS"/>
+                <a:cs typeface="Comic Sans MS"/>
+              </a:rPr>
+              <a:t>Your doctor </a:t>
+            </a:r>
+            <a:r>
+              <a:rPr lang="en-US" sz="5400" dirty="0" smtClean="0">
+                <a:latin typeface="Comic Sans MS"/>
+                <a:cs typeface="Comic Sans MS"/>
+              </a:rPr>
+              <a:t>tests you, and </a:t>
+            </a:r>
+            <a:r>
+              <a:rPr lang="en-US" sz="5400" dirty="0">
+                <a:solidFill>
+                  <a:srgbClr val="EE040A"/>
+                </a:solidFill>
+                <a:latin typeface="Comic Sans MS"/>
+                <a:cs typeface="Comic Sans MS"/>
+              </a:rPr>
+              <a:t>it </a:t>
+            </a:r>
+            <a:r>
+              <a:rPr lang="en-US" sz="5400" dirty="0" smtClean="0">
+                <a:solidFill>
+                  <a:srgbClr val="EE040A"/>
+                </a:solidFill>
+                <a:latin typeface="Comic Sans MS"/>
+                <a:cs typeface="Comic Sans MS"/>
+              </a:rPr>
+              <a:t>says </a:t>
+            </a:r>
+            <a:r>
+              <a:rPr lang="en-US" sz="5400" dirty="0">
+                <a:solidFill>
+                  <a:srgbClr val="EE040A"/>
+                </a:solidFill>
+                <a:latin typeface="Comic Sans MS"/>
+                <a:cs typeface="Comic Sans MS"/>
+              </a:rPr>
+              <a:t>TB</a:t>
+            </a:r>
+            <a:r>
+              <a:rPr lang="en-US" sz="5400" dirty="0" smtClean="0">
+                <a:solidFill>
+                  <a:srgbClr val="EE040A"/>
+                </a:solidFill>
+                <a:latin typeface="Comic Sans MS"/>
+                <a:cs typeface="Comic Sans MS"/>
+              </a:rPr>
+              <a:t>!  </a:t>
+            </a:r>
+            <a:r>
+              <a:rPr lang="en-US" sz="5400" dirty="0" smtClean="0">
+                <a:latin typeface="Comic Sans MS"/>
+                <a:cs typeface="Comic Sans MS"/>
+              </a:rPr>
+              <a:t>He says</a:t>
+            </a:r>
+            <a:endParaRPr lang="en-US" sz="5400" dirty="0">
+              <a:latin typeface="Comic Sans MS"/>
+              <a:cs typeface="Comic Sans MS"/>
+            </a:endParaRPr>
+          </a:p>
+          <a:p>
+            <a:r>
+              <a:rPr lang="en-US" sz="5400" dirty="0" smtClean="0">
+                <a:latin typeface="Comic Sans MS"/>
+                <a:cs typeface="Comic Sans MS"/>
+              </a:rPr>
+              <a:t>“The </a:t>
+            </a:r>
+            <a:r>
+              <a:rPr lang="en-US" sz="5400" dirty="0">
+                <a:latin typeface="Comic Sans MS"/>
+                <a:cs typeface="Comic Sans MS"/>
+              </a:rPr>
+              <a:t>hypothesis that you have </a:t>
+            </a:r>
+            <a:r>
+              <a:rPr lang="en-US" sz="5400" dirty="0" smtClean="0">
+                <a:latin typeface="Comic Sans MS"/>
+                <a:cs typeface="Comic Sans MS"/>
+              </a:rPr>
+              <a:t>TB holds </a:t>
+            </a:r>
+            <a:r>
+              <a:rPr lang="en-US" sz="5400" dirty="0">
+                <a:latin typeface="Comic Sans MS"/>
+                <a:cs typeface="Comic Sans MS"/>
+              </a:rPr>
+              <a:t>at the </a:t>
+            </a:r>
+            <a:r>
+              <a:rPr lang="en-US" sz="4800" kern="0" dirty="0" smtClean="0">
+                <a:solidFill>
+                  <a:srgbClr val="0000FF"/>
+                </a:solidFill>
+                <a:latin typeface="Comic Sans MS" pitchFamily="66" charset="0"/>
+              </a:rPr>
+              <a:t>98% </a:t>
+            </a:r>
+            <a:r>
+              <a:rPr lang="en-US" sz="4800" kern="0" dirty="0">
+                <a:solidFill>
+                  <a:srgbClr val="0000FF"/>
+                </a:solidFill>
+                <a:latin typeface="Comic Sans MS" pitchFamily="66" charset="0"/>
+              </a:rPr>
+              <a:t>confidence level</a:t>
+            </a:r>
+            <a:r>
+              <a:rPr lang="en-US" sz="4800" kern="0" dirty="0" smtClean="0">
+                <a:solidFill>
+                  <a:srgbClr val="000000"/>
+                </a:solidFill>
+                <a:latin typeface="Comic Sans MS" pitchFamily="66" charset="0"/>
+              </a:rPr>
+              <a:t>.”</a:t>
+            </a:r>
+            <a:endParaRPr lang="en-US" sz="4800" kern="0" dirty="0">
+              <a:solidFill>
+                <a:srgbClr val="000000"/>
+              </a:solidFill>
+              <a:latin typeface="Comic Sans MS" pitchFamily="66" charset="0"/>
+            </a:endParaRPr>
+          </a:p>
+        </p:txBody>
+      </p:sp>
+      <p:sp>
+        <p:nvSpPr>
+          <p:cNvPr id="8" name="Rectangle 4"/>
+          <p:cNvSpPr>
+            <a:spLocks noGrp="1" noChangeArrowheads="1"/>
+          </p:cNvSpPr>
+          <p:nvPr>
+            <p:ph type="title"/>
+          </p:nvPr>
+        </p:nvSpPr>
+        <p:spPr>
+          <a:xfrm>
+            <a:off x="1295400" y="228600"/>
+            <a:ext cx="6553200" cy="838200"/>
+          </a:xfrm>
+          <a:noFill/>
+        </p:spPr>
+        <p:txBody>
+          <a:bodyPr/>
+          <a:lstStyle/>
+          <a:p>
+            <a:pPr eaLnBrk="1" hangingPunct="1"/>
+            <a:r>
+              <a:rPr lang="en-US" sz="4000" dirty="0" smtClean="0">
+                <a:solidFill>
+                  <a:schemeClr val="tx1"/>
+                </a:solidFill>
+              </a:rPr>
+              <a:t>98% accurate TB testing</a:t>
+            </a:r>
+          </a:p>
+        </p:txBody>
+      </p:sp>
+      <p:sp>
+        <p:nvSpPr>
+          <p:cNvPr id="6" name="Slide Number Placeholder 1"/>
+          <p:cNvSpPr>
+            <a:spLocks noGrp="1"/>
+          </p:cNvSpPr>
+          <p:nvPr>
+            <p:ph type="sldNum" sz="quarter" idx="4"/>
+          </p:nvPr>
+        </p:nvSpPr>
+        <p:spPr>
+          <a:xfrm>
+            <a:off x="7620000" y="6597650"/>
+            <a:ext cx="1524000" cy="274638"/>
+          </a:xfrm>
+          <a:noFill/>
+        </p:spPr>
+        <p:txBody>
+          <a:bodyPr/>
+          <a:lstStyle/>
+          <a:p>
+            <a:r>
+              <a:rPr lang="en-US" dirty="0" smtClean="0"/>
+              <a:t>truth.</a:t>
+            </a:r>
+            <a:fld id="{FA37E6F2-F2EB-4CD5-AFBF-DAF43A4D56E9}" type="slidenum">
+              <a:rPr lang="en-US" smtClean="0"/>
+              <a:pPr/>
+              <a:t>2</a:t>
+            </a:fld>
+            <a:endParaRPr lang="en-US" dirty="0" smtClean="0"/>
+          </a:p>
+        </p:txBody>
+      </p:sp>
+    </p:spTree>
+    <p:extLst>
+      <p:ext uri="{BB962C8B-B14F-4D97-AF65-F5344CB8AC3E}">
+        <p14:creationId xmlns:p14="http://schemas.microsoft.com/office/powerpoint/2010/main" val="2387721784"/>
+      </p:ext>
+    </p:extLst>
+  </p:cSld>
+  <p:clrMapOvr>
+    <a:masterClrMapping/>
+  </p:clrMapOvr>
+  <p:transition xmlns:p14="http://schemas.microsoft.com/office/powerpoint/2010/main" spd="slow" advClick="0">
+    <p:fade thruBlk="1"/>
+  </p:transition>
+  <p:timing>
+    <p:tnLst>
+      <p:par>
+        <p:cTn xmlns:p14="http://schemas.microsoft.com/office/powerpoint/2010/main" id="1" dur="indefinite" restart="never" nodeType="tmRoot">
+          <p:childTnLst>
+            <p:seq concurrent="1" nextAc="seek">
+              <p:cTn id="2" dur="indefinite" nodeType="mainSeq">
+                <p:childTnLst>
+                  <p:par>
+                    <p:cTn id="3" fill="hold">
+                      <p:stCondLst>
+                        <p:cond delay="indefinite"/>
+                      </p:stCondLst>
+                      <p:childTnLst>
+                        <p:par>
+                          <p:cTn id="4" fill="hold">
+                            <p:stCondLst>
+                              <p:cond delay="0"/>
+                            </p:stCondLst>
+                            <p:childTnLst>
+                              <p:par>
+                                <p:cTn id="5" presetID="10" presetClass="entr" presetSubtype="0" fill="hold" nodeType="clickEffect">
+                                  <p:stCondLst>
+                                    <p:cond delay="0"/>
+                                  </p:stCondLst>
+                                  <p:childTnLst>
+                                    <p:set>
+                                      <p:cBhvr>
+                                        <p:cTn id="6" dur="1" fill="hold">
+                                          <p:stCondLst>
+                                            <p:cond delay="0"/>
+                                          </p:stCondLst>
+                                        </p:cTn>
+                                        <p:tgtEl>
+                                          <p:spTgt spid="2">
+                                            <p:txEl>
+                                              <p:pRg st="1" end="1"/>
+                                            </p:txEl>
+                                          </p:spTgt>
+                                        </p:tgtEl>
+                                        <p:attrNameLst>
+                                          <p:attrName>style.visibility</p:attrName>
+                                        </p:attrNameLst>
+                                      </p:cBhvr>
+                                      <p:to>
+                                        <p:strVal val="visible"/>
+                                      </p:to>
+                                    </p:set>
+                                    <p:animEffect transition="in" filter="fade">
+                                      <p:cBhvr>
+                                        <p:cTn id="7" dur="500"/>
+                                        <p:tgtEl>
+                                          <p:spTgt spid="2">
+                                            <p:txEl>
+                                              <p:pRg st="1" end="1"/>
+                                            </p:txEl>
+                                          </p:spTgt>
+                                        </p:tgtEl>
+                                      </p:cBhvr>
+                                    </p:animEffect>
+                                  </p:childTnLst>
+                                </p:cTn>
+                              </p:par>
+                            </p:childTnLst>
+                          </p:cTn>
+                        </p:par>
+                      </p:childTnLst>
+                    </p:cTn>
+                  </p:par>
+                </p:childTnLst>
+              </p:cTn>
+              <p:prevCondLst>
+                <p:cond evt="onPrev" delay="0">
+                  <p:tgtEl>
+                    <p:sldTgt/>
+                  </p:tgtEl>
+                </p:cond>
+              </p:prevCondLst>
+              <p:nextCondLst>
+                <p:cond evt="onNext" delay="0">
+                  <p:tgtEl>
+                    <p:sldTgt/>
+                  </p:tgtEl>
+                </p:cond>
+              </p:nextCondLst>
+            </p:seq>
+          </p:childTnLst>
+        </p:cTn>
+      </p:par>
+    </p:tnLst>
+  </p:timing>
+</p:sld>
+</file>
+
+<file path=ppt/slides/slide3.xml><?xml version="1.0" encoding="utf-8"?>
+<p:sld xmlns:a="http://schemas.openxmlformats.org/drawingml/2006/main" xmlns:r="http://schemas.openxmlformats.org/officeDocument/2006/relationships" xmlns:p="http://schemas.openxmlformats.org/presentationml/2006/main">
+  <p:cSld>
+    <p:spTree>
+      <p:nvGrpSpPr>
+        <p:cNvPr id="1" name=""/>
+        <p:cNvGrpSpPr/>
+        <p:nvPr/>
+      </p:nvGrpSpPr>
+      <p:grpSpPr>
+        <a:xfrm>
+          <a:off x="0" y="0"/>
+          <a:ext cx="0" cy="0"/>
+          <a:chOff x="0" y="0"/>
+          <a:chExt cx="0" cy="0"/>
+        </a:xfrm>
+      </p:grpSpPr>
+      <p:cxnSp>
+        <p:nvCxnSpPr>
+          <p:cNvPr id="30727" name="AutoShape 21"/>
+          <p:cNvCxnSpPr>
+            <a:cxnSpLocks noChangeShapeType="1"/>
+          </p:cNvCxnSpPr>
+          <p:nvPr/>
+        </p:nvCxnSpPr>
+        <p:spPr bwMode="auto">
+          <a:xfrm>
+            <a:off x="1219200" y="3543300"/>
+            <a:ext cx="0" cy="0"/>
+          </a:xfrm>
+          <a:prstGeom prst="straightConnector1">
+            <a:avLst/>
+          </a:prstGeom>
+          <a:noFill/>
+          <a:ln w="9525">
+            <a:solidFill>
+              <a:schemeClr val="tx1"/>
+            </a:solidFill>
+            <a:round/>
+            <a:headEnd/>
+            <a:tailEnd/>
+          </a:ln>
+        </p:spPr>
+      </p:cxnSp>
+      <p:sp>
+        <p:nvSpPr>
+          <p:cNvPr id="2" name="TextBox 1"/>
+          <p:cNvSpPr txBox="1"/>
+          <p:nvPr/>
+        </p:nvSpPr>
+        <p:spPr>
+          <a:xfrm>
+            <a:off x="199038" y="1061467"/>
+            <a:ext cx="8944962" cy="4579715"/>
+          </a:xfrm>
+          <a:prstGeom prst="rect">
+            <a:avLst/>
+          </a:prstGeom>
+          <a:noFill/>
+        </p:spPr>
+        <p:txBody>
+          <a:bodyPr wrap="square" rtlCol="0">
+            <a:spAutoFit/>
+          </a:bodyPr>
+          <a:lstStyle/>
+          <a:p>
+            <a:r>
+              <a:rPr lang="en-US" sz="5400" dirty="0" smtClean="0">
+                <a:latin typeface="Comic Sans MS"/>
+                <a:cs typeface="Comic Sans MS"/>
+              </a:rPr>
+              <a:t>Actually, it’s a rare doctor</a:t>
+            </a:r>
+          </a:p>
+          <a:p>
+            <a:r>
+              <a:rPr lang="en-US" sz="5400" dirty="0" smtClean="0">
+                <a:latin typeface="Comic Sans MS"/>
+                <a:cs typeface="Comic Sans MS"/>
+              </a:rPr>
+              <a:t>who would say this.  Most likely they would say</a:t>
+            </a:r>
+            <a:endParaRPr lang="en-US" sz="5400" dirty="0">
+              <a:latin typeface="Comic Sans MS"/>
+              <a:cs typeface="Comic Sans MS"/>
+            </a:endParaRPr>
+          </a:p>
+          <a:p>
+            <a:r>
+              <a:rPr lang="en-US" sz="5400" dirty="0" smtClean="0">
+                <a:solidFill>
+                  <a:srgbClr val="0000FF"/>
+                </a:solidFill>
+                <a:latin typeface="Comic Sans MS"/>
+                <a:cs typeface="Comic Sans MS"/>
+              </a:rPr>
+              <a:t>“The </a:t>
+            </a:r>
+            <a:r>
+              <a:rPr lang="en-US" sz="5400" kern="0" dirty="0" smtClean="0">
+                <a:solidFill>
+                  <a:srgbClr val="0000FF"/>
+                </a:solidFill>
+                <a:latin typeface="Comic Sans MS" pitchFamily="66" charset="0"/>
+              </a:rPr>
+              <a:t>probability </a:t>
+            </a:r>
+            <a:r>
+              <a:rPr lang="en-US" sz="5400" dirty="0" smtClean="0">
+                <a:solidFill>
+                  <a:srgbClr val="0000FF"/>
+                </a:solidFill>
+                <a:latin typeface="Comic Sans MS"/>
+                <a:cs typeface="Comic Sans MS"/>
+              </a:rPr>
+              <a:t>you </a:t>
+            </a:r>
+            <a:r>
+              <a:rPr lang="en-US" sz="5400" dirty="0">
+                <a:solidFill>
+                  <a:srgbClr val="0000FF"/>
+                </a:solidFill>
+                <a:latin typeface="Comic Sans MS"/>
+                <a:cs typeface="Comic Sans MS"/>
+              </a:rPr>
+              <a:t>have </a:t>
+            </a:r>
+            <a:r>
+              <a:rPr lang="en-US" sz="5400" dirty="0" smtClean="0">
+                <a:solidFill>
+                  <a:srgbClr val="0000FF"/>
+                </a:solidFill>
+                <a:latin typeface="Comic Sans MS"/>
+                <a:cs typeface="Comic Sans MS"/>
+              </a:rPr>
+              <a:t>TB is </a:t>
+            </a:r>
+            <a:r>
+              <a:rPr lang="en-US" sz="4800" kern="0" dirty="0">
+                <a:solidFill>
+                  <a:srgbClr val="0000FF"/>
+                </a:solidFill>
+                <a:latin typeface="Comic Sans MS" pitchFamily="66" charset="0"/>
+              </a:rPr>
+              <a:t>98</a:t>
+            </a:r>
+            <a:r>
+              <a:rPr lang="en-US" sz="4800" kern="0" dirty="0" smtClean="0">
+                <a:solidFill>
+                  <a:srgbClr val="0000FF"/>
+                </a:solidFill>
+                <a:latin typeface="Comic Sans MS" pitchFamily="66" charset="0"/>
+              </a:rPr>
+              <a:t>%.”</a:t>
+            </a:r>
+            <a:endParaRPr lang="en-US" sz="4800" kern="0" dirty="0">
+              <a:solidFill>
+                <a:srgbClr val="0000FF"/>
+              </a:solidFill>
+              <a:latin typeface="Comic Sans MS" pitchFamily="66" charset="0"/>
+            </a:endParaRPr>
+          </a:p>
+        </p:txBody>
+      </p:sp>
+      <p:sp>
+        <p:nvSpPr>
+          <p:cNvPr id="8" name="Rectangle 4"/>
+          <p:cNvSpPr>
+            <a:spLocks noGrp="1" noChangeArrowheads="1"/>
+          </p:cNvSpPr>
+          <p:nvPr>
+            <p:ph type="title"/>
+          </p:nvPr>
+        </p:nvSpPr>
+        <p:spPr>
+          <a:xfrm>
+            <a:off x="1295400" y="228600"/>
+            <a:ext cx="6553200" cy="838200"/>
+          </a:xfrm>
+          <a:noFill/>
+        </p:spPr>
+        <p:txBody>
+          <a:bodyPr/>
+          <a:lstStyle/>
+          <a:p>
+            <a:pPr eaLnBrk="1" hangingPunct="1"/>
+            <a:r>
+              <a:rPr lang="en-US" sz="4000" dirty="0" smtClean="0">
+                <a:solidFill>
+                  <a:schemeClr val="tx1"/>
+                </a:solidFill>
+              </a:rPr>
+              <a:t>98% accurate TB testing</a:t>
+            </a:r>
+          </a:p>
+        </p:txBody>
+      </p:sp>
+      <p:sp>
+        <p:nvSpPr>
+          <p:cNvPr id="6" name="Slide Number Placeholder 1"/>
+          <p:cNvSpPr>
+            <a:spLocks noGrp="1"/>
+          </p:cNvSpPr>
+          <p:nvPr>
+            <p:ph type="sldNum" sz="quarter" idx="4"/>
+          </p:nvPr>
+        </p:nvSpPr>
+        <p:spPr>
+          <a:xfrm>
+            <a:off x="7620000" y="6597650"/>
+            <a:ext cx="1524000" cy="274638"/>
+          </a:xfrm>
+          <a:noFill/>
+        </p:spPr>
+        <p:txBody>
+          <a:bodyPr/>
+          <a:lstStyle/>
+          <a:p>
+            <a:r>
+              <a:rPr lang="en-US" dirty="0" smtClean="0"/>
+              <a:t>truth.</a:t>
+            </a:r>
+            <a:fld id="{FA37E6F2-F2EB-4CD5-AFBF-DAF43A4D56E9}" type="slidenum">
+              <a:rPr lang="en-US" smtClean="0"/>
+              <a:pPr/>
+              <a:t>3</a:t>
+            </a:fld>
+            <a:endParaRPr lang="en-US" dirty="0" smtClean="0"/>
+          </a:p>
+        </p:txBody>
+      </p:sp>
+    </p:spTree>
+    <p:extLst>
+      <p:ext uri="{BB962C8B-B14F-4D97-AF65-F5344CB8AC3E}">
+        <p14:creationId xmlns:p14="http://schemas.microsoft.com/office/powerpoint/2010/main" val="2248394115"/>
+      </p:ext>
+    </p:extLst>
+  </p:cSld>
+  <p:clrMapOvr>
+    <a:masterClrMapping/>
+  </p:clrMapOvr>
+  <mc:AlternateContent xmlns:mc="http://schemas.openxmlformats.org/markup-compatibility/2006" xmlns:p14="http://schemas.microsoft.com/office/powerpoint/2010/main">
+    <mc:Choice Requires="p14">
+      <p:transition spd="slow" p14:dur="1100" advClick="0">
+        <p:fade/>
+      </p:transition>
+    </mc:Choice>
+    <mc:Fallback xmlns="">
+      <p:transition xmlns:p14="http://schemas.microsoft.com/office/powerpoint/2010/main" spd="slow" advClick="0">
+        <p:fade/>
+      </p:transition>
+    </mc:Fallback>
+  </mc:AlternateContent>
+  <p:timing>
+    <p:tnLst>
+      <p:par>
+        <p:cTn xmlns:p14="http://schemas.microsoft.com/office/powerpoint/2010/main" id="1" dur="indefinite" restart="never" nodeType="tmRoot">
+          <p:childTnLst>
+            <p:seq concurrent="1" nextAc="seek">
+              <p:cTn id="2" dur="indefinite" nodeType="mainSeq">
+                <p:childTnLst>
+                  <p:par>
+                    <p:cTn id="3" fill="hold">
+                      <p:stCondLst>
+                        <p:cond delay="indefinite"/>
+                      </p:stCondLst>
+                      <p:childTnLst>
+                        <p:par>
+                          <p:cTn id="4" fill="hold">
+                            <p:stCondLst>
+                              <p:cond delay="0"/>
+                            </p:stCondLst>
+                            <p:childTnLst>
+                              <p:par>
+                                <p:cTn id="5" presetID="10" presetClass="entr" presetSubtype="0" fill="hold" nodeType="clickEffect">
+                                  <p:stCondLst>
+                                    <p:cond delay="0"/>
+                                  </p:stCondLst>
+                                  <p:childTnLst>
+                                    <p:set>
+                                      <p:cBhvr>
+                                        <p:cTn id="6" dur="1" fill="hold">
+                                          <p:stCondLst>
+                                            <p:cond delay="0"/>
+                                          </p:stCondLst>
+                                        </p:cTn>
+                                        <p:tgtEl>
+                                          <p:spTgt spid="2">
+                                            <p:txEl>
+                                              <p:pRg st="2" end="2"/>
+                                            </p:txEl>
+                                          </p:spTgt>
+                                        </p:tgtEl>
+                                        <p:attrNameLst>
+                                          <p:attrName>style.visibility</p:attrName>
+                                        </p:attrNameLst>
+                                      </p:cBhvr>
+                                      <p:to>
+                                        <p:strVal val="visible"/>
+                                      </p:to>
+                                    </p:set>
+                                    <p:animEffect transition="in" filter="fade">
+                                      <p:cBhvr>
+                                        <p:cTn id="7" dur="500"/>
+                                        <p:tgtEl>
+                                          <p:spTgt spid="2">
+                                            <p:txEl>
+                                              <p:pRg st="2" end="2"/>
+                                            </p:txEl>
+                                          </p:spTgt>
+                                        </p:tgtEl>
+                                      </p:cBhvr>
+                                    </p:animEffect>
+                                  </p:childTnLst>
+                                </p:cTn>
+                              </p:par>
+                            </p:childTnLst>
+                          </p:cTn>
+                        </p:par>
+                      </p:childTnLst>
+                    </p:cTn>
+                  </p:par>
+                </p:childTnLst>
+              </p:cTn>
+              <p:prevCondLst>
+                <p:cond evt="onPrev" delay="0">
+                  <p:tgtEl>
+                    <p:sldTgt/>
+                  </p:tgtEl>
+                </p:cond>
+              </p:prevCondLst>
+              <p:nextCondLst>
+                <p:cond evt="onNext" delay="0">
+                  <p:tgtEl>
+                    <p:sldTgt/>
+                  </p:tgtEl>
+                </p:cond>
+              </p:nextCondLst>
+            </p:seq>
+          </p:childTnLst>
+        </p:cTn>
+      </p:par>
+    </p:tnLst>
+  </p:timing>
+</p:sld>
+</file>
+
+<file path=ppt/slides/slide4.xml><?xml version="1.0" encoding="utf-8"?>
+<p:sld xmlns:a="http://schemas.openxmlformats.org/drawingml/2006/main" xmlns:r="http://schemas.openxmlformats.org/officeDocument/2006/relationships" xmlns:p="http://schemas.openxmlformats.org/presentationml/2006/main">
+  <p:cSld>
+    <p:spTree>
+      <p:nvGrpSpPr>
+        <p:cNvPr id="1" name=""/>
+        <p:cNvGrpSpPr/>
+        <p:nvPr/>
+      </p:nvGrpSpPr>
+      <p:grpSpPr>
+        <a:xfrm>
+          <a:off x="0" y="0"/>
+          <a:ext cx="0" cy="0"/>
+          <a:chOff x="0" y="0"/>
+          <a:chExt cx="0" cy="0"/>
+        </a:xfrm>
+      </p:grpSpPr>
+      <p:cxnSp>
+        <p:nvCxnSpPr>
+          <p:cNvPr id="30727" name="AutoShape 21"/>
+          <p:cNvCxnSpPr>
+            <a:cxnSpLocks noChangeShapeType="1"/>
+          </p:cNvCxnSpPr>
+          <p:nvPr/>
+        </p:nvCxnSpPr>
+        <p:spPr bwMode="auto">
+          <a:xfrm>
+            <a:off x="1219200" y="3543300"/>
+            <a:ext cx="0" cy="0"/>
+          </a:xfrm>
+          <a:prstGeom prst="straightConnector1">
+            <a:avLst/>
+          </a:prstGeom>
+          <a:noFill/>
+          <a:ln w="9525">
+            <a:solidFill>
+              <a:schemeClr val="tx1"/>
+            </a:solidFill>
+            <a:round/>
+            <a:headEnd/>
+            <a:tailEnd/>
+          </a:ln>
+        </p:spPr>
+      </p:cxnSp>
+      <p:sp>
+        <p:nvSpPr>
+          <p:cNvPr id="2" name="TextBox 1"/>
+          <p:cNvSpPr txBox="1"/>
+          <p:nvPr/>
+        </p:nvSpPr>
+        <p:spPr>
+          <a:xfrm>
+            <a:off x="76200" y="1315283"/>
+            <a:ext cx="8944962" cy="2585323"/>
+          </a:xfrm>
+          <a:prstGeom prst="rect">
+            <a:avLst/>
+          </a:prstGeom>
+          <a:noFill/>
+        </p:spPr>
+        <p:txBody>
+          <a:bodyPr wrap="square" rtlCol="0">
+            <a:spAutoFit/>
+          </a:bodyPr>
+          <a:lstStyle/>
+          <a:p>
+            <a:r>
+              <a:rPr lang="en-US" sz="5400" kern="0" dirty="0" smtClean="0">
+                <a:solidFill>
+                  <a:srgbClr val="000000"/>
+                </a:solidFill>
+                <a:latin typeface="Comic Sans MS" pitchFamily="66" charset="0"/>
+              </a:rPr>
+              <a:t>But we know</a:t>
+            </a:r>
+            <a:r>
+              <a:rPr lang="is-IS" sz="5400" kern="0" dirty="0" smtClean="0">
+                <a:solidFill>
+                  <a:srgbClr val="000000"/>
+                </a:solidFill>
+                <a:latin typeface="Comic Sans MS" pitchFamily="66" charset="0"/>
+              </a:rPr>
+              <a:t> </a:t>
+            </a:r>
+            <a:r>
+              <a:rPr lang="is-IS" sz="5400" kern="0" dirty="0" smtClean="0">
+                <a:latin typeface="Comic Sans MS" pitchFamily="66" charset="0"/>
+              </a:rPr>
+              <a:t>probability someone </a:t>
+            </a:r>
+            <a:r>
+              <a:rPr lang="is-IS" sz="5400" kern="0" dirty="0" smtClean="0">
+                <a:solidFill>
+                  <a:srgbClr val="000000"/>
+                </a:solidFill>
+                <a:latin typeface="Comic Sans MS" pitchFamily="66" charset="0"/>
+              </a:rPr>
+              <a:t>has</a:t>
+            </a:r>
+            <a:r>
+              <a:rPr lang="is-IS" sz="5400" kern="0" dirty="0" smtClean="0">
+                <a:solidFill>
+                  <a:schemeClr val="accent1">
+                    <a:lumMod val="50000"/>
+                  </a:schemeClr>
+                </a:solidFill>
+                <a:latin typeface="Comic Sans MS" pitchFamily="66" charset="0"/>
+              </a:rPr>
+              <a:t> TB,</a:t>
+            </a:r>
+            <a:r>
+              <a:rPr lang="is-IS" sz="5400" kern="0" dirty="0" smtClean="0">
+                <a:solidFill>
+                  <a:srgbClr val="000000"/>
+                </a:solidFill>
+                <a:latin typeface="Comic Sans MS" pitchFamily="66" charset="0"/>
+              </a:rPr>
+              <a:t> </a:t>
+            </a:r>
+            <a:r>
+              <a:rPr lang="is-IS" sz="5400" kern="0" dirty="0" smtClean="0">
+                <a:solidFill>
+                  <a:schemeClr val="accent1">
+                    <a:lumMod val="50000"/>
+                  </a:schemeClr>
+                </a:solidFill>
+                <a:latin typeface="Comic Sans MS" pitchFamily="66" charset="0"/>
+              </a:rPr>
+              <a:t>given </a:t>
+            </a:r>
+            <a:r>
+              <a:rPr lang="is-IS" sz="5400" kern="0" dirty="0" smtClean="0">
+                <a:solidFill>
+                  <a:srgbClr val="000000"/>
+                </a:solidFill>
+                <a:latin typeface="Comic Sans MS" pitchFamily="66" charset="0"/>
+              </a:rPr>
+              <a:t>they</a:t>
+            </a:r>
+            <a:r>
+              <a:rPr lang="is-IS" sz="5400" kern="0" dirty="0" smtClean="0">
+                <a:solidFill>
+                  <a:schemeClr val="accent1">
+                    <a:lumMod val="50000"/>
+                  </a:schemeClr>
+                </a:solidFill>
+                <a:latin typeface="Comic Sans MS" pitchFamily="66" charset="0"/>
+              </a:rPr>
+              <a:t> test positive</a:t>
+            </a:r>
+            <a:endParaRPr lang="en-US" sz="5400" dirty="0">
+              <a:solidFill>
+                <a:srgbClr val="000000"/>
+              </a:solidFill>
+              <a:latin typeface="Comic Sans MS"/>
+              <a:cs typeface="Comic Sans MS"/>
+            </a:endParaRPr>
+          </a:p>
+        </p:txBody>
+      </p:sp>
+      <p:sp>
+        <p:nvSpPr>
+          <p:cNvPr id="8" name="Title 1"/>
+          <p:cNvSpPr>
+            <a:spLocks noGrp="1"/>
+          </p:cNvSpPr>
+          <p:nvPr>
+            <p:ph type="title"/>
+          </p:nvPr>
+        </p:nvSpPr>
+        <p:spPr>
+          <a:xfrm>
+            <a:off x="1752600" y="152400"/>
+            <a:ext cx="6324600" cy="1143000"/>
+          </a:xfrm>
+        </p:spPr>
+        <p:txBody>
+          <a:bodyPr/>
+          <a:lstStyle/>
+          <a:p>
+            <a:r>
+              <a:rPr lang="en-US" sz="4800" dirty="0" smtClean="0"/>
+              <a:t>Probability of TB?</a:t>
+            </a:r>
+            <a:endParaRPr lang="en-US" sz="4800" dirty="0">
+              <a:solidFill>
+                <a:srgbClr val="FF00FF"/>
+              </a:solidFill>
+            </a:endParaRPr>
+          </a:p>
+        </p:txBody>
+      </p:sp>
+      <p:sp>
+        <p:nvSpPr>
+          <p:cNvPr id="6" name="Slide Number Placeholder 1"/>
+          <p:cNvSpPr>
+            <a:spLocks noGrp="1"/>
+          </p:cNvSpPr>
+          <p:nvPr>
+            <p:ph type="sldNum" sz="quarter" idx="4"/>
+          </p:nvPr>
+        </p:nvSpPr>
+        <p:spPr>
+          <a:xfrm>
+            <a:off x="7620000" y="6597650"/>
+            <a:ext cx="1524000" cy="274638"/>
+          </a:xfrm>
+          <a:noFill/>
+        </p:spPr>
+        <p:txBody>
+          <a:bodyPr/>
+          <a:lstStyle/>
+          <a:p>
+            <a:r>
+              <a:rPr lang="en-US" dirty="0" smtClean="0"/>
+              <a:t>truth.</a:t>
+            </a:r>
+            <a:fld id="{FA37E6F2-F2EB-4CD5-AFBF-DAF43A4D56E9}" type="slidenum">
+              <a:rPr lang="en-US" smtClean="0"/>
+              <a:pPr/>
+              <a:t>4</a:t>
+            </a:fld>
+            <a:endParaRPr lang="en-US" dirty="0" smtClean="0"/>
+          </a:p>
+        </p:txBody>
+      </p:sp>
+    </p:spTree>
+    <p:extLst>
+      <p:ext uri="{BB962C8B-B14F-4D97-AF65-F5344CB8AC3E}">
+        <p14:creationId xmlns:p14="http://schemas.microsoft.com/office/powerpoint/2010/main" val="4112729268"/>
+      </p:ext>
+    </p:extLst>
+  </p:cSld>
+  <p:clrMapOvr>
+    <a:masterClrMapping/>
+  </p:clrMapOvr>
+  <mc:AlternateContent xmlns:mc="http://schemas.openxmlformats.org/markup-compatibility/2006" xmlns:p14="http://schemas.microsoft.com/office/powerpoint/2010/main">
+    <mc:Choice Requires="p14">
+      <p:transition spd="slow" p14:dur="900" advClick="0">
+        <p:fade/>
+      </p:transition>
+    </mc:Choice>
+    <mc:Fallback xmlns="">
+      <p:transition xmlns:p14="http://schemas.microsoft.com/office/powerpoint/2010/main" spd="slow" advClick="0">
+        <p:fade/>
+      </p:transition>
+    </mc:Fallback>
+  </mc:AlternateContent>
+  <p:timing>
+    <p:tnLst>
+      <p:par>
+        <p:cTn xmlns:p14="http://schemas.microsoft.com/office/powerpoint/2010/main" id="1" dur="indefinite" restart="never" nodeType="tmRoot"/>
+      </p:par>
+    </p:tnLst>
+  </p:timing>
+</p:sld>
+</file>
+
+<file path=ppt/slides/slide5.xml><?xml version="1.0" encoding="utf-8"?>
+<p:sld xmlns:a="http://schemas.openxmlformats.org/drawingml/2006/main" xmlns:r="http://schemas.openxmlformats.org/officeDocument/2006/relationships" xmlns:p="http://schemas.openxmlformats.org/presentationml/2006/main">
+  <p:cSld>
+    <p:spTree>
+      <p:nvGrpSpPr>
+        <p:cNvPr id="1" name=""/>
+        <p:cNvGrpSpPr/>
+        <p:nvPr/>
+      </p:nvGrpSpPr>
+      <p:grpSpPr>
+        <a:xfrm>
+          <a:off x="0" y="0"/>
+          <a:ext cx="0" cy="0"/>
+          <a:chOff x="0" y="0"/>
+          <a:chExt cx="0" cy="0"/>
+        </a:xfrm>
+      </p:grpSpPr>
+      <p:cxnSp>
+        <p:nvCxnSpPr>
+          <p:cNvPr id="30727" name="AutoShape 21"/>
+          <p:cNvCxnSpPr>
+            <a:cxnSpLocks noChangeShapeType="1"/>
+          </p:cNvCxnSpPr>
+          <p:nvPr/>
+        </p:nvCxnSpPr>
+        <p:spPr bwMode="auto">
+          <a:xfrm>
+            <a:off x="1219200" y="3543300"/>
+            <a:ext cx="0" cy="0"/>
+          </a:xfrm>
+          <a:prstGeom prst="straightConnector1">
+            <a:avLst/>
+          </a:prstGeom>
+          <a:noFill/>
+          <a:ln w="9525">
+            <a:solidFill>
+              <a:schemeClr val="tx1"/>
+            </a:solidFill>
+            <a:round/>
+            <a:headEnd/>
+            <a:tailEnd/>
+          </a:ln>
+        </p:spPr>
+      </p:cxnSp>
+      <p:sp>
+        <p:nvSpPr>
+          <p:cNvPr id="2" name="TextBox 1"/>
+          <p:cNvSpPr txBox="1"/>
+          <p:nvPr/>
+        </p:nvSpPr>
+        <p:spPr>
+          <a:xfrm>
+            <a:off x="76200" y="1315283"/>
+            <a:ext cx="8944962" cy="4247317"/>
+          </a:xfrm>
+          <a:prstGeom prst="rect">
+            <a:avLst/>
+          </a:prstGeom>
+          <a:noFill/>
+        </p:spPr>
+        <p:txBody>
+          <a:bodyPr wrap="square" rtlCol="0">
+            <a:spAutoFit/>
+          </a:bodyPr>
+          <a:lstStyle/>
+          <a:p>
+            <a:r>
+              <a:rPr lang="en-US" sz="5400" kern="0" dirty="0" smtClean="0">
+                <a:solidFill>
+                  <a:srgbClr val="000000"/>
+                </a:solidFill>
+                <a:latin typeface="Comic Sans MS" pitchFamily="66" charset="0"/>
+              </a:rPr>
+              <a:t>But we know</a:t>
+            </a:r>
+            <a:r>
+              <a:rPr lang="is-IS" sz="5400" kern="0" dirty="0" smtClean="0">
+                <a:solidFill>
+                  <a:srgbClr val="000000"/>
+                </a:solidFill>
+                <a:latin typeface="Comic Sans MS" pitchFamily="66" charset="0"/>
+              </a:rPr>
+              <a:t> </a:t>
+            </a:r>
+            <a:r>
+              <a:rPr lang="is-IS" sz="5400" kern="0" dirty="0" smtClean="0">
+                <a:latin typeface="Comic Sans MS" pitchFamily="66" charset="0"/>
+              </a:rPr>
+              <a:t>probability someone </a:t>
+            </a:r>
+            <a:r>
+              <a:rPr lang="is-IS" sz="5400" kern="0" dirty="0" smtClean="0">
+                <a:solidFill>
+                  <a:srgbClr val="000000"/>
+                </a:solidFill>
+                <a:latin typeface="Comic Sans MS" pitchFamily="66" charset="0"/>
+              </a:rPr>
+              <a:t>has</a:t>
+            </a:r>
+            <a:r>
+              <a:rPr lang="is-IS" sz="5400" kern="0" dirty="0" smtClean="0">
+                <a:solidFill>
+                  <a:schemeClr val="accent1">
+                    <a:lumMod val="50000"/>
+                  </a:schemeClr>
+                </a:solidFill>
+                <a:latin typeface="Comic Sans MS" pitchFamily="66" charset="0"/>
+              </a:rPr>
+              <a:t> TB,</a:t>
+            </a:r>
+            <a:r>
+              <a:rPr lang="is-IS" sz="5400" kern="0" dirty="0" smtClean="0">
+                <a:solidFill>
+                  <a:srgbClr val="000000"/>
+                </a:solidFill>
+                <a:latin typeface="Comic Sans MS" pitchFamily="66" charset="0"/>
+              </a:rPr>
+              <a:t> </a:t>
+            </a:r>
+            <a:r>
+              <a:rPr lang="is-IS" sz="5400" kern="0" dirty="0" smtClean="0">
+                <a:solidFill>
+                  <a:schemeClr val="accent1">
+                    <a:lumMod val="50000"/>
+                  </a:schemeClr>
+                </a:solidFill>
+                <a:latin typeface="Comic Sans MS" pitchFamily="66" charset="0"/>
+              </a:rPr>
+              <a:t>given </a:t>
+            </a:r>
+            <a:r>
+              <a:rPr lang="is-IS" sz="5400" kern="0" dirty="0" smtClean="0">
+                <a:solidFill>
+                  <a:srgbClr val="000000"/>
+                </a:solidFill>
+                <a:latin typeface="Comic Sans MS" pitchFamily="66" charset="0"/>
+              </a:rPr>
+              <a:t>they</a:t>
+            </a:r>
+            <a:r>
+              <a:rPr lang="is-IS" sz="5400" kern="0" dirty="0" smtClean="0">
+                <a:solidFill>
+                  <a:schemeClr val="accent1">
+                    <a:lumMod val="50000"/>
+                  </a:schemeClr>
+                </a:solidFill>
+                <a:latin typeface="Comic Sans MS" pitchFamily="66" charset="0"/>
+              </a:rPr>
+              <a:t> test positive </a:t>
+            </a:r>
+            <a:r>
+              <a:rPr lang="is-IS" sz="5400" kern="0" dirty="0" smtClean="0">
+                <a:solidFill>
+                  <a:srgbClr val="000000"/>
+                </a:solidFill>
+                <a:latin typeface="Comic Sans MS" pitchFamily="66" charset="0"/>
+              </a:rPr>
+              <a:t>depends on the probability a </a:t>
+            </a:r>
+            <a:r>
+              <a:rPr lang="is-IS" sz="5400" kern="0" dirty="0" smtClean="0">
+                <a:solidFill>
+                  <a:srgbClr val="FF00FF"/>
+                </a:solidFill>
+                <a:latin typeface="Comic Sans MS" pitchFamily="66" charset="0"/>
+              </a:rPr>
+              <a:t>random person</a:t>
+            </a:r>
+            <a:r>
+              <a:rPr lang="is-IS" sz="5400" kern="0" dirty="0" smtClean="0">
+                <a:solidFill>
+                  <a:srgbClr val="0000FF"/>
+                </a:solidFill>
+                <a:latin typeface="Comic Sans MS" pitchFamily="66" charset="0"/>
+              </a:rPr>
+              <a:t> has TB</a:t>
+            </a:r>
+            <a:r>
+              <a:rPr lang="is-IS" sz="5400" kern="0" dirty="0" smtClean="0">
+                <a:solidFill>
+                  <a:srgbClr val="000000"/>
+                </a:solidFill>
+                <a:latin typeface="Comic Sans MS" pitchFamily="66" charset="0"/>
+              </a:rPr>
+              <a:t>.</a:t>
+            </a:r>
+            <a:endParaRPr lang="en-US" sz="5400" dirty="0">
+              <a:solidFill>
+                <a:srgbClr val="000000"/>
+              </a:solidFill>
+              <a:latin typeface="Comic Sans MS"/>
+              <a:cs typeface="Comic Sans MS"/>
+            </a:endParaRPr>
+          </a:p>
+        </p:txBody>
+      </p:sp>
+      <p:sp>
+        <p:nvSpPr>
+          <p:cNvPr id="8" name="Title 1"/>
+          <p:cNvSpPr>
+            <a:spLocks noGrp="1"/>
+          </p:cNvSpPr>
+          <p:nvPr>
+            <p:ph type="title"/>
+          </p:nvPr>
+        </p:nvSpPr>
+        <p:spPr>
+          <a:xfrm>
+            <a:off x="1752600" y="152400"/>
+            <a:ext cx="6324600" cy="1143000"/>
+          </a:xfrm>
+        </p:spPr>
+        <p:txBody>
+          <a:bodyPr/>
+          <a:lstStyle/>
+          <a:p>
+            <a:r>
+              <a:rPr lang="en-US" sz="4800" dirty="0" smtClean="0"/>
+              <a:t>A Random Person</a:t>
+            </a:r>
+            <a:endParaRPr lang="en-US" sz="4800" dirty="0">
+              <a:solidFill>
+                <a:srgbClr val="FF00FF"/>
+              </a:solidFill>
+            </a:endParaRPr>
+          </a:p>
+        </p:txBody>
+      </p:sp>
+      <p:sp>
+        <p:nvSpPr>
+          <p:cNvPr id="6" name="Slide Number Placeholder 1"/>
+          <p:cNvSpPr>
+            <a:spLocks noGrp="1"/>
+          </p:cNvSpPr>
+          <p:nvPr>
+            <p:ph type="sldNum" sz="quarter" idx="4"/>
+          </p:nvPr>
+        </p:nvSpPr>
+        <p:spPr>
+          <a:xfrm>
+            <a:off x="7620000" y="6597650"/>
+            <a:ext cx="1524000" cy="274638"/>
+          </a:xfrm>
+          <a:noFill/>
+        </p:spPr>
+        <p:txBody>
+          <a:bodyPr/>
+          <a:lstStyle/>
+          <a:p>
+            <a:r>
+              <a:rPr lang="en-US" dirty="0" smtClean="0"/>
+              <a:t>truth.</a:t>
+            </a:r>
+            <a:fld id="{FA37E6F2-F2EB-4CD5-AFBF-DAF43A4D56E9}" type="slidenum">
+              <a:rPr lang="en-US" smtClean="0"/>
+              <a:pPr/>
+              <a:t>5</a:t>
+            </a:fld>
+            <a:endParaRPr lang="en-US" dirty="0" smtClean="0"/>
+          </a:p>
+        </p:txBody>
+      </p:sp>
+    </p:spTree>
+    <p:extLst>
+      <p:ext uri="{BB962C8B-B14F-4D97-AF65-F5344CB8AC3E}">
+        <p14:creationId xmlns:p14="http://schemas.microsoft.com/office/powerpoint/2010/main" val="1961159939"/>
+      </p:ext>
+    </p:extLst>
+  </p:cSld>
+  <p:clrMapOvr>
+    <a:masterClrMapping/>
+  </p:clrMapOvr>
+  <p:transition xmlns:p14="http://schemas.microsoft.com/office/powerpoint/2010/main" spd="slow" advClick="0">
+    <p:fade/>
+  </p:transition>
+  <p:timing>
+    <p:tnLst>
+      <p:par>
+        <p:cTn xmlns:p14="http://schemas.microsoft.com/office/powerpoint/2010/main" id="1" dur="indefinite" restart="never" nodeType="tmRoot"/>
+      </p:par>
+    </p:tnLst>
+  </p:timing>
+</p:sld>
+</file>
+
+<file path=ppt/slides/slide6.xml><?xml version="1.0" encoding="utf-8"?>
+<p:sld xmlns:a="http://schemas.openxmlformats.org/drawingml/2006/main" xmlns:r="http://schemas.openxmlformats.org/officeDocument/2006/relationships" xmlns:p="http://schemas.openxmlformats.org/presentationml/2006/main" show="0">
+  <p:cSld>
+    <p:spTree>
+      <p:nvGrpSpPr>
+        <p:cNvPr id="1" name=""/>
+        <p:cNvGrpSpPr/>
+        <p:nvPr/>
+      </p:nvGrpSpPr>
+      <p:grpSpPr>
+        <a:xfrm>
+          <a:off x="0" y="0"/>
+          <a:ext cx="0" cy="0"/>
+          <a:chOff x="0" y="0"/>
+          <a:chExt cx="0" cy="0"/>
+        </a:xfrm>
+      </p:grpSpPr>
+      <p:sp>
+        <p:nvSpPr>
+          <p:cNvPr id="2" name="Title 1"/>
+          <p:cNvSpPr>
+            <a:spLocks noGrp="1"/>
+          </p:cNvSpPr>
+          <p:nvPr>
+            <p:ph type="title"/>
+          </p:nvPr>
+        </p:nvSpPr>
+        <p:spPr>
+          <a:xfrm>
+            <a:off x="1752600" y="152400"/>
+            <a:ext cx="6324600" cy="1143000"/>
+          </a:xfrm>
+        </p:spPr>
+        <p:txBody>
+          <a:bodyPr/>
+          <a:lstStyle/>
+          <a:p>
+            <a:r>
+              <a:rPr lang="en-US" sz="4800" dirty="0" smtClean="0"/>
+              <a:t>A Random </a:t>
+            </a:r>
+            <a:r>
+              <a:rPr lang="en-US" sz="4800" dirty="0"/>
+              <a:t>P</a:t>
+            </a:r>
+            <a:r>
+              <a:rPr lang="en-US" sz="4800" dirty="0" smtClean="0"/>
+              <a:t>erson</a:t>
+            </a:r>
+            <a:endParaRPr lang="en-US" sz="4800" dirty="0"/>
+          </a:p>
+        </p:txBody>
+      </p:sp>
+      <p:sp>
+        <p:nvSpPr>
+          <p:cNvPr id="3" name="Content Placeholder 2"/>
+          <p:cNvSpPr>
+            <a:spLocks noGrp="1"/>
+          </p:cNvSpPr>
+          <p:nvPr>
+            <p:ph idx="1"/>
+          </p:nvPr>
+        </p:nvSpPr>
+        <p:spPr>
+          <a:xfrm>
+            <a:off x="228600" y="1447800"/>
+            <a:ext cx="8610600" cy="4495799"/>
+          </a:xfrm>
+        </p:spPr>
+        <p:txBody>
+          <a:bodyPr/>
+          <a:lstStyle/>
+          <a:p>
+            <a:r>
+              <a:rPr lang="en-US" sz="5400" dirty="0" smtClean="0"/>
+              <a:t>We don’t really mean the “probability” that you </a:t>
+            </a:r>
+            <a:r>
+              <a:rPr lang="en-US" sz="5400" dirty="0" smtClean="0">
+                <a:solidFill>
+                  <a:srgbClr val="A92082"/>
+                </a:solidFill>
+              </a:rPr>
+              <a:t>personally</a:t>
+            </a:r>
+            <a:r>
+              <a:rPr lang="en-US" sz="5400" dirty="0" smtClean="0"/>
+              <a:t> have TB.  We’re just thinking of you as a </a:t>
+            </a:r>
+            <a:r>
+              <a:rPr lang="en-US" sz="5400" dirty="0" smtClean="0">
+                <a:solidFill>
+                  <a:srgbClr val="008000"/>
+                </a:solidFill>
+              </a:rPr>
+              <a:t>random person</a:t>
+            </a:r>
+            <a:r>
+              <a:rPr lang="en-US" sz="5400" dirty="0" smtClean="0"/>
+              <a:t>.</a:t>
+            </a:r>
+          </a:p>
+        </p:txBody>
+      </p:sp>
+      <p:sp>
+        <p:nvSpPr>
+          <p:cNvPr id="5" name="Slide Number Placeholder 1"/>
+          <p:cNvSpPr>
+            <a:spLocks noGrp="1"/>
+          </p:cNvSpPr>
+          <p:nvPr>
+            <p:ph type="sldNum" sz="quarter" idx="4"/>
+          </p:nvPr>
+        </p:nvSpPr>
+        <p:spPr>
+          <a:xfrm>
+            <a:off x="7620000" y="6597650"/>
+            <a:ext cx="1524000" cy="274638"/>
+          </a:xfrm>
+          <a:noFill/>
+        </p:spPr>
+        <p:txBody>
+          <a:bodyPr/>
+          <a:lstStyle/>
+          <a:p>
+            <a:r>
+              <a:rPr lang="en-US" dirty="0" smtClean="0"/>
+              <a:t>truth.</a:t>
+            </a:r>
+            <a:fld id="{FA37E6F2-F2EB-4CD5-AFBF-DAF43A4D56E9}" type="slidenum">
+              <a:rPr lang="en-US" smtClean="0"/>
+              <a:pPr/>
+              <a:t>6</a:t>
+            </a:fld>
+            <a:endParaRPr lang="en-US" dirty="0" smtClean="0"/>
+          </a:p>
+        </p:txBody>
+      </p:sp>
+    </p:spTree>
+    <p:extLst>
+      <p:ext uri="{BB962C8B-B14F-4D97-AF65-F5344CB8AC3E}">
+        <p14:creationId xmlns:p14="http://schemas.microsoft.com/office/powerpoint/2010/main" val="385488026"/>
+      </p:ext>
+    </p:extLst>
+  </p:cSld>
+  <p:clrMapOvr>
+    <a:masterClrMapping/>
+  </p:clrMapOvr>
+  <mc:AlternateContent xmlns:mc="http://schemas.openxmlformats.org/markup-compatibility/2006">
+    <mc:Choice xmlns:p14="http://schemas.microsoft.com/office/powerpoint/2010/main" Requires="p14">
+      <p:transition spd="slow" p14:dur="1100" advClick="0">
+        <p:fade thruBlk="1"/>
+      </p:transition>
+    </mc:Choice>
+    <mc:Fallback>
+      <p:transition xmlns:p14="http://schemas.microsoft.com/office/powerpoint/2010/main" spd="slow" advClick="0">
+        <p:fade thruBlk="1"/>
+      </p:transition>
+    </mc:Fallback>
+  </mc:AlternateContent>
+  <p:timing>
+    <p:tnLst>
+      <p:par>
+        <p:cTn xmlns:p14="http://schemas.microsoft.com/office/powerpoint/2010/main" id="1" dur="indefinite" restart="never" nodeType="tmRoot"/>
+      </p:par>
+    </p:tnLst>
+  </p:timing>
+</p:sld>
+</file>
+
+<file path=ppt/slides/slide7.xml><?xml version="1.0" encoding="utf-8"?>
+<p:sld xmlns:a="http://schemas.openxmlformats.org/drawingml/2006/main" xmlns:r="http://schemas.openxmlformats.org/officeDocument/2006/relationships" xmlns:p="http://schemas.openxmlformats.org/presentationml/2006/main">
+  <p:cSld>
+    <p:spTree>
+      <p:nvGrpSpPr>
+        <p:cNvPr id="1" name=""/>
+        <p:cNvGrpSpPr/>
+        <p:nvPr/>
+      </p:nvGrpSpPr>
+      <p:grpSpPr>
+        <a:xfrm>
+          <a:off x="0" y="0"/>
+          <a:ext cx="0" cy="0"/>
+          <a:chOff x="0" y="0"/>
+          <a:chExt cx="0" cy="0"/>
+        </a:xfrm>
+      </p:grpSpPr>
+      <p:sp>
+        <p:nvSpPr>
+          <p:cNvPr id="2" name="Title 1"/>
+          <p:cNvSpPr>
+            <a:spLocks noGrp="1"/>
+          </p:cNvSpPr>
+          <p:nvPr>
+            <p:ph type="title"/>
+          </p:nvPr>
+        </p:nvSpPr>
+        <p:spPr>
+          <a:xfrm>
+            <a:off x="1752600" y="152400"/>
+            <a:ext cx="6324600" cy="1143000"/>
+          </a:xfrm>
+        </p:spPr>
+        <p:txBody>
+          <a:bodyPr/>
+          <a:lstStyle/>
+          <a:p>
+            <a:r>
+              <a:rPr lang="en-US" sz="4800" dirty="0" smtClean="0"/>
+              <a:t>A Random Person</a:t>
+            </a:r>
+            <a:r>
+              <a:rPr lang="en-US" sz="4800" dirty="0">
+                <a:solidFill>
+                  <a:srgbClr val="FF00FF"/>
+                </a:solidFill>
+              </a:rPr>
+              <a:t>?</a:t>
+            </a:r>
+            <a:endParaRPr lang="en-US" sz="4800" dirty="0"/>
+          </a:p>
+        </p:txBody>
+      </p:sp>
+      <p:sp>
+        <p:nvSpPr>
+          <p:cNvPr id="3" name="Content Placeholder 2"/>
+          <p:cNvSpPr>
+            <a:spLocks noGrp="1"/>
+          </p:cNvSpPr>
+          <p:nvPr>
+            <p:ph idx="1"/>
+          </p:nvPr>
+        </p:nvSpPr>
+        <p:spPr>
+          <a:xfrm>
+            <a:off x="228600" y="1295400"/>
+            <a:ext cx="8610600" cy="4953000"/>
+          </a:xfrm>
+        </p:spPr>
+        <p:txBody>
+          <a:bodyPr/>
+          <a:lstStyle/>
+          <a:p>
+            <a:r>
+              <a:rPr lang="en-US" sz="5400" dirty="0" smtClean="0"/>
+              <a:t>But you personally are</a:t>
+            </a:r>
+          </a:p>
+          <a:p>
+            <a:r>
+              <a:rPr lang="en-US" sz="5400" dirty="0" smtClean="0">
+                <a:solidFill>
+                  <a:srgbClr val="FF00FF"/>
+                </a:solidFill>
+              </a:rPr>
+              <a:t>not</a:t>
+            </a:r>
+            <a:r>
+              <a:rPr lang="en-US" sz="5400" dirty="0" smtClean="0"/>
+              <a:t> a random person.</a:t>
+            </a:r>
+          </a:p>
+          <a:p>
+            <a:r>
+              <a:rPr lang="en-US" sz="5400" dirty="0" smtClean="0"/>
+              <a:t>Either </a:t>
+            </a:r>
+            <a:r>
+              <a:rPr lang="en-US" sz="5400" dirty="0" smtClean="0">
+                <a:solidFill>
+                  <a:srgbClr val="FF0000"/>
+                </a:solidFill>
+              </a:rPr>
+              <a:t>you have</a:t>
+            </a:r>
+            <a:r>
+              <a:rPr lang="en-US" sz="5400" dirty="0" smtClean="0"/>
+              <a:t> TB, or </a:t>
+            </a:r>
+          </a:p>
+          <a:p>
+            <a:r>
+              <a:rPr lang="en-US" sz="5400" dirty="0" smtClean="0">
+                <a:solidFill>
+                  <a:srgbClr val="008000"/>
+                </a:solidFill>
+              </a:rPr>
+              <a:t>you don’t</a:t>
+            </a:r>
+            <a:r>
+              <a:rPr lang="en-US" sz="5400" dirty="0" smtClean="0"/>
+              <a:t>.</a:t>
+            </a:r>
+          </a:p>
+        </p:txBody>
+      </p:sp>
+      <p:sp>
+        <p:nvSpPr>
+          <p:cNvPr id="5" name="Slide Number Placeholder 1"/>
+          <p:cNvSpPr>
+            <a:spLocks noGrp="1"/>
+          </p:cNvSpPr>
+          <p:nvPr>
+            <p:ph type="sldNum" sz="quarter" idx="4"/>
+          </p:nvPr>
+        </p:nvSpPr>
+        <p:spPr>
+          <a:xfrm>
+            <a:off x="7620000" y="6597650"/>
+            <a:ext cx="1524000" cy="274638"/>
+          </a:xfrm>
+          <a:noFill/>
+        </p:spPr>
+        <p:txBody>
+          <a:bodyPr/>
+          <a:lstStyle/>
+          <a:p>
+            <a:r>
+              <a:rPr lang="en-US" dirty="0" smtClean="0"/>
+              <a:t>truth.</a:t>
+            </a:r>
+            <a:fld id="{FA37E6F2-F2EB-4CD5-AFBF-DAF43A4D56E9}" type="slidenum">
+              <a:rPr lang="en-US" smtClean="0"/>
+              <a:pPr/>
+              <a:t>7</a:t>
+            </a:fld>
+            <a:endParaRPr lang="en-US" dirty="0" smtClean="0"/>
+          </a:p>
+        </p:txBody>
+      </p:sp>
+    </p:spTree>
+    <p:extLst>
+      <p:ext uri="{BB962C8B-B14F-4D97-AF65-F5344CB8AC3E}">
+        <p14:creationId xmlns:p14="http://schemas.microsoft.com/office/powerpoint/2010/main" val="1399394040"/>
+      </p:ext>
+    </p:extLst>
+  </p:cSld>
+  <p:clrMapOvr>
+    <a:masterClrMapping/>
+  </p:clrMapOvr>
+  <mc:AlternateContent xmlns:mc="http://schemas.openxmlformats.org/markup-compatibility/2006" xmlns:p14="http://schemas.microsoft.com/office/powerpoint/2010/main">
+    <mc:Choice Requires="p14">
+      <p:transition spd="slow" p14:dur="900" advClick="0">
+        <p:fade/>
+      </p:transition>
+    </mc:Choice>
+    <mc:Fallback xmlns="">
+      <p:transition xmlns:p14="http://schemas.microsoft.com/office/powerpoint/2010/main" spd="slow" advClick="0">
+        <p:fade/>
+      </p:transition>
+    </mc:Fallback>
+  </mc:AlternateContent>
+  <p:timing>
+    <p:tnLst>
+      <p:par>
+        <p:cTn xmlns:p14="http://schemas.microsoft.com/office/powerpoint/2010/main" id="1" dur="indefinite" restart="never" nodeType="tmRoot">
+          <p:childTnLst>
+            <p:seq concurrent="1" nextAc="seek">
+              <p:cTn id="2" dur="indefinite" nodeType="mainSeq">
+                <p:childTnLst>
+                  <p:par>
+                    <p:cTn id="3" fill="hold">
+                      <p:stCondLst>
+                        <p:cond delay="indefinite"/>
+                      </p:stCondLst>
+                      <p:childTnLst>
+                        <p:par>
+                          <p:cTn id="4" fill="hold">
+                            <p:stCondLst>
+                              <p:cond delay="0"/>
+                            </p:stCondLst>
+                            <p:childTnLst>
+                              <p:par>
+                                <p:cTn id="5" presetID="10" presetClass="entr" presetSubtype="0" fill="hold" nodeType="clickEffect">
+                                  <p:stCondLst>
+                                    <p:cond delay="0"/>
+                                  </p:stCondLst>
+                                  <p:childTnLst>
+                                    <p:set>
+                                      <p:cBhvr>
+                                        <p:cTn id="6" dur="1" fill="hold">
+                                          <p:stCondLst>
+                                            <p:cond delay="0"/>
+                                          </p:stCondLst>
+                                        </p:cTn>
+                                        <p:tgtEl>
+                                          <p:spTgt spid="3">
+                                            <p:txEl>
+                                              <p:pRg st="2" end="2"/>
+                                            </p:txEl>
+                                          </p:spTgt>
+                                        </p:tgtEl>
+                                        <p:attrNameLst>
+                                          <p:attrName>style.visibility</p:attrName>
+                                        </p:attrNameLst>
+                                      </p:cBhvr>
+                                      <p:to>
+                                        <p:strVal val="visible"/>
+                                      </p:to>
+                                    </p:set>
+                                    <p:animEffect transition="in" filter="fade">
+                                      <p:cBhvr>
+                                        <p:cTn id="7" dur="500"/>
+                                        <p:tgtEl>
+                                          <p:spTgt spid="3">
+                                            <p:txEl>
+                                              <p:pRg st="2" end="2"/>
+                                            </p:txEl>
+                                          </p:spTgt>
+                                        </p:tgtEl>
+                                      </p:cBhvr>
+                                    </p:animEffect>
+                                  </p:childTnLst>
+                                </p:cTn>
+                              </p:par>
+                              <p:par>
+                                <p:cTn id="8" presetID="10" presetClass="entr" presetSubtype="0" fill="hold" nodeType="withEffect">
+                                  <p:stCondLst>
+                                    <p:cond delay="0"/>
+                                  </p:stCondLst>
+                                  <p:childTnLst>
+                                    <p:set>
+                                      <p:cBhvr>
+                                        <p:cTn id="9" dur="1" fill="hold">
+                                          <p:stCondLst>
+                                            <p:cond delay="0"/>
+                                          </p:stCondLst>
+                                        </p:cTn>
+                                        <p:tgtEl>
+                                          <p:spTgt spid="3">
+                                            <p:txEl>
+                                              <p:pRg st="3" end="3"/>
+                                            </p:txEl>
+                                          </p:spTgt>
+                                        </p:tgtEl>
+                                        <p:attrNameLst>
+                                          <p:attrName>style.visibility</p:attrName>
+                                        </p:attrNameLst>
+                                      </p:cBhvr>
+                                      <p:to>
+                                        <p:strVal val="visible"/>
+                                      </p:to>
+                                    </p:set>
+                                    <p:animEffect transition="in" filter="fade">
+                                      <p:cBhvr>
+                                        <p:cTn id="10" dur="500"/>
+                                        <p:tgtEl>
+                                          <p:spTgt spid="3">
+                                            <p:txEl>
+                                              <p:pRg st="3" end="3"/>
+                                            </p:txEl>
+                                          </p:spTgt>
+                                        </p:tgtEl>
+                                      </p:cBhvr>
+                                    </p:animEffect>
+                                  </p:childTnLst>
+                                </p:cTn>
+                              </p:par>
+                            </p:childTnLst>
+                          </p:cTn>
+                        </p:par>
+                      </p:childTnLst>
+                    </p:cTn>
+                  </p:par>
+                </p:childTnLst>
+              </p:cTn>
+              <p:prevCondLst>
+                <p:cond evt="onPrev" delay="0">
+                  <p:tgtEl>
+                    <p:sldTgt/>
+                  </p:tgtEl>
+                </p:cond>
+              </p:prevCondLst>
+              <p:nextCondLst>
+                <p:cond evt="onNext" delay="0">
+                  <p:tgtEl>
+                    <p:sldTgt/>
+                  </p:tgtEl>
+                </p:cond>
+              </p:nextCondLst>
+            </p:seq>
+          </p:childTnLst>
+        </p:cTn>
+      </p:par>
+    </p:tnLst>
+  </p:timing>
+</p:sld>
+</file>
+
+<file path=ppt/slides/slide8.xml><?xml version="1.0" encoding="utf-8"?>
+<p:sld xmlns:a="http://schemas.openxmlformats.org/drawingml/2006/main" xmlns:r="http://schemas.openxmlformats.org/officeDocument/2006/relationships" xmlns:p="http://schemas.openxmlformats.org/presentationml/2006/main">
+  <p:cSld>
+    <p:spTree>
+      <p:nvGrpSpPr>
+        <p:cNvPr id="1" name=""/>
+        <p:cNvGrpSpPr/>
+        <p:nvPr/>
+      </p:nvGrpSpPr>
+      <p:grpSpPr>
+        <a:xfrm>
+          <a:off x="0" y="0"/>
+          <a:ext cx="0" cy="0"/>
+          <a:chOff x="0" y="0"/>
+          <a:chExt cx="0" cy="0"/>
+        </a:xfrm>
+      </p:grpSpPr>
+      <p:sp>
+        <p:nvSpPr>
+          <p:cNvPr id="2" name="Title 1"/>
+          <p:cNvSpPr>
+            <a:spLocks noGrp="1"/>
+          </p:cNvSpPr>
+          <p:nvPr>
+            <p:ph type="title"/>
+          </p:nvPr>
+        </p:nvSpPr>
+        <p:spPr>
+          <a:xfrm>
+            <a:off x="1752600" y="152400"/>
+            <a:ext cx="6324600" cy="1143000"/>
+          </a:xfrm>
+        </p:spPr>
+        <p:txBody>
+          <a:bodyPr/>
+          <a:lstStyle/>
+          <a:p>
+            <a:r>
+              <a:rPr lang="en-US" sz="4800" dirty="0" smtClean="0"/>
+              <a:t>A Random Person</a:t>
+            </a:r>
+            <a:r>
+              <a:rPr lang="en-US" sz="4800" dirty="0">
+                <a:solidFill>
+                  <a:srgbClr val="FF00FF"/>
+                </a:solidFill>
+              </a:rPr>
+              <a:t>?</a:t>
+            </a:r>
+            <a:endParaRPr lang="en-US" sz="4800" dirty="0"/>
+          </a:p>
+        </p:txBody>
+      </p:sp>
+      <p:sp>
+        <p:nvSpPr>
+          <p:cNvPr id="3" name="Content Placeholder 2"/>
+          <p:cNvSpPr>
+            <a:spLocks noGrp="1"/>
+          </p:cNvSpPr>
+          <p:nvPr>
+            <p:ph idx="1"/>
+          </p:nvPr>
+        </p:nvSpPr>
+        <p:spPr>
+          <a:xfrm>
+            <a:off x="228600" y="1295400"/>
+            <a:ext cx="8610600" cy="4953000"/>
+          </a:xfrm>
+        </p:spPr>
+        <p:txBody>
+          <a:bodyPr/>
+          <a:lstStyle/>
+          <a:p>
+            <a:r>
+              <a:rPr lang="en-US" sz="5400" dirty="0" smtClean="0"/>
+              <a:t>But you personally are</a:t>
+            </a:r>
+          </a:p>
+          <a:p>
+            <a:r>
+              <a:rPr lang="en-US" sz="5400" dirty="0" smtClean="0">
+                <a:solidFill>
+                  <a:srgbClr val="FF00FF"/>
+                </a:solidFill>
+              </a:rPr>
+              <a:t>not</a:t>
+            </a:r>
+            <a:r>
+              <a:rPr lang="en-US" sz="5400" dirty="0" smtClean="0"/>
+              <a:t> a random person.</a:t>
+            </a:r>
+          </a:p>
+          <a:p>
+            <a:r>
+              <a:rPr lang="en-US" sz="5400" dirty="0" smtClean="0"/>
+              <a:t>Either </a:t>
+            </a:r>
+            <a:r>
+              <a:rPr lang="en-US" sz="5400" dirty="0" smtClean="0">
+                <a:solidFill>
+                  <a:srgbClr val="FF0000"/>
+                </a:solidFill>
+              </a:rPr>
+              <a:t>you have</a:t>
+            </a:r>
+            <a:r>
+              <a:rPr lang="en-US" sz="5400" dirty="0" smtClean="0"/>
+              <a:t> TB, or </a:t>
+            </a:r>
+          </a:p>
+          <a:p>
+            <a:r>
+              <a:rPr lang="en-US" sz="5400" dirty="0" smtClean="0">
+                <a:solidFill>
+                  <a:srgbClr val="008000"/>
+                </a:solidFill>
+              </a:rPr>
+              <a:t>you don’t</a:t>
+            </a:r>
+            <a:r>
+              <a:rPr lang="en-US" sz="5400" dirty="0" smtClean="0"/>
+              <a:t>.  Nothing </a:t>
+            </a:r>
+          </a:p>
+          <a:p>
+            <a:r>
+              <a:rPr lang="en-US" sz="5400" dirty="0" smtClean="0"/>
+              <a:t>probabilistic about this.</a:t>
+            </a:r>
+          </a:p>
+        </p:txBody>
+      </p:sp>
+      <p:sp>
+        <p:nvSpPr>
+          <p:cNvPr id="5" name="Slide Number Placeholder 1"/>
+          <p:cNvSpPr>
+            <a:spLocks noGrp="1"/>
+          </p:cNvSpPr>
+          <p:nvPr>
+            <p:ph type="sldNum" sz="quarter" idx="4"/>
+          </p:nvPr>
+        </p:nvSpPr>
+        <p:spPr>
+          <a:xfrm>
+            <a:off x="7620000" y="6597650"/>
+            <a:ext cx="1524000" cy="274638"/>
+          </a:xfrm>
+          <a:noFill/>
+        </p:spPr>
+        <p:txBody>
+          <a:bodyPr/>
+          <a:lstStyle/>
+          <a:p>
+            <a:r>
+              <a:rPr lang="en-US" dirty="0" smtClean="0"/>
+              <a:t>truth.</a:t>
+            </a:r>
+            <a:fld id="{FA37E6F2-F2EB-4CD5-AFBF-DAF43A4D56E9}" type="slidenum">
+              <a:rPr lang="en-US" smtClean="0"/>
+              <a:pPr/>
+              <a:t>8</a:t>
+            </a:fld>
+            <a:endParaRPr lang="en-US" dirty="0" smtClean="0"/>
+          </a:p>
+        </p:txBody>
+      </p:sp>
+    </p:spTree>
+    <p:extLst>
+      <p:ext uri="{BB962C8B-B14F-4D97-AF65-F5344CB8AC3E}">
+        <p14:creationId xmlns:p14="http://schemas.microsoft.com/office/powerpoint/2010/main" val="3874130490"/>
+      </p:ext>
+    </p:extLst>
+  </p:cSld>
+  <p:clrMapOvr>
+    <a:masterClrMapping/>
+  </p:clrMapOvr>
+  <mc:AlternateContent xmlns:mc="http://schemas.openxmlformats.org/markup-compatibility/2006" xmlns:p14="http://schemas.microsoft.com/office/powerpoint/2010/main">
+    <mc:Choice Requires="p14">
+      <p:transition spd="slow" p14:dur="900" advClick="0">
+        <p:fade/>
+      </p:transition>
+    </mc:Choice>
+    <mc:Fallback xmlns="">
+      <p:transition xmlns:p14="http://schemas.microsoft.com/office/powerpoint/2010/main" spd="slow" advClick="0">
+        <p:fade/>
+      </p:transition>
+    </mc:Fallback>
+  </mc:AlternateContent>
+  <p:timing>
+    <p:tnLst>
+      <p:par>
+        <p:cTn xmlns:p14="http://schemas.microsoft.com/office/powerpoint/2010/main" id="1" dur="indefinite" restart="never" nodeType="tmRoot"/>
+      </p:par>
+    </p:tnLst>
+  </p:timing>
+</p:sld>
+</file>
+
+<file path=ppt/slides/slide9.xml><?xml version="1.0" encoding="utf-8"?>
+<p:sld xmlns:a="http://schemas.openxmlformats.org/drawingml/2006/main" xmlns:r="http://schemas.openxmlformats.org/officeDocument/2006/relationships" xmlns:p="http://schemas.openxmlformats.org/presentationml/2006/main">
+  <p:cSld>
+    <p:spTree>
+      <p:nvGrpSpPr>
+        <p:cNvPr id="1" name=""/>
+        <p:cNvGrpSpPr/>
+        <p:nvPr/>
+      </p:nvGrpSpPr>
+      <p:grpSpPr>
+        <a:xfrm>
+          <a:off x="0" y="0"/>
+          <a:ext cx="0" cy="0"/>
+          <a:chOff x="0" y="0"/>
+          <a:chExt cx="0" cy="0"/>
+        </a:xfrm>
+      </p:grpSpPr>
+      <p:sp>
+        <p:nvSpPr>
+          <p:cNvPr id="31746" name="Slide Number Placeholder 3"/>
+          <p:cNvSpPr>
+            <a:spLocks noGrp="1"/>
+          </p:cNvSpPr>
+          <p:nvPr>
+            <p:ph type="sldNum" sz="quarter" idx="4"/>
+          </p:nvPr>
+        </p:nvSpPr>
+        <p:spPr>
+          <a:xfrm>
+            <a:off x="7620000" y="6597650"/>
+            <a:ext cx="1524000" cy="274638"/>
+          </a:xfrm>
+        </p:spPr>
+        <p:txBody>
+          <a:bodyPr/>
+          <a:lstStyle/>
+          <a:p>
+            <a:pPr>
+              <a:defRPr/>
+            </a:pPr>
+            <a:r>
+              <a:rPr lang="en-US" dirty="0" smtClean="0"/>
+              <a:t>truth.</a:t>
+            </a:r>
+            <a:fld id="{B6100CB1-975D-41F5-9A6C-8F34E133D00A}" type="slidenum">
+              <a:rPr lang="en-US" smtClean="0"/>
+              <a:pPr>
+                <a:defRPr/>
+              </a:pPr>
+              <a:t>9</a:t>
+            </a:fld>
+            <a:endParaRPr lang="en-US" dirty="0"/>
+          </a:p>
+        </p:txBody>
+      </p:sp>
+      <p:sp>
+        <p:nvSpPr>
+          <p:cNvPr id="34819" name="Rectangle 2"/>
+          <p:cNvSpPr>
+            <a:spLocks noGrp="1" noChangeArrowheads="1"/>
+          </p:cNvSpPr>
+          <p:nvPr>
+            <p:ph type="body" idx="1"/>
+          </p:nvPr>
+        </p:nvSpPr>
+        <p:spPr>
+          <a:xfrm>
+            <a:off x="152400" y="1371600"/>
+            <a:ext cx="8686800" cy="4038600"/>
+          </a:xfrm>
+        </p:spPr>
+        <p:txBody>
+          <a:bodyPr/>
+          <a:lstStyle/>
+          <a:p>
+            <a:pPr eaLnBrk="1" hangingPunct="1">
+              <a:spcBef>
+                <a:spcPct val="0"/>
+              </a:spcBef>
+            </a:pPr>
+            <a:r>
+              <a:rPr lang="en-US" sz="5400" dirty="0" smtClean="0"/>
+              <a:t>Whether you personally </a:t>
+            </a:r>
+          </a:p>
+          <a:p>
+            <a:pPr eaLnBrk="1" hangingPunct="1">
+              <a:spcBef>
+                <a:spcPct val="0"/>
+              </a:spcBef>
+            </a:pPr>
+            <a:r>
+              <a:rPr lang="en-US" sz="5400" dirty="0" smtClean="0"/>
+              <a:t>have TB is </a:t>
+            </a:r>
+            <a:r>
+              <a:rPr lang="en-US" sz="5400" dirty="0" smtClean="0">
+                <a:solidFill>
+                  <a:srgbClr val="FF6600"/>
+                </a:solidFill>
+              </a:rPr>
+              <a:t>unknown</a:t>
+            </a:r>
+            <a:r>
+              <a:rPr lang="en-US" sz="5400" dirty="0" smtClean="0"/>
+              <a:t>,</a:t>
+            </a:r>
+          </a:p>
+          <a:p>
+            <a:pPr eaLnBrk="1" hangingPunct="1">
+              <a:spcBef>
+                <a:spcPct val="0"/>
+              </a:spcBef>
+            </a:pPr>
+            <a:r>
+              <a:rPr lang="en-US" sz="5400" dirty="0" smtClean="0"/>
+              <a:t>but </a:t>
+            </a:r>
+            <a:r>
+              <a:rPr lang="en-US" sz="5400" dirty="0" smtClean="0">
+                <a:solidFill>
+                  <a:srgbClr val="FF00FF"/>
+                </a:solidFill>
+              </a:rPr>
+              <a:t>not</a:t>
+            </a:r>
+            <a:r>
+              <a:rPr lang="en-US" sz="5400" dirty="0" smtClean="0"/>
+              <a:t> a random event!</a:t>
+            </a:r>
+          </a:p>
+        </p:txBody>
+      </p:sp>
+      <p:sp>
+        <p:nvSpPr>
+          <p:cNvPr id="7" name="Title 1"/>
+          <p:cNvSpPr>
+            <a:spLocks noGrp="1"/>
+          </p:cNvSpPr>
+          <p:nvPr>
+            <p:ph type="title"/>
+          </p:nvPr>
+        </p:nvSpPr>
+        <p:spPr>
+          <a:xfrm>
+            <a:off x="1752600" y="152400"/>
+            <a:ext cx="6324600" cy="1143000"/>
+          </a:xfrm>
+        </p:spPr>
+        <p:txBody>
+          <a:bodyPr/>
+          <a:lstStyle/>
+          <a:p>
+            <a:r>
+              <a:rPr lang="en-US" sz="4800" dirty="0" smtClean="0"/>
+              <a:t>You are </a:t>
+            </a:r>
+            <a:r>
+              <a:rPr lang="en-US" sz="4800" dirty="0" smtClean="0">
+                <a:solidFill>
+                  <a:srgbClr val="FF00FF"/>
+                </a:solidFill>
+              </a:rPr>
+              <a:t>not</a:t>
+            </a:r>
+            <a:r>
+              <a:rPr lang="en-US" sz="4800" dirty="0" smtClean="0"/>
+              <a:t> Random</a:t>
+            </a:r>
+            <a:endParaRPr lang="en-US" sz="4800" dirty="0"/>
+          </a:p>
+        </p:txBody>
+      </p:sp>
+    </p:spTree>
+    <p:extLst>
+      <p:ext uri="{BB962C8B-B14F-4D97-AF65-F5344CB8AC3E}">
+        <p14:creationId xmlns:p14="http://schemas.microsoft.com/office/powerpoint/2010/main" val="2688605003"/>
+      </p:ext>
+    </p:extLst>
+  </p:cSld>
+  <p:clrMapOvr>
+    <a:masterClrMapping/>
+  </p:clrMapOvr>
+  <p:transition xmlns:p14="http://schemas.microsoft.com/office/powerpoint/2010/main" spd="slow" advClick="0">
+    <p:fade/>
+  </p:transition>
+  <p:timing>
+    <p:tnLst>
+      <p:par>
+        <p:cTn xmlns:p14="http://schemas.microsoft.com/office/powerpoint/2010/main" id="1" dur="indefinite" restart="never" nodeType="tmRoot">
+          <p:childTnLst>
+            <p:seq concurrent="1" nextAc="seek">
+              <p:cTn id="2" dur="indefinite" nodeType="mainSeq">
+                <p:childTnLst>
+                  <p:par>
+                    <p:cTn id="3" fill="hold">
+                      <p:stCondLst>
+                        <p:cond delay="indefinite"/>
+                      </p:stCondLst>
+                      <p:childTnLst>
+                        <p:par>
+                          <p:cTn id="4" fill="hold">
+                            <p:stCondLst>
+                              <p:cond delay="0"/>
+                            </p:stCondLst>
+                            <p:childTnLst>
+                              <p:par>
+                                <p:cTn id="5" presetID="10" presetClass="entr" presetSubtype="0" fill="hold" nodeType="clickEffect">
+                                  <p:stCondLst>
+                                    <p:cond delay="0"/>
+                                  </p:stCondLst>
+                                  <p:childTnLst>
+                                    <p:set>
+                                      <p:cBhvr>
+                                        <p:cTn id="6" dur="1" fill="hold">
+                                          <p:stCondLst>
+                                            <p:cond delay="0"/>
+                                          </p:stCondLst>
+                                        </p:cTn>
+                                        <p:tgtEl>
+                                          <p:spTgt spid="34819">
+                                            <p:txEl>
+                                              <p:pRg st="2" end="2"/>
+                                            </p:txEl>
+                                          </p:spTgt>
+                                        </p:tgtEl>
+                                        <p:attrNameLst>
+                                          <p:attrName>style.visibility</p:attrName>
+                                        </p:attrNameLst>
+                                      </p:cBhvr>
+                                      <p:to>
+                                        <p:strVal val="visible"/>
+                                      </p:to>
+                                    </p:set>
+                                    <p:animEffect transition="in" filter="fade">
+                                      <p:cBhvr>
+                                        <p:cTn id="7" dur="500"/>
+                                        <p:tgtEl>
+                                          <p:spTgt spid="34819">
                                             <p:txEl>
                                               <p:pRg st="2" end="2"/>
                                             </p:txEl>
@@ -9149,6 +9089,36 @@
 </file>
 
 <file path=ppt/tags/tag6.xml><?xml version="1.0" encoding="utf-8"?>
+<p:tagLst xmlns:a="http://schemas.openxmlformats.org/drawingml/2006/main" xmlns:r="http://schemas.openxmlformats.org/officeDocument/2006/relationships" xmlns:p="http://schemas.openxmlformats.org/presentationml/2006/main">
+  <p:tag name="SOURCE" val="\documentclass{slides}\pagestyle{empty}&#10;\input{C:/latex-macros/texpoint.sty}&#10;\begin{document}&#10;$  3$&#10;\end{document}"/>
+  <p:tag name="EXTERNALNAME" val="TP_tmp"/>
+  <p:tag name="BLEND" val="0"/>
+  <p:tag name="TRANSPARENT" val="1"/>
+  <p:tag name="RESOLUTION" val="300"/>
+  <p:tag name="WORKAROUNDTRANSPARENCYBUG" val="0"/>
+  <p:tag name="ALLOWFONTSUBSTITUTION" val="0"/>
+  <p:tag name="BITMAPFORMAT" val="png256"/>
+  <p:tag name="ORIGWIDTH" val="63.875"/>
+  <p:tag name="PICTUREFILESIZE" val="3950"/>
+</p:tagLst>
+</file>
+
+<file path=ppt/tags/tag7.xml><?xml version="1.0" encoding="utf-8"?>
+<p:tagLst xmlns:a="http://schemas.openxmlformats.org/drawingml/2006/main" xmlns:r="http://schemas.openxmlformats.org/officeDocument/2006/relationships" xmlns:p="http://schemas.openxmlformats.org/presentationml/2006/main">
+  <p:tag name="SOURCE" val="\documentclass{slides}\pagestyle{empty}&#10;\input{C:/latex-macros/texpoint.sty}&#10;\begin{document}&#10;$  3$&#10;\end{document}"/>
+  <p:tag name="EXTERNALNAME" val="TP_tmp"/>
+  <p:tag name="BLEND" val="0"/>
+  <p:tag name="TRANSPARENT" val="1"/>
+  <p:tag name="RESOLUTION" val="300"/>
+  <p:tag name="WORKAROUNDTRANSPARENCYBUG" val="0"/>
+  <p:tag name="ALLOWFONTSUBSTITUTION" val="0"/>
+  <p:tag name="BITMAPFORMAT" val="png256"/>
+  <p:tag name="ORIGWIDTH" val="63.875"/>
+  <p:tag name="PICTUREFILESIZE" val="3950"/>
+</p:tagLst>
+</file>
+
+<file path=ppt/tags/tag8.xml><?xml version="1.0" encoding="utf-8"?>
 <p:tagLst xmlns:a="http://schemas.openxmlformats.org/drawingml/2006/main" xmlns:r="http://schemas.openxmlformats.org/officeDocument/2006/relationships" xmlns:p="http://schemas.openxmlformats.org/presentationml/2006/main">
   <p:tag name="SOURCE" val="\documentclass{slides}\pagestyle{empty}&#10;\input{C:/latex-macros/texpoint.sty}&#10;\begin{document}&#10;$  3$&#10;\end{document}"/>
   <p:tag name="EXTERNALNAME" val="TP_tmp"/>

--- a/spring16/slidesS16/confidence-vs-truth.pptx
+++ b/spring16/slidesS16/confidence-vs-truth.pptx
@@ -18,7 +18,7 @@
     <p:sldId id="436" r:id="rId6"/>
     <p:sldId id="432" r:id="rId7"/>
     <p:sldId id="434" r:id="rId8"/>
-    <p:sldId id="437" r:id="rId9"/>
+    <p:sldId id="443" r:id="rId9"/>
     <p:sldId id="420" r:id="rId10"/>
     <p:sldId id="419" r:id="rId11"/>
     <p:sldId id="421" r:id="rId12"/>
@@ -3919,13 +3919,7 @@
               <a:rPr lang="en-US" sz="5400" dirty="0" smtClean="0">
                 <a:latin typeface="Comic Sans MS" pitchFamily="66" charset="0"/>
               </a:rPr>
-              <a:t>Talking </a:t>
-            </a:r>
-            <a:r>
-              <a:rPr lang="en-US" sz="5400" dirty="0" smtClean="0">
-                <a:latin typeface="Comic Sans MS" pitchFamily="66" charset="0"/>
-              </a:rPr>
-              <a:t>about</a:t>
+              <a:t>Talking about</a:t>
             </a:r>
           </a:p>
           <a:p>
@@ -3949,7 +3943,9 @@
             <a:r>
               <a:rPr lang="en-US" sz="5400" dirty="0" smtClean="0">
                 <a:solidFill>
-                  <a:srgbClr val="7030A0"/>
+                  <a:schemeClr val="accent1">
+                    <a:lumMod val="50000"/>
+                  </a:schemeClr>
                 </a:solidFill>
                 <a:latin typeface="Comic Sans MS" pitchFamily="66" charset="0"/>
               </a:rPr>
@@ -3977,13 +3973,7 @@
               <a:rPr lang="en-US" sz="5400" dirty="0" smtClean="0">
                 <a:latin typeface="Comic Sans MS" pitchFamily="66" charset="0"/>
               </a:rPr>
-              <a:t>you </a:t>
-            </a:r>
-            <a:r>
-              <a:rPr lang="en-US" sz="5400" dirty="0" smtClean="0">
-                <a:latin typeface="Comic Sans MS" pitchFamily="66" charset="0"/>
-              </a:rPr>
-              <a:t>  </a:t>
+              <a:t>you   </a:t>
             </a:r>
           </a:p>
           <a:p>
@@ -4006,15 +3996,18 @@
             </a:r>
             <a:r>
               <a:rPr lang="en-US" sz="5400" dirty="0" smtClean="0">
+                <a:solidFill>
+                  <a:srgbClr val="0000E5"/>
+                </a:solidFill>
                 <a:latin typeface="Comic Sans MS" pitchFamily="66" charset="0"/>
               </a:rPr>
-              <a:t>personally </a:t>
+              <a:t>personally</a:t>
             </a:r>
             <a:r>
               <a:rPr lang="en-US" sz="5400" dirty="0" smtClean="0">
                 <a:latin typeface="Comic Sans MS" pitchFamily="66" charset="0"/>
               </a:rPr>
-              <a:t>have TB”</a:t>
+              <a:t> have TB”</a:t>
             </a:r>
             <a:endParaRPr lang="en-US" sz="5400" dirty="0">
               <a:latin typeface="Comic Sans MS" pitchFamily="66" charset="0"/>
@@ -4875,7 +4868,19 @@
               <a:rPr lang="en-US" sz="4800" dirty="0" smtClean="0">
                 <a:latin typeface="Comic Sans MS" pitchFamily="66" charset="0"/>
               </a:rPr>
-              <a:t>talk about the probability the test is correct. We can say “A test which is correct 98% of the time shows you have TB.”</a:t>
+              <a:t>talk about the probability the test is correct. We can say “A test which is correct </a:t>
+            </a:r>
+            <a:r>
+              <a:rPr lang="en-US" sz="4800" dirty="0" smtClean="0">
+                <a:latin typeface="Comic Sans MS" pitchFamily="66" charset="0"/>
+              </a:rPr>
+              <a:t>99% </a:t>
+            </a:r>
+            <a:r>
+              <a:rPr lang="en-US" sz="4800" dirty="0" smtClean="0">
+                <a:latin typeface="Comic Sans MS" pitchFamily="66" charset="0"/>
+              </a:rPr>
+              <a:t>of the time shows you have TB.”</a:t>
             </a:r>
             <a:endParaRPr lang="en-US" sz="4800" dirty="0">
               <a:latin typeface="Comic Sans MS" pitchFamily="66" charset="0"/>
@@ -5099,9 +5104,6 @@
               </a:rPr>
               <a:t>say</a:t>
             </a:r>
-            <a:endParaRPr lang="en-US" sz="5400" dirty="0" smtClean="0">
-              <a:latin typeface="Comic Sans MS" pitchFamily="66" charset="0"/>
-            </a:endParaRPr>
           </a:p>
           <a:p>
             <a:pPr algn="l">
@@ -5134,7 +5136,7 @@
                 </a:solidFill>
                 <a:latin typeface="Comic Sans MS" pitchFamily="66" charset="0"/>
               </a:rPr>
-              <a:t>98% </a:t>
+              <a:t>99% </a:t>
             </a:r>
             <a:r>
               <a:rPr lang="en-US" sz="6000" dirty="0">
@@ -5404,7 +5406,19 @@
               <a:rPr lang="en-US" sz="6000" dirty="0" smtClean="0">
                 <a:latin typeface="Comic Sans MS" pitchFamily="66" charset="0"/>
               </a:rPr>
-              <a:t>something unlikely (2%)</a:t>
+              <a:t>something unlikely </a:t>
+            </a:r>
+            <a:r>
+              <a:rPr lang="en-US" sz="6000" dirty="0" smtClean="0">
+                <a:latin typeface="Comic Sans MS" pitchFamily="66" charset="0"/>
+              </a:rPr>
+              <a:t>(1%</a:t>
+            </a:r>
+            <a:r>
+              <a:rPr lang="en-US" sz="6000" dirty="0" smtClean="0">
+                <a:latin typeface="Comic Sans MS" pitchFamily="66" charset="0"/>
+              </a:rPr>
+              <a:t>)</a:t>
             </a:r>
           </a:p>
           <a:p>
@@ -5999,13 +6013,7 @@
               <a:rPr lang="en-US" sz="6000" dirty="0" smtClean="0">
                 <a:latin typeface="Comic Sans MS" pitchFamily="66" charset="0"/>
               </a:rPr>
-              <a:t>, and many are unlikely.  The unlikely event may offer little </a:t>
-            </a:r>
-            <a:r>
-              <a:rPr lang="en-US" sz="6000" dirty="0" smtClean="0">
-                <a:latin typeface="Comic Sans MS" pitchFamily="66" charset="0"/>
-              </a:rPr>
-              <a:t>information about TB.</a:t>
+              <a:t>, and many are unlikely.  The unlikely event may offer little information about TB.</a:t>
             </a:r>
             <a:endParaRPr lang="en-US" sz="6000" dirty="0">
               <a:latin typeface="Comic Sans MS" pitchFamily="66" charset="0"/>
@@ -6154,8 +6162,8 @@
         </p:nvSpPr>
         <p:spPr>
           <a:xfrm>
-            <a:off x="152400" y="1524000"/>
-            <a:ext cx="8915400" cy="3886200"/>
+            <a:off x="304800" y="1447800"/>
+            <a:ext cx="8534400" cy="4038600"/>
           </a:xfrm>
         </p:spPr>
         <p:txBody>
@@ -6164,30 +6172,17 @@
           <a:p>
             <a:r>
               <a:rPr lang="en-US" sz="5400" dirty="0" smtClean="0"/>
-              <a:t>Claiming a fact holds </a:t>
-            </a:r>
-            <a:r>
-              <a:rPr lang="en-US" sz="5400" dirty="0" smtClean="0"/>
-              <a:t>at a </a:t>
-            </a:r>
-            <a:endParaRPr lang="en-US" sz="5400" dirty="0" smtClean="0"/>
-          </a:p>
-          <a:p>
-            <a:r>
-              <a:rPr lang="en-US" sz="5400" smtClean="0">
-                <a:solidFill>
-                  <a:srgbClr val="006600"/>
-                </a:solidFill>
-              </a:rPr>
-              <a:t>high confidence </a:t>
-            </a:r>
+              <a:t>Claiming a fact holds at a </a:t>
+            </a:r>
+          </a:p>
+          <a:p>
             <a:r>
               <a:rPr lang="en-US" sz="5400" dirty="0" smtClean="0">
                 <a:solidFill>
                   <a:srgbClr val="006600"/>
                 </a:solidFill>
               </a:rPr>
-              <a:t>level</a:t>
+              <a:t>high confidence level</a:t>
             </a:r>
             <a:r>
               <a:rPr lang="en-US" sz="5400" dirty="0" smtClean="0"/>
@@ -6955,7 +6950,7 @@
                 </a:solidFill>
                 <a:latin typeface="Comic Sans MS" pitchFamily="66" charset="0"/>
               </a:rPr>
-              <a:t>98% </a:t>
+              <a:t>99% </a:t>
             </a:r>
             <a:r>
               <a:rPr lang="en-US" sz="4800" kern="0" dirty="0">
@@ -7012,7 +7007,15 @@
                   <a:schemeClr val="tx1"/>
                 </a:solidFill>
               </a:rPr>
-              <a:t>98% accurate TB testing</a:t>
+              <a:t>99% </a:t>
+            </a:r>
+            <a:r>
+              <a:rPr lang="en-US" sz="4000" dirty="0" smtClean="0">
+                <a:solidFill>
+                  <a:schemeClr val="tx1"/>
+                </a:solidFill>
+              </a:rPr>
+              <a:t>accurate TB testing</a:t>
             </a:r>
           </a:p>
         </p:txBody>
@@ -7296,22 +7299,22 @@
               <a:t>TB is </a:t>
             </a:r>
             <a:r>
-              <a:rPr lang="en-US" sz="4800" kern="0" dirty="0">
-                <a:solidFill>
-                  <a:srgbClr val="0000FF"/>
-                </a:solidFill>
-                <a:latin typeface="Comic Sans MS" pitchFamily="66" charset="0"/>
-              </a:rPr>
-              <a:t>98</a:t>
-            </a:r>
-            <a:r>
               <a:rPr lang="en-US" sz="4800" kern="0" dirty="0" smtClean="0">
                 <a:solidFill>
                   <a:srgbClr val="0000FF"/>
                 </a:solidFill>
                 <a:latin typeface="Comic Sans MS" pitchFamily="66" charset="0"/>
               </a:rPr>
-              <a:t>%.”</a:t>
+              <a:t>99%</a:t>
+            </a:r>
+            <a:r>
+              <a:rPr lang="en-US" sz="4800" kern="0" dirty="0" smtClean="0">
+                <a:solidFill>
+                  <a:srgbClr val="0000FF"/>
+                </a:solidFill>
+                <a:latin typeface="Comic Sans MS" pitchFamily="66" charset="0"/>
+              </a:rPr>
+              <a:t>.”</a:t>
             </a:r>
             <a:endParaRPr lang="en-US" sz="4800" kern="0" dirty="0">
               <a:solidFill>
@@ -7350,7 +7353,15 @@
                   <a:schemeClr val="tx1"/>
                 </a:solidFill>
               </a:rPr>
-              <a:t>98% accurate TB testing</a:t>
+              <a:t>99% </a:t>
+            </a:r>
+            <a:r>
+              <a:rPr lang="en-US" sz="4000" dirty="0" smtClean="0">
+                <a:solidFill>
+                  <a:schemeClr val="tx1"/>
+                </a:solidFill>
+              </a:rPr>
+              <a:t>accurate TB testing</a:t>
             </a:r>
           </a:p>
         </p:txBody>
@@ -8262,12 +8273,11 @@
             <a:r>
               <a:rPr lang="en-US" sz="4800" dirty="0">
                 <a:solidFill>
-                  <a:srgbClr val="FF00FF"/>
+                  <a:srgbClr val="FF0000"/>
                 </a:solidFill>
               </a:rPr>
               <a:t>?</a:t>
             </a:r>
-            <a:endParaRPr lang="en-US" sz="4800" dirty="0"/>
           </a:p>
         </p:txBody>
       </p:sp>
@@ -8293,14 +8303,28 @@
           <a:p>
             <a:r>
               <a:rPr lang="en-US" sz="5400" dirty="0" smtClean="0"/>
-              <a:t>But you personally are</a:t>
-            </a:r>
-          </a:p>
-          <a:p>
+              <a:t>But you </a:t>
+            </a:r>
             <a:r>
               <a:rPr lang="en-US" sz="5400" dirty="0" smtClean="0">
                 <a:solidFill>
-                  <a:srgbClr val="FF00FF"/>
+                  <a:schemeClr val="accent1">
+                    <a:lumMod val="50000"/>
+                  </a:schemeClr>
+                </a:solidFill>
+              </a:rPr>
+              <a:t>personally</a:t>
+            </a:r>
+            <a:r>
+              <a:rPr lang="en-US" sz="5400" dirty="0" smtClean="0"/>
+              <a:t> are</a:t>
+            </a:r>
+          </a:p>
+          <a:p>
+            <a:r>
+              <a:rPr lang="en-US" sz="5400" dirty="0" smtClean="0">
+                <a:solidFill>
+                  <a:srgbClr val="FF0000"/>
                 </a:solidFill>
               </a:rPr>
               <a:t>not</a:t>
@@ -8581,12 +8605,11 @@
             <a:r>
               <a:rPr lang="en-US" sz="4800" dirty="0">
                 <a:solidFill>
-                  <a:srgbClr val="FF00FF"/>
+                  <a:srgbClr val="FF0000"/>
                 </a:solidFill>
               </a:rPr>
               <a:t>?</a:t>
             </a:r>
-            <a:endParaRPr lang="en-US" sz="4800" dirty="0"/>
           </a:p>
         </p:txBody>
       </p:sp>
@@ -8612,34 +8635,48 @@
           <a:p>
             <a:r>
               <a:rPr lang="en-US" sz="5400" dirty="0" smtClean="0"/>
-              <a:t>But you personally are</a:t>
-            </a:r>
-          </a:p>
-          <a:p>
+              <a:t>But you </a:t>
+            </a:r>
             <a:r>
               <a:rPr lang="en-US" sz="5400" dirty="0" smtClean="0">
                 <a:solidFill>
-                  <a:srgbClr val="FF00FF"/>
+                  <a:schemeClr val="accent1">
+                    <a:lumMod val="50000"/>
+                  </a:schemeClr>
                 </a:solidFill>
               </a:rPr>
-              <a:t>not</a:t>
+              <a:t>personally</a:t>
             </a:r>
             <a:r>
               <a:rPr lang="en-US" sz="5400" dirty="0" smtClean="0"/>
-              <a:t> a random person.</a:t>
-            </a:r>
-          </a:p>
-          <a:p>
-            <a:r>
-              <a:rPr lang="en-US" sz="5400" dirty="0" smtClean="0"/>
-              <a:t>Either </a:t>
-            </a:r>
+              <a:t> are</a:t>
+            </a:r>
+          </a:p>
+          <a:p>
             <a:r>
               <a:rPr lang="en-US" sz="5400" dirty="0" smtClean="0">
                 <a:solidFill>
                   <a:srgbClr val="FF0000"/>
                 </a:solidFill>
               </a:rPr>
+              <a:t>not</a:t>
+            </a:r>
+            <a:r>
+              <a:rPr lang="en-US" sz="5400" dirty="0" smtClean="0"/>
+              <a:t> a random person.</a:t>
+            </a:r>
+          </a:p>
+          <a:p>
+            <a:r>
+              <a:rPr lang="en-US" sz="5400" dirty="0" smtClean="0"/>
+              <a:t>Either </a:t>
+            </a:r>
+            <a:r>
+              <a:rPr lang="en-US" sz="5400" dirty="0" smtClean="0">
+                <a:solidFill>
+                  <a:srgbClr val="FF0000"/>
+                </a:solidFill>
+              </a:rPr>
               <a:t>you have</a:t>
             </a:r>
             <a:r>
@@ -8657,15 +8694,20 @@
               <a:t>you don’t</a:t>
             </a:r>
             <a:r>
+              <a:rPr lang="en-US" sz="5400" dirty="0"/>
+              <a:t>.  Nothing </a:t>
+            </a:r>
+          </a:p>
+          <a:p>
+            <a:r>
+              <a:rPr lang="en-US" sz="5400" dirty="0"/>
+              <a:t>probabilistic about this</a:t>
+            </a:r>
+            <a:r>
               <a:rPr lang="en-US" sz="5400" dirty="0" smtClean="0"/>
-              <a:t>.  Nothing </a:t>
-            </a:r>
-          </a:p>
-          <a:p>
-            <a:r>
-              <a:rPr lang="en-US" sz="5400" dirty="0" smtClean="0"/>
-              <a:t>probabilistic about this.</a:t>
-            </a:r>
+              <a:t>.</a:t>
+            </a:r>
+            <a:endParaRPr lang="en-US" sz="5400" dirty="0"/>
           </a:p>
         </p:txBody>
       </p:sp>
@@ -8706,7 +8748,7 @@
     </p:spTree>
     <p:extLst>
       <p:ext uri="{BB962C8B-B14F-4D97-AF65-F5344CB8AC3E}">
-        <p14:creationId xmlns:p14="http://schemas.microsoft.com/office/powerpoint/2010/main" val="3874130490"/>
+        <p14:creationId xmlns:p14="http://schemas.microsoft.com/office/powerpoint/2010/main" val="1489213667"/>
       </p:ext>
     </p:extLst>
   </p:cSld>
@@ -8802,8 +8844,8 @@
         </p:nvSpPr>
         <p:spPr>
           <a:xfrm>
-            <a:off x="152400" y="1371600"/>
-            <a:ext cx="8686800" cy="4038600"/>
+            <a:off x="228600" y="1981200"/>
+            <a:ext cx="8686800" cy="3200400"/>
           </a:xfrm>
         </p:spPr>
         <p:txBody>
@@ -8816,8 +8858,22 @@
               </a:spcBef>
             </a:pPr>
             <a:r>
-              <a:rPr lang="en-US" sz="5400" dirty="0" smtClean="0"/>
-              <a:t>Whether you personally </a:t>
+              <a:rPr lang="en-US" sz="6000" dirty="0" smtClean="0"/>
+              <a:t>Whether you </a:t>
+            </a:r>
+            <a:r>
+              <a:rPr lang="en-US" sz="6000" dirty="0" smtClean="0">
+                <a:solidFill>
+                  <a:schemeClr val="accent1">
+                    <a:lumMod val="50000"/>
+                  </a:schemeClr>
+                </a:solidFill>
+              </a:rPr>
+              <a:t>personally</a:t>
+            </a:r>
+            <a:r>
+              <a:rPr lang="en-US" sz="6000" dirty="0" smtClean="0"/>
+              <a:t> </a:t>
             </a:r>
           </a:p>
           <a:p>
@@ -8827,19 +8883,19 @@
               </a:spcBef>
             </a:pPr>
             <a:r>
-              <a:rPr lang="en-US" sz="5400" dirty="0" smtClean="0"/>
+              <a:rPr lang="en-US" sz="6000" dirty="0" smtClean="0"/>
               <a:t>have TB is </a:t>
             </a:r>
             <a:r>
-              <a:rPr lang="en-US" sz="5400" dirty="0" smtClean="0">
+              <a:rPr lang="en-US" sz="6000" dirty="0" smtClean="0">
                 <a:solidFill>
-                  <a:srgbClr val="FF6600"/>
+                  <a:srgbClr val="FF00FF"/>
                 </a:solidFill>
               </a:rPr>
               <a:t>unknown</a:t>
             </a:r>
             <a:r>
-              <a:rPr lang="en-US" sz="5400" dirty="0" smtClean="0"/>
+              <a:rPr lang="en-US" sz="6000" dirty="0" smtClean="0"/>
               <a:t>,</a:t>
             </a:r>
           </a:p>
@@ -8850,19 +8906,19 @@
               </a:spcBef>
             </a:pPr>
             <a:r>
-              <a:rPr lang="en-US" sz="5400" dirty="0" smtClean="0"/>
+              <a:rPr lang="en-US" sz="6000" dirty="0" smtClean="0"/>
               <a:t>but </a:t>
             </a:r>
             <a:r>
-              <a:rPr lang="en-US" sz="5400" dirty="0" smtClean="0">
+              <a:rPr lang="en-US" sz="6000" dirty="0" smtClean="0">
                 <a:solidFill>
-                  <a:srgbClr val="FF00FF"/>
+                  <a:srgbClr val="FF0000"/>
                 </a:solidFill>
               </a:rPr>
               <a:t>not</a:t>
             </a:r>
             <a:r>
-              <a:rPr lang="en-US" sz="5400" dirty="0" smtClean="0"/>
+              <a:rPr lang="en-US" sz="6000" dirty="0" smtClean="0"/>
               <a:t> a random event!</a:t>
             </a:r>
           </a:p>
@@ -8895,7 +8951,7 @@
             <a:r>
               <a:rPr lang="en-US" sz="4800" dirty="0" smtClean="0">
                 <a:solidFill>
-                  <a:srgbClr val="FF00FF"/>
+                  <a:srgbClr val="FF0000"/>
                 </a:solidFill>
               </a:rPr>
               <a:t>not</a:t>

--- a/spring16/slidesS16/confidence-vs-truth.pptx
+++ b/spring16/slidesS16/confidence-vs-truth.pptx
@@ -4026,12 +4026,21 @@
                 </a:solidFill>
                 <a:latin typeface="Comic Sans MS" pitchFamily="66" charset="0"/>
               </a:rPr>
-              <a:t>   -</a:t>
+              <a:t>   </a:t>
+            </a:r>
+            <a:r>
+              <a:rPr lang="en-US" sz="5400" dirty="0" smtClean="0">
+                <a:solidFill>
+                  <a:srgbClr val="FF0000"/>
+                </a:solidFill>
+                <a:latin typeface="Comic Sans MS" pitchFamily="66" charset="0"/>
+              </a:rPr>
+              <a:t>-</a:t>
             </a:r>
             <a:r>
               <a:rPr lang="en-US" sz="5400" dirty="0">
                 <a:solidFill>
-                  <a:srgbClr val="CC0000"/>
+                  <a:srgbClr val="FF0000"/>
                 </a:solidFill>
                 <a:latin typeface="Comic Sans MS" pitchFamily="66" charset="0"/>
               </a:rPr>
@@ -4040,7 +4049,7 @@
             <a:r>
               <a:rPr lang="en-US" sz="5400" dirty="0" smtClean="0">
                 <a:solidFill>
-                  <a:srgbClr val="CC0000"/>
+                  <a:srgbClr val="FF0000"/>
                 </a:solidFill>
                 <a:latin typeface="Comic Sans MS" pitchFamily="66" charset="0"/>
               </a:rPr>
@@ -4048,7 +4057,7 @@
             </a:r>
             <a:endParaRPr lang="en-US" sz="5400" dirty="0">
               <a:solidFill>
-                <a:srgbClr val="CC0000"/>
+                <a:srgbClr val="FF0000"/>
               </a:solidFill>
               <a:latin typeface="Comic Sans MS" pitchFamily="66" charset="0"/>
             </a:endParaRPr>
@@ -4868,19 +4877,7 @@
               <a:rPr lang="en-US" sz="4800" dirty="0" smtClean="0">
                 <a:latin typeface="Comic Sans MS" pitchFamily="66" charset="0"/>
               </a:rPr>
-              <a:t>talk about the probability the test is correct. We can say “A test which is correct </a:t>
-            </a:r>
-            <a:r>
-              <a:rPr lang="en-US" sz="4800" dirty="0" smtClean="0">
-                <a:latin typeface="Comic Sans MS" pitchFamily="66" charset="0"/>
-              </a:rPr>
-              <a:t>99% </a:t>
-            </a:r>
-            <a:r>
-              <a:rPr lang="en-US" sz="4800" dirty="0" smtClean="0">
-                <a:latin typeface="Comic Sans MS" pitchFamily="66" charset="0"/>
-              </a:rPr>
-              <a:t>of the time shows you have TB.”</a:t>
+              <a:t>talk about the probability the test is correct. We can say “A test which is correct 99% of the time shows you have TB.”</a:t>
             </a:r>
             <a:endParaRPr lang="en-US" sz="4800" dirty="0">
               <a:latin typeface="Comic Sans MS" pitchFamily="66" charset="0"/>
@@ -5406,19 +5403,7 @@
               <a:rPr lang="en-US" sz="6000" dirty="0" smtClean="0">
                 <a:latin typeface="Comic Sans MS" pitchFamily="66" charset="0"/>
               </a:rPr>
-              <a:t>something unlikely </a:t>
-            </a:r>
-            <a:r>
-              <a:rPr lang="en-US" sz="6000" dirty="0" smtClean="0">
-                <a:latin typeface="Comic Sans MS" pitchFamily="66" charset="0"/>
-              </a:rPr>
-              <a:t>(1%</a:t>
-            </a:r>
-            <a:r>
-              <a:rPr lang="en-US" sz="6000" dirty="0" smtClean="0">
-                <a:latin typeface="Comic Sans MS" pitchFamily="66" charset="0"/>
-              </a:rPr>
-              <a:t>)</a:t>
+              <a:t>something unlikely (1%)</a:t>
             </a:r>
           </a:p>
           <a:p>
@@ -7007,15 +6992,7 @@
                   <a:schemeClr val="tx1"/>
                 </a:solidFill>
               </a:rPr>
-              <a:t>99% </a:t>
-            </a:r>
-            <a:r>
-              <a:rPr lang="en-US" sz="4000" dirty="0" smtClean="0">
-                <a:solidFill>
-                  <a:schemeClr val="tx1"/>
-                </a:solidFill>
-              </a:rPr>
-              <a:t>accurate TB testing</a:t>
+              <a:t>99% accurate TB testing</a:t>
             </a:r>
           </a:p>
         </p:txBody>
@@ -7305,16 +7282,7 @@
                 </a:solidFill>
                 <a:latin typeface="Comic Sans MS" pitchFamily="66" charset="0"/>
               </a:rPr>
-              <a:t>99%</a:t>
-            </a:r>
-            <a:r>
-              <a:rPr lang="en-US" sz="4800" kern="0" dirty="0" smtClean="0">
-                <a:solidFill>
-                  <a:srgbClr val="0000FF"/>
-                </a:solidFill>
-                <a:latin typeface="Comic Sans MS" pitchFamily="66" charset="0"/>
-              </a:rPr>
-              <a:t>.”</a:t>
+              <a:t>99%.”</a:t>
             </a:r>
             <a:endParaRPr lang="en-US" sz="4800" kern="0" dirty="0">
               <a:solidFill>
@@ -7353,15 +7321,7 @@
                   <a:schemeClr val="tx1"/>
                 </a:solidFill>
               </a:rPr>
-              <a:t>99% </a:t>
-            </a:r>
-            <a:r>
-              <a:rPr lang="en-US" sz="4000" dirty="0" smtClean="0">
-                <a:solidFill>
-                  <a:schemeClr val="tx1"/>
-                </a:solidFill>
-              </a:rPr>
-              <a:t>accurate TB testing</a:t>
+              <a:t>99% accurate TB testing</a:t>
             </a:r>
           </a:p>
         </p:txBody>
@@ -7624,7 +7584,7 @@
                 </a:solidFill>
                 <a:latin typeface="Comic Sans MS" pitchFamily="66" charset="0"/>
               </a:rPr>
-              <a:t> TB,</a:t>
+              <a:t> </a:t>
             </a:r>
             <a:r>
               <a:rPr lang="is-IS" sz="5400" kern="0" dirty="0" smtClean="0">
@@ -7633,7 +7593,7 @@
                 </a:solidFill>
                 <a:latin typeface="Comic Sans MS" pitchFamily="66" charset="0"/>
               </a:rPr>
-              <a:t> </a:t>
+              <a:t>TB, </a:t>
             </a:r>
             <a:r>
               <a:rPr lang="is-IS" sz="5400" kern="0" dirty="0" smtClean="0">
@@ -7644,27 +7604,7 @@
                 </a:solidFill>
                 <a:latin typeface="Comic Sans MS" pitchFamily="66" charset="0"/>
               </a:rPr>
-              <a:t>given </a:t>
-            </a:r>
-            <a:r>
-              <a:rPr lang="is-IS" sz="5400" kern="0" dirty="0" smtClean="0">
-                <a:solidFill>
-                  <a:srgbClr val="000000"/>
-                </a:solidFill>
-                <a:latin typeface="Comic Sans MS" pitchFamily="66" charset="0"/>
-              </a:rPr>
-              <a:t>they</a:t>
-            </a:r>
-            <a:r>
-              <a:rPr lang="is-IS" sz="5400" kern="0" dirty="0" smtClean="0">
-                <a:solidFill>
-                  <a:schemeClr val="accent1">
-                    <a:lumMod val="50000"/>
-                  </a:schemeClr>
-                </a:solidFill>
-                <a:latin typeface="Comic Sans MS" pitchFamily="66" charset="0"/>
-              </a:rPr>
-              <a:t> test positive</a:t>
+              <a:t>given they test positive</a:t>
             </a:r>
             <a:endParaRPr lang="en-US" sz="5400" dirty="0">
               <a:solidFill>
@@ -7882,7 +7822,13 @@
                 </a:solidFill>
                 <a:latin typeface="Comic Sans MS" pitchFamily="66" charset="0"/>
               </a:rPr>
-              <a:t> TB,</a:t>
+              <a:t> </a:t>
+            </a:r>
+            <a:r>
+              <a:rPr lang="is-IS" sz="5400" kern="0" dirty="0" smtClean="0">
+                <a:latin typeface="Comic Sans MS" pitchFamily="66" charset="0"/>
+              </a:rPr>
+              <a:t>TB,</a:t>
             </a:r>
             <a:r>
               <a:rPr lang="is-IS" sz="5400" kern="0" dirty="0" smtClean="0">
@@ -7902,7 +7848,7 @@
                 </a:solidFill>
                 <a:latin typeface="Comic Sans MS" pitchFamily="66" charset="0"/>
               </a:rPr>
-              <a:t>given </a:t>
+              <a:t>given they test positive, </a:t>
             </a:r>
             <a:r>
               <a:rPr lang="is-IS" sz="5400" kern="0" dirty="0" smtClean="0">
@@ -7911,26 +7857,6 @@
                 </a:solidFill>
                 <a:latin typeface="Comic Sans MS" pitchFamily="66" charset="0"/>
               </a:rPr>
-              <a:t>they</a:t>
-            </a:r>
-            <a:r>
-              <a:rPr lang="is-IS" sz="5400" kern="0" dirty="0" smtClean="0">
-                <a:solidFill>
-                  <a:schemeClr val="accent1">
-                    <a:lumMod val="50000"/>
-                  </a:schemeClr>
-                </a:solidFill>
-                <a:latin typeface="Comic Sans MS" pitchFamily="66" charset="0"/>
-              </a:rPr>
-              <a:t> test positive </a:t>
-            </a:r>
-            <a:r>
-              <a:rPr lang="is-IS" sz="5400" kern="0" dirty="0" smtClean="0">
-                <a:solidFill>
-                  <a:srgbClr val="000000"/>
-                </a:solidFill>
-                <a:latin typeface="Comic Sans MS" pitchFamily="66" charset="0"/>
-              </a:rPr>
               <a:t>depends on the probability a </a:t>
             </a:r>
             <a:r>
@@ -7949,21 +7875,15 @@
                 </a:solidFill>
                 <a:latin typeface="Comic Sans MS" pitchFamily="66" charset="0"/>
               </a:rPr>
-              <a:t> has TB</a:t>
+              <a:t> </a:t>
             </a:r>
             <a:r>
               <a:rPr lang="is-IS" sz="5400" kern="0" dirty="0" smtClean="0">
-                <a:solidFill>
-                  <a:srgbClr val="000000"/>
-                </a:solidFill>
                 <a:latin typeface="Comic Sans MS" pitchFamily="66" charset="0"/>
               </a:rPr>
-              <a:t>.</a:t>
+              <a:t>has TB.</a:t>
             </a:r>
             <a:endParaRPr lang="en-US" sz="5400" dirty="0">
-              <a:solidFill>
-                <a:srgbClr val="000000"/>
-              </a:solidFill>
               <a:latin typeface="Comic Sans MS"/>
               <a:cs typeface="Comic Sans MS"/>
             </a:endParaRPr>
